--- a/Databasteknik AKS/projektet.pptx
+++ b/Databasteknik AKS/projektet.pptx
@@ -200,7 +200,7 @@
             <a:fld id="{B2F003CB-DC67-42A7-8768-DA1A078EAA53}" type="datetimeFigureOut">
               <a:rPr lang="sv-SE" smtClean="0"/>
               <a:pPr/>
-              <a:t>2014-03-17</a:t>
+              <a:t>2014-03-18</a:t>
             </a:fld>
             <a:endParaRPr lang="sv-SE" dirty="0"/>
           </a:p>
@@ -730,7 +730,7 @@
             <a:fld id="{1D8BD707-D9CF-40AE-B4C6-C98DA3205C09}" type="datetimeFigureOut">
               <a:rPr lang="en-US" smtClean="0"/>
               <a:pPr/>
-              <a:t>3/17/2014</a:t>
+              <a:t>3/18/2014</a:t>
             </a:fld>
             <a:endParaRPr lang="en-US" dirty="0"/>
           </a:p>
@@ -897,7 +897,7 @@
             <a:fld id="{1D8BD707-D9CF-40AE-B4C6-C98DA3205C09}" type="datetimeFigureOut">
               <a:rPr lang="en-US" smtClean="0"/>
               <a:pPr/>
-              <a:t>3/17/2014</a:t>
+              <a:t>3/18/2014</a:t>
             </a:fld>
             <a:endParaRPr lang="en-US" dirty="0"/>
           </a:p>
@@ -1074,7 +1074,7 @@
             <a:fld id="{1D8BD707-D9CF-40AE-B4C6-C98DA3205C09}" type="datetimeFigureOut">
               <a:rPr lang="en-US" smtClean="0"/>
               <a:pPr/>
-              <a:t>3/17/2014</a:t>
+              <a:t>3/18/2014</a:t>
             </a:fld>
             <a:endParaRPr lang="en-US" dirty="0"/>
           </a:p>
@@ -1241,7 +1241,7 @@
             <a:fld id="{1D8BD707-D9CF-40AE-B4C6-C98DA3205C09}" type="datetimeFigureOut">
               <a:rPr lang="en-US" smtClean="0"/>
               <a:pPr/>
-              <a:t>3/17/2014</a:t>
+              <a:t>3/18/2014</a:t>
             </a:fld>
             <a:endParaRPr lang="en-US" dirty="0"/>
           </a:p>
@@ -1484,7 +1484,7 @@
             <a:fld id="{1D8BD707-D9CF-40AE-B4C6-C98DA3205C09}" type="datetimeFigureOut">
               <a:rPr lang="en-US" smtClean="0"/>
               <a:pPr/>
-              <a:t>3/17/2014</a:t>
+              <a:t>3/18/2014</a:t>
             </a:fld>
             <a:endParaRPr lang="en-US" dirty="0"/>
           </a:p>
@@ -1769,7 +1769,7 @@
             <a:fld id="{1D8BD707-D9CF-40AE-B4C6-C98DA3205C09}" type="datetimeFigureOut">
               <a:rPr lang="en-US" smtClean="0"/>
               <a:pPr/>
-              <a:t>3/17/2014</a:t>
+              <a:t>3/18/2014</a:t>
             </a:fld>
             <a:endParaRPr lang="en-US" dirty="0"/>
           </a:p>
@@ -2188,7 +2188,7 @@
             <a:fld id="{1D8BD707-D9CF-40AE-B4C6-C98DA3205C09}" type="datetimeFigureOut">
               <a:rPr lang="en-US" smtClean="0"/>
               <a:pPr/>
-              <a:t>3/17/2014</a:t>
+              <a:t>3/18/2014</a:t>
             </a:fld>
             <a:endParaRPr lang="en-US" dirty="0"/>
           </a:p>
@@ -2303,7 +2303,7 @@
             <a:fld id="{1D8BD707-D9CF-40AE-B4C6-C98DA3205C09}" type="datetimeFigureOut">
               <a:rPr lang="en-US" smtClean="0"/>
               <a:pPr/>
-              <a:t>3/17/2014</a:t>
+              <a:t>3/18/2014</a:t>
             </a:fld>
             <a:endParaRPr lang="en-US" dirty="0"/>
           </a:p>
@@ -2395,7 +2395,7 @@
             <a:fld id="{1D8BD707-D9CF-40AE-B4C6-C98DA3205C09}" type="datetimeFigureOut">
               <a:rPr lang="en-US" smtClean="0"/>
               <a:pPr/>
-              <a:t>3/17/2014</a:t>
+              <a:t>3/18/2014</a:t>
             </a:fld>
             <a:endParaRPr lang="en-US" dirty="0"/>
           </a:p>
@@ -2669,7 +2669,7 @@
             <a:fld id="{1D8BD707-D9CF-40AE-B4C6-C98DA3205C09}" type="datetimeFigureOut">
               <a:rPr lang="en-US" smtClean="0"/>
               <a:pPr/>
-              <a:t>3/17/2014</a:t>
+              <a:t>3/18/2014</a:t>
             </a:fld>
             <a:endParaRPr lang="en-US" dirty="0"/>
           </a:p>
@@ -2919,7 +2919,7 @@
             <a:fld id="{1D8BD707-D9CF-40AE-B4C6-C98DA3205C09}" type="datetimeFigureOut">
               <a:rPr lang="en-US" smtClean="0"/>
               <a:pPr/>
-              <a:t>3/17/2014</a:t>
+              <a:t>3/18/2014</a:t>
             </a:fld>
             <a:endParaRPr lang="en-US" dirty="0"/>
           </a:p>
@@ -3129,7 +3129,7 @@
             <a:fld id="{1D8BD707-D9CF-40AE-B4C6-C98DA3205C09}" type="datetimeFigureOut">
               <a:rPr lang="en-US" smtClean="0"/>
               <a:pPr/>
-              <a:t>3/17/2014</a:t>
+              <a:t>3/18/2014</a:t>
             </a:fld>
             <a:endParaRPr lang="en-US" dirty="0"/>
           </a:p>
@@ -8466,7 +8466,7 @@
         </p:nvGraphicFramePr>
         <p:xfrm>
           <a:off x="533400" y="457200"/>
-          <a:ext cx="2667000" cy="1447800"/>
+          <a:ext cx="2667000" cy="1206500"/>
         </p:xfrm>
         <a:graphic>
           <a:graphicData uri="http://schemas.openxmlformats.org/drawingml/2006/table">
@@ -8485,12 +8485,75 @@
                     <a:p>
                       <a:pPr algn="ctr"/>
                       <a:r>
-                        <a:rPr lang="en-US" sz="1200" dirty="0">
+                        <a:rPr lang="en-US" sz="1200" b="0" dirty="0" smtClean="0">
                           <a:latin typeface="Calibri"/>
                           <a:ea typeface="Times New Roman"/>
                           <a:cs typeface="Times New Roman"/>
                         </a:rPr>
                         <a:t>Comment</a:t>
+                      </a:r>
+                      <a:endParaRPr lang="sv-SE" sz="1100" b="0" dirty="0">
+                        <a:latin typeface="Calibri"/>
+                        <a:ea typeface="Times New Roman"/>
+                        <a:cs typeface="Times New Roman"/>
+                      </a:endParaRPr>
+                    </a:p>
+                  </a:txBody>
+                  <a:tcPr marL="68580" marR="68580" marT="0" marB="0" anchor="ctr">
+                    <a:lnL w="12700" cap="flat" cmpd="sng" algn="ctr">
+                      <a:solidFill>
+                        <a:srgbClr val="B3CC82"/>
+                      </a:solidFill>
+                      <a:prstDash val="solid"/>
+                      <a:round/>
+                      <a:headEnd type="none" w="med" len="med"/>
+                      <a:tailEnd type="none" w="med" len="med"/>
+                    </a:lnL>
+                    <a:lnR w="12700" cap="flat" cmpd="sng" algn="ctr">
+                      <a:solidFill>
+                        <a:srgbClr val="B3CC82"/>
+                      </a:solidFill>
+                      <a:prstDash val="solid"/>
+                      <a:round/>
+                      <a:headEnd type="none" w="med" len="med"/>
+                      <a:tailEnd type="none" w="med" len="med"/>
+                    </a:lnR>
+                    <a:lnT w="12700" cap="flat" cmpd="sng" algn="ctr">
+                      <a:solidFill>
+                        <a:srgbClr val="B3CC82"/>
+                      </a:solidFill>
+                      <a:prstDash val="solid"/>
+                      <a:round/>
+                      <a:headEnd type="none" w="med" len="med"/>
+                      <a:tailEnd type="none" w="med" len="med"/>
+                    </a:lnT>
+                    <a:lnB w="12700" cap="flat" cmpd="sng" algn="ctr">
+                      <a:solidFill>
+                        <a:srgbClr val="B3CC82"/>
+                      </a:solidFill>
+                      <a:prstDash val="solid"/>
+                      <a:round/>
+                      <a:headEnd type="none" w="med" len="med"/>
+                      <a:tailEnd type="none" w="med" len="med"/>
+                    </a:lnB>
+                    <a:solidFill>
+                      <a:srgbClr val="E6EED5"/>
+                    </a:solidFill>
+                  </a:tcPr>
+                </a:tc>
+                <a:tc>
+                  <a:txBody>
+                    <a:bodyPr/>
+                    <a:lstStyle/>
+                    <a:p>
+                      <a:pPr algn="ctr"/>
+                      <a:r>
+                        <a:rPr lang="en-US" sz="1200" dirty="0" smtClean="0">
+                          <a:latin typeface="Calibri"/>
+                          <a:ea typeface="Times New Roman"/>
+                          <a:cs typeface="Times New Roman"/>
+                        </a:rPr>
+                        <a:t>Typ</a:t>
                       </a:r>
                       <a:endParaRPr lang="sv-SE" sz="1100" dirty="0">
                         <a:latin typeface="Calibri"/>
@@ -8548,12 +8611,12 @@
                     <a:p>
                       <a:pPr algn="ctr"/>
                       <a:r>
-                        <a:rPr lang="en-US" sz="1200" dirty="0">
+                        <a:rPr lang="en-US" sz="1200" dirty="0" smtClean="0">
                           <a:latin typeface="Calibri"/>
                           <a:ea typeface="Times New Roman"/>
                           <a:cs typeface="Times New Roman"/>
                         </a:rPr>
-                        <a:t>Typ</a:t>
+                        <a:t>Längd</a:t>
                       </a:r>
                       <a:endParaRPr lang="sv-SE" sz="1100" dirty="0">
                         <a:latin typeface="Calibri"/>
@@ -8604,6 +8667,8 @@
                     </a:solidFill>
                   </a:tcPr>
                 </a:tc>
+              </a:tr>
+              <a:tr h="241300">
                 <a:tc>
                   <a:txBody>
                     <a:bodyPr/>
@@ -8611,12 +8676,75 @@
                     <a:p>
                       <a:pPr algn="ctr"/>
                       <a:r>
-                        <a:rPr lang="en-US" sz="1200" dirty="0">
+                        <a:rPr lang="en-US" sz="1200" b="1" dirty="0" smtClean="0">
                           <a:latin typeface="Calibri"/>
                           <a:ea typeface="Times New Roman"/>
                           <a:cs typeface="Times New Roman"/>
                         </a:rPr>
-                        <a:t>Längd</a:t>
+                        <a:t>ImageID</a:t>
+                      </a:r>
+                      <a:endParaRPr lang="sv-SE" sz="1100" b="1" dirty="0">
+                        <a:latin typeface="Calibri"/>
+                        <a:ea typeface="Times New Roman"/>
+                        <a:cs typeface="Times New Roman"/>
+                      </a:endParaRPr>
+                    </a:p>
+                  </a:txBody>
+                  <a:tcPr marL="68580" marR="68580" marT="0" marB="0" anchor="ctr">
+                    <a:lnL w="12700" cap="flat" cmpd="sng" algn="ctr">
+                      <a:solidFill>
+                        <a:srgbClr val="B3CC82"/>
+                      </a:solidFill>
+                      <a:prstDash val="solid"/>
+                      <a:round/>
+                      <a:headEnd type="none" w="med" len="med"/>
+                      <a:tailEnd type="none" w="med" len="med"/>
+                    </a:lnL>
+                    <a:lnR w="12700" cap="flat" cmpd="sng" algn="ctr">
+                      <a:solidFill>
+                        <a:srgbClr val="B3CC82"/>
+                      </a:solidFill>
+                      <a:prstDash val="solid"/>
+                      <a:round/>
+                      <a:headEnd type="none" w="med" len="med"/>
+                      <a:tailEnd type="none" w="med" len="med"/>
+                    </a:lnR>
+                    <a:lnT w="12700" cap="flat" cmpd="sng" algn="ctr">
+                      <a:solidFill>
+                        <a:srgbClr val="B3CC82"/>
+                      </a:solidFill>
+                      <a:prstDash val="solid"/>
+                      <a:round/>
+                      <a:headEnd type="none" w="med" len="med"/>
+                      <a:tailEnd type="none" w="med" len="med"/>
+                    </a:lnT>
+                    <a:lnB w="12700" cap="flat" cmpd="sng" algn="ctr">
+                      <a:solidFill>
+                        <a:srgbClr val="B3CC82"/>
+                      </a:solidFill>
+                      <a:prstDash val="solid"/>
+                      <a:round/>
+                      <a:headEnd type="none" w="med" len="med"/>
+                      <a:tailEnd type="none" w="med" len="med"/>
+                    </a:lnB>
+                    <a:solidFill>
+                      <a:srgbClr val="E6EED5"/>
+                    </a:solidFill>
+                  </a:tcPr>
+                </a:tc>
+                <a:tc>
+                  <a:txBody>
+                    <a:bodyPr/>
+                    <a:lstStyle/>
+                    <a:p>
+                      <a:pPr algn="ctr"/>
+                      <a:r>
+                        <a:rPr lang="en-US" sz="1200" dirty="0" smtClean="0">
+                          <a:latin typeface="Calibri"/>
+                          <a:ea typeface="Times New Roman"/>
+                          <a:cs typeface="Times New Roman"/>
+                        </a:rPr>
+                        <a:t>N,FK</a:t>
                       </a:r>
                       <a:endParaRPr lang="sv-SE" sz="1100" dirty="0">
                         <a:latin typeface="Calibri"/>
@@ -8667,8 +8795,6 @@
                     </a:solidFill>
                   </a:tcPr>
                 </a:tc>
-              </a:tr>
-              <a:tr h="241300">
                 <a:tc>
                   <a:txBody>
                     <a:bodyPr/>
@@ -8676,12 +8802,12 @@
                     <a:p>
                       <a:pPr algn="ctr"/>
                       <a:r>
-                        <a:rPr lang="en-US" sz="1200" b="1" dirty="0">
+                        <a:rPr lang="en-US" sz="1200" dirty="0">
                           <a:latin typeface="Calibri"/>
                           <a:ea typeface="Times New Roman"/>
                           <a:cs typeface="Times New Roman"/>
                         </a:rPr>
-                        <a:t>CommentID</a:t>
+                        <a:t>-</a:t>
                       </a:r>
                       <a:endParaRPr lang="sv-SE" sz="1100" dirty="0">
                         <a:latin typeface="Calibri"/>
@@ -8732,6 +8858,8 @@
                     </a:solidFill>
                   </a:tcPr>
                 </a:tc>
+              </a:tr>
+              <a:tr h="241300">
                 <a:tc>
                   <a:txBody>
                     <a:bodyPr/>
@@ -8739,12 +8867,75 @@
                     <a:p>
                       <a:pPr algn="ctr"/>
                       <a:r>
-                        <a:rPr lang="en-US" sz="1200" dirty="0">
+                        <a:rPr lang="en-US" sz="1200" b="1" i="0" dirty="0" smtClean="0">
                           <a:latin typeface="Calibri"/>
                           <a:ea typeface="Times New Roman"/>
                           <a:cs typeface="Times New Roman"/>
                         </a:rPr>
-                        <a:t>N,PK</a:t>
+                        <a:t>UserID</a:t>
+                      </a:r>
+                      <a:endParaRPr lang="sv-SE" sz="1100" b="1" i="0" dirty="0">
+                        <a:latin typeface="Calibri"/>
+                        <a:ea typeface="Times New Roman"/>
+                        <a:cs typeface="Times New Roman"/>
+                      </a:endParaRPr>
+                    </a:p>
+                  </a:txBody>
+                  <a:tcPr marL="68580" marR="68580" marT="0" marB="0" anchor="ctr">
+                    <a:lnL w="12700" cap="flat" cmpd="sng" algn="ctr">
+                      <a:solidFill>
+                        <a:srgbClr val="B3CC82"/>
+                      </a:solidFill>
+                      <a:prstDash val="solid"/>
+                      <a:round/>
+                      <a:headEnd type="none" w="med" len="med"/>
+                      <a:tailEnd type="none" w="med" len="med"/>
+                    </a:lnL>
+                    <a:lnR w="12700" cap="flat" cmpd="sng" algn="ctr">
+                      <a:solidFill>
+                        <a:srgbClr val="B3CC82"/>
+                      </a:solidFill>
+                      <a:prstDash val="solid"/>
+                      <a:round/>
+                      <a:headEnd type="none" w="med" len="med"/>
+                      <a:tailEnd type="none" w="med" len="med"/>
+                    </a:lnR>
+                    <a:lnT w="12700" cap="flat" cmpd="sng" algn="ctr">
+                      <a:solidFill>
+                        <a:srgbClr val="B3CC82"/>
+                      </a:solidFill>
+                      <a:prstDash val="solid"/>
+                      <a:round/>
+                      <a:headEnd type="none" w="med" len="med"/>
+                      <a:tailEnd type="none" w="med" len="med"/>
+                    </a:lnT>
+                    <a:lnB w="12700" cap="flat" cmpd="sng" algn="ctr">
+                      <a:solidFill>
+                        <a:srgbClr val="B3CC82"/>
+                      </a:solidFill>
+                      <a:prstDash val="solid"/>
+                      <a:round/>
+                      <a:headEnd type="none" w="med" len="med"/>
+                      <a:tailEnd type="none" w="med" len="med"/>
+                    </a:lnB>
+                    <a:solidFill>
+                      <a:srgbClr val="E6EED5"/>
+                    </a:solidFill>
+                  </a:tcPr>
+                </a:tc>
+                <a:tc>
+                  <a:txBody>
+                    <a:bodyPr/>
+                    <a:lstStyle/>
+                    <a:p>
+                      <a:pPr algn="ctr"/>
+                      <a:r>
+                        <a:rPr lang="en-US" sz="1200" dirty="0" smtClean="0">
+                          <a:latin typeface="Calibri"/>
+                          <a:ea typeface="Times New Roman"/>
+                          <a:cs typeface="Times New Roman"/>
+                        </a:rPr>
+                        <a:t>N,FK</a:t>
                       </a:r>
                       <a:endParaRPr lang="sv-SE" sz="1100" dirty="0">
                         <a:latin typeface="Calibri"/>
@@ -8802,7 +8993,7 @@
                     <a:p>
                       <a:pPr algn="ctr"/>
                       <a:r>
-                        <a:rPr lang="en-US" sz="1200" dirty="0">
+                        <a:rPr lang="en-US" sz="1200" dirty="0" smtClean="0">
                           <a:latin typeface="Calibri"/>
                           <a:ea typeface="Times New Roman"/>
                           <a:cs typeface="Times New Roman"/>
@@ -8867,14 +9058,14 @@
                     <a:p>
                       <a:pPr algn="ctr"/>
                       <a:r>
-                        <a:rPr lang="en-US" sz="1200" b="0" dirty="0">
+                        <a:rPr lang="en-US" sz="1200" b="0" i="1" dirty="0" smtClean="0">
                           <a:latin typeface="Calibri"/>
                           <a:ea typeface="Times New Roman"/>
                           <a:cs typeface="Times New Roman"/>
                         </a:rPr>
-                        <a:t>Comment</a:t>
-                      </a:r>
-                      <a:endParaRPr lang="sv-SE" sz="1100" b="0" dirty="0">
+                        <a:t>Comm</a:t>
+                      </a:r>
+                      <a:endParaRPr lang="sv-SE" sz="1100" b="0" i="1" dirty="0">
                         <a:latin typeface="Calibri"/>
                         <a:ea typeface="Times New Roman"/>
                         <a:cs typeface="Times New Roman"/>
@@ -8930,7 +9121,7 @@
                     <a:p>
                       <a:pPr algn="ctr"/>
                       <a:r>
-                        <a:rPr lang="en-US" sz="1200" dirty="0">
+                        <a:rPr lang="en-US" sz="1200" dirty="0" smtClean="0">
                           <a:latin typeface="Calibri"/>
                           <a:ea typeface="Times New Roman"/>
                           <a:cs typeface="Times New Roman"/>
@@ -8993,12 +9184,12 @@
                     <a:p>
                       <a:pPr algn="ctr"/>
                       <a:r>
-                        <a:rPr lang="en-US" sz="1200" dirty="0">
+                        <a:rPr lang="sv-SE" sz="1100" dirty="0" smtClean="0">
                           <a:latin typeface="Calibri"/>
                           <a:ea typeface="Times New Roman"/>
                           <a:cs typeface="Times New Roman"/>
                         </a:rPr>
-                        <a:t>1000</a:t>
+                        <a:t>500</a:t>
                       </a:r>
                       <a:endParaRPr lang="sv-SE" sz="1100" dirty="0">
                         <a:latin typeface="Calibri"/>
@@ -9058,15 +9249,15 @@
                     <a:p>
                       <a:pPr algn="ctr"/>
                       <a:r>
-                        <a:rPr lang="en-US" sz="1200" b="0" dirty="0" smtClean="0">
-                          <a:latin typeface="Calibri"/>
+                        <a:rPr lang="en-US" sz="1100" b="0" i="1" dirty="0" smtClean="0">
+                          <a:latin typeface="+mn-lt"/>
                           <a:ea typeface="Times New Roman"/>
                           <a:cs typeface="Times New Roman"/>
                         </a:rPr>
                         <a:t>Date</a:t>
                       </a:r>
-                      <a:endParaRPr lang="sv-SE" sz="1100" b="0" dirty="0">
-                        <a:latin typeface="Calibri"/>
+                      <a:endParaRPr lang="sv-SE" sz="1050" b="0" i="1" dirty="0">
+                        <a:latin typeface="+mn-lt"/>
                         <a:ea typeface="Times New Roman"/>
                         <a:cs typeface="Times New Roman"/>
                       </a:endParaRPr>
@@ -9121,15 +9312,15 @@
                     <a:p>
                       <a:pPr algn="ctr"/>
                       <a:r>
-                        <a:rPr lang="en-US" sz="1200" dirty="0">
-                          <a:latin typeface="Calibri"/>
+                        <a:rPr lang="en-US" sz="1100" dirty="0" smtClean="0">
+                          <a:latin typeface="+mn-lt"/>
                           <a:ea typeface="Times New Roman"/>
                           <a:cs typeface="Times New Roman"/>
                         </a:rPr>
                         <a:t>D</a:t>
                       </a:r>
-                      <a:endParaRPr lang="sv-SE" sz="1100" dirty="0">
-                        <a:latin typeface="Calibri"/>
+                      <a:endParaRPr lang="sv-SE" sz="1050" dirty="0">
+                        <a:latin typeface="+mn-lt"/>
                         <a:ea typeface="Times New Roman"/>
                         <a:cs typeface="Times New Roman"/>
                       </a:endParaRPr>
@@ -9184,389 +9375,7 @@
                     <a:p>
                       <a:pPr algn="ctr"/>
                       <a:r>
-                        <a:rPr lang="en-US" sz="1200" dirty="0">
-                          <a:latin typeface="Calibri"/>
-                          <a:ea typeface="Times New Roman"/>
-                          <a:cs typeface="Times New Roman"/>
-                        </a:rPr>
-                        <a:t>-</a:t>
-                      </a:r>
-                      <a:endParaRPr lang="sv-SE" sz="1100" dirty="0">
-                        <a:latin typeface="Calibri"/>
-                        <a:ea typeface="Times New Roman"/>
-                        <a:cs typeface="Times New Roman"/>
-                      </a:endParaRPr>
-                    </a:p>
-                  </a:txBody>
-                  <a:tcPr marL="68580" marR="68580" marT="0" marB="0" anchor="ctr">
-                    <a:lnL w="12700" cap="flat" cmpd="sng" algn="ctr">
-                      <a:solidFill>
-                        <a:srgbClr val="B3CC82"/>
-                      </a:solidFill>
-                      <a:prstDash val="solid"/>
-                      <a:round/>
-                      <a:headEnd type="none" w="med" len="med"/>
-                      <a:tailEnd type="none" w="med" len="med"/>
-                    </a:lnL>
-                    <a:lnR w="12700" cap="flat" cmpd="sng" algn="ctr">
-                      <a:solidFill>
-                        <a:srgbClr val="B3CC82"/>
-                      </a:solidFill>
-                      <a:prstDash val="solid"/>
-                      <a:round/>
-                      <a:headEnd type="none" w="med" len="med"/>
-                      <a:tailEnd type="none" w="med" len="med"/>
-                    </a:lnR>
-                    <a:lnT w="12700" cap="flat" cmpd="sng" algn="ctr">
-                      <a:solidFill>
-                        <a:srgbClr val="B3CC82"/>
-                      </a:solidFill>
-                      <a:prstDash val="solid"/>
-                      <a:round/>
-                      <a:headEnd type="none" w="med" len="med"/>
-                      <a:tailEnd type="none" w="med" len="med"/>
-                    </a:lnT>
-                    <a:lnB w="12700" cap="flat" cmpd="sng" algn="ctr">
-                      <a:solidFill>
-                        <a:srgbClr val="B3CC82"/>
-                      </a:solidFill>
-                      <a:prstDash val="solid"/>
-                      <a:round/>
-                      <a:headEnd type="none" w="med" len="med"/>
-                      <a:tailEnd type="none" w="med" len="med"/>
-                    </a:lnB>
-                    <a:solidFill>
-                      <a:srgbClr val="E6EED5"/>
-                    </a:solidFill>
-                  </a:tcPr>
-                </a:tc>
-              </a:tr>
-              <a:tr h="241300">
-                <a:tc>
-                  <a:txBody>
-                    <a:bodyPr/>
-                    <a:lstStyle/>
-                    <a:p>
-                      <a:pPr algn="ctr"/>
-                      <a:r>
-                        <a:rPr lang="en-US" sz="1200" b="0" i="1" dirty="0">
-                          <a:latin typeface="Calibri"/>
-                          <a:ea typeface="Times New Roman"/>
-                          <a:cs typeface="Times New Roman"/>
-                        </a:rPr>
-                        <a:t>UserID</a:t>
-                      </a:r>
-                      <a:endParaRPr lang="sv-SE" sz="1100" b="0" i="1" dirty="0">
-                        <a:latin typeface="Calibri"/>
-                        <a:ea typeface="Times New Roman"/>
-                        <a:cs typeface="Times New Roman"/>
-                      </a:endParaRPr>
-                    </a:p>
-                  </a:txBody>
-                  <a:tcPr marL="68580" marR="68580" marT="0" marB="0" anchor="ctr">
-                    <a:lnL w="12700" cap="flat" cmpd="sng" algn="ctr">
-                      <a:solidFill>
-                        <a:srgbClr val="B3CC82"/>
-                      </a:solidFill>
-                      <a:prstDash val="solid"/>
-                      <a:round/>
-                      <a:headEnd type="none" w="med" len="med"/>
-                      <a:tailEnd type="none" w="med" len="med"/>
-                    </a:lnL>
-                    <a:lnR w="12700" cap="flat" cmpd="sng" algn="ctr">
-                      <a:solidFill>
-                        <a:srgbClr val="B3CC82"/>
-                      </a:solidFill>
-                      <a:prstDash val="solid"/>
-                      <a:round/>
-                      <a:headEnd type="none" w="med" len="med"/>
-                      <a:tailEnd type="none" w="med" len="med"/>
-                    </a:lnR>
-                    <a:lnT w="12700" cap="flat" cmpd="sng" algn="ctr">
-                      <a:solidFill>
-                        <a:srgbClr val="B3CC82"/>
-                      </a:solidFill>
-                      <a:prstDash val="solid"/>
-                      <a:round/>
-                      <a:headEnd type="none" w="med" len="med"/>
-                      <a:tailEnd type="none" w="med" len="med"/>
-                    </a:lnT>
-                    <a:lnB w="12700" cap="flat" cmpd="sng" algn="ctr">
-                      <a:solidFill>
-                        <a:srgbClr val="B3CC82"/>
-                      </a:solidFill>
-                      <a:prstDash val="solid"/>
-                      <a:round/>
-                      <a:headEnd type="none" w="med" len="med"/>
-                      <a:tailEnd type="none" w="med" len="med"/>
-                    </a:lnB>
-                    <a:solidFill>
-                      <a:srgbClr val="E6EED5"/>
-                    </a:solidFill>
-                  </a:tcPr>
-                </a:tc>
-                <a:tc>
-                  <a:txBody>
-                    <a:bodyPr/>
-                    <a:lstStyle/>
-                    <a:p>
-                      <a:pPr algn="ctr"/>
-                      <a:r>
-                        <a:rPr lang="en-US" sz="1200" dirty="0">
-                          <a:latin typeface="Calibri"/>
-                          <a:ea typeface="Times New Roman"/>
-                          <a:cs typeface="Times New Roman"/>
-                        </a:rPr>
-                        <a:t>N, FK</a:t>
-                      </a:r>
-                      <a:endParaRPr lang="sv-SE" sz="1100" dirty="0">
-                        <a:latin typeface="Calibri"/>
-                        <a:ea typeface="Times New Roman"/>
-                        <a:cs typeface="Times New Roman"/>
-                      </a:endParaRPr>
-                    </a:p>
-                  </a:txBody>
-                  <a:tcPr marL="68580" marR="68580" marT="0" marB="0" anchor="ctr">
-                    <a:lnL w="12700" cap="flat" cmpd="sng" algn="ctr">
-                      <a:solidFill>
-                        <a:srgbClr val="B3CC82"/>
-                      </a:solidFill>
-                      <a:prstDash val="solid"/>
-                      <a:round/>
-                      <a:headEnd type="none" w="med" len="med"/>
-                      <a:tailEnd type="none" w="med" len="med"/>
-                    </a:lnL>
-                    <a:lnR w="12700" cap="flat" cmpd="sng" algn="ctr">
-                      <a:solidFill>
-                        <a:srgbClr val="B3CC82"/>
-                      </a:solidFill>
-                      <a:prstDash val="solid"/>
-                      <a:round/>
-                      <a:headEnd type="none" w="med" len="med"/>
-                      <a:tailEnd type="none" w="med" len="med"/>
-                    </a:lnR>
-                    <a:lnT w="12700" cap="flat" cmpd="sng" algn="ctr">
-                      <a:solidFill>
-                        <a:srgbClr val="B3CC82"/>
-                      </a:solidFill>
-                      <a:prstDash val="solid"/>
-                      <a:round/>
-                      <a:headEnd type="none" w="med" len="med"/>
-                      <a:tailEnd type="none" w="med" len="med"/>
-                    </a:lnT>
-                    <a:lnB w="12700" cap="flat" cmpd="sng" algn="ctr">
-                      <a:solidFill>
-                        <a:srgbClr val="B3CC82"/>
-                      </a:solidFill>
-                      <a:prstDash val="solid"/>
-                      <a:round/>
-                      <a:headEnd type="none" w="med" len="med"/>
-                      <a:tailEnd type="none" w="med" len="med"/>
-                    </a:lnB>
-                    <a:solidFill>
-                      <a:srgbClr val="E6EED5"/>
-                    </a:solidFill>
-                  </a:tcPr>
-                </a:tc>
-                <a:tc>
-                  <a:txBody>
-                    <a:bodyPr/>
-                    <a:lstStyle/>
-                    <a:p>
-                      <a:pPr algn="ctr"/>
-                      <a:r>
-                        <a:rPr lang="en-US" sz="1200" dirty="0">
-                          <a:latin typeface="Calibri"/>
-                          <a:ea typeface="Times New Roman"/>
-                          <a:cs typeface="Times New Roman"/>
-                        </a:rPr>
-                        <a:t>-</a:t>
-                      </a:r>
-                      <a:endParaRPr lang="sv-SE" sz="1100" dirty="0">
-                        <a:latin typeface="Calibri"/>
-                        <a:ea typeface="Times New Roman"/>
-                        <a:cs typeface="Times New Roman"/>
-                      </a:endParaRPr>
-                    </a:p>
-                  </a:txBody>
-                  <a:tcPr marL="68580" marR="68580" marT="0" marB="0" anchor="ctr">
-                    <a:lnL w="12700" cap="flat" cmpd="sng" algn="ctr">
-                      <a:solidFill>
-                        <a:srgbClr val="B3CC82"/>
-                      </a:solidFill>
-                      <a:prstDash val="solid"/>
-                      <a:round/>
-                      <a:headEnd type="none" w="med" len="med"/>
-                      <a:tailEnd type="none" w="med" len="med"/>
-                    </a:lnL>
-                    <a:lnR w="12700" cap="flat" cmpd="sng" algn="ctr">
-                      <a:solidFill>
-                        <a:srgbClr val="B3CC82"/>
-                      </a:solidFill>
-                      <a:prstDash val="solid"/>
-                      <a:round/>
-                      <a:headEnd type="none" w="med" len="med"/>
-                      <a:tailEnd type="none" w="med" len="med"/>
-                    </a:lnR>
-                    <a:lnT w="12700" cap="flat" cmpd="sng" algn="ctr">
-                      <a:solidFill>
-                        <a:srgbClr val="B3CC82"/>
-                      </a:solidFill>
-                      <a:prstDash val="solid"/>
-                      <a:round/>
-                      <a:headEnd type="none" w="med" len="med"/>
-                      <a:tailEnd type="none" w="med" len="med"/>
-                    </a:lnT>
-                    <a:lnB w="12700" cap="flat" cmpd="sng" algn="ctr">
-                      <a:solidFill>
-                        <a:srgbClr val="B3CC82"/>
-                      </a:solidFill>
-                      <a:prstDash val="solid"/>
-                      <a:round/>
-                      <a:headEnd type="none" w="med" len="med"/>
-                      <a:tailEnd type="none" w="med" len="med"/>
-                    </a:lnB>
-                    <a:solidFill>
-                      <a:srgbClr val="E6EED5"/>
-                    </a:solidFill>
-                  </a:tcPr>
-                </a:tc>
-              </a:tr>
-              <a:tr h="241300">
-                <a:tc>
-                  <a:txBody>
-                    <a:bodyPr/>
-                    <a:lstStyle/>
-                    <a:p>
-                      <a:pPr algn="ctr"/>
-                      <a:r>
-                        <a:rPr lang="en-US" sz="1200" b="0" i="1" dirty="0">
-                          <a:latin typeface="Calibri"/>
-                          <a:ea typeface="Times New Roman"/>
-                          <a:cs typeface="Times New Roman"/>
-                        </a:rPr>
-                        <a:t>ImageID</a:t>
-                      </a:r>
-                      <a:endParaRPr lang="sv-SE" sz="1100" b="0" i="1" dirty="0">
-                        <a:latin typeface="Calibri"/>
-                        <a:ea typeface="Times New Roman"/>
-                        <a:cs typeface="Times New Roman"/>
-                      </a:endParaRPr>
-                    </a:p>
-                  </a:txBody>
-                  <a:tcPr marL="68580" marR="68580" marT="0" marB="0" anchor="ctr">
-                    <a:lnL w="12700" cap="flat" cmpd="sng" algn="ctr">
-                      <a:solidFill>
-                        <a:srgbClr val="B3CC82"/>
-                      </a:solidFill>
-                      <a:prstDash val="solid"/>
-                      <a:round/>
-                      <a:headEnd type="none" w="med" len="med"/>
-                      <a:tailEnd type="none" w="med" len="med"/>
-                    </a:lnL>
-                    <a:lnR w="12700" cap="flat" cmpd="sng" algn="ctr">
-                      <a:solidFill>
-                        <a:srgbClr val="B3CC82"/>
-                      </a:solidFill>
-                      <a:prstDash val="solid"/>
-                      <a:round/>
-                      <a:headEnd type="none" w="med" len="med"/>
-                      <a:tailEnd type="none" w="med" len="med"/>
-                    </a:lnR>
-                    <a:lnT w="12700" cap="flat" cmpd="sng" algn="ctr">
-                      <a:solidFill>
-                        <a:srgbClr val="B3CC82"/>
-                      </a:solidFill>
-                      <a:prstDash val="solid"/>
-                      <a:round/>
-                      <a:headEnd type="none" w="med" len="med"/>
-                      <a:tailEnd type="none" w="med" len="med"/>
-                    </a:lnT>
-                    <a:lnB w="12700" cap="flat" cmpd="sng" algn="ctr">
-                      <a:solidFill>
-                        <a:srgbClr val="B3CC82"/>
-                      </a:solidFill>
-                      <a:prstDash val="solid"/>
-                      <a:round/>
-                      <a:headEnd type="none" w="med" len="med"/>
-                      <a:tailEnd type="none" w="med" len="med"/>
-                    </a:lnB>
-                    <a:solidFill>
-                      <a:srgbClr val="E6EED5"/>
-                    </a:solidFill>
-                  </a:tcPr>
-                </a:tc>
-                <a:tc>
-                  <a:txBody>
-                    <a:bodyPr/>
-                    <a:lstStyle/>
-                    <a:p>
-                      <a:pPr algn="ctr"/>
-                      <a:r>
-                        <a:rPr lang="en-US" sz="1200" dirty="0">
-                          <a:latin typeface="Calibri"/>
-                          <a:ea typeface="Times New Roman"/>
-                          <a:cs typeface="Times New Roman"/>
-                        </a:rPr>
-                        <a:t>N, FK</a:t>
-                      </a:r>
-                      <a:endParaRPr lang="sv-SE" sz="1100" dirty="0">
-                        <a:latin typeface="Calibri"/>
-                        <a:ea typeface="Times New Roman"/>
-                        <a:cs typeface="Times New Roman"/>
-                      </a:endParaRPr>
-                    </a:p>
-                  </a:txBody>
-                  <a:tcPr marL="68580" marR="68580" marT="0" marB="0" anchor="ctr">
-                    <a:lnL w="12700" cap="flat" cmpd="sng" algn="ctr">
-                      <a:solidFill>
-                        <a:srgbClr val="B3CC82"/>
-                      </a:solidFill>
-                      <a:prstDash val="solid"/>
-                      <a:round/>
-                      <a:headEnd type="none" w="med" len="med"/>
-                      <a:tailEnd type="none" w="med" len="med"/>
-                    </a:lnL>
-                    <a:lnR w="12700" cap="flat" cmpd="sng" algn="ctr">
-                      <a:solidFill>
-                        <a:srgbClr val="B3CC82"/>
-                      </a:solidFill>
-                      <a:prstDash val="solid"/>
-                      <a:round/>
-                      <a:headEnd type="none" w="med" len="med"/>
-                      <a:tailEnd type="none" w="med" len="med"/>
-                    </a:lnR>
-                    <a:lnT w="12700" cap="flat" cmpd="sng" algn="ctr">
-                      <a:solidFill>
-                        <a:srgbClr val="B3CC82"/>
-                      </a:solidFill>
-                      <a:prstDash val="solid"/>
-                      <a:round/>
-                      <a:headEnd type="none" w="med" len="med"/>
-                      <a:tailEnd type="none" w="med" len="med"/>
-                    </a:lnT>
-                    <a:lnB w="12700" cap="flat" cmpd="sng" algn="ctr">
-                      <a:solidFill>
-                        <a:srgbClr val="B3CC82"/>
-                      </a:solidFill>
-                      <a:prstDash val="solid"/>
-                      <a:round/>
-                      <a:headEnd type="none" w="med" len="med"/>
-                      <a:tailEnd type="none" w="med" len="med"/>
-                    </a:lnB>
-                    <a:solidFill>
-                      <a:srgbClr val="E6EED5"/>
-                    </a:solidFill>
-                  </a:tcPr>
-                </a:tc>
-                <a:tc>
-                  <a:txBody>
-                    <a:bodyPr/>
-                    <a:lstStyle/>
-                    <a:p>
-                      <a:pPr algn="ctr"/>
-                      <a:r>
-                        <a:rPr lang="en-US" sz="1200" dirty="0">
+                        <a:rPr lang="sv-SE" sz="1100" dirty="0" smtClean="0">
                           <a:latin typeface="Calibri"/>
                           <a:ea typeface="Times New Roman"/>
                           <a:cs typeface="Times New Roman"/>
@@ -10234,8 +10043,8 @@
           <p:nvPr/>
         </p:nvGraphicFramePr>
         <p:xfrm>
-          <a:off x="533400" y="1981200"/>
-          <a:ext cx="2667000" cy="1524000"/>
+          <a:off x="533400" y="1828800"/>
+          <a:ext cx="2667000" cy="1752600"/>
         </p:xfrm>
         <a:graphic>
           <a:graphicData uri="http://schemas.openxmlformats.org/drawingml/2006/table">
@@ -10246,7 +10055,7 @@
                 <a:gridCol w="559376"/>
                 <a:gridCol w="673179"/>
               </a:tblGrid>
-              <a:tr h="381000">
+              <a:tr h="350520">
                 <a:tc>
                   <a:txBody>
                     <a:bodyPr/>
@@ -10254,12 +10063,12 @@
                     <a:p>
                       <a:pPr algn="ctr"/>
                       <a:r>
-                        <a:rPr lang="en-US" sz="1200" dirty="0">
+                        <a:rPr lang="en-US" sz="1200" dirty="0" smtClean="0">
                           <a:latin typeface="Calibri"/>
                           <a:ea typeface="Times New Roman"/>
                           <a:cs typeface="Times New Roman"/>
                         </a:rPr>
-                        <a:t>ImageDescription</a:t>
+                        <a:t>ImageDesc</a:t>
                       </a:r>
                       <a:endParaRPr lang="sv-SE" sz="1100" dirty="0">
                         <a:latin typeface="Calibri"/>
@@ -10437,7 +10246,7 @@
                   </a:tcPr>
                 </a:tc>
               </a:tr>
-              <a:tr h="381000">
+              <a:tr h="350520">
                 <a:tc>
                   <a:txBody>
                     <a:bodyPr/>
@@ -10628,7 +10437,7 @@
                   </a:tcPr>
                 </a:tc>
               </a:tr>
-              <a:tr h="381000">
+              <a:tr h="350520">
                 <a:tc>
                   <a:txBody>
                     <a:bodyPr/>
@@ -10819,7 +10628,7 @@
                   </a:tcPr>
                 </a:tc>
               </a:tr>
-              <a:tr h="381000">
+              <a:tr h="350520">
                 <a:tc>
                   <a:txBody>
                     <a:bodyPr/>
@@ -10959,6 +10768,197 @@
                           <a:cs typeface="Times New Roman"/>
                         </a:rPr>
                         <a:t>-</a:t>
+                      </a:r>
+                      <a:endParaRPr lang="sv-SE" sz="1100" dirty="0">
+                        <a:latin typeface="Calibri"/>
+                        <a:ea typeface="Times New Roman"/>
+                        <a:cs typeface="Times New Roman"/>
+                      </a:endParaRPr>
+                    </a:p>
+                  </a:txBody>
+                  <a:tcPr marL="68580" marR="68580" marT="0" marB="0" anchor="ctr">
+                    <a:lnL w="12700" cap="flat" cmpd="sng" algn="ctr">
+                      <a:solidFill>
+                        <a:srgbClr val="B3CC82"/>
+                      </a:solidFill>
+                      <a:prstDash val="solid"/>
+                      <a:round/>
+                      <a:headEnd type="none" w="med" len="med"/>
+                      <a:tailEnd type="none" w="med" len="med"/>
+                    </a:lnL>
+                    <a:lnR w="12700" cap="flat" cmpd="sng" algn="ctr">
+                      <a:solidFill>
+                        <a:srgbClr val="B3CC82"/>
+                      </a:solidFill>
+                      <a:prstDash val="solid"/>
+                      <a:round/>
+                      <a:headEnd type="none" w="med" len="med"/>
+                      <a:tailEnd type="none" w="med" len="med"/>
+                    </a:lnR>
+                    <a:lnT w="12700" cap="flat" cmpd="sng" algn="ctr">
+                      <a:solidFill>
+                        <a:srgbClr val="B3CC82"/>
+                      </a:solidFill>
+                      <a:prstDash val="solid"/>
+                      <a:round/>
+                      <a:headEnd type="none" w="med" len="med"/>
+                      <a:tailEnd type="none" w="med" len="med"/>
+                    </a:lnT>
+                    <a:lnB w="12700" cap="flat" cmpd="sng" algn="ctr">
+                      <a:solidFill>
+                        <a:srgbClr val="B3CC82"/>
+                      </a:solidFill>
+                      <a:prstDash val="solid"/>
+                      <a:round/>
+                      <a:headEnd type="none" w="med" len="med"/>
+                      <a:tailEnd type="none" w="med" len="med"/>
+                    </a:lnB>
+                    <a:solidFill>
+                      <a:srgbClr val="E6EED5"/>
+                    </a:solidFill>
+                  </a:tcPr>
+                </a:tc>
+              </a:tr>
+              <a:tr h="350520">
+                <a:tc>
+                  <a:txBody>
+                    <a:bodyPr/>
+                    <a:lstStyle/>
+                    <a:p>
+                      <a:pPr algn="ctr"/>
+                      <a:r>
+                        <a:rPr lang="sv-SE" sz="1200" dirty="0" smtClean="0">
+                          <a:latin typeface="Calibri"/>
+                          <a:ea typeface="Times New Roman"/>
+                          <a:cs typeface="Times New Roman"/>
+                        </a:rPr>
+                        <a:t>ImgName</a:t>
+                      </a:r>
+                      <a:endParaRPr lang="sv-SE" sz="1200" dirty="0">
+                        <a:latin typeface="Calibri"/>
+                        <a:ea typeface="Times New Roman"/>
+                        <a:cs typeface="Times New Roman"/>
+                      </a:endParaRPr>
+                    </a:p>
+                  </a:txBody>
+                  <a:tcPr marL="68580" marR="68580" marT="0" marB="0" anchor="ctr">
+                    <a:lnL w="12700" cap="flat" cmpd="sng" algn="ctr">
+                      <a:solidFill>
+                        <a:srgbClr val="B3CC82"/>
+                      </a:solidFill>
+                      <a:prstDash val="solid"/>
+                      <a:round/>
+                      <a:headEnd type="none" w="med" len="med"/>
+                      <a:tailEnd type="none" w="med" len="med"/>
+                    </a:lnL>
+                    <a:lnR w="12700" cap="flat" cmpd="sng" algn="ctr">
+                      <a:solidFill>
+                        <a:srgbClr val="B3CC82"/>
+                      </a:solidFill>
+                      <a:prstDash val="solid"/>
+                      <a:round/>
+                      <a:headEnd type="none" w="med" len="med"/>
+                      <a:tailEnd type="none" w="med" len="med"/>
+                    </a:lnR>
+                    <a:lnT w="12700" cap="flat" cmpd="sng" algn="ctr">
+                      <a:solidFill>
+                        <a:srgbClr val="B3CC82"/>
+                      </a:solidFill>
+                      <a:prstDash val="solid"/>
+                      <a:round/>
+                      <a:headEnd type="none" w="med" len="med"/>
+                      <a:tailEnd type="none" w="med" len="med"/>
+                    </a:lnT>
+                    <a:lnB w="12700" cap="flat" cmpd="sng" algn="ctr">
+                      <a:solidFill>
+                        <a:srgbClr val="B3CC82"/>
+                      </a:solidFill>
+                      <a:prstDash val="solid"/>
+                      <a:round/>
+                      <a:headEnd type="none" w="med" len="med"/>
+                      <a:tailEnd type="none" w="med" len="med"/>
+                    </a:lnB>
+                    <a:solidFill>
+                      <a:srgbClr val="E6EED5"/>
+                    </a:solidFill>
+                  </a:tcPr>
+                </a:tc>
+                <a:tc>
+                  <a:txBody>
+                    <a:bodyPr/>
+                    <a:lstStyle/>
+                    <a:p>
+                      <a:pPr algn="ctr"/>
+                      <a:r>
+                        <a:rPr lang="sv-SE" sz="1100" dirty="0" smtClean="0">
+                          <a:latin typeface="Calibri"/>
+                          <a:ea typeface="Times New Roman"/>
+                          <a:cs typeface="Times New Roman"/>
+                        </a:rPr>
+                        <a:t>C</a:t>
+                      </a:r>
+                      <a:endParaRPr lang="sv-SE" sz="1100" dirty="0">
+                        <a:latin typeface="Calibri"/>
+                        <a:ea typeface="Times New Roman"/>
+                        <a:cs typeface="Times New Roman"/>
+                      </a:endParaRPr>
+                    </a:p>
+                  </a:txBody>
+                  <a:tcPr marL="68580" marR="68580" marT="0" marB="0" anchor="ctr">
+                    <a:lnL w="12700" cap="flat" cmpd="sng" algn="ctr">
+                      <a:solidFill>
+                        <a:srgbClr val="B3CC82"/>
+                      </a:solidFill>
+                      <a:prstDash val="solid"/>
+                      <a:round/>
+                      <a:headEnd type="none" w="med" len="med"/>
+                      <a:tailEnd type="none" w="med" len="med"/>
+                    </a:lnL>
+                    <a:lnR w="12700" cap="flat" cmpd="sng" algn="ctr">
+                      <a:solidFill>
+                        <a:srgbClr val="B3CC82"/>
+                      </a:solidFill>
+                      <a:prstDash val="solid"/>
+                      <a:round/>
+                      <a:headEnd type="none" w="med" len="med"/>
+                      <a:tailEnd type="none" w="med" len="med"/>
+                    </a:lnR>
+                    <a:lnT w="12700" cap="flat" cmpd="sng" algn="ctr">
+                      <a:solidFill>
+                        <a:srgbClr val="B3CC82"/>
+                      </a:solidFill>
+                      <a:prstDash val="solid"/>
+                      <a:round/>
+                      <a:headEnd type="none" w="med" len="med"/>
+                      <a:tailEnd type="none" w="med" len="med"/>
+                    </a:lnT>
+                    <a:lnB w="12700" cap="flat" cmpd="sng" algn="ctr">
+                      <a:solidFill>
+                        <a:srgbClr val="B3CC82"/>
+                      </a:solidFill>
+                      <a:prstDash val="solid"/>
+                      <a:round/>
+                      <a:headEnd type="none" w="med" len="med"/>
+                      <a:tailEnd type="none" w="med" len="med"/>
+                    </a:lnB>
+                    <a:solidFill>
+                      <a:srgbClr val="E6EED5"/>
+                    </a:solidFill>
+                  </a:tcPr>
+                </a:tc>
+                <a:tc>
+                  <a:txBody>
+                    <a:bodyPr/>
+                    <a:lstStyle/>
+                    <a:p>
+                      <a:pPr algn="ctr"/>
+                      <a:r>
+                        <a:rPr lang="sv-SE" sz="1100" dirty="0" smtClean="0">
+                          <a:latin typeface="Calibri"/>
+                          <a:ea typeface="Times New Roman"/>
+                          <a:cs typeface="Times New Roman"/>
+                        </a:rPr>
+                        <a:t>20</a:t>
                       </a:r>
                       <a:endParaRPr lang="sv-SE" sz="1100" dirty="0">
                         <a:latin typeface="Calibri"/>
@@ -12006,7 +12006,7 @@
         </p:nvGraphicFramePr>
         <p:xfrm>
           <a:off x="3276600" y="2895600"/>
-          <a:ext cx="2667000" cy="1706880"/>
+          <a:ext cx="2667000" cy="1463040"/>
         </p:xfrm>
         <a:graphic>
           <a:graphicData uri="http://schemas.openxmlformats.org/drawingml/2006/table">
@@ -12348,197 +12348,6 @@
                           <a:cs typeface="Times New Roman"/>
                         </a:rPr>
                         <a:t>-</a:t>
-                      </a:r>
-                      <a:endParaRPr lang="sv-SE" sz="1100" dirty="0">
-                        <a:latin typeface="Calibri"/>
-                        <a:ea typeface="Times New Roman"/>
-                        <a:cs typeface="Times New Roman"/>
-                      </a:endParaRPr>
-                    </a:p>
-                  </a:txBody>
-                  <a:tcPr marL="68580" marR="68580" marT="0" marB="0" anchor="ctr">
-                    <a:lnL w="12700" cap="flat" cmpd="sng" algn="ctr">
-                      <a:solidFill>
-                        <a:srgbClr val="B3CC82"/>
-                      </a:solidFill>
-                      <a:prstDash val="solid"/>
-                      <a:round/>
-                      <a:headEnd type="none" w="med" len="med"/>
-                      <a:tailEnd type="none" w="med" len="med"/>
-                    </a:lnL>
-                    <a:lnR w="12700" cap="flat" cmpd="sng" algn="ctr">
-                      <a:solidFill>
-                        <a:srgbClr val="B3CC82"/>
-                      </a:solidFill>
-                      <a:prstDash val="solid"/>
-                      <a:round/>
-                      <a:headEnd type="none" w="med" len="med"/>
-                      <a:tailEnd type="none" w="med" len="med"/>
-                    </a:lnR>
-                    <a:lnT w="12700" cap="flat" cmpd="sng" algn="ctr">
-                      <a:solidFill>
-                        <a:srgbClr val="B3CC82"/>
-                      </a:solidFill>
-                      <a:prstDash val="solid"/>
-                      <a:round/>
-                      <a:headEnd type="none" w="med" len="med"/>
-                      <a:tailEnd type="none" w="med" len="med"/>
-                    </a:lnT>
-                    <a:lnB w="12700" cap="flat" cmpd="sng" algn="ctr">
-                      <a:solidFill>
-                        <a:srgbClr val="B3CC82"/>
-                      </a:solidFill>
-                      <a:prstDash val="solid"/>
-                      <a:round/>
-                      <a:headEnd type="none" w="med" len="med"/>
-                      <a:tailEnd type="none" w="med" len="med"/>
-                    </a:lnB>
-                    <a:solidFill>
-                      <a:srgbClr val="E6EED5"/>
-                    </a:solidFill>
-                  </a:tcPr>
-                </a:tc>
-              </a:tr>
-              <a:tr h="243840">
-                <a:tc>
-                  <a:txBody>
-                    <a:bodyPr/>
-                    <a:lstStyle/>
-                    <a:p>
-                      <a:pPr algn="ctr"/>
-                      <a:r>
-                        <a:rPr lang="en-US" sz="1200" b="0" dirty="0" smtClean="0">
-                          <a:latin typeface="Calibri"/>
-                          <a:ea typeface="Times New Roman"/>
-                          <a:cs typeface="Times New Roman"/>
-                        </a:rPr>
-                        <a:t>ImgName</a:t>
-                      </a:r>
-                      <a:endParaRPr lang="sv-SE" sz="1100" b="0" dirty="0">
-                        <a:latin typeface="Calibri"/>
-                        <a:ea typeface="Times New Roman"/>
-                        <a:cs typeface="Times New Roman"/>
-                      </a:endParaRPr>
-                    </a:p>
-                  </a:txBody>
-                  <a:tcPr marL="68580" marR="68580" marT="0" marB="0" anchor="ctr">
-                    <a:lnL w="12700" cap="flat" cmpd="sng" algn="ctr">
-                      <a:solidFill>
-                        <a:srgbClr val="B3CC82"/>
-                      </a:solidFill>
-                      <a:prstDash val="solid"/>
-                      <a:round/>
-                      <a:headEnd type="none" w="med" len="med"/>
-                      <a:tailEnd type="none" w="med" len="med"/>
-                    </a:lnL>
-                    <a:lnR w="12700" cap="flat" cmpd="sng" algn="ctr">
-                      <a:solidFill>
-                        <a:srgbClr val="B3CC82"/>
-                      </a:solidFill>
-                      <a:prstDash val="solid"/>
-                      <a:round/>
-                      <a:headEnd type="none" w="med" len="med"/>
-                      <a:tailEnd type="none" w="med" len="med"/>
-                    </a:lnR>
-                    <a:lnT w="12700" cap="flat" cmpd="sng" algn="ctr">
-                      <a:solidFill>
-                        <a:srgbClr val="B3CC82"/>
-                      </a:solidFill>
-                      <a:prstDash val="solid"/>
-                      <a:round/>
-                      <a:headEnd type="none" w="med" len="med"/>
-                      <a:tailEnd type="none" w="med" len="med"/>
-                    </a:lnT>
-                    <a:lnB w="12700" cap="flat" cmpd="sng" algn="ctr">
-                      <a:solidFill>
-                        <a:srgbClr val="B3CC82"/>
-                      </a:solidFill>
-                      <a:prstDash val="solid"/>
-                      <a:round/>
-                      <a:headEnd type="none" w="med" len="med"/>
-                      <a:tailEnd type="none" w="med" len="med"/>
-                    </a:lnB>
-                    <a:solidFill>
-                      <a:srgbClr val="E6EED5"/>
-                    </a:solidFill>
-                  </a:tcPr>
-                </a:tc>
-                <a:tc>
-                  <a:txBody>
-                    <a:bodyPr/>
-                    <a:lstStyle/>
-                    <a:p>
-                      <a:pPr algn="ctr"/>
-                      <a:r>
-                        <a:rPr lang="en-US" sz="1200" dirty="0">
-                          <a:latin typeface="Calibri"/>
-                          <a:ea typeface="Times New Roman"/>
-                          <a:cs typeface="Times New Roman"/>
-                        </a:rPr>
-                        <a:t>C</a:t>
-                      </a:r>
-                      <a:endParaRPr lang="sv-SE" sz="1100" dirty="0">
-                        <a:latin typeface="Calibri"/>
-                        <a:ea typeface="Times New Roman"/>
-                        <a:cs typeface="Times New Roman"/>
-                      </a:endParaRPr>
-                    </a:p>
-                  </a:txBody>
-                  <a:tcPr marL="68580" marR="68580" marT="0" marB="0" anchor="ctr">
-                    <a:lnL w="12700" cap="flat" cmpd="sng" algn="ctr">
-                      <a:solidFill>
-                        <a:srgbClr val="B3CC82"/>
-                      </a:solidFill>
-                      <a:prstDash val="solid"/>
-                      <a:round/>
-                      <a:headEnd type="none" w="med" len="med"/>
-                      <a:tailEnd type="none" w="med" len="med"/>
-                    </a:lnL>
-                    <a:lnR w="12700" cap="flat" cmpd="sng" algn="ctr">
-                      <a:solidFill>
-                        <a:srgbClr val="B3CC82"/>
-                      </a:solidFill>
-                      <a:prstDash val="solid"/>
-                      <a:round/>
-                      <a:headEnd type="none" w="med" len="med"/>
-                      <a:tailEnd type="none" w="med" len="med"/>
-                    </a:lnR>
-                    <a:lnT w="12700" cap="flat" cmpd="sng" algn="ctr">
-                      <a:solidFill>
-                        <a:srgbClr val="B3CC82"/>
-                      </a:solidFill>
-                      <a:prstDash val="solid"/>
-                      <a:round/>
-                      <a:headEnd type="none" w="med" len="med"/>
-                      <a:tailEnd type="none" w="med" len="med"/>
-                    </a:lnT>
-                    <a:lnB w="12700" cap="flat" cmpd="sng" algn="ctr">
-                      <a:solidFill>
-                        <a:srgbClr val="B3CC82"/>
-                      </a:solidFill>
-                      <a:prstDash val="solid"/>
-                      <a:round/>
-                      <a:headEnd type="none" w="med" len="med"/>
-                      <a:tailEnd type="none" w="med" len="med"/>
-                    </a:lnB>
-                    <a:solidFill>
-                      <a:srgbClr val="E6EED5"/>
-                    </a:solidFill>
-                  </a:tcPr>
-                </a:tc>
-                <a:tc>
-                  <a:txBody>
-                    <a:bodyPr/>
-                    <a:lstStyle/>
-                    <a:p>
-                      <a:pPr algn="ctr"/>
-                      <a:r>
-                        <a:rPr lang="en-US" sz="1200" dirty="0">
-                          <a:latin typeface="Calibri"/>
-                          <a:ea typeface="Times New Roman"/>
-                          <a:cs typeface="Times New Roman"/>
-                        </a:rPr>
-                        <a:t>20</a:t>
                       </a:r>
                       <a:endParaRPr lang="sv-SE" sz="1100" dirty="0">
                         <a:latin typeface="Calibri"/>
@@ -13367,7 +13176,7 @@
           <p:nvPr/>
         </p:nvGraphicFramePr>
         <p:xfrm>
-          <a:off x="533400" y="3581400"/>
+          <a:off x="533400" y="3733800"/>
           <a:ext cx="2665730" cy="643890"/>
         </p:xfrm>
         <a:graphic>
@@ -13990,7 +13799,7 @@
           <p:nvPr/>
         </p:nvGraphicFramePr>
         <p:xfrm>
-          <a:off x="533400" y="457200"/>
+          <a:off x="381000" y="457200"/>
           <a:ext cx="2819400" cy="1371600"/>
         </p:xfrm>
         <a:graphic>
@@ -14229,12 +14038,12 @@
                         </a:spcAft>
                       </a:pPr>
                       <a:r>
-                        <a:rPr lang="sv-SE" sz="1200" b="1" dirty="0">
+                        <a:rPr lang="sv-SE" sz="1200" b="1" dirty="0" smtClean="0">
                           <a:latin typeface="Calibri"/>
                           <a:ea typeface="Calibri"/>
                           <a:cs typeface="Times New Roman"/>
                         </a:rPr>
-                        <a:t>CommentID</a:t>
+                        <a:t>ImageID</a:t>
                       </a:r>
                       <a:endParaRPr lang="sv-SE" sz="1100" dirty="0">
                         <a:latin typeface="Calibri"/>
@@ -14441,14 +14250,14 @@
                         </a:spcAft>
                       </a:pPr>
                       <a:r>
-                        <a:rPr lang="sv-SE" sz="1200" b="1" i="1" dirty="0">
+                        <a:rPr lang="sv-SE" sz="1200" b="1" i="0" dirty="0" smtClean="0">
                           <a:latin typeface="Calibri"/>
                           <a:ea typeface="Calibri"/>
                           <a:cs typeface="Times New Roman"/>
                         </a:rPr>
-                        <a:t>ImageID</a:t>
-                      </a:r>
-                      <a:endParaRPr lang="sv-SE" sz="1100" b="1" dirty="0">
+                        <a:t>CommID</a:t>
+                      </a:r>
+                      <a:endParaRPr lang="sv-SE" sz="1100" b="1" i="0" dirty="0">
                         <a:latin typeface="Calibri"/>
                         <a:ea typeface="Calibri"/>
                         <a:cs typeface="Times New Roman"/>
@@ -14661,12 +14470,12 @@
                         </a:spcAft>
                       </a:pPr>
                       <a:r>
-                        <a:rPr lang="sv-SE" sz="1200" dirty="0">
+                        <a:rPr lang="sv-SE" sz="1200" dirty="0" smtClean="0">
                           <a:latin typeface="Calibri"/>
                           <a:ea typeface="Calibri"/>
                           <a:cs typeface="Times New Roman"/>
                         </a:rPr>
-                        <a:t>Comment</a:t>
+                        <a:t>Comm</a:t>
                       </a:r>
                       <a:endParaRPr lang="sv-SE" sz="1100" dirty="0">
                         <a:latin typeface="Calibri"/>
@@ -14801,12 +14610,12 @@
                         </a:spcAft>
                       </a:pPr>
                       <a:r>
-                        <a:rPr lang="sv-SE" sz="1200" dirty="0">
+                        <a:rPr lang="sv-SE" sz="1200" dirty="0" smtClean="0">
                           <a:latin typeface="Calibri"/>
                           <a:ea typeface="Calibri"/>
                           <a:cs typeface="Times New Roman"/>
                         </a:rPr>
-                        <a:t>1000</a:t>
+                        <a:t>500</a:t>
                       </a:r>
                       <a:endParaRPr lang="sv-SE" sz="1100" dirty="0">
                         <a:latin typeface="Calibri"/>
@@ -15295,19 +15104,19 @@
           <p:nvPr/>
         </p:nvGraphicFramePr>
         <p:xfrm>
-          <a:off x="3505200" y="457200"/>
-          <a:ext cx="2681605" cy="862965"/>
+          <a:off x="3276600" y="457200"/>
+          <a:ext cx="2819401" cy="1000020"/>
         </p:xfrm>
         <a:graphic>
           <a:graphicData uri="http://schemas.openxmlformats.org/drawingml/2006/table">
             <a:tbl>
               <a:tblPr/>
               <a:tblGrid>
-                <a:gridCol w="1064895"/>
-                <a:gridCol w="808355"/>
-                <a:gridCol w="808355"/>
+                <a:gridCol w="1119615"/>
+                <a:gridCol w="849893"/>
+                <a:gridCol w="849893"/>
               </a:tblGrid>
-              <a:tr h="287655">
+              <a:tr h="289698">
                 <a:tc>
                   <a:txBody>
                     <a:bodyPr/>
@@ -15519,7 +15328,7 @@
                   </a:tcPr>
                 </a:tc>
               </a:tr>
-              <a:tr h="287655">
+              <a:tr h="411205">
                 <a:tc>
                   <a:txBody>
                     <a:bodyPr/>
@@ -15604,12 +15413,20 @@
                         </a:spcAft>
                       </a:pPr>
                       <a:r>
+                        <a:rPr lang="sv-SE" sz="1200" dirty="0" smtClean="0">
+                          <a:latin typeface="Calibri"/>
+                          <a:ea typeface="Calibri"/>
+                          <a:cs typeface="Times New Roman"/>
+                        </a:rPr>
+                        <a:t>Smallint, </a:t>
+                      </a:r>
+                      <a:r>
                         <a:rPr lang="sv-SE" sz="1200" dirty="0">
                           <a:latin typeface="Calibri"/>
                           <a:ea typeface="Calibri"/>
                           <a:cs typeface="Times New Roman"/>
                         </a:rPr>
-                        <a:t>Tinyint, PK</a:t>
+                        <a:t>PK</a:t>
                       </a:r>
                       <a:endParaRPr lang="sv-SE" sz="1100" dirty="0">
                         <a:latin typeface="Calibri"/>
@@ -15731,7 +15548,7 @@
                   </a:tcPr>
                 </a:tc>
               </a:tr>
-              <a:tr h="287655">
+              <a:tr h="289698">
                 <a:tc>
                   <a:txBody>
                     <a:bodyPr/>
@@ -15956,8 +15773,8 @@
           <p:nvPr/>
         </p:nvGraphicFramePr>
         <p:xfrm>
-          <a:off x="533400" y="1905000"/>
-          <a:ext cx="2819400" cy="1511300"/>
+          <a:off x="381000" y="1981200"/>
+          <a:ext cx="2819400" cy="1295400"/>
         </p:xfrm>
         <a:graphic>
           <a:graphicData uri="http://schemas.openxmlformats.org/drawingml/2006/table">
@@ -16388,218 +16205,6 @@
                     </a:lnB>
                     <a:solidFill>
                       <a:srgbClr val="CDDDAC"/>
-                    </a:solidFill>
-                  </a:tcPr>
-                </a:tc>
-              </a:tr>
-              <a:tr h="215900">
-                <a:tc>
-                  <a:txBody>
-                    <a:bodyPr/>
-                    <a:lstStyle/>
-                    <a:p>
-                      <a:pPr algn="ctr">
-                        <a:lnSpc>
-                          <a:spcPct val="115000"/>
-                        </a:lnSpc>
-                        <a:spcAft>
-                          <a:spcPts val="0"/>
-                        </a:spcAft>
-                      </a:pPr>
-                      <a:r>
-                        <a:rPr lang="sv-SE" sz="1200" dirty="0" smtClean="0">
-                          <a:latin typeface="Calibri"/>
-                          <a:ea typeface="Calibri"/>
-                          <a:cs typeface="Times New Roman"/>
-                        </a:rPr>
-                        <a:t>ImgName</a:t>
-                      </a:r>
-                      <a:endParaRPr lang="sv-SE" sz="1100" dirty="0">
-                        <a:latin typeface="Calibri"/>
-                        <a:ea typeface="Calibri"/>
-                        <a:cs typeface="Times New Roman"/>
-                      </a:endParaRPr>
-                    </a:p>
-                  </a:txBody>
-                  <a:tcPr marL="68580" marR="68580" marT="0" marB="0" anchor="ctr">
-                    <a:lnL w="12700" cap="flat" cmpd="sng" algn="ctr">
-                      <a:solidFill>
-                        <a:srgbClr val="B3CC82"/>
-                      </a:solidFill>
-                      <a:prstDash val="solid"/>
-                      <a:round/>
-                      <a:headEnd type="none" w="med" len="med"/>
-                      <a:tailEnd type="none" w="med" len="med"/>
-                    </a:lnL>
-                    <a:lnR w="12700" cap="flat" cmpd="sng" algn="ctr">
-                      <a:solidFill>
-                        <a:srgbClr val="B3CC82"/>
-                      </a:solidFill>
-                      <a:prstDash val="solid"/>
-                      <a:round/>
-                      <a:headEnd type="none" w="med" len="med"/>
-                      <a:tailEnd type="none" w="med" len="med"/>
-                    </a:lnR>
-                    <a:lnT w="12700" cap="flat" cmpd="sng" algn="ctr">
-                      <a:solidFill>
-                        <a:srgbClr val="B3CC82"/>
-                      </a:solidFill>
-                      <a:prstDash val="solid"/>
-                      <a:round/>
-                      <a:headEnd type="none" w="med" len="med"/>
-                      <a:tailEnd type="none" w="med" len="med"/>
-                    </a:lnT>
-                    <a:lnB w="12700" cap="flat" cmpd="sng" algn="ctr">
-                      <a:solidFill>
-                        <a:srgbClr val="B3CC82"/>
-                      </a:solidFill>
-                      <a:prstDash val="solid"/>
-                      <a:round/>
-                      <a:headEnd type="none" w="med" len="med"/>
-                      <a:tailEnd type="none" w="med" len="med"/>
-                    </a:lnB>
-                    <a:solidFill>
-                      <a:srgbClr val="E6EED5"/>
-                    </a:solidFill>
-                  </a:tcPr>
-                </a:tc>
-                <a:tc>
-                  <a:txBody>
-                    <a:bodyPr/>
-                    <a:lstStyle/>
-                    <a:p>
-                      <a:pPr algn="ctr">
-                        <a:lnSpc>
-                          <a:spcPct val="115000"/>
-                        </a:lnSpc>
-                        <a:spcAft>
-                          <a:spcPts val="0"/>
-                        </a:spcAft>
-                      </a:pPr>
-                      <a:r>
-                        <a:rPr lang="sv-SE" sz="1200" dirty="0">
-                          <a:latin typeface="Calibri"/>
-                          <a:ea typeface="Calibri"/>
-                          <a:cs typeface="Times New Roman"/>
-                        </a:rPr>
-                        <a:t>varChar</a:t>
-                      </a:r>
-                      <a:endParaRPr lang="sv-SE" sz="1100" dirty="0">
-                        <a:latin typeface="Calibri"/>
-                        <a:ea typeface="Calibri"/>
-                        <a:cs typeface="Times New Roman"/>
-                      </a:endParaRPr>
-                    </a:p>
-                  </a:txBody>
-                  <a:tcPr marL="68580" marR="68580" marT="0" marB="0" anchor="ctr">
-                    <a:lnL w="12700" cap="flat" cmpd="sng" algn="ctr">
-                      <a:solidFill>
-                        <a:srgbClr val="B3CC82"/>
-                      </a:solidFill>
-                      <a:prstDash val="solid"/>
-                      <a:round/>
-                      <a:headEnd type="none" w="med" len="med"/>
-                      <a:tailEnd type="none" w="med" len="med"/>
-                    </a:lnL>
-                    <a:lnR w="12700" cap="flat" cmpd="sng" algn="ctr">
-                      <a:solidFill>
-                        <a:srgbClr val="B3CC82"/>
-                      </a:solidFill>
-                      <a:prstDash val="solid"/>
-                      <a:round/>
-                      <a:headEnd type="none" w="med" len="med"/>
-                      <a:tailEnd type="none" w="med" len="med"/>
-                    </a:lnR>
-                    <a:lnT w="12700" cap="flat" cmpd="sng" algn="ctr">
-                      <a:solidFill>
-                        <a:srgbClr val="B3CC82"/>
-                      </a:solidFill>
-                      <a:prstDash val="solid"/>
-                      <a:round/>
-                      <a:headEnd type="none" w="med" len="med"/>
-                      <a:tailEnd type="none" w="med" len="med"/>
-                    </a:lnT>
-                    <a:lnB w="12700" cap="flat" cmpd="sng" algn="ctr">
-                      <a:solidFill>
-                        <a:srgbClr val="B3CC82"/>
-                      </a:solidFill>
-                      <a:prstDash val="solid"/>
-                      <a:round/>
-                      <a:headEnd type="none" w="med" len="med"/>
-                      <a:tailEnd type="none" w="med" len="med"/>
-                    </a:lnB>
-                    <a:solidFill>
-                      <a:srgbClr val="E6EED5"/>
-                    </a:solidFill>
-                  </a:tcPr>
-                </a:tc>
-                <a:tc>
-                  <a:txBody>
-                    <a:bodyPr/>
-                    <a:lstStyle/>
-                    <a:p>
-                      <a:pPr algn="ctr">
-                        <a:lnSpc>
-                          <a:spcPct val="115000"/>
-                        </a:lnSpc>
-                        <a:spcAft>
-                          <a:spcPts val="0"/>
-                        </a:spcAft>
-                      </a:pPr>
-                      <a:r>
-                        <a:rPr lang="sv-SE" sz="1200" dirty="0">
-                          <a:latin typeface="Calibri"/>
-                          <a:ea typeface="Calibri"/>
-                          <a:cs typeface="Times New Roman"/>
-                        </a:rPr>
-                        <a:t>20</a:t>
-                      </a:r>
-                      <a:endParaRPr lang="sv-SE" sz="1100" dirty="0">
-                        <a:latin typeface="Calibri"/>
-                        <a:ea typeface="Calibri"/>
-                        <a:cs typeface="Times New Roman"/>
-                      </a:endParaRPr>
-                    </a:p>
-                  </a:txBody>
-                  <a:tcPr marL="68580" marR="68580" marT="0" marB="0" anchor="ctr">
-                    <a:lnL w="12700" cap="flat" cmpd="sng" algn="ctr">
-                      <a:solidFill>
-                        <a:srgbClr val="B3CC82"/>
-                      </a:solidFill>
-                      <a:prstDash val="solid"/>
-                      <a:round/>
-                      <a:headEnd type="none" w="med" len="med"/>
-                      <a:tailEnd type="none" w="med" len="med"/>
-                    </a:lnL>
-                    <a:lnR w="12700" cap="flat" cmpd="sng" algn="ctr">
-                      <a:solidFill>
-                        <a:srgbClr val="B3CC82"/>
-                      </a:solidFill>
-                      <a:prstDash val="solid"/>
-                      <a:round/>
-                      <a:headEnd type="none" w="med" len="med"/>
-                      <a:tailEnd type="none" w="med" len="med"/>
-                    </a:lnR>
-                    <a:lnT w="12700" cap="flat" cmpd="sng" algn="ctr">
-                      <a:solidFill>
-                        <a:srgbClr val="B3CC82"/>
-                      </a:solidFill>
-                      <a:prstDash val="solid"/>
-                      <a:round/>
-                      <a:headEnd type="none" w="med" len="med"/>
-                      <a:tailEnd type="none" w="med" len="med"/>
-                    </a:lnT>
-                    <a:lnB w="12700" cap="flat" cmpd="sng" algn="ctr">
-                      <a:solidFill>
-                        <a:srgbClr val="B3CC82"/>
-                      </a:solidFill>
-                      <a:prstDash val="solid"/>
-                      <a:round/>
-                      <a:headEnd type="none" w="med" len="med"/>
-                      <a:tailEnd type="none" w="med" len="med"/>
-                    </a:lnB>
-                    <a:solidFill>
-                      <a:srgbClr val="E6EED5"/>
                     </a:solidFill>
                   </a:tcPr>
                 </a:tc>
@@ -17126,7 +16731,7 @@
                           <a:ea typeface="Calibri"/>
                           <a:cs typeface="Times New Roman"/>
                         </a:rPr>
-                        <a:t>CHAR</a:t>
+                        <a:t>Char</a:t>
                       </a:r>
                       <a:endParaRPr lang="sv-SE" sz="1100" dirty="0">
                         <a:latin typeface="+mn-lt"/>
@@ -17473,19 +17078,19 @@
           <p:nvPr/>
         </p:nvGraphicFramePr>
         <p:xfrm>
-          <a:off x="3505201" y="1447800"/>
-          <a:ext cx="2666999" cy="1523999"/>
+          <a:off x="3276600" y="1828800"/>
+          <a:ext cx="2819400" cy="1447801"/>
         </p:xfrm>
         <a:graphic>
           <a:graphicData uri="http://schemas.openxmlformats.org/drawingml/2006/table">
             <a:tbl>
               <a:tblPr/>
               <a:tblGrid>
-                <a:gridCol w="1132109"/>
-                <a:gridCol w="814080"/>
-                <a:gridCol w="720810"/>
+                <a:gridCol w="1196801"/>
+                <a:gridCol w="860599"/>
+                <a:gridCol w="762000"/>
               </a:tblGrid>
-              <a:tr h="221534">
+              <a:tr h="257613">
                 <a:tc>
                   <a:txBody>
                     <a:bodyPr/>
@@ -17697,7 +17302,7 @@
                   </a:tcPr>
                 </a:tc>
               </a:tr>
-              <a:tr h="434155">
+              <a:tr h="531254">
                 <a:tc>
                   <a:txBody>
                     <a:bodyPr/>
@@ -17717,7 +17322,7 @@
                           <a:ea typeface="Calibri"/>
                           <a:cs typeface="Times New Roman"/>
                         </a:rPr>
-                        <a:t>UsrOnImgID</a:t>
+                        <a:t>ImageID</a:t>
                       </a:r>
                       <a:endParaRPr lang="sv-SE" sz="1100" dirty="0">
                         <a:latin typeface="Calibri"/>
@@ -17909,7 +17514,7 @@
                   </a:tcPr>
                 </a:tc>
               </a:tr>
-              <a:tr h="434155">
+              <a:tr h="329467">
                 <a:tc>
                   <a:txBody>
                     <a:bodyPr/>
@@ -17929,7 +17534,7 @@
                           <a:ea typeface="Calibri"/>
                           <a:cs typeface="Times New Roman"/>
                         </a:rPr>
-                        <a:t>ImageID</a:t>
+                        <a:t>UsrOnImgID</a:t>
                       </a:r>
                       <a:endParaRPr lang="sv-SE" sz="1100" b="1" dirty="0">
                         <a:latin typeface="+mn-lt"/>
@@ -18121,7 +17726,7 @@
                   </a:tcPr>
                 </a:tc>
               </a:tr>
-              <a:tr h="434155">
+              <a:tr h="329467">
                 <a:tc>
                   <a:txBody>
                     <a:bodyPr/>
@@ -18346,7 +17951,7 @@
           <p:nvPr/>
         </p:nvGraphicFramePr>
         <p:xfrm>
-          <a:off x="533400" y="3505201"/>
+          <a:off x="6172200" y="457200"/>
           <a:ext cx="2819400" cy="1447800"/>
         </p:xfrm>
         <a:graphic>
@@ -18358,7 +17963,7 @@
                 <a:gridCol w="940917"/>
                 <a:gridCol w="553559"/>
               </a:tblGrid>
-              <a:tr h="289560">
+              <a:tr h="241300">
                 <a:tc>
                   <a:txBody>
                     <a:bodyPr/>
@@ -18373,12 +17978,12 @@
                         </a:spcAft>
                       </a:pPr>
                       <a:r>
-                        <a:rPr lang="sv-SE" sz="1200" b="0" dirty="0">
+                        <a:rPr lang="sv-SE" sz="1200" b="0" dirty="0" smtClean="0">
                           <a:latin typeface="Calibri"/>
                           <a:ea typeface="Calibri"/>
                           <a:cs typeface="Times New Roman"/>
                         </a:rPr>
-                        <a:t>ImageDescription</a:t>
+                        <a:t>ImageDesc</a:t>
                       </a:r>
                       <a:endParaRPr lang="sv-SE" sz="1100" b="0" dirty="0">
                         <a:latin typeface="Calibri"/>
@@ -18570,7 +18175,7 @@
                   </a:tcPr>
                 </a:tc>
               </a:tr>
-              <a:tr h="289560">
+              <a:tr h="241300">
                 <a:tc>
                   <a:txBody>
                     <a:bodyPr/>
@@ -18590,7 +18195,7 @@
                           <a:ea typeface="Calibri"/>
                           <a:cs typeface="Times New Roman"/>
                         </a:rPr>
-                        <a:t>ImageDescID</a:t>
+                        <a:t>ImageID</a:t>
                       </a:r>
                       <a:endParaRPr lang="sv-SE" sz="1100" dirty="0">
                         <a:latin typeface="Calibri"/>
@@ -18782,7 +18387,7 @@
                   </a:tcPr>
                 </a:tc>
               </a:tr>
-              <a:tr h="289560">
+              <a:tr h="241300">
                 <a:tc>
                   <a:txBody>
                     <a:bodyPr/>
@@ -18797,12 +18402,12 @@
                         </a:spcAft>
                       </a:pPr>
                       <a:r>
-                        <a:rPr lang="sv-SE" sz="1200" b="1" i="1" dirty="0">
+                        <a:rPr lang="sv-SE" sz="1200" b="1" i="1" dirty="0" smtClean="0">
                           <a:latin typeface="Calibri"/>
                           <a:ea typeface="Calibri"/>
                           <a:cs typeface="Times New Roman"/>
                         </a:rPr>
-                        <a:t>ImageID</a:t>
+                        <a:t>ImageDescID</a:t>
                       </a:r>
                       <a:endParaRPr lang="sv-SE" sz="1100" b="1" dirty="0">
                         <a:latin typeface="Calibri"/>
@@ -18994,7 +18599,7 @@
                   </a:tcPr>
                 </a:tc>
               </a:tr>
-              <a:tr h="289560">
+              <a:tr h="241300">
                 <a:tc>
                   <a:txBody>
                     <a:bodyPr/>
@@ -19079,12 +18684,20 @@
                         </a:spcAft>
                       </a:pPr>
                       <a:r>
+                        <a:rPr lang="sv-SE" sz="1200" dirty="0" smtClean="0">
+                          <a:latin typeface="Calibri"/>
+                          <a:ea typeface="Calibri"/>
+                          <a:cs typeface="Times New Roman"/>
+                        </a:rPr>
+                        <a:t>SmallInt, </a:t>
+                      </a:r>
+                      <a:r>
                         <a:rPr lang="sv-SE" sz="1200" dirty="0">
                           <a:latin typeface="Calibri"/>
                           <a:ea typeface="Calibri"/>
                           <a:cs typeface="Times New Roman"/>
                         </a:rPr>
-                        <a:t>TinyInt, FK</a:t>
+                        <a:t>FK</a:t>
                       </a:r>
                       <a:endParaRPr lang="sv-SE" sz="1100" dirty="0">
                         <a:latin typeface="Calibri"/>
@@ -19206,7 +18819,7 @@
                   </a:tcPr>
                 </a:tc>
               </a:tr>
-              <a:tr h="289560">
+              <a:tr h="241300">
                 <a:tc>
                   <a:txBody>
                     <a:bodyPr/>
@@ -19422,6 +19035,227 @@
                   </a:tcPr>
                 </a:tc>
               </a:tr>
+              <a:tr h="241300">
+                <a:tc>
+                  <a:txBody>
+                    <a:bodyPr/>
+                    <a:lstStyle/>
+                    <a:p>
+                      <a:pPr marL="0" marR="0" indent="0" algn="ctr" defTabSz="914400" rtl="0" eaLnBrk="1" fontAlgn="auto" latinLnBrk="0" hangingPunct="1">
+                        <a:lnSpc>
+                          <a:spcPct val="115000"/>
+                        </a:lnSpc>
+                        <a:spcBef>
+                          <a:spcPts val="0"/>
+                        </a:spcBef>
+                        <a:spcAft>
+                          <a:spcPts val="0"/>
+                        </a:spcAft>
+                        <a:buClrTx/>
+                        <a:buSzTx/>
+                        <a:buFontTx/>
+                        <a:buNone/>
+                        <a:tabLst/>
+                        <a:defRPr/>
+                      </a:pPr>
+                      <a:r>
+                        <a:rPr lang="sv-SE" sz="1200" dirty="0" smtClean="0">
+                          <a:latin typeface="+mn-lt"/>
+                          <a:ea typeface="Times New Roman"/>
+                          <a:cs typeface="Times New Roman"/>
+                        </a:rPr>
+                        <a:t>ImgName</a:t>
+                      </a:r>
+                      <a:endParaRPr lang="sv-SE" sz="1200" dirty="0" smtClean="0">
+                        <a:latin typeface="+mn-lt"/>
+                        <a:ea typeface="Times New Roman"/>
+                        <a:cs typeface="Times New Roman"/>
+                      </a:endParaRPr>
+                    </a:p>
+                  </a:txBody>
+                  <a:tcPr marL="68580" marR="68580" marT="0" marB="0" anchor="ctr">
+                    <a:lnL w="12700" cap="flat" cmpd="sng" algn="ctr">
+                      <a:solidFill>
+                        <a:srgbClr val="B3CC82"/>
+                      </a:solidFill>
+                      <a:prstDash val="solid"/>
+                      <a:round/>
+                      <a:headEnd type="none" w="med" len="med"/>
+                      <a:tailEnd type="none" w="med" len="med"/>
+                    </a:lnL>
+                    <a:lnR w="12700" cap="flat" cmpd="sng" algn="ctr">
+                      <a:solidFill>
+                        <a:srgbClr val="B3CC82"/>
+                      </a:solidFill>
+                      <a:prstDash val="solid"/>
+                      <a:round/>
+                      <a:headEnd type="none" w="med" len="med"/>
+                      <a:tailEnd type="none" w="med" len="med"/>
+                    </a:lnR>
+                    <a:lnT w="12700" cap="flat" cmpd="sng" algn="ctr">
+                      <a:solidFill>
+                        <a:srgbClr val="B3CC82"/>
+                      </a:solidFill>
+                      <a:prstDash val="solid"/>
+                      <a:round/>
+                      <a:headEnd type="none" w="med" len="med"/>
+                      <a:tailEnd type="none" w="med" len="med"/>
+                    </a:lnT>
+                    <a:lnB w="12700" cap="flat" cmpd="sng" algn="ctr">
+                      <a:solidFill>
+                        <a:srgbClr val="B3CC82"/>
+                      </a:solidFill>
+                      <a:prstDash val="solid"/>
+                      <a:round/>
+                      <a:headEnd type="none" w="med" len="med"/>
+                      <a:tailEnd type="none" w="med" len="med"/>
+                    </a:lnB>
+                    <a:solidFill>
+                      <a:srgbClr val="CDDDAC"/>
+                    </a:solidFill>
+                  </a:tcPr>
+                </a:tc>
+                <a:tc>
+                  <a:txBody>
+                    <a:bodyPr/>
+                    <a:lstStyle/>
+                    <a:p>
+                      <a:pPr algn="ctr">
+                        <a:lnSpc>
+                          <a:spcPct val="115000"/>
+                        </a:lnSpc>
+                        <a:spcAft>
+                          <a:spcPts val="0"/>
+                        </a:spcAft>
+                      </a:pPr>
+                      <a:r>
+                        <a:rPr lang="sv-SE" sz="1200" dirty="0" smtClean="0">
+                          <a:latin typeface="Calibri"/>
+                          <a:ea typeface="Calibri"/>
+                          <a:cs typeface="Times New Roman"/>
+                        </a:rPr>
+                        <a:t>VarChar</a:t>
+                      </a:r>
+                      <a:endParaRPr lang="sv-SE" sz="1200" dirty="0">
+                        <a:latin typeface="Calibri"/>
+                        <a:ea typeface="Calibri"/>
+                        <a:cs typeface="Times New Roman"/>
+                      </a:endParaRPr>
+                    </a:p>
+                  </a:txBody>
+                  <a:tcPr marL="68580" marR="68580" marT="0" marB="0" anchor="ctr">
+                    <a:lnL w="12700" cap="flat" cmpd="sng" algn="ctr">
+                      <a:solidFill>
+                        <a:srgbClr val="B3CC82"/>
+                      </a:solidFill>
+                      <a:prstDash val="solid"/>
+                      <a:round/>
+                      <a:headEnd type="none" w="med" len="med"/>
+                      <a:tailEnd type="none" w="med" len="med"/>
+                    </a:lnL>
+                    <a:lnR w="12700" cap="flat" cmpd="sng" algn="ctr">
+                      <a:solidFill>
+                        <a:srgbClr val="B3CC82"/>
+                      </a:solidFill>
+                      <a:prstDash val="solid"/>
+                      <a:round/>
+                      <a:headEnd type="none" w="med" len="med"/>
+                      <a:tailEnd type="none" w="med" len="med"/>
+                    </a:lnR>
+                    <a:lnT w="12700" cap="flat" cmpd="sng" algn="ctr">
+                      <a:solidFill>
+                        <a:srgbClr val="B3CC82"/>
+                      </a:solidFill>
+                      <a:prstDash val="solid"/>
+                      <a:round/>
+                      <a:headEnd type="none" w="med" len="med"/>
+                      <a:tailEnd type="none" w="med" len="med"/>
+                    </a:lnT>
+                    <a:lnB w="12700" cap="flat" cmpd="sng" algn="ctr">
+                      <a:solidFill>
+                        <a:srgbClr val="B3CC82"/>
+                      </a:solidFill>
+                      <a:prstDash val="solid"/>
+                      <a:round/>
+                      <a:headEnd type="none" w="med" len="med"/>
+                      <a:tailEnd type="none" w="med" len="med"/>
+                    </a:lnB>
+                    <a:solidFill>
+                      <a:srgbClr val="CDDDAC"/>
+                    </a:solidFill>
+                  </a:tcPr>
+                </a:tc>
+                <a:tc>
+                  <a:txBody>
+                    <a:bodyPr/>
+                    <a:lstStyle/>
+                    <a:p>
+                      <a:pPr algn="ctr">
+                        <a:lnSpc>
+                          <a:spcPct val="115000"/>
+                        </a:lnSpc>
+                        <a:spcAft>
+                          <a:spcPts val="0"/>
+                        </a:spcAft>
+                      </a:pPr>
+                      <a:r>
+                        <a:rPr lang="sv-SE" sz="1100" dirty="0" smtClean="0">
+                          <a:latin typeface="Calibri"/>
+                          <a:ea typeface="Calibri"/>
+                          <a:cs typeface="Times New Roman"/>
+                        </a:rPr>
+                        <a:t>20</a:t>
+                      </a:r>
+                      <a:endParaRPr lang="sv-SE" sz="1100" dirty="0">
+                        <a:latin typeface="Calibri"/>
+                        <a:ea typeface="Calibri"/>
+                        <a:cs typeface="Times New Roman"/>
+                      </a:endParaRPr>
+                    </a:p>
+                  </a:txBody>
+                  <a:tcPr marL="68580" marR="68580" marT="0" marB="0" anchor="ctr">
+                    <a:lnL w="12700" cap="flat" cmpd="sng" algn="ctr">
+                      <a:solidFill>
+                        <a:srgbClr val="B3CC82"/>
+                      </a:solidFill>
+                      <a:prstDash val="solid"/>
+                      <a:round/>
+                      <a:headEnd type="none" w="med" len="med"/>
+                      <a:tailEnd type="none" w="med" len="med"/>
+                    </a:lnL>
+                    <a:lnR w="12700" cap="flat" cmpd="sng" algn="ctr">
+                      <a:solidFill>
+                        <a:srgbClr val="B3CC82"/>
+                      </a:solidFill>
+                      <a:prstDash val="solid"/>
+                      <a:round/>
+                      <a:headEnd type="none" w="med" len="med"/>
+                      <a:tailEnd type="none" w="med" len="med"/>
+                    </a:lnR>
+                    <a:lnT w="12700" cap="flat" cmpd="sng" algn="ctr">
+                      <a:solidFill>
+                        <a:srgbClr val="B3CC82"/>
+                      </a:solidFill>
+                      <a:prstDash val="solid"/>
+                      <a:round/>
+                      <a:headEnd type="none" w="med" len="med"/>
+                      <a:tailEnd type="none" w="med" len="med"/>
+                    </a:lnT>
+                    <a:lnB w="12700" cap="flat" cmpd="sng" algn="ctr">
+                      <a:solidFill>
+                        <a:srgbClr val="B3CC82"/>
+                      </a:solidFill>
+                      <a:prstDash val="solid"/>
+                      <a:round/>
+                      <a:headEnd type="none" w="med" len="med"/>
+                      <a:tailEnd type="none" w="med" len="med"/>
+                    </a:lnB>
+                    <a:solidFill>
+                      <a:srgbClr val="CDDDAC"/>
+                    </a:solidFill>
+                  </a:tcPr>
+                </a:tc>
+              </a:tr>
             </a:tbl>
           </a:graphicData>
         </a:graphic>
@@ -19435,19 +19269,19 @@
           <p:nvPr/>
         </p:nvGraphicFramePr>
         <p:xfrm>
-          <a:off x="3505200" y="3124200"/>
-          <a:ext cx="2667000" cy="1051560"/>
+          <a:off x="6172200" y="1981200"/>
+          <a:ext cx="2819399" cy="1295400"/>
         </p:xfrm>
         <a:graphic>
           <a:graphicData uri="http://schemas.openxmlformats.org/drawingml/2006/table">
             <a:tbl>
               <a:tblPr/>
               <a:tblGrid>
-                <a:gridCol w="1143000"/>
-                <a:gridCol w="914400"/>
-                <a:gridCol w="609600"/>
+                <a:gridCol w="1208314"/>
+                <a:gridCol w="966651"/>
+                <a:gridCol w="644434"/>
               </a:tblGrid>
-              <a:tr h="197993">
+              <a:tr h="259080">
                 <a:tc>
                   <a:txBody>
                     <a:bodyPr/>
@@ -19659,7 +19493,7 @@
                   </a:tcPr>
                 </a:tc>
               </a:tr>
-              <a:tr h="206828">
+              <a:tr h="259080">
                 <a:tc>
                   <a:txBody>
                     <a:bodyPr/>
@@ -19871,7 +19705,7 @@
                   </a:tcPr>
                 </a:tc>
               </a:tr>
-              <a:tr h="206828">
+              <a:tr h="259080">
                 <a:tc>
                   <a:txBody>
                     <a:bodyPr/>
@@ -20083,7 +19917,7 @@
                   </a:tcPr>
                 </a:tc>
               </a:tr>
-              <a:tr h="206828">
+              <a:tr h="259080">
                 <a:tc>
                   <a:txBody>
                     <a:bodyPr/>
@@ -20295,7 +20129,7 @@
                   </a:tcPr>
                 </a:tc>
               </a:tr>
-              <a:tr h="206828">
+              <a:tr h="259080">
                 <a:tc>
                   <a:txBody>
                     <a:bodyPr/>
@@ -30029,7 +29863,7 @@
           <p:nvPr/>
         </p:nvGraphicFramePr>
         <p:xfrm>
-          <a:off x="228600" y="457200"/>
+          <a:off x="152400" y="457200"/>
           <a:ext cx="6096001" cy="1173150"/>
         </p:xfrm>
         <a:graphic>
@@ -30128,12 +29962,12 @@
                         </a:spcAft>
                       </a:pPr>
                       <a:r>
-                        <a:rPr lang="sv-SE" sz="1100" b="1" dirty="0">
+                        <a:rPr lang="sv-SE" sz="1100" b="1" dirty="0" smtClean="0">
                           <a:latin typeface="Calibri"/>
                           <a:ea typeface="Calibri"/>
                           <a:cs typeface="Times New Roman"/>
                         </a:rPr>
-                        <a:t>CommentID</a:t>
+                        <a:t>CommID</a:t>
                       </a:r>
                       <a:endParaRPr lang="sv-SE" sz="1000" dirty="0">
                         <a:latin typeface="Calibri"/>
@@ -30198,12 +30032,12 @@
                         </a:spcAft>
                       </a:pPr>
                       <a:r>
-                        <a:rPr lang="sv-SE" sz="1100" dirty="0">
+                        <a:rPr lang="sv-SE" sz="1100" dirty="0" smtClean="0">
                           <a:latin typeface="Calibri"/>
                           <a:ea typeface="Calibri"/>
                           <a:cs typeface="Times New Roman"/>
                         </a:rPr>
-                        <a:t>Comment</a:t>
+                        <a:t>Comm</a:t>
                       </a:r>
                       <a:endParaRPr lang="sv-SE" sz="1000" dirty="0">
                         <a:latin typeface="Calibri"/>
@@ -30262,12 +30096,12 @@
                         </a:spcAft>
                       </a:pPr>
                       <a:r>
-                        <a:rPr lang="sv-SE" sz="1100" dirty="0">
+                        <a:rPr lang="sv-SE" sz="1100" dirty="0" smtClean="0">
                           <a:latin typeface="Calibri"/>
                           <a:ea typeface="Calibri"/>
                           <a:cs typeface="Times New Roman"/>
                         </a:rPr>
-                        <a:t>Datum</a:t>
+                        <a:t>Date</a:t>
                       </a:r>
                       <a:endParaRPr lang="sv-SE" sz="1000" dirty="0">
                         <a:latin typeface="Calibri"/>
@@ -32151,7 +31985,7 @@
         </p:nvGraphicFramePr>
         <p:xfrm>
           <a:off x="152400" y="1828800"/>
-          <a:ext cx="2691631" cy="1219200"/>
+          <a:ext cx="2691631" cy="1261872"/>
         </p:xfrm>
         <a:graphic>
           <a:graphicData uri="http://schemas.openxmlformats.org/drawingml/2006/table">
@@ -32176,12 +32010,12 @@
                         </a:spcAft>
                       </a:pPr>
                       <a:r>
-                        <a:rPr lang="en-US" sz="1200" b="1" dirty="0">
+                        <a:rPr lang="en-US" sz="1200" b="1" dirty="0" smtClean="0">
                           <a:latin typeface="Calibri"/>
                           <a:ea typeface="Calibri"/>
                           <a:cs typeface="Times New Roman"/>
                         </a:rPr>
-                        <a:t>CatagoryID</a:t>
+                        <a:t>CategoryID</a:t>
                       </a:r>
                       <a:endParaRPr lang="sv-SE" sz="1100" dirty="0">
                         <a:latin typeface="Calibri"/>
@@ -33020,20 +32854,21 @@
           <p:nvPr/>
         </p:nvGraphicFramePr>
         <p:xfrm>
-          <a:off x="152400" y="3276600"/>
-          <a:ext cx="6096000" cy="1350527"/>
+          <a:off x="152401" y="3352799"/>
+          <a:ext cx="6095999" cy="1295400"/>
         </p:xfrm>
         <a:graphic>
           <a:graphicData uri="http://schemas.openxmlformats.org/drawingml/2006/table">
             <a:tbl>
               <a:tblPr/>
               <a:tblGrid>
-                <a:gridCol w="1703666"/>
-                <a:gridCol w="1703666"/>
-                <a:gridCol w="1495661"/>
-                <a:gridCol w="1193007"/>
+                <a:gridCol w="1424823"/>
+                <a:gridCol w="1424823"/>
+                <a:gridCol w="1250863"/>
+                <a:gridCol w="997745"/>
+                <a:gridCol w="997745"/>
               </a:tblGrid>
-              <a:tr h="155186">
+              <a:tr h="215900">
                 <a:tc>
                   <a:txBody>
                     <a:bodyPr/>
@@ -33118,12 +32953,12 @@
                         </a:spcAft>
                       </a:pPr>
                       <a:r>
-                        <a:rPr lang="en-US" sz="1200" b="1" dirty="0">
+                        <a:rPr lang="en-US" sz="1200" b="1" dirty="0" smtClean="0">
                           <a:latin typeface="Calibri"/>
                           <a:ea typeface="Calibri"/>
                           <a:cs typeface="Times New Roman"/>
                         </a:rPr>
-                        <a:t>ImageDescID</a:t>
+                        <a:t>ImgDescID</a:t>
                       </a:r>
                       <a:endParaRPr lang="sv-SE" sz="1100" dirty="0">
                         <a:latin typeface="Calibri"/>
@@ -33302,8 +33137,6 @@
                     </a:solidFill>
                   </a:tcPr>
                 </a:tc>
-              </a:tr>
-              <a:tr h="228043">
                 <a:tc>
                   <a:txBody>
                     <a:bodyPr/>
@@ -33318,12 +33151,12 @@
                         </a:spcAft>
                       </a:pPr>
                       <a:r>
-                        <a:rPr lang="en-US" sz="1200" dirty="0">
+                        <a:rPr lang="sv-SE" sz="1100" dirty="0" smtClean="0">
                           <a:latin typeface="Calibri"/>
                           <a:ea typeface="Calibri"/>
                           <a:cs typeface="Times New Roman"/>
                         </a:rPr>
-                        <a:t>1</a:t>
+                        <a:t>ImgName</a:t>
                       </a:r>
                       <a:endParaRPr lang="sv-SE" sz="1100" dirty="0">
                         <a:latin typeface="Calibri"/>
@@ -33332,48 +33165,44 @@
                       </a:endParaRPr>
                     </a:p>
                   </a:txBody>
-                  <a:tcPr marL="68580" marR="68580" marT="0" marB="0" anchor="ctr">
-                    <a:lnL w="12700" cap="flat" cmpd="sng" algn="ctr">
-                      <a:solidFill>
-                        <a:srgbClr val="000000"/>
-                      </a:solidFill>
-                      <a:prstDash val="solid"/>
-                      <a:round/>
-                      <a:headEnd type="none" w="med" len="med"/>
-                      <a:tailEnd type="none" w="med" len="med"/>
-                    </a:lnL>
-                    <a:lnR w="12700" cap="flat" cmpd="sng" algn="ctr">
-                      <a:solidFill>
-                        <a:srgbClr val="000000"/>
-                      </a:solidFill>
-                      <a:prstDash val="solid"/>
-                      <a:round/>
-                      <a:headEnd type="none" w="med" len="med"/>
-                      <a:tailEnd type="none" w="med" len="med"/>
-                    </a:lnR>
-                    <a:lnT w="12700" cap="flat" cmpd="sng" algn="ctr">
-                      <a:solidFill>
-                        <a:srgbClr val="000000"/>
-                      </a:solidFill>
-                      <a:prstDash val="solid"/>
-                      <a:round/>
-                      <a:headEnd type="none" w="med" len="med"/>
-                      <a:tailEnd type="none" w="med" len="med"/>
-                    </a:lnT>
-                    <a:lnB w="12700" cap="flat" cmpd="sng" algn="ctr">
-                      <a:solidFill>
-                        <a:srgbClr val="000000"/>
-                      </a:solidFill>
-                      <a:prstDash val="solid"/>
-                      <a:round/>
-                      <a:headEnd type="none" w="med" len="med"/>
-                      <a:tailEnd type="none" w="med" len="med"/>
-                    </a:lnB>
-                    <a:solidFill>
-                      <a:srgbClr val="CDDDAC"/>
-                    </a:solidFill>
-                  </a:tcPr>
-                </a:tc>
+                  <a:tcPr marL="68580" marR="68580" marT="0" marB="0">
+                    <a:lnL w="12700" cap="flat" cmpd="sng" algn="ctr">
+                      <a:solidFill>
+                        <a:srgbClr val="000000"/>
+                      </a:solidFill>
+                      <a:prstDash val="solid"/>
+                      <a:round/>
+                      <a:headEnd type="none" w="med" len="med"/>
+                      <a:tailEnd type="none" w="med" len="med"/>
+                    </a:lnL>
+                    <a:lnR w="12700" cap="flat" cmpd="sng" algn="ctr">
+                      <a:solidFill>
+                        <a:srgbClr val="000000"/>
+                      </a:solidFill>
+                      <a:prstDash val="solid"/>
+                      <a:round/>
+                      <a:headEnd type="none" w="med" len="med"/>
+                      <a:tailEnd type="none" w="med" len="med"/>
+                    </a:lnR>
+                    <a:lnT>
+                      <a:noFill/>
+                    </a:lnT>
+                    <a:lnB w="12700" cap="flat" cmpd="sng" algn="ctr">
+                      <a:solidFill>
+                        <a:srgbClr val="000000"/>
+                      </a:solidFill>
+                      <a:prstDash val="solid"/>
+                      <a:round/>
+                      <a:headEnd type="none" w="med" len="med"/>
+                      <a:tailEnd type="none" w="med" len="med"/>
+                    </a:lnB>
+                    <a:solidFill>
+                      <a:srgbClr val="E6EED5"/>
+                    </a:solidFill>
+                  </a:tcPr>
+                </a:tc>
+              </a:tr>
+              <a:tr h="215900">
                 <a:tc>
                   <a:txBody>
                     <a:bodyPr/>
@@ -33472,7 +33301,7 @@
                       </a:endParaRPr>
                     </a:p>
                   </a:txBody>
-                  <a:tcPr marL="68580" marR="68580" marT="0" marB="0">
+                  <a:tcPr marL="68580" marR="68580" marT="0" marB="0" anchor="ctr">
                     <a:lnL w="12700" cap="flat" cmpd="sng" algn="ctr">
                       <a:solidFill>
                         <a:srgbClr val="000000"/>
@@ -33533,7 +33362,7 @@
                           <a:ea typeface="Calibri"/>
                           <a:cs typeface="Times New Roman"/>
                         </a:rPr>
-                        <a:t>2014-01-06</a:t>
+                        <a:t>1</a:t>
                       </a:r>
                       <a:endParaRPr lang="sv-SE" sz="1100" dirty="0">
                         <a:latin typeface="Calibri"/>
@@ -33584,8 +33413,6 @@
                     </a:solidFill>
                   </a:tcPr>
                 </a:tc>
-              </a:tr>
-              <a:tr h="228043">
                 <a:tc>
                   <a:txBody>
                     <a:bodyPr/>
@@ -33605,7 +33432,7 @@
                           <a:ea typeface="Calibri"/>
                           <a:cs typeface="Times New Roman"/>
                         </a:rPr>
-                        <a:t>1</a:t>
+                        <a:t>2014-01-06</a:t>
                       </a:r>
                       <a:endParaRPr lang="sv-SE" sz="1100" dirty="0">
                         <a:latin typeface="Calibri"/>
@@ -33614,45 +33441,45 @@
                       </a:endParaRPr>
                     </a:p>
                   </a:txBody>
-                  <a:tcPr marL="68580" marR="68580" marT="0" marB="0" anchor="ctr">
-                    <a:lnL w="12700" cap="flat" cmpd="sng" algn="ctr">
-                      <a:solidFill>
-                        <a:srgbClr val="000000"/>
-                      </a:solidFill>
-                      <a:prstDash val="solid"/>
-                      <a:round/>
-                      <a:headEnd type="none" w="med" len="med"/>
-                      <a:tailEnd type="none" w="med" len="med"/>
-                    </a:lnL>
-                    <a:lnR w="12700" cap="flat" cmpd="sng" algn="ctr">
-                      <a:solidFill>
-                        <a:srgbClr val="000000"/>
-                      </a:solidFill>
-                      <a:prstDash val="solid"/>
-                      <a:round/>
-                      <a:headEnd type="none" w="med" len="med"/>
-                      <a:tailEnd type="none" w="med" len="med"/>
-                    </a:lnR>
-                    <a:lnT w="12700" cap="flat" cmpd="sng" algn="ctr">
-                      <a:solidFill>
-                        <a:srgbClr val="000000"/>
-                      </a:solidFill>
-                      <a:prstDash val="solid"/>
-                      <a:round/>
-                      <a:headEnd type="none" w="med" len="med"/>
-                      <a:tailEnd type="none" w="med" len="med"/>
-                    </a:lnT>
-                    <a:lnB w="12700" cap="flat" cmpd="sng" algn="ctr">
-                      <a:solidFill>
-                        <a:srgbClr val="000000"/>
-                      </a:solidFill>
-                      <a:prstDash val="solid"/>
-                      <a:round/>
-                      <a:headEnd type="none" w="med" len="med"/>
-                      <a:tailEnd type="none" w="med" len="med"/>
-                    </a:lnB>
-                    <a:solidFill>
-                      <a:srgbClr val="E6EED5"/>
+                  <a:tcPr marL="68580" marR="68580" marT="0" marB="0">
+                    <a:lnL w="12700" cap="flat" cmpd="sng" algn="ctr">
+                      <a:solidFill>
+                        <a:srgbClr val="000000"/>
+                      </a:solidFill>
+                      <a:prstDash val="solid"/>
+                      <a:round/>
+                      <a:headEnd type="none" w="med" len="med"/>
+                      <a:tailEnd type="none" w="med" len="med"/>
+                    </a:lnL>
+                    <a:lnR w="12700" cap="flat" cmpd="sng" algn="ctr">
+                      <a:solidFill>
+                        <a:srgbClr val="000000"/>
+                      </a:solidFill>
+                      <a:prstDash val="solid"/>
+                      <a:round/>
+                      <a:headEnd type="none" w="med" len="med"/>
+                      <a:tailEnd type="none" w="med" len="med"/>
+                    </a:lnR>
+                    <a:lnT w="12700" cap="flat" cmpd="sng" algn="ctr">
+                      <a:solidFill>
+                        <a:srgbClr val="000000"/>
+                      </a:solidFill>
+                      <a:prstDash val="solid"/>
+                      <a:round/>
+                      <a:headEnd type="none" w="med" len="med"/>
+                      <a:tailEnd type="none" w="med" len="med"/>
+                    </a:lnT>
+                    <a:lnB w="12700" cap="flat" cmpd="sng" algn="ctr">
+                      <a:solidFill>
+                        <a:srgbClr val="000000"/>
+                      </a:solidFill>
+                      <a:prstDash val="solid"/>
+                      <a:round/>
+                      <a:headEnd type="none" w="med" len="med"/>
+                      <a:tailEnd type="none" w="med" len="med"/>
+                    </a:lnB>
+                    <a:solidFill>
+                      <a:srgbClr val="CDDDAC"/>
                     </a:solidFill>
                   </a:tcPr>
                 </a:tc>
@@ -33670,12 +33497,12 @@
                         </a:spcAft>
                       </a:pPr>
                       <a:r>
-                        <a:rPr lang="en-US" sz="1200" dirty="0">
+                        <a:rPr lang="sv-SE" sz="1100" dirty="0" smtClean="0">
                           <a:latin typeface="Calibri"/>
                           <a:ea typeface="Calibri"/>
                           <a:cs typeface="Times New Roman"/>
                         </a:rPr>
-                        <a:t>2</a:t>
+                        <a:t>Match</a:t>
                       </a:r>
                       <a:endParaRPr lang="sv-SE" sz="1100" dirty="0">
                         <a:latin typeface="Calibri"/>
@@ -33684,48 +33511,50 @@
                       </a:endParaRPr>
                     </a:p>
                   </a:txBody>
-                  <a:tcPr marL="68580" marR="68580" marT="0" marB="0" anchor="ctr">
-                    <a:lnL w="12700" cap="flat" cmpd="sng" algn="ctr">
-                      <a:solidFill>
-                        <a:srgbClr val="000000"/>
-                      </a:solidFill>
-                      <a:prstDash val="solid"/>
-                      <a:round/>
-                      <a:headEnd type="none" w="med" len="med"/>
-                      <a:tailEnd type="none" w="med" len="med"/>
-                    </a:lnL>
-                    <a:lnR w="12700" cap="flat" cmpd="sng" algn="ctr">
-                      <a:solidFill>
-                        <a:srgbClr val="000000"/>
-                      </a:solidFill>
-                      <a:prstDash val="solid"/>
-                      <a:round/>
-                      <a:headEnd type="none" w="med" len="med"/>
-                      <a:tailEnd type="none" w="med" len="med"/>
-                    </a:lnR>
-                    <a:lnT w="12700" cap="flat" cmpd="sng" algn="ctr">
-                      <a:solidFill>
-                        <a:srgbClr val="000000"/>
-                      </a:solidFill>
-                      <a:prstDash val="solid"/>
-                      <a:round/>
-                      <a:headEnd type="none" w="med" len="med"/>
-                      <a:tailEnd type="none" w="med" len="med"/>
-                    </a:lnT>
-                    <a:lnB w="12700" cap="flat" cmpd="sng" algn="ctr">
-                      <a:solidFill>
-                        <a:srgbClr val="000000"/>
-                      </a:solidFill>
-                      <a:prstDash val="solid"/>
-                      <a:round/>
-                      <a:headEnd type="none" w="med" len="med"/>
-                      <a:tailEnd type="none" w="med" len="med"/>
-                    </a:lnB>
-                    <a:solidFill>
-                      <a:srgbClr val="E6EED5"/>
-                    </a:solidFill>
-                  </a:tcPr>
-                </a:tc>
+                  <a:tcPr marL="68580" marR="68580" marT="0" marB="0">
+                    <a:lnL w="12700" cap="flat" cmpd="sng" algn="ctr">
+                      <a:solidFill>
+                        <a:srgbClr val="000000"/>
+                      </a:solidFill>
+                      <a:prstDash val="solid"/>
+                      <a:round/>
+                      <a:headEnd type="none" w="med" len="med"/>
+                      <a:tailEnd type="none" w="med" len="med"/>
+                    </a:lnL>
+                    <a:lnR w="12700" cap="flat" cmpd="sng" algn="ctr">
+                      <a:solidFill>
+                        <a:srgbClr val="000000"/>
+                      </a:solidFill>
+                      <a:prstDash val="solid"/>
+                      <a:round/>
+                      <a:headEnd type="none" w="med" len="med"/>
+                      <a:tailEnd type="none" w="med" len="med"/>
+                    </a:lnR>
+                    <a:lnT w="12700" cap="flat" cmpd="sng" algn="ctr">
+                      <a:solidFill>
+                        <a:srgbClr val="000000"/>
+                      </a:solidFill>
+                      <a:prstDash val="solid"/>
+                      <a:round/>
+                      <a:headEnd type="none" w="med" len="med"/>
+                      <a:tailEnd type="none" w="med" len="med"/>
+                    </a:lnT>
+                    <a:lnB w="12700" cap="flat" cmpd="sng" algn="ctr">
+                      <a:solidFill>
+                        <a:srgbClr val="000000"/>
+                      </a:solidFill>
+                      <a:prstDash val="solid"/>
+                      <a:round/>
+                      <a:headEnd type="none" w="med" len="med"/>
+                      <a:tailEnd type="none" w="med" len="med"/>
+                    </a:lnB>
+                    <a:solidFill>
+                      <a:srgbClr val="CDDDAC"/>
+                    </a:solidFill>
+                  </a:tcPr>
+                </a:tc>
+              </a:tr>
+              <a:tr h="215900">
                 <a:tc>
                   <a:txBody>
                     <a:bodyPr/>
@@ -33745,7 +33574,7 @@
                           <a:ea typeface="Calibri"/>
                           <a:cs typeface="Times New Roman"/>
                         </a:rPr>
-                        <a:t>3</a:t>
+                        <a:t>1</a:t>
                       </a:r>
                       <a:endParaRPr lang="sv-SE" sz="1100" dirty="0">
                         <a:latin typeface="Calibri"/>
@@ -33754,7 +33583,7 @@
                       </a:endParaRPr>
                     </a:p>
                   </a:txBody>
-                  <a:tcPr marL="68580" marR="68580" marT="0" marB="0">
+                  <a:tcPr marL="68580" marR="68580" marT="0" marB="0" anchor="ctr">
                     <a:lnL w="12700" cap="flat" cmpd="sng" algn="ctr">
                       <a:solidFill>
                         <a:srgbClr val="000000"/>
@@ -33815,7 +33644,7 @@
                           <a:ea typeface="Calibri"/>
                           <a:cs typeface="Times New Roman"/>
                         </a:rPr>
-                        <a:t>2014-01-05</a:t>
+                        <a:t>2</a:t>
                       </a:r>
                       <a:endParaRPr lang="sv-SE" sz="1100" dirty="0">
                         <a:latin typeface="Calibri"/>
@@ -33824,7 +33653,7 @@
                       </a:endParaRPr>
                     </a:p>
                   </a:txBody>
-                  <a:tcPr marL="68580" marR="68580" marT="0" marB="0">
+                  <a:tcPr marL="68580" marR="68580" marT="0" marB="0" anchor="ctr">
                     <a:lnL w="12700" cap="flat" cmpd="sng" algn="ctr">
                       <a:solidFill>
                         <a:srgbClr val="000000"/>
@@ -33866,8 +33695,6 @@
                     </a:solidFill>
                   </a:tcPr>
                 </a:tc>
-              </a:tr>
-              <a:tr h="228043">
                 <a:tc>
                   <a:txBody>
                     <a:bodyPr/>
@@ -33887,7 +33714,7 @@
                           <a:ea typeface="Calibri"/>
                           <a:cs typeface="Times New Roman"/>
                         </a:rPr>
-                        <a:t>2</a:t>
+                        <a:t>3</a:t>
                       </a:r>
                       <a:endParaRPr lang="sv-SE" sz="1100" dirty="0">
                         <a:latin typeface="Calibri"/>
@@ -33896,45 +33723,45 @@
                       </a:endParaRPr>
                     </a:p>
                   </a:txBody>
-                  <a:tcPr marL="68580" marR="68580" marT="0" marB="0" anchor="ctr">
-                    <a:lnL w="12700" cap="flat" cmpd="sng" algn="ctr">
-                      <a:solidFill>
-                        <a:srgbClr val="000000"/>
-                      </a:solidFill>
-                      <a:prstDash val="solid"/>
-                      <a:round/>
-                      <a:headEnd type="none" w="med" len="med"/>
-                      <a:tailEnd type="none" w="med" len="med"/>
-                    </a:lnL>
-                    <a:lnR w="12700" cap="flat" cmpd="sng" algn="ctr">
-                      <a:solidFill>
-                        <a:srgbClr val="000000"/>
-                      </a:solidFill>
-                      <a:prstDash val="solid"/>
-                      <a:round/>
-                      <a:headEnd type="none" w="med" len="med"/>
-                      <a:tailEnd type="none" w="med" len="med"/>
-                    </a:lnR>
-                    <a:lnT w="12700" cap="flat" cmpd="sng" algn="ctr">
-                      <a:solidFill>
-                        <a:srgbClr val="000000"/>
-                      </a:solidFill>
-                      <a:prstDash val="solid"/>
-                      <a:round/>
-                      <a:headEnd type="none" w="med" len="med"/>
-                      <a:tailEnd type="none" w="med" len="med"/>
-                    </a:lnT>
-                    <a:lnB w="12700" cap="flat" cmpd="sng" algn="ctr">
-                      <a:solidFill>
-                        <a:srgbClr val="000000"/>
-                      </a:solidFill>
-                      <a:prstDash val="solid"/>
-                      <a:round/>
-                      <a:headEnd type="none" w="med" len="med"/>
-                      <a:tailEnd type="none" w="med" len="med"/>
-                    </a:lnB>
-                    <a:solidFill>
-                      <a:srgbClr val="CDDDAC"/>
+                  <a:tcPr marL="68580" marR="68580" marT="0" marB="0">
+                    <a:lnL w="12700" cap="flat" cmpd="sng" algn="ctr">
+                      <a:solidFill>
+                        <a:srgbClr val="000000"/>
+                      </a:solidFill>
+                      <a:prstDash val="solid"/>
+                      <a:round/>
+                      <a:headEnd type="none" w="med" len="med"/>
+                      <a:tailEnd type="none" w="med" len="med"/>
+                    </a:lnL>
+                    <a:lnR w="12700" cap="flat" cmpd="sng" algn="ctr">
+                      <a:solidFill>
+                        <a:srgbClr val="000000"/>
+                      </a:solidFill>
+                      <a:prstDash val="solid"/>
+                      <a:round/>
+                      <a:headEnd type="none" w="med" len="med"/>
+                      <a:tailEnd type="none" w="med" len="med"/>
+                    </a:lnR>
+                    <a:lnT w="12700" cap="flat" cmpd="sng" algn="ctr">
+                      <a:solidFill>
+                        <a:srgbClr val="000000"/>
+                      </a:solidFill>
+                      <a:prstDash val="solid"/>
+                      <a:round/>
+                      <a:headEnd type="none" w="med" len="med"/>
+                      <a:tailEnd type="none" w="med" len="med"/>
+                    </a:lnT>
+                    <a:lnB w="12700" cap="flat" cmpd="sng" algn="ctr">
+                      <a:solidFill>
+                        <a:srgbClr val="000000"/>
+                      </a:solidFill>
+                      <a:prstDash val="solid"/>
+                      <a:round/>
+                      <a:headEnd type="none" w="med" len="med"/>
+                      <a:tailEnd type="none" w="med" len="med"/>
+                    </a:lnB>
+                    <a:solidFill>
+                      <a:srgbClr val="E6EED5"/>
                     </a:solidFill>
                   </a:tcPr>
                 </a:tc>
@@ -33957,7 +33784,7 @@
                           <a:ea typeface="Calibri"/>
                           <a:cs typeface="Times New Roman"/>
                         </a:rPr>
-                        <a:t>3</a:t>
+                        <a:t>2014-01-05</a:t>
                       </a:r>
                       <a:endParaRPr lang="sv-SE" sz="1100" dirty="0">
                         <a:latin typeface="Calibri"/>
@@ -33966,45 +33793,45 @@
                       </a:endParaRPr>
                     </a:p>
                   </a:txBody>
-                  <a:tcPr marL="68580" marR="68580" marT="0" marB="0" anchor="ctr">
-                    <a:lnL w="12700" cap="flat" cmpd="sng" algn="ctr">
-                      <a:solidFill>
-                        <a:srgbClr val="000000"/>
-                      </a:solidFill>
-                      <a:prstDash val="solid"/>
-                      <a:round/>
-                      <a:headEnd type="none" w="med" len="med"/>
-                      <a:tailEnd type="none" w="med" len="med"/>
-                    </a:lnL>
-                    <a:lnR w="12700" cap="flat" cmpd="sng" algn="ctr">
-                      <a:solidFill>
-                        <a:srgbClr val="000000"/>
-                      </a:solidFill>
-                      <a:prstDash val="solid"/>
-                      <a:round/>
-                      <a:headEnd type="none" w="med" len="med"/>
-                      <a:tailEnd type="none" w="med" len="med"/>
-                    </a:lnR>
-                    <a:lnT w="12700" cap="flat" cmpd="sng" algn="ctr">
-                      <a:solidFill>
-                        <a:srgbClr val="000000"/>
-                      </a:solidFill>
-                      <a:prstDash val="solid"/>
-                      <a:round/>
-                      <a:headEnd type="none" w="med" len="med"/>
-                      <a:tailEnd type="none" w="med" len="med"/>
-                    </a:lnT>
-                    <a:lnB w="12700" cap="flat" cmpd="sng" algn="ctr">
-                      <a:solidFill>
-                        <a:srgbClr val="000000"/>
-                      </a:solidFill>
-                      <a:prstDash val="solid"/>
-                      <a:round/>
-                      <a:headEnd type="none" w="med" len="med"/>
-                      <a:tailEnd type="none" w="med" len="med"/>
-                    </a:lnB>
-                    <a:solidFill>
-                      <a:srgbClr val="CDDDAC"/>
+                  <a:tcPr marL="68580" marR="68580" marT="0" marB="0">
+                    <a:lnL w="12700" cap="flat" cmpd="sng" algn="ctr">
+                      <a:solidFill>
+                        <a:srgbClr val="000000"/>
+                      </a:solidFill>
+                      <a:prstDash val="solid"/>
+                      <a:round/>
+                      <a:headEnd type="none" w="med" len="med"/>
+                      <a:tailEnd type="none" w="med" len="med"/>
+                    </a:lnL>
+                    <a:lnR w="12700" cap="flat" cmpd="sng" algn="ctr">
+                      <a:solidFill>
+                        <a:srgbClr val="000000"/>
+                      </a:solidFill>
+                      <a:prstDash val="solid"/>
+                      <a:round/>
+                      <a:headEnd type="none" w="med" len="med"/>
+                      <a:tailEnd type="none" w="med" len="med"/>
+                    </a:lnR>
+                    <a:lnT w="12700" cap="flat" cmpd="sng" algn="ctr">
+                      <a:solidFill>
+                        <a:srgbClr val="000000"/>
+                      </a:solidFill>
+                      <a:prstDash val="solid"/>
+                      <a:round/>
+                      <a:headEnd type="none" w="med" len="med"/>
+                      <a:tailEnd type="none" w="med" len="med"/>
+                    </a:lnT>
+                    <a:lnB w="12700" cap="flat" cmpd="sng" algn="ctr">
+                      <a:solidFill>
+                        <a:srgbClr val="000000"/>
+                      </a:solidFill>
+                      <a:prstDash val="solid"/>
+                      <a:round/>
+                      <a:headEnd type="none" w="med" len="med"/>
+                      <a:tailEnd type="none" w="med" len="med"/>
+                    </a:lnB>
+                    <a:solidFill>
+                      <a:srgbClr val="E6EED5"/>
                     </a:solidFill>
                   </a:tcPr>
                 </a:tc>
@@ -34022,12 +33849,12 @@
                         </a:spcAft>
                       </a:pPr>
                       <a:r>
-                        <a:rPr lang="en-US" sz="1200" dirty="0">
+                        <a:rPr lang="sv-SE" sz="1100" dirty="0" smtClean="0">
                           <a:latin typeface="Calibri"/>
                           <a:ea typeface="Calibri"/>
                           <a:cs typeface="Times New Roman"/>
                         </a:rPr>
-                        <a:t>1</a:t>
+                        <a:t>Berga borta</a:t>
                       </a:r>
                       <a:endParaRPr lang="sv-SE" sz="1100" dirty="0">
                         <a:latin typeface="Calibri"/>
@@ -34074,10 +33901,12 @@
                       <a:tailEnd type="none" w="med" len="med"/>
                     </a:lnB>
                     <a:solidFill>
-                      <a:srgbClr val="CDDDAC"/>
-                    </a:solidFill>
-                  </a:tcPr>
-                </a:tc>
+                      <a:srgbClr val="E6EED5"/>
+                    </a:solidFill>
+                  </a:tcPr>
+                </a:tc>
+              </a:tr>
+              <a:tr h="215900">
                 <a:tc>
                   <a:txBody>
                     <a:bodyPr/>
@@ -34097,7 +33926,7 @@
                           <a:ea typeface="Calibri"/>
                           <a:cs typeface="Times New Roman"/>
                         </a:rPr>
-                        <a:t>2012-01-01</a:t>
+                        <a:t>2</a:t>
                       </a:r>
                       <a:endParaRPr lang="sv-SE" sz="1100" dirty="0">
                         <a:latin typeface="Calibri"/>
@@ -34106,7 +33935,7 @@
                       </a:endParaRPr>
                     </a:p>
                   </a:txBody>
-                  <a:tcPr marL="68580" marR="68580" marT="0" marB="0">
+                  <a:tcPr marL="68580" marR="68580" marT="0" marB="0" anchor="ctr">
                     <a:lnL w="12700" cap="flat" cmpd="sng" algn="ctr">
                       <a:solidFill>
                         <a:srgbClr val="000000"/>
@@ -34148,8 +33977,6 @@
                     </a:solidFill>
                   </a:tcPr>
                 </a:tc>
-              </a:tr>
-              <a:tr h="228043">
                 <a:tc>
                   <a:txBody>
                     <a:bodyPr/>
@@ -34216,7 +34043,7 @@
                       <a:tailEnd type="none" w="med" len="med"/>
                     </a:lnB>
                     <a:solidFill>
-                      <a:srgbClr val="E6EED5"/>
+                      <a:srgbClr val="CDDDAC"/>
                     </a:solidFill>
                   </a:tcPr>
                 </a:tc>
@@ -34239,7 +34066,7 @@
                           <a:ea typeface="Calibri"/>
                           <a:cs typeface="Times New Roman"/>
                         </a:rPr>
-                        <a:t>4</a:t>
+                        <a:t>1</a:t>
                       </a:r>
                       <a:endParaRPr lang="sv-SE" sz="1100" dirty="0">
                         <a:latin typeface="Calibri"/>
@@ -34248,45 +34075,45 @@
                       </a:endParaRPr>
                     </a:p>
                   </a:txBody>
-                  <a:tcPr marL="68580" marR="68580" marT="0" marB="0" anchor="ctr">
-                    <a:lnL w="12700" cap="flat" cmpd="sng" algn="ctr">
-                      <a:solidFill>
-                        <a:srgbClr val="000000"/>
-                      </a:solidFill>
-                      <a:prstDash val="solid"/>
-                      <a:round/>
-                      <a:headEnd type="none" w="med" len="med"/>
-                      <a:tailEnd type="none" w="med" len="med"/>
-                    </a:lnL>
-                    <a:lnR w="12700" cap="flat" cmpd="sng" algn="ctr">
-                      <a:solidFill>
-                        <a:srgbClr val="000000"/>
-                      </a:solidFill>
-                      <a:prstDash val="solid"/>
-                      <a:round/>
-                      <a:headEnd type="none" w="med" len="med"/>
-                      <a:tailEnd type="none" w="med" len="med"/>
-                    </a:lnR>
-                    <a:lnT w="12700" cap="flat" cmpd="sng" algn="ctr">
-                      <a:solidFill>
-                        <a:srgbClr val="000000"/>
-                      </a:solidFill>
-                      <a:prstDash val="solid"/>
-                      <a:round/>
-                      <a:headEnd type="none" w="med" len="med"/>
-                      <a:tailEnd type="none" w="med" len="med"/>
-                    </a:lnT>
-                    <a:lnB w="12700" cap="flat" cmpd="sng" algn="ctr">
-                      <a:solidFill>
-                        <a:srgbClr val="000000"/>
-                      </a:solidFill>
-                      <a:prstDash val="solid"/>
-                      <a:round/>
-                      <a:headEnd type="none" w="med" len="med"/>
-                      <a:tailEnd type="none" w="med" len="med"/>
-                    </a:lnB>
-                    <a:solidFill>
-                      <a:srgbClr val="E6EED5"/>
+                  <a:tcPr marL="68580" marR="68580" marT="0" marB="0">
+                    <a:lnL w="12700" cap="flat" cmpd="sng" algn="ctr">
+                      <a:solidFill>
+                        <a:srgbClr val="000000"/>
+                      </a:solidFill>
+                      <a:prstDash val="solid"/>
+                      <a:round/>
+                      <a:headEnd type="none" w="med" len="med"/>
+                      <a:tailEnd type="none" w="med" len="med"/>
+                    </a:lnL>
+                    <a:lnR w="12700" cap="flat" cmpd="sng" algn="ctr">
+                      <a:solidFill>
+                        <a:srgbClr val="000000"/>
+                      </a:solidFill>
+                      <a:prstDash val="solid"/>
+                      <a:round/>
+                      <a:headEnd type="none" w="med" len="med"/>
+                      <a:tailEnd type="none" w="med" len="med"/>
+                    </a:lnR>
+                    <a:lnT w="12700" cap="flat" cmpd="sng" algn="ctr">
+                      <a:solidFill>
+                        <a:srgbClr val="000000"/>
+                      </a:solidFill>
+                      <a:prstDash val="solid"/>
+                      <a:round/>
+                      <a:headEnd type="none" w="med" len="med"/>
+                      <a:tailEnd type="none" w="med" len="med"/>
+                    </a:lnT>
+                    <a:lnB w="12700" cap="flat" cmpd="sng" algn="ctr">
+                      <a:solidFill>
+                        <a:srgbClr val="000000"/>
+                      </a:solidFill>
+                      <a:prstDash val="solid"/>
+                      <a:round/>
+                      <a:headEnd type="none" w="med" len="med"/>
+                      <a:tailEnd type="none" w="med" len="med"/>
+                    </a:lnB>
+                    <a:solidFill>
+                      <a:srgbClr val="CDDDAC"/>
                     </a:solidFill>
                   </a:tcPr>
                 </a:tc>
@@ -34304,12 +34131,12 @@
                         </a:spcAft>
                       </a:pPr>
                       <a:r>
-                        <a:rPr lang="sv-SE" sz="1200" dirty="0">
+                        <a:rPr lang="en-US" sz="1200" dirty="0">
                           <a:latin typeface="Calibri"/>
                           <a:ea typeface="Calibri"/>
                           <a:cs typeface="Times New Roman"/>
                         </a:rPr>
-                        <a:t>2</a:t>
+                        <a:t>2012-01-01</a:t>
                       </a:r>
                       <a:endParaRPr lang="sv-SE" sz="1100" dirty="0">
                         <a:latin typeface="Calibri"/>
@@ -34356,7 +34183,7 @@
                       <a:tailEnd type="none" w="med" len="med"/>
                     </a:lnB>
                     <a:solidFill>
-                      <a:srgbClr val="E6EED5"/>
+                      <a:srgbClr val="CDDDAC"/>
                     </a:solidFill>
                   </a:tcPr>
                 </a:tc>
@@ -34374,12 +34201,12 @@
                         </a:spcAft>
                       </a:pPr>
                       <a:r>
-                        <a:rPr lang="sv-SE" sz="1200" dirty="0">
+                        <a:rPr lang="sv-SE" sz="1100" dirty="0" smtClean="0">
                           <a:latin typeface="Calibri"/>
                           <a:ea typeface="Calibri"/>
                           <a:cs typeface="Times New Roman"/>
                         </a:rPr>
-                        <a:t>2012-06-01</a:t>
+                        <a:t>Svarta valla</a:t>
                       </a:r>
                       <a:endParaRPr lang="sv-SE" sz="1100" dirty="0">
                         <a:latin typeface="Calibri"/>
@@ -34426,12 +34253,12 @@
                       <a:tailEnd type="none" w="med" len="med"/>
                     </a:lnB>
                     <a:solidFill>
-                      <a:srgbClr val="E6EED5"/>
+                      <a:srgbClr val="CDDDAC"/>
                     </a:solidFill>
                   </a:tcPr>
                 </a:tc>
               </a:tr>
-              <a:tr h="228043">
+              <a:tr h="215900">
                 <a:tc>
                   <a:txBody>
                     <a:bodyPr/>
@@ -34451,7 +34278,7 @@
                           <a:ea typeface="Calibri"/>
                           <a:cs typeface="Times New Roman"/>
                         </a:rPr>
-                        <a:t>6</a:t>
+                        <a:t>3</a:t>
                       </a:r>
                       <a:endParaRPr lang="sv-SE" sz="1100" dirty="0">
                         <a:latin typeface="Calibri"/>
@@ -34498,7 +34325,7 @@
                       <a:tailEnd type="none" w="med" len="med"/>
                     </a:lnB>
                     <a:solidFill>
-                      <a:srgbClr val="CDDDAC"/>
+                      <a:srgbClr val="E6EED5"/>
                     </a:solidFill>
                   </a:tcPr>
                 </a:tc>
@@ -34516,12 +34343,12 @@
                         </a:spcAft>
                       </a:pPr>
                       <a:r>
-                        <a:rPr lang="sv-SE" sz="1200" dirty="0">
+                        <a:rPr lang="en-US" sz="1200" dirty="0">
                           <a:latin typeface="Calibri"/>
                           <a:ea typeface="Calibri"/>
                           <a:cs typeface="Times New Roman"/>
                         </a:rPr>
-                        <a:t>5</a:t>
+                        <a:t>4</a:t>
                       </a:r>
                       <a:endParaRPr lang="sv-SE" sz="1100" dirty="0">
                         <a:latin typeface="Calibri"/>
@@ -34568,7 +34395,7 @@
                       <a:tailEnd type="none" w="med" len="med"/>
                     </a:lnB>
                     <a:solidFill>
-                      <a:srgbClr val="CDDDAC"/>
+                      <a:srgbClr val="E6EED5"/>
                     </a:solidFill>
                   </a:tcPr>
                 </a:tc>
@@ -34586,6 +34413,358 @@
                         </a:spcAft>
                       </a:pPr>
                       <a:r>
+                        <a:rPr lang="sv-SE" sz="1200" dirty="0">
+                          <a:latin typeface="Calibri"/>
+                          <a:ea typeface="Calibri"/>
+                          <a:cs typeface="Times New Roman"/>
+                        </a:rPr>
+                        <a:t>2</a:t>
+                      </a:r>
+                      <a:endParaRPr lang="sv-SE" sz="1100" dirty="0">
+                        <a:latin typeface="Calibri"/>
+                        <a:ea typeface="Calibri"/>
+                        <a:cs typeface="Times New Roman"/>
+                      </a:endParaRPr>
+                    </a:p>
+                  </a:txBody>
+                  <a:tcPr marL="68580" marR="68580" marT="0" marB="0">
+                    <a:lnL w="12700" cap="flat" cmpd="sng" algn="ctr">
+                      <a:solidFill>
+                        <a:srgbClr val="000000"/>
+                      </a:solidFill>
+                      <a:prstDash val="solid"/>
+                      <a:round/>
+                      <a:headEnd type="none" w="med" len="med"/>
+                      <a:tailEnd type="none" w="med" len="med"/>
+                    </a:lnL>
+                    <a:lnR w="12700" cap="flat" cmpd="sng" algn="ctr">
+                      <a:solidFill>
+                        <a:srgbClr val="000000"/>
+                      </a:solidFill>
+                      <a:prstDash val="solid"/>
+                      <a:round/>
+                      <a:headEnd type="none" w="med" len="med"/>
+                      <a:tailEnd type="none" w="med" len="med"/>
+                    </a:lnR>
+                    <a:lnT w="12700" cap="flat" cmpd="sng" algn="ctr">
+                      <a:solidFill>
+                        <a:srgbClr val="000000"/>
+                      </a:solidFill>
+                      <a:prstDash val="solid"/>
+                      <a:round/>
+                      <a:headEnd type="none" w="med" len="med"/>
+                      <a:tailEnd type="none" w="med" len="med"/>
+                    </a:lnT>
+                    <a:lnB w="12700" cap="flat" cmpd="sng" algn="ctr">
+                      <a:solidFill>
+                        <a:srgbClr val="000000"/>
+                      </a:solidFill>
+                      <a:prstDash val="solid"/>
+                      <a:round/>
+                      <a:headEnd type="none" w="med" len="med"/>
+                      <a:tailEnd type="none" w="med" len="med"/>
+                    </a:lnB>
+                    <a:solidFill>
+                      <a:srgbClr val="E6EED5"/>
+                    </a:solidFill>
+                  </a:tcPr>
+                </a:tc>
+                <a:tc>
+                  <a:txBody>
+                    <a:bodyPr/>
+                    <a:lstStyle/>
+                    <a:p>
+                      <a:pPr algn="ctr">
+                        <a:lnSpc>
+                          <a:spcPct val="115000"/>
+                        </a:lnSpc>
+                        <a:spcAft>
+                          <a:spcPts val="0"/>
+                        </a:spcAft>
+                      </a:pPr>
+                      <a:r>
+                        <a:rPr lang="sv-SE" sz="1200" dirty="0">
+                          <a:latin typeface="Calibri"/>
+                          <a:ea typeface="Calibri"/>
+                          <a:cs typeface="Times New Roman"/>
+                        </a:rPr>
+                        <a:t>2012-06-01</a:t>
+                      </a:r>
+                      <a:endParaRPr lang="sv-SE" sz="1100" dirty="0">
+                        <a:latin typeface="Calibri"/>
+                        <a:ea typeface="Calibri"/>
+                        <a:cs typeface="Times New Roman"/>
+                      </a:endParaRPr>
+                    </a:p>
+                  </a:txBody>
+                  <a:tcPr marL="68580" marR="68580" marT="0" marB="0">
+                    <a:lnL w="12700" cap="flat" cmpd="sng" algn="ctr">
+                      <a:solidFill>
+                        <a:srgbClr val="000000"/>
+                      </a:solidFill>
+                      <a:prstDash val="solid"/>
+                      <a:round/>
+                      <a:headEnd type="none" w="med" len="med"/>
+                      <a:tailEnd type="none" w="med" len="med"/>
+                    </a:lnL>
+                    <a:lnR w="12700" cap="flat" cmpd="sng" algn="ctr">
+                      <a:solidFill>
+                        <a:srgbClr val="000000"/>
+                      </a:solidFill>
+                      <a:prstDash val="solid"/>
+                      <a:round/>
+                      <a:headEnd type="none" w="med" len="med"/>
+                      <a:tailEnd type="none" w="med" len="med"/>
+                    </a:lnR>
+                    <a:lnT w="12700" cap="flat" cmpd="sng" algn="ctr">
+                      <a:solidFill>
+                        <a:srgbClr val="000000"/>
+                      </a:solidFill>
+                      <a:prstDash val="solid"/>
+                      <a:round/>
+                      <a:headEnd type="none" w="med" len="med"/>
+                      <a:tailEnd type="none" w="med" len="med"/>
+                    </a:lnT>
+                    <a:lnB w="12700" cap="flat" cmpd="sng" algn="ctr">
+                      <a:solidFill>
+                        <a:srgbClr val="000000"/>
+                      </a:solidFill>
+                      <a:prstDash val="solid"/>
+                      <a:round/>
+                      <a:headEnd type="none" w="med" len="med"/>
+                      <a:tailEnd type="none" w="med" len="med"/>
+                    </a:lnB>
+                    <a:solidFill>
+                      <a:srgbClr val="E6EED5"/>
+                    </a:solidFill>
+                  </a:tcPr>
+                </a:tc>
+                <a:tc>
+                  <a:txBody>
+                    <a:bodyPr/>
+                    <a:lstStyle/>
+                    <a:p>
+                      <a:pPr algn="ctr">
+                        <a:lnSpc>
+                          <a:spcPct val="115000"/>
+                        </a:lnSpc>
+                        <a:spcAft>
+                          <a:spcPts val="0"/>
+                        </a:spcAft>
+                      </a:pPr>
+                      <a:r>
+                        <a:rPr lang="sv-SE" sz="1100" dirty="0" smtClean="0">
+                          <a:latin typeface="Calibri"/>
+                          <a:ea typeface="Calibri"/>
+                          <a:cs typeface="Times New Roman"/>
+                        </a:rPr>
+                        <a:t>123</a:t>
+                      </a:r>
+                      <a:endParaRPr lang="sv-SE" sz="1100" dirty="0">
+                        <a:latin typeface="Calibri"/>
+                        <a:ea typeface="Calibri"/>
+                        <a:cs typeface="Times New Roman"/>
+                      </a:endParaRPr>
+                    </a:p>
+                  </a:txBody>
+                  <a:tcPr marL="68580" marR="68580" marT="0" marB="0">
+                    <a:lnL w="12700" cap="flat" cmpd="sng" algn="ctr">
+                      <a:solidFill>
+                        <a:srgbClr val="000000"/>
+                      </a:solidFill>
+                      <a:prstDash val="solid"/>
+                      <a:round/>
+                      <a:headEnd type="none" w="med" len="med"/>
+                      <a:tailEnd type="none" w="med" len="med"/>
+                    </a:lnL>
+                    <a:lnR w="12700" cap="flat" cmpd="sng" algn="ctr">
+                      <a:solidFill>
+                        <a:srgbClr val="000000"/>
+                      </a:solidFill>
+                      <a:prstDash val="solid"/>
+                      <a:round/>
+                      <a:headEnd type="none" w="med" len="med"/>
+                      <a:tailEnd type="none" w="med" len="med"/>
+                    </a:lnR>
+                    <a:lnT w="12700" cap="flat" cmpd="sng" algn="ctr">
+                      <a:solidFill>
+                        <a:srgbClr val="000000"/>
+                      </a:solidFill>
+                      <a:prstDash val="solid"/>
+                      <a:round/>
+                      <a:headEnd type="none" w="med" len="med"/>
+                      <a:tailEnd type="none" w="med" len="med"/>
+                    </a:lnT>
+                    <a:lnB w="12700" cap="flat" cmpd="sng" algn="ctr">
+                      <a:solidFill>
+                        <a:srgbClr val="000000"/>
+                      </a:solidFill>
+                      <a:prstDash val="solid"/>
+                      <a:round/>
+                      <a:headEnd type="none" w="med" len="med"/>
+                      <a:tailEnd type="none" w="med" len="med"/>
+                    </a:lnB>
+                    <a:solidFill>
+                      <a:srgbClr val="E6EED5"/>
+                    </a:solidFill>
+                  </a:tcPr>
+                </a:tc>
+              </a:tr>
+              <a:tr h="215900">
+                <a:tc>
+                  <a:txBody>
+                    <a:bodyPr/>
+                    <a:lstStyle/>
+                    <a:p>
+                      <a:pPr algn="ctr">
+                        <a:lnSpc>
+                          <a:spcPct val="115000"/>
+                        </a:lnSpc>
+                        <a:spcAft>
+                          <a:spcPts val="0"/>
+                        </a:spcAft>
+                      </a:pPr>
+                      <a:r>
+                        <a:rPr lang="en-US" sz="1200" dirty="0">
+                          <a:latin typeface="Calibri"/>
+                          <a:ea typeface="Calibri"/>
+                          <a:cs typeface="Times New Roman"/>
+                        </a:rPr>
+                        <a:t>6</a:t>
+                      </a:r>
+                      <a:endParaRPr lang="sv-SE" sz="1100" dirty="0">
+                        <a:latin typeface="Calibri"/>
+                        <a:ea typeface="Calibri"/>
+                        <a:cs typeface="Times New Roman"/>
+                      </a:endParaRPr>
+                    </a:p>
+                  </a:txBody>
+                  <a:tcPr marL="68580" marR="68580" marT="0" marB="0" anchor="ctr">
+                    <a:lnL w="12700" cap="flat" cmpd="sng" algn="ctr">
+                      <a:solidFill>
+                        <a:srgbClr val="000000"/>
+                      </a:solidFill>
+                      <a:prstDash val="solid"/>
+                      <a:round/>
+                      <a:headEnd type="none" w="med" len="med"/>
+                      <a:tailEnd type="none" w="med" len="med"/>
+                    </a:lnL>
+                    <a:lnR w="12700" cap="flat" cmpd="sng" algn="ctr">
+                      <a:solidFill>
+                        <a:srgbClr val="000000"/>
+                      </a:solidFill>
+                      <a:prstDash val="solid"/>
+                      <a:round/>
+                      <a:headEnd type="none" w="med" len="med"/>
+                      <a:tailEnd type="none" w="med" len="med"/>
+                    </a:lnR>
+                    <a:lnT w="12700" cap="flat" cmpd="sng" algn="ctr">
+                      <a:solidFill>
+                        <a:srgbClr val="000000"/>
+                      </a:solidFill>
+                      <a:prstDash val="solid"/>
+                      <a:round/>
+                      <a:headEnd type="none" w="med" len="med"/>
+                      <a:tailEnd type="none" w="med" len="med"/>
+                    </a:lnT>
+                    <a:lnB w="12700" cap="flat" cmpd="sng" algn="ctr">
+                      <a:solidFill>
+                        <a:srgbClr val="000000"/>
+                      </a:solidFill>
+                      <a:prstDash val="solid"/>
+                      <a:round/>
+                      <a:headEnd type="none" w="med" len="med"/>
+                      <a:tailEnd type="none" w="med" len="med"/>
+                    </a:lnB>
+                    <a:solidFill>
+                      <a:srgbClr val="CDDDAC"/>
+                    </a:solidFill>
+                  </a:tcPr>
+                </a:tc>
+                <a:tc>
+                  <a:txBody>
+                    <a:bodyPr/>
+                    <a:lstStyle/>
+                    <a:p>
+                      <a:pPr algn="ctr">
+                        <a:lnSpc>
+                          <a:spcPct val="115000"/>
+                        </a:lnSpc>
+                        <a:spcAft>
+                          <a:spcPts val="0"/>
+                        </a:spcAft>
+                      </a:pPr>
+                      <a:r>
+                        <a:rPr lang="sv-SE" sz="1200" dirty="0">
+                          <a:latin typeface="Calibri"/>
+                          <a:ea typeface="Calibri"/>
+                          <a:cs typeface="Times New Roman"/>
+                        </a:rPr>
+                        <a:t>5</a:t>
+                      </a:r>
+                      <a:endParaRPr lang="sv-SE" sz="1100" dirty="0">
+                        <a:latin typeface="Calibri"/>
+                        <a:ea typeface="Calibri"/>
+                        <a:cs typeface="Times New Roman"/>
+                      </a:endParaRPr>
+                    </a:p>
+                  </a:txBody>
+                  <a:tcPr marL="68580" marR="68580" marT="0" marB="0" anchor="ctr">
+                    <a:lnL w="12700" cap="flat" cmpd="sng" algn="ctr">
+                      <a:solidFill>
+                        <a:srgbClr val="000000"/>
+                      </a:solidFill>
+                      <a:prstDash val="solid"/>
+                      <a:round/>
+                      <a:headEnd type="none" w="med" len="med"/>
+                      <a:tailEnd type="none" w="med" len="med"/>
+                    </a:lnL>
+                    <a:lnR w="12700" cap="flat" cmpd="sng" algn="ctr">
+                      <a:solidFill>
+                        <a:srgbClr val="000000"/>
+                      </a:solidFill>
+                      <a:prstDash val="solid"/>
+                      <a:round/>
+                      <a:headEnd type="none" w="med" len="med"/>
+                      <a:tailEnd type="none" w="med" len="med"/>
+                    </a:lnR>
+                    <a:lnT w="12700" cap="flat" cmpd="sng" algn="ctr">
+                      <a:solidFill>
+                        <a:srgbClr val="000000"/>
+                      </a:solidFill>
+                      <a:prstDash val="solid"/>
+                      <a:round/>
+                      <a:headEnd type="none" w="med" len="med"/>
+                      <a:tailEnd type="none" w="med" len="med"/>
+                    </a:lnT>
+                    <a:lnB w="12700" cap="flat" cmpd="sng" algn="ctr">
+                      <a:solidFill>
+                        <a:srgbClr val="000000"/>
+                      </a:solidFill>
+                      <a:prstDash val="solid"/>
+                      <a:round/>
+                      <a:headEnd type="none" w="med" len="med"/>
+                      <a:tailEnd type="none" w="med" len="med"/>
+                    </a:lnB>
+                    <a:solidFill>
+                      <a:srgbClr val="CDDDAC"/>
+                    </a:solidFill>
+                  </a:tcPr>
+                </a:tc>
+                <a:tc>
+                  <a:txBody>
+                    <a:bodyPr/>
+                    <a:lstStyle/>
+                    <a:p>
+                      <a:pPr algn="ctr">
+                        <a:lnSpc>
+                          <a:spcPct val="115000"/>
+                        </a:lnSpc>
+                        <a:spcAft>
+                          <a:spcPts val="0"/>
+                        </a:spcAft>
+                      </a:pPr>
+                      <a:r>
                         <a:rPr lang="en-US" sz="1200" dirty="0">
                           <a:latin typeface="Calibri"/>
                           <a:ea typeface="Calibri"/>
@@ -34656,12 +34835,82 @@
                         </a:spcAft>
                       </a:pPr>
                       <a:r>
-                        <a:rPr lang="en-US" sz="1200" dirty="0">
+                        <a:rPr lang="en-US" sz="1200" dirty="0" smtClean="0">
                           <a:latin typeface="Calibri"/>
                           <a:ea typeface="Calibri"/>
                           <a:cs typeface="Times New Roman"/>
                         </a:rPr>
-                        <a:t>2015-01-01</a:t>
+                        <a:t>  2015-01-01</a:t>
+                      </a:r>
+                      <a:endParaRPr lang="sv-SE" sz="1100" dirty="0">
+                        <a:latin typeface="Calibri"/>
+                        <a:ea typeface="Calibri"/>
+                        <a:cs typeface="Times New Roman"/>
+                      </a:endParaRPr>
+                    </a:p>
+                  </a:txBody>
+                  <a:tcPr marL="68580" marR="68580" marT="0" marB="0">
+                    <a:lnL w="12700" cap="flat" cmpd="sng" algn="ctr">
+                      <a:solidFill>
+                        <a:srgbClr val="000000"/>
+                      </a:solidFill>
+                      <a:prstDash val="solid"/>
+                      <a:round/>
+                      <a:headEnd type="none" w="med" len="med"/>
+                      <a:tailEnd type="none" w="med" len="med"/>
+                    </a:lnL>
+                    <a:lnR w="12700" cap="flat" cmpd="sng" algn="ctr">
+                      <a:solidFill>
+                        <a:srgbClr val="000000"/>
+                      </a:solidFill>
+                      <a:prstDash val="solid"/>
+                      <a:round/>
+                      <a:headEnd type="none" w="med" len="med"/>
+                      <a:tailEnd type="none" w="med" len="med"/>
+                    </a:lnR>
+                    <a:lnT w="12700" cap="flat" cmpd="sng" algn="ctr">
+                      <a:solidFill>
+                        <a:srgbClr val="000000"/>
+                      </a:solidFill>
+                      <a:prstDash val="solid"/>
+                      <a:round/>
+                      <a:headEnd type="none" w="med" len="med"/>
+                      <a:tailEnd type="none" w="med" len="med"/>
+                    </a:lnT>
+                    <a:lnB w="12700" cap="flat" cmpd="sng" algn="ctr">
+                      <a:solidFill>
+                        <a:srgbClr val="000000"/>
+                      </a:solidFill>
+                      <a:prstDash val="solid"/>
+                      <a:round/>
+                      <a:headEnd type="none" w="med" len="med"/>
+                      <a:tailEnd type="none" w="med" len="med"/>
+                    </a:lnB>
+                    <a:solidFill>
+                      <a:srgbClr val="CDDDAC"/>
+                    </a:solidFill>
+                  </a:tcPr>
+                </a:tc>
+                <a:tc>
+                  <a:txBody>
+                    <a:bodyPr/>
+                    <a:lstStyle/>
+                    <a:p>
+                      <a:pPr algn="ctr">
+                        <a:lnSpc>
+                          <a:spcPct val="115000"/>
+                        </a:lnSpc>
+                        <a:spcAft>
+                          <a:spcPts val="0"/>
+                        </a:spcAft>
+                      </a:pPr>
+                      <a:r>
+                        <a:rPr lang="sv-SE" sz="1100" dirty="0" smtClean="0">
+                          <a:latin typeface="Calibri"/>
+                          <a:ea typeface="Calibri"/>
+                          <a:cs typeface="Times New Roman"/>
+                        </a:rPr>
+                        <a:t>Amadeus</a:t>
                       </a:r>
                       <a:endParaRPr lang="sv-SE" sz="1100" dirty="0">
                         <a:latin typeface="Calibri"/>
@@ -34726,8 +34975,8 @@
           <p:nvPr/>
         </p:nvGraphicFramePr>
         <p:xfrm>
-          <a:off x="2895600" y="1828800"/>
-          <a:ext cx="3276599" cy="1219200"/>
+          <a:off x="2971800" y="1828800"/>
+          <a:ext cx="3276599" cy="1261872"/>
         </p:xfrm>
         <a:graphic>
           <a:graphicData uri="http://schemas.openxmlformats.org/drawingml/2006/table">
@@ -34823,12 +35072,12 @@
                         </a:spcAft>
                       </a:pPr>
                       <a:r>
-                        <a:rPr lang="en-US" sz="1200" b="1" dirty="0">
+                        <a:rPr lang="en-US" sz="1200" b="1" dirty="0" smtClean="0">
                           <a:latin typeface="Calibri"/>
                           <a:ea typeface="Calibri"/>
                           <a:cs typeface="Times New Roman"/>
                         </a:rPr>
-                        <a:t>UserOnImageID</a:t>
+                        <a:t>UserOnImgID</a:t>
                       </a:r>
                       <a:endParaRPr lang="sv-SE" sz="1100" dirty="0">
                         <a:latin typeface="Calibri"/>
@@ -36006,8 +36255,8 @@
           <p:nvPr/>
         </p:nvGraphicFramePr>
         <p:xfrm>
-          <a:off x="152400" y="4953000"/>
-          <a:ext cx="6096000" cy="1443446"/>
+          <a:off x="152401" y="4953000"/>
+          <a:ext cx="6096000" cy="1447799"/>
         </p:xfrm>
         <a:graphic>
           <a:graphicData uri="http://schemas.openxmlformats.org/drawingml/2006/table">
@@ -36019,7 +36268,7 @@
                 <a:gridCol w="2613394"/>
                 <a:gridCol w="1228026"/>
               </a:tblGrid>
-              <a:tr h="195943">
+              <a:tr h="210946">
                 <a:tc>
                   <a:txBody>
                     <a:bodyPr/>
@@ -36232,12 +36481,12 @@
                         </a:spcAft>
                       </a:pPr>
                       <a:r>
-                        <a:rPr lang="sv-SE" sz="1200" dirty="0">
+                        <a:rPr lang="sv-SE" sz="1200" dirty="0" smtClean="0">
                           <a:latin typeface="Calibri"/>
                           <a:ea typeface="Calibri"/>
                           <a:cs typeface="Times New Roman"/>
                         </a:rPr>
-                        <a:t>Registration</a:t>
+                        <a:t>RegDate</a:t>
                       </a:r>
                       <a:endParaRPr lang="sv-SE" sz="1100" dirty="0">
                         <a:latin typeface="Calibri"/>
@@ -36283,7 +36532,7 @@
                   </a:tcPr>
                 </a:tc>
               </a:tr>
-              <a:tr h="195943">
+              <a:tr h="210946">
                 <a:tc>
                   <a:txBody>
                     <a:bodyPr/>
@@ -36565,7 +36814,7 @@
                   </a:tcPr>
                 </a:tc>
               </a:tr>
-              <a:tr h="195943">
+              <a:tr h="210946">
                 <a:tc>
                   <a:txBody>
                     <a:bodyPr/>
@@ -36851,7 +37100,7 @@
                   </a:tcPr>
                 </a:tc>
               </a:tr>
-              <a:tr h="195943">
+              <a:tr h="210946">
                 <a:tc>
                   <a:txBody>
                     <a:bodyPr/>
@@ -37137,7 +37386,7 @@
                   </a:tcPr>
                 </a:tc>
               </a:tr>
-              <a:tr h="195943">
+              <a:tr h="210946">
                 <a:tc>
                   <a:txBody>
                     <a:bodyPr/>
@@ -37419,7 +37668,7 @@
                   </a:tcPr>
                 </a:tc>
               </a:tr>
-              <a:tr h="391886">
+              <a:tr h="393069">
                 <a:tc>
                   <a:txBody>
                     <a:bodyPr/>
@@ -37729,7 +37978,11 @@
           <a:p>
             <a:r>
               <a:rPr lang="sv-SE" sz="1000" b="1" dirty="0" smtClean="0"/>
-              <a:t>User Tabell.</a:t>
+              <a:t>               User </a:t>
+            </a:r>
+            <a:r>
+              <a:rPr lang="sv-SE" sz="1000" b="1" dirty="0" smtClean="0"/>
+              <a:t>Tabell.</a:t>
             </a:r>
             <a:endParaRPr lang="sv-SE" sz="1000" b="1" dirty="0"/>
           </a:p>
@@ -37743,8 +37996,8 @@
         </p:nvSpPr>
         <p:spPr>
           <a:xfrm>
-            <a:off x="2209800" y="2971800"/>
-            <a:ext cx="1125629" cy="523220"/>
+            <a:off x="2209800" y="3124200"/>
+            <a:ext cx="1269899" cy="523220"/>
           </a:xfrm>
           <a:prstGeom prst="rect">
             <a:avLst/>
@@ -37759,9 +38012,12 @@
           <a:p>
             <a:r>
               <a:rPr lang="sv-SE" sz="1000" b="1" dirty="0" smtClean="0"/>
-              <a:t>ImageDesc tabell.</a:t>
+              <a:t>     ImageDesc </a:t>
             </a:r>
-            <a:endParaRPr lang="sv-SE" sz="1000" b="1" dirty="0" smtClean="0"/>
+            <a:r>
+              <a:rPr lang="sv-SE" sz="1000" b="1" dirty="0" smtClean="0"/>
+              <a:t>tabell.</a:t>
+            </a:r>
           </a:p>
           <a:p>
             <a:endParaRPr lang="sv-SE" dirty="0"/>
@@ -37777,7 +38033,7 @@
         <p:spPr>
           <a:xfrm>
             <a:off x="533400" y="1600200"/>
-            <a:ext cx="1026243" cy="246221"/>
+            <a:ext cx="1170513" cy="246221"/>
           </a:xfrm>
           <a:prstGeom prst="rect">
             <a:avLst/>
@@ -37792,7 +38048,11 @@
           <a:p>
             <a:r>
               <a:rPr lang="sv-SE" sz="1000" b="1" dirty="0" smtClean="0"/>
-              <a:t>Category tabell.</a:t>
+              <a:t>     Category </a:t>
+            </a:r>
+            <a:r>
+              <a:rPr lang="sv-SE" sz="1000" b="1" dirty="0" smtClean="0"/>
+              <a:t>tabell.</a:t>
             </a:r>
             <a:endParaRPr lang="sv-SE" sz="1000" b="1" dirty="0"/>
           </a:p>
@@ -37893,21 +38153,20 @@
         </p:nvGraphicFramePr>
         <p:xfrm>
           <a:off x="152400" y="304799"/>
-          <a:ext cx="6781799" cy="2301113"/>
+          <a:ext cx="5257800" cy="1803587"/>
         </p:xfrm>
         <a:graphic>
           <a:graphicData uri="http://schemas.openxmlformats.org/drawingml/2006/table">
             <a:tbl>
               <a:tblPr/>
               <a:tblGrid>
-                <a:gridCol w="942647"/>
-                <a:gridCol w="2045930"/>
-                <a:gridCol w="1231794"/>
-                <a:gridCol w="757185"/>
-                <a:gridCol w="623563"/>
-                <a:gridCol w="1180680"/>
+                <a:gridCol w="1000656"/>
+                <a:gridCol w="1307597"/>
+                <a:gridCol w="803781"/>
+                <a:gridCol w="1013317"/>
+                <a:gridCol w="1132449"/>
               </a:tblGrid>
-              <a:tr h="134112">
+              <a:tr h="159327">
                 <a:tc>
                   <a:txBody>
                     <a:bodyPr/>
@@ -37997,7 +38256,7 @@
                           <a:ea typeface="Calibri"/>
                           <a:cs typeface="Times New Roman"/>
                         </a:rPr>
-                        <a:t>ImageName</a:t>
+                        <a:t>UpLoaded</a:t>
                       </a:r>
                       <a:endParaRPr lang="sv-SE" sz="1100" dirty="0">
                         <a:latin typeface="Calibri"/>
@@ -38056,12 +38315,12 @@
                         </a:spcAft>
                       </a:pPr>
                       <a:r>
-                        <a:rPr lang="sv-SE" sz="1200" dirty="0">
+                        <a:rPr lang="sv-SE" sz="1200" i="1" dirty="0">
                           <a:latin typeface="Calibri"/>
                           <a:ea typeface="Calibri"/>
                           <a:cs typeface="Times New Roman"/>
                         </a:rPr>
-                        <a:t>UpLoaded</a:t>
+                        <a:t>UserID</a:t>
                       </a:r>
                       <a:endParaRPr lang="sv-SE" sz="1100" dirty="0">
                         <a:latin typeface="Calibri"/>
@@ -38070,7 +38329,7 @@
                       </a:endParaRPr>
                     </a:p>
                   </a:txBody>
-                  <a:tcPr marL="68580" marR="68580" marT="0" marB="0" anchor="ctr">
+                  <a:tcPr marL="68580" marR="68580" marT="0" marB="0">
                     <a:lnL w="12700" cap="flat" cmpd="sng" algn="ctr">
                       <a:solidFill>
                         <a:srgbClr val="000000"/>
@@ -38120,12 +38379,12 @@
                         </a:spcAft>
                       </a:pPr>
                       <a:r>
-                        <a:rPr lang="sv-SE" sz="1200" i="1" dirty="0">
+                        <a:rPr lang="sv-SE" sz="1200" dirty="0">
                           <a:latin typeface="Calibri"/>
                           <a:ea typeface="Calibri"/>
                           <a:cs typeface="Times New Roman"/>
                         </a:rPr>
-                        <a:t>UserID</a:t>
+                        <a:t>Year</a:t>
                       </a:r>
                       <a:endParaRPr lang="sv-SE" sz="1100" dirty="0">
                         <a:latin typeface="Calibri"/>
@@ -38189,7 +38448,7 @@
                           <a:ea typeface="Calibri"/>
                           <a:cs typeface="Times New Roman"/>
                         </a:rPr>
-                        <a:t>Year</a:t>
+                        <a:t>SaveName</a:t>
                       </a:r>
                       <a:endParaRPr lang="sv-SE" sz="1100" dirty="0">
                         <a:latin typeface="Calibri"/>
@@ -38234,6 +38493,8 @@
                     </a:solidFill>
                   </a:tcPr>
                 </a:tc>
+              </a:tr>
+              <a:tr h="318655">
                 <a:tc>
                   <a:txBody>
                     <a:bodyPr/>
@@ -38253,7 +38514,7 @@
                           <a:ea typeface="Calibri"/>
                           <a:cs typeface="Times New Roman"/>
                         </a:rPr>
-                        <a:t>SaveName</a:t>
+                        <a:t>1</a:t>
                       </a:r>
                       <a:endParaRPr lang="sv-SE" sz="1100" dirty="0">
                         <a:latin typeface="Calibri"/>
@@ -38262,44 +38523,48 @@
                       </a:endParaRPr>
                     </a:p>
                   </a:txBody>
-                  <a:tcPr marL="68580" marR="68580" marT="0" marB="0">
-                    <a:lnL w="12700" cap="flat" cmpd="sng" algn="ctr">
-                      <a:solidFill>
-                        <a:srgbClr val="000000"/>
-                      </a:solidFill>
-                      <a:prstDash val="solid"/>
-                      <a:round/>
-                      <a:headEnd type="none" w="med" len="med"/>
-                      <a:tailEnd type="none" w="med" len="med"/>
-                    </a:lnL>
-                    <a:lnR w="12700" cap="flat" cmpd="sng" algn="ctr">
-                      <a:solidFill>
-                        <a:srgbClr val="000000"/>
-                      </a:solidFill>
-                      <a:prstDash val="solid"/>
-                      <a:round/>
-                      <a:headEnd type="none" w="med" len="med"/>
-                      <a:tailEnd type="none" w="med" len="med"/>
-                    </a:lnR>
-                    <a:lnT>
-                      <a:noFill/>
-                    </a:lnT>
-                    <a:lnB w="12700" cap="flat" cmpd="sng" algn="ctr">
-                      <a:solidFill>
-                        <a:srgbClr val="000000"/>
-                      </a:solidFill>
-                      <a:prstDash val="solid"/>
-                      <a:round/>
-                      <a:headEnd type="none" w="med" len="med"/>
-                      <a:tailEnd type="none" w="med" len="med"/>
-                    </a:lnB>
-                    <a:solidFill>
-                      <a:srgbClr val="E6EED5"/>
-                    </a:solidFill>
-                  </a:tcPr>
-                </a:tc>
-              </a:tr>
-              <a:tr h="300038">
+                  <a:tcPr marL="68580" marR="68580" marT="0" marB="0" anchor="ctr">
+                    <a:lnL w="12700" cap="flat" cmpd="sng" algn="ctr">
+                      <a:solidFill>
+                        <a:srgbClr val="000000"/>
+                      </a:solidFill>
+                      <a:prstDash val="solid"/>
+                      <a:round/>
+                      <a:headEnd type="none" w="med" len="med"/>
+                      <a:tailEnd type="none" w="med" len="med"/>
+                    </a:lnL>
+                    <a:lnR w="12700" cap="flat" cmpd="sng" algn="ctr">
+                      <a:solidFill>
+                        <a:srgbClr val="000000"/>
+                      </a:solidFill>
+                      <a:prstDash val="solid"/>
+                      <a:round/>
+                      <a:headEnd type="none" w="med" len="med"/>
+                      <a:tailEnd type="none" w="med" len="med"/>
+                    </a:lnR>
+                    <a:lnT w="12700" cap="flat" cmpd="sng" algn="ctr">
+                      <a:solidFill>
+                        <a:srgbClr val="000000"/>
+                      </a:solidFill>
+                      <a:prstDash val="solid"/>
+                      <a:round/>
+                      <a:headEnd type="none" w="med" len="med"/>
+                      <a:tailEnd type="none" w="med" len="med"/>
+                    </a:lnT>
+                    <a:lnB w="12700" cap="flat" cmpd="sng" algn="ctr">
+                      <a:solidFill>
+                        <a:srgbClr val="000000"/>
+                      </a:solidFill>
+                      <a:prstDash val="solid"/>
+                      <a:round/>
+                      <a:headEnd type="none" w="med" len="med"/>
+                      <a:tailEnd type="none" w="med" len="med"/>
+                    </a:lnB>
+                    <a:solidFill>
+                      <a:srgbClr val="CDDDAC"/>
+                    </a:solidFill>
+                  </a:tcPr>
+                </a:tc>
                 <a:tc>
                   <a:txBody>
                     <a:bodyPr/>
@@ -38314,12 +38579,12 @@
                         </a:spcAft>
                       </a:pPr>
                       <a:r>
-                        <a:rPr lang="sv-SE" sz="1200" dirty="0">
+                        <a:rPr lang="en-US" sz="1200" dirty="0">
                           <a:latin typeface="Calibri"/>
                           <a:ea typeface="Calibri"/>
                           <a:cs typeface="Times New Roman"/>
                         </a:rPr>
-                        <a:t>1</a:t>
+                        <a:t>2013-09-15:15:39</a:t>
                       </a:r>
                       <a:endParaRPr lang="sv-SE" sz="1100" dirty="0">
                         <a:latin typeface="Calibri"/>
@@ -38389,7 +38654,7 @@
                           <a:ea typeface="Calibri"/>
                           <a:cs typeface="Times New Roman"/>
                         </a:rPr>
-                        <a:t>Blomma.Jpeg </a:t>
+                        <a:t>1</a:t>
                       </a:r>
                       <a:endParaRPr lang="sv-SE" sz="1100" dirty="0">
                         <a:latin typeface="Calibri"/>
@@ -38398,7 +38663,7 @@
                       </a:endParaRPr>
                     </a:p>
                   </a:txBody>
-                  <a:tcPr marL="68580" marR="68580" marT="0" marB="0" anchor="ctr">
+                  <a:tcPr marL="68580" marR="68580" marT="0" marB="0">
                     <a:lnL w="12700" cap="flat" cmpd="sng" algn="ctr">
                       <a:solidFill>
                         <a:srgbClr val="000000"/>
@@ -38459,7 +38724,7 @@
                           <a:ea typeface="Calibri"/>
                           <a:cs typeface="Times New Roman"/>
                         </a:rPr>
-                        <a:t>2013-09-15:15:39</a:t>
+                        <a:t>2014-01-05</a:t>
                       </a:r>
                       <a:endParaRPr lang="sv-SE" sz="1100" dirty="0">
                         <a:latin typeface="Calibri"/>
@@ -38468,7 +38733,7 @@
                       </a:endParaRPr>
                     </a:p>
                   </a:txBody>
-                  <a:tcPr marL="68580" marR="68580" marT="0" marB="0" anchor="ctr">
+                  <a:tcPr marL="68580" marR="68580" marT="0" marB="0">
                     <a:lnL w="12700" cap="flat" cmpd="sng" algn="ctr">
                       <a:solidFill>
                         <a:srgbClr val="000000"/>
@@ -38529,7 +38794,7 @@
                           <a:ea typeface="Calibri"/>
                           <a:cs typeface="Times New Roman"/>
                         </a:rPr>
-                        <a:t>1</a:t>
+                        <a:t>2kht30ys.png</a:t>
                       </a:r>
                       <a:endParaRPr lang="sv-SE" sz="1100" dirty="0">
                         <a:latin typeface="Calibri"/>
@@ -38580,6 +38845,8 @@
                     </a:solidFill>
                   </a:tcPr>
                 </a:tc>
+              </a:tr>
+              <a:tr h="318655">
                 <a:tc>
                   <a:txBody>
                     <a:bodyPr/>
@@ -38599,7 +38866,7 @@
                           <a:ea typeface="Calibri"/>
                           <a:cs typeface="Times New Roman"/>
                         </a:rPr>
-                        <a:t>2014-01-05</a:t>
+                        <a:t>2</a:t>
                       </a:r>
                       <a:endParaRPr lang="sv-SE" sz="1100" dirty="0">
                         <a:latin typeface="Calibri"/>
@@ -38608,45 +38875,45 @@
                       </a:endParaRPr>
                     </a:p>
                   </a:txBody>
-                  <a:tcPr marL="68580" marR="68580" marT="0" marB="0">
-                    <a:lnL w="12700" cap="flat" cmpd="sng" algn="ctr">
-                      <a:solidFill>
-                        <a:srgbClr val="000000"/>
-                      </a:solidFill>
-                      <a:prstDash val="solid"/>
-                      <a:round/>
-                      <a:headEnd type="none" w="med" len="med"/>
-                      <a:tailEnd type="none" w="med" len="med"/>
-                    </a:lnL>
-                    <a:lnR w="12700" cap="flat" cmpd="sng" algn="ctr">
-                      <a:solidFill>
-                        <a:srgbClr val="000000"/>
-                      </a:solidFill>
-                      <a:prstDash val="solid"/>
-                      <a:round/>
-                      <a:headEnd type="none" w="med" len="med"/>
-                      <a:tailEnd type="none" w="med" len="med"/>
-                    </a:lnR>
-                    <a:lnT w="12700" cap="flat" cmpd="sng" algn="ctr">
-                      <a:solidFill>
-                        <a:srgbClr val="000000"/>
-                      </a:solidFill>
-                      <a:prstDash val="solid"/>
-                      <a:round/>
-                      <a:headEnd type="none" w="med" len="med"/>
-                      <a:tailEnd type="none" w="med" len="med"/>
-                    </a:lnT>
-                    <a:lnB w="12700" cap="flat" cmpd="sng" algn="ctr">
-                      <a:solidFill>
-                        <a:srgbClr val="000000"/>
-                      </a:solidFill>
-                      <a:prstDash val="solid"/>
-                      <a:round/>
-                      <a:headEnd type="none" w="med" len="med"/>
-                      <a:tailEnd type="none" w="med" len="med"/>
-                    </a:lnB>
-                    <a:solidFill>
-                      <a:srgbClr val="CDDDAC"/>
+                  <a:tcPr marL="68580" marR="68580" marT="0" marB="0" anchor="ctr">
+                    <a:lnL w="12700" cap="flat" cmpd="sng" algn="ctr">
+                      <a:solidFill>
+                        <a:srgbClr val="000000"/>
+                      </a:solidFill>
+                      <a:prstDash val="solid"/>
+                      <a:round/>
+                      <a:headEnd type="none" w="med" len="med"/>
+                      <a:tailEnd type="none" w="med" len="med"/>
+                    </a:lnL>
+                    <a:lnR w="12700" cap="flat" cmpd="sng" algn="ctr">
+                      <a:solidFill>
+                        <a:srgbClr val="000000"/>
+                      </a:solidFill>
+                      <a:prstDash val="solid"/>
+                      <a:round/>
+                      <a:headEnd type="none" w="med" len="med"/>
+                      <a:tailEnd type="none" w="med" len="med"/>
+                    </a:lnR>
+                    <a:lnT w="12700" cap="flat" cmpd="sng" algn="ctr">
+                      <a:solidFill>
+                        <a:srgbClr val="000000"/>
+                      </a:solidFill>
+                      <a:prstDash val="solid"/>
+                      <a:round/>
+                      <a:headEnd type="none" w="med" len="med"/>
+                      <a:tailEnd type="none" w="med" len="med"/>
+                    </a:lnT>
+                    <a:lnB w="12700" cap="flat" cmpd="sng" algn="ctr">
+                      <a:solidFill>
+                        <a:srgbClr val="000000"/>
+                      </a:solidFill>
+                      <a:prstDash val="solid"/>
+                      <a:round/>
+                      <a:headEnd type="none" w="med" len="med"/>
+                      <a:tailEnd type="none" w="med" len="med"/>
+                    </a:lnB>
+                    <a:solidFill>
+                      <a:srgbClr val="E6EED5"/>
                     </a:solidFill>
                   </a:tcPr>
                 </a:tc>
@@ -38669,7 +38936,7 @@
                           <a:ea typeface="Calibri"/>
                           <a:cs typeface="Times New Roman"/>
                         </a:rPr>
-                        <a:t>2kht30ys.png</a:t>
+                        <a:t>2013-09-15:15:52</a:t>
                       </a:r>
                       <a:endParaRPr lang="sv-SE" sz="1100" dirty="0">
                         <a:latin typeface="Calibri"/>
@@ -38678,50 +38945,48 @@
                       </a:endParaRPr>
                     </a:p>
                   </a:txBody>
-                  <a:tcPr marL="68580" marR="68580" marT="0" marB="0">
-                    <a:lnL w="12700" cap="flat" cmpd="sng" algn="ctr">
-                      <a:solidFill>
-                        <a:srgbClr val="000000"/>
-                      </a:solidFill>
-                      <a:prstDash val="solid"/>
-                      <a:round/>
-                      <a:headEnd type="none" w="med" len="med"/>
-                      <a:tailEnd type="none" w="med" len="med"/>
-                    </a:lnL>
-                    <a:lnR w="12700" cap="flat" cmpd="sng" algn="ctr">
-                      <a:solidFill>
-                        <a:srgbClr val="000000"/>
-                      </a:solidFill>
-                      <a:prstDash val="solid"/>
-                      <a:round/>
-                      <a:headEnd type="none" w="med" len="med"/>
-                      <a:tailEnd type="none" w="med" len="med"/>
-                    </a:lnR>
-                    <a:lnT w="12700" cap="flat" cmpd="sng" algn="ctr">
-                      <a:solidFill>
-                        <a:srgbClr val="000000"/>
-                      </a:solidFill>
-                      <a:prstDash val="solid"/>
-                      <a:round/>
-                      <a:headEnd type="none" w="med" len="med"/>
-                      <a:tailEnd type="none" w="med" len="med"/>
-                    </a:lnT>
-                    <a:lnB w="12700" cap="flat" cmpd="sng" algn="ctr">
-                      <a:solidFill>
-                        <a:srgbClr val="000000"/>
-                      </a:solidFill>
-                      <a:prstDash val="solid"/>
-                      <a:round/>
-                      <a:headEnd type="none" w="med" len="med"/>
-                      <a:tailEnd type="none" w="med" len="med"/>
-                    </a:lnB>
-                    <a:solidFill>
-                      <a:srgbClr val="CDDDAC"/>
-                    </a:solidFill>
-                  </a:tcPr>
-                </a:tc>
-              </a:tr>
-              <a:tr h="300038">
+                  <a:tcPr marL="68580" marR="68580" marT="0" marB="0" anchor="ctr">
+                    <a:lnL w="12700" cap="flat" cmpd="sng" algn="ctr">
+                      <a:solidFill>
+                        <a:srgbClr val="000000"/>
+                      </a:solidFill>
+                      <a:prstDash val="solid"/>
+                      <a:round/>
+                      <a:headEnd type="none" w="med" len="med"/>
+                      <a:tailEnd type="none" w="med" len="med"/>
+                    </a:lnL>
+                    <a:lnR w="12700" cap="flat" cmpd="sng" algn="ctr">
+                      <a:solidFill>
+                        <a:srgbClr val="000000"/>
+                      </a:solidFill>
+                      <a:prstDash val="solid"/>
+                      <a:round/>
+                      <a:headEnd type="none" w="med" len="med"/>
+                      <a:tailEnd type="none" w="med" len="med"/>
+                    </a:lnR>
+                    <a:lnT w="12700" cap="flat" cmpd="sng" algn="ctr">
+                      <a:solidFill>
+                        <a:srgbClr val="000000"/>
+                      </a:solidFill>
+                      <a:prstDash val="solid"/>
+                      <a:round/>
+                      <a:headEnd type="none" w="med" len="med"/>
+                      <a:tailEnd type="none" w="med" len="med"/>
+                    </a:lnT>
+                    <a:lnB w="12700" cap="flat" cmpd="sng" algn="ctr">
+                      <a:solidFill>
+                        <a:srgbClr val="000000"/>
+                      </a:solidFill>
+                      <a:prstDash val="solid"/>
+                      <a:round/>
+                      <a:headEnd type="none" w="med" len="med"/>
+                      <a:tailEnd type="none" w="med" len="med"/>
+                    </a:lnB>
+                    <a:solidFill>
+                      <a:srgbClr val="E6EED5"/>
+                    </a:solidFill>
+                  </a:tcPr>
+                </a:tc>
                 <a:tc>
                   <a:txBody>
                     <a:bodyPr/>
@@ -38741,7 +39006,7 @@
                           <a:ea typeface="Calibri"/>
                           <a:cs typeface="Times New Roman"/>
                         </a:rPr>
-                        <a:t>2</a:t>
+                        <a:t>7</a:t>
                       </a:r>
                       <a:endParaRPr lang="sv-SE" sz="1100" dirty="0">
                         <a:latin typeface="Calibri"/>
@@ -38750,7 +39015,7 @@
                       </a:endParaRPr>
                     </a:p>
                   </a:txBody>
-                  <a:tcPr marL="68580" marR="68580" marT="0" marB="0" anchor="ctr">
+                  <a:tcPr marL="68580" marR="68580" marT="0" marB="0">
                     <a:lnL w="12700" cap="flat" cmpd="sng" algn="ctr">
                       <a:solidFill>
                         <a:srgbClr val="000000"/>
@@ -38811,7 +39076,7 @@
                           <a:ea typeface="Calibri"/>
                           <a:cs typeface="Times New Roman"/>
                         </a:rPr>
-                        <a:t>12.Png</a:t>
+                        <a:t>2011-03-15</a:t>
                       </a:r>
                       <a:endParaRPr lang="sv-SE" sz="1100" dirty="0">
                         <a:latin typeface="Calibri"/>
@@ -38820,7 +39085,7 @@
                       </a:endParaRPr>
                     </a:p>
                   </a:txBody>
-                  <a:tcPr marL="68580" marR="68580" marT="0" marB="0" anchor="ctr">
+                  <a:tcPr marL="68580" marR="68580" marT="0" marB="0">
                     <a:lnL w="12700" cap="flat" cmpd="sng" algn="ctr">
                       <a:solidFill>
                         <a:srgbClr val="000000"/>
@@ -38881,7 +39146,7 @@
                           <a:ea typeface="Calibri"/>
                           <a:cs typeface="Times New Roman"/>
                         </a:rPr>
-                        <a:t>2013-09-15:15:52</a:t>
+                        <a:t>1wvibktk.jpg</a:t>
                       </a:r>
                       <a:endParaRPr lang="sv-SE" sz="1100" dirty="0">
                         <a:latin typeface="Calibri"/>
@@ -38890,7 +39155,7 @@
                       </a:endParaRPr>
                     </a:p>
                   </a:txBody>
-                  <a:tcPr marL="68580" marR="68580" marT="0" marB="0" anchor="ctr">
+                  <a:tcPr marL="68580" marR="68580" marT="0" marB="0">
                     <a:lnL w="12700" cap="flat" cmpd="sng" algn="ctr">
                       <a:solidFill>
                         <a:srgbClr val="000000"/>
@@ -38932,6 +39197,8 @@
                     </a:solidFill>
                   </a:tcPr>
                 </a:tc>
+              </a:tr>
+              <a:tr h="318655">
                 <a:tc>
                   <a:txBody>
                     <a:bodyPr/>
@@ -38951,7 +39218,7 @@
                           <a:ea typeface="Calibri"/>
                           <a:cs typeface="Times New Roman"/>
                         </a:rPr>
-                        <a:t>7</a:t>
+                        <a:t>3</a:t>
                       </a:r>
                       <a:endParaRPr lang="sv-SE" sz="1100" dirty="0">
                         <a:latin typeface="Calibri"/>
@@ -38960,45 +39227,45 @@
                       </a:endParaRPr>
                     </a:p>
                   </a:txBody>
-                  <a:tcPr marL="68580" marR="68580" marT="0" marB="0">
-                    <a:lnL w="12700" cap="flat" cmpd="sng" algn="ctr">
-                      <a:solidFill>
-                        <a:srgbClr val="000000"/>
-                      </a:solidFill>
-                      <a:prstDash val="solid"/>
-                      <a:round/>
-                      <a:headEnd type="none" w="med" len="med"/>
-                      <a:tailEnd type="none" w="med" len="med"/>
-                    </a:lnL>
-                    <a:lnR w="12700" cap="flat" cmpd="sng" algn="ctr">
-                      <a:solidFill>
-                        <a:srgbClr val="000000"/>
-                      </a:solidFill>
-                      <a:prstDash val="solid"/>
-                      <a:round/>
-                      <a:headEnd type="none" w="med" len="med"/>
-                      <a:tailEnd type="none" w="med" len="med"/>
-                    </a:lnR>
-                    <a:lnT w="12700" cap="flat" cmpd="sng" algn="ctr">
-                      <a:solidFill>
-                        <a:srgbClr val="000000"/>
-                      </a:solidFill>
-                      <a:prstDash val="solid"/>
-                      <a:round/>
-                      <a:headEnd type="none" w="med" len="med"/>
-                      <a:tailEnd type="none" w="med" len="med"/>
-                    </a:lnT>
-                    <a:lnB w="12700" cap="flat" cmpd="sng" algn="ctr">
-                      <a:solidFill>
-                        <a:srgbClr val="000000"/>
-                      </a:solidFill>
-                      <a:prstDash val="solid"/>
-                      <a:round/>
-                      <a:headEnd type="none" w="med" len="med"/>
-                      <a:tailEnd type="none" w="med" len="med"/>
-                    </a:lnB>
-                    <a:solidFill>
-                      <a:srgbClr val="E6EED5"/>
+                  <a:tcPr marL="68580" marR="68580" marT="0" marB="0" anchor="ctr">
+                    <a:lnL w="12700" cap="flat" cmpd="sng" algn="ctr">
+                      <a:solidFill>
+                        <a:srgbClr val="000000"/>
+                      </a:solidFill>
+                      <a:prstDash val="solid"/>
+                      <a:round/>
+                      <a:headEnd type="none" w="med" len="med"/>
+                      <a:tailEnd type="none" w="med" len="med"/>
+                    </a:lnL>
+                    <a:lnR w="12700" cap="flat" cmpd="sng" algn="ctr">
+                      <a:solidFill>
+                        <a:srgbClr val="000000"/>
+                      </a:solidFill>
+                      <a:prstDash val="solid"/>
+                      <a:round/>
+                      <a:headEnd type="none" w="med" len="med"/>
+                      <a:tailEnd type="none" w="med" len="med"/>
+                    </a:lnR>
+                    <a:lnT w="12700" cap="flat" cmpd="sng" algn="ctr">
+                      <a:solidFill>
+                        <a:srgbClr val="000000"/>
+                      </a:solidFill>
+                      <a:prstDash val="solid"/>
+                      <a:round/>
+                      <a:headEnd type="none" w="med" len="med"/>
+                      <a:tailEnd type="none" w="med" len="med"/>
+                    </a:lnT>
+                    <a:lnB w="12700" cap="flat" cmpd="sng" algn="ctr">
+                      <a:solidFill>
+                        <a:srgbClr val="000000"/>
+                      </a:solidFill>
+                      <a:prstDash val="solid"/>
+                      <a:round/>
+                      <a:headEnd type="none" w="med" len="med"/>
+                      <a:tailEnd type="none" w="med" len="med"/>
+                    </a:lnB>
+                    <a:solidFill>
+                      <a:srgbClr val="CDDDAC"/>
                     </a:solidFill>
                   </a:tcPr>
                 </a:tc>
@@ -39021,7 +39288,7 @@
                           <a:ea typeface="Calibri"/>
                           <a:cs typeface="Times New Roman"/>
                         </a:rPr>
-                        <a:t>2011-03-15</a:t>
+                        <a:t>2013-09-16:01:32</a:t>
                       </a:r>
                       <a:endParaRPr lang="sv-SE" sz="1100" dirty="0">
                         <a:latin typeface="Calibri"/>
@@ -39030,45 +39297,45 @@
                       </a:endParaRPr>
                     </a:p>
                   </a:txBody>
-                  <a:tcPr marL="68580" marR="68580" marT="0" marB="0">
-                    <a:lnL w="12700" cap="flat" cmpd="sng" algn="ctr">
-                      <a:solidFill>
-                        <a:srgbClr val="000000"/>
-                      </a:solidFill>
-                      <a:prstDash val="solid"/>
-                      <a:round/>
-                      <a:headEnd type="none" w="med" len="med"/>
-                      <a:tailEnd type="none" w="med" len="med"/>
-                    </a:lnL>
-                    <a:lnR w="12700" cap="flat" cmpd="sng" algn="ctr">
-                      <a:solidFill>
-                        <a:srgbClr val="000000"/>
-                      </a:solidFill>
-                      <a:prstDash val="solid"/>
-                      <a:round/>
-                      <a:headEnd type="none" w="med" len="med"/>
-                      <a:tailEnd type="none" w="med" len="med"/>
-                    </a:lnR>
-                    <a:lnT w="12700" cap="flat" cmpd="sng" algn="ctr">
-                      <a:solidFill>
-                        <a:srgbClr val="000000"/>
-                      </a:solidFill>
-                      <a:prstDash val="solid"/>
-                      <a:round/>
-                      <a:headEnd type="none" w="med" len="med"/>
-                      <a:tailEnd type="none" w="med" len="med"/>
-                    </a:lnT>
-                    <a:lnB w="12700" cap="flat" cmpd="sng" algn="ctr">
-                      <a:solidFill>
-                        <a:srgbClr val="000000"/>
-                      </a:solidFill>
-                      <a:prstDash val="solid"/>
-                      <a:round/>
-                      <a:headEnd type="none" w="med" len="med"/>
-                      <a:tailEnd type="none" w="med" len="med"/>
-                    </a:lnB>
-                    <a:solidFill>
-                      <a:srgbClr val="E6EED5"/>
+                  <a:tcPr marL="68580" marR="68580" marT="0" marB="0" anchor="ctr">
+                    <a:lnL w="12700" cap="flat" cmpd="sng" algn="ctr">
+                      <a:solidFill>
+                        <a:srgbClr val="000000"/>
+                      </a:solidFill>
+                      <a:prstDash val="solid"/>
+                      <a:round/>
+                      <a:headEnd type="none" w="med" len="med"/>
+                      <a:tailEnd type="none" w="med" len="med"/>
+                    </a:lnL>
+                    <a:lnR w="12700" cap="flat" cmpd="sng" algn="ctr">
+                      <a:solidFill>
+                        <a:srgbClr val="000000"/>
+                      </a:solidFill>
+                      <a:prstDash val="solid"/>
+                      <a:round/>
+                      <a:headEnd type="none" w="med" len="med"/>
+                      <a:tailEnd type="none" w="med" len="med"/>
+                    </a:lnR>
+                    <a:lnT w="12700" cap="flat" cmpd="sng" algn="ctr">
+                      <a:solidFill>
+                        <a:srgbClr val="000000"/>
+                      </a:solidFill>
+                      <a:prstDash val="solid"/>
+                      <a:round/>
+                      <a:headEnd type="none" w="med" len="med"/>
+                      <a:tailEnd type="none" w="med" len="med"/>
+                    </a:lnT>
+                    <a:lnB w="12700" cap="flat" cmpd="sng" algn="ctr">
+                      <a:solidFill>
+                        <a:srgbClr val="000000"/>
+                      </a:solidFill>
+                      <a:prstDash val="solid"/>
+                      <a:round/>
+                      <a:headEnd type="none" w="med" len="med"/>
+                      <a:tailEnd type="none" w="med" len="med"/>
+                    </a:lnB>
+                    <a:solidFill>
+                      <a:srgbClr val="CDDDAC"/>
                     </a:solidFill>
                   </a:tcPr>
                 </a:tc>
@@ -39091,7 +39358,7 @@
                           <a:ea typeface="Calibri"/>
                           <a:cs typeface="Times New Roman"/>
                         </a:rPr>
-                        <a:t>1wvibktk.jpg</a:t>
+                        <a:t>3</a:t>
                       </a:r>
                       <a:endParaRPr lang="sv-SE" sz="1100" dirty="0">
                         <a:latin typeface="Calibri"/>
@@ -39138,12 +39405,10 @@
                       <a:tailEnd type="none" w="med" len="med"/>
                     </a:lnB>
                     <a:solidFill>
-                      <a:srgbClr val="E6EED5"/>
-                    </a:solidFill>
-                  </a:tcPr>
-                </a:tc>
-              </a:tr>
-              <a:tr h="300038">
+                      <a:srgbClr val="CDDDAC"/>
+                    </a:solidFill>
+                  </a:tcPr>
+                </a:tc>
                 <a:tc>
                   <a:txBody>
                     <a:bodyPr/>
@@ -39163,7 +39428,7 @@
                           <a:ea typeface="Calibri"/>
                           <a:cs typeface="Times New Roman"/>
                         </a:rPr>
-                        <a:t>3</a:t>
+                        <a:t>2012-05-20</a:t>
                       </a:r>
                       <a:endParaRPr lang="sv-SE" sz="1100" dirty="0">
                         <a:latin typeface="Calibri"/>
@@ -39172,7 +39437,7 @@
                       </a:endParaRPr>
                     </a:p>
                   </a:txBody>
-                  <a:tcPr marL="68580" marR="68580" marT="0" marB="0" anchor="ctr">
+                  <a:tcPr marL="68580" marR="68580" marT="0" marB="0">
                     <a:lnL w="12700" cap="flat" cmpd="sng" algn="ctr">
                       <a:solidFill>
                         <a:srgbClr val="000000"/>
@@ -39233,7 +39498,7 @@
                           <a:ea typeface="Calibri"/>
                           <a:cs typeface="Times New Roman"/>
                         </a:rPr>
-                        <a:t>Mål.Jpeg</a:t>
+                        <a:t>0rw4b5ye.png</a:t>
                       </a:r>
                       <a:endParaRPr lang="sv-SE" sz="1100" dirty="0">
                         <a:latin typeface="Calibri"/>
@@ -39242,7 +39507,7 @@
                       </a:endParaRPr>
                     </a:p>
                   </a:txBody>
-                  <a:tcPr marL="68580" marR="68580" marT="0" marB="0" anchor="ctr">
+                  <a:tcPr marL="68580" marR="68580" marT="0" marB="0">
                     <a:lnL w="12700" cap="flat" cmpd="sng" algn="ctr">
                       <a:solidFill>
                         <a:srgbClr val="000000"/>
@@ -39284,6 +39549,8 @@
                     </a:solidFill>
                   </a:tcPr>
                 </a:tc>
+              </a:tr>
+              <a:tr h="318655">
                 <a:tc>
                   <a:txBody>
                     <a:bodyPr/>
@@ -39303,7 +39570,7 @@
                           <a:ea typeface="Calibri"/>
                           <a:cs typeface="Times New Roman"/>
                         </a:rPr>
-                        <a:t>2013-09-16:01:32</a:t>
+                        <a:t>4</a:t>
                       </a:r>
                       <a:endParaRPr lang="sv-SE" sz="1100" dirty="0">
                         <a:latin typeface="Calibri"/>
@@ -39350,7 +39617,7 @@
                       <a:tailEnd type="none" w="med" len="med"/>
                     </a:lnB>
                     <a:solidFill>
-                      <a:srgbClr val="CDDDAC"/>
+                      <a:srgbClr val="E6EED5"/>
                     </a:solidFill>
                   </a:tcPr>
                 </a:tc>
@@ -39373,7 +39640,7 @@
                           <a:ea typeface="Calibri"/>
                           <a:cs typeface="Times New Roman"/>
                         </a:rPr>
-                        <a:t>3</a:t>
+                        <a:t>2013-10-01:22:20</a:t>
                       </a:r>
                       <a:endParaRPr lang="sv-SE" sz="1100" dirty="0">
                         <a:latin typeface="Calibri"/>
@@ -39382,45 +39649,45 @@
                       </a:endParaRPr>
                     </a:p>
                   </a:txBody>
-                  <a:tcPr marL="68580" marR="68580" marT="0" marB="0">
-                    <a:lnL w="12700" cap="flat" cmpd="sng" algn="ctr">
-                      <a:solidFill>
-                        <a:srgbClr val="000000"/>
-                      </a:solidFill>
-                      <a:prstDash val="solid"/>
-                      <a:round/>
-                      <a:headEnd type="none" w="med" len="med"/>
-                      <a:tailEnd type="none" w="med" len="med"/>
-                    </a:lnL>
-                    <a:lnR w="12700" cap="flat" cmpd="sng" algn="ctr">
-                      <a:solidFill>
-                        <a:srgbClr val="000000"/>
-                      </a:solidFill>
-                      <a:prstDash val="solid"/>
-                      <a:round/>
-                      <a:headEnd type="none" w="med" len="med"/>
-                      <a:tailEnd type="none" w="med" len="med"/>
-                    </a:lnR>
-                    <a:lnT w="12700" cap="flat" cmpd="sng" algn="ctr">
-                      <a:solidFill>
-                        <a:srgbClr val="000000"/>
-                      </a:solidFill>
-                      <a:prstDash val="solid"/>
-                      <a:round/>
-                      <a:headEnd type="none" w="med" len="med"/>
-                      <a:tailEnd type="none" w="med" len="med"/>
-                    </a:lnT>
-                    <a:lnB w="12700" cap="flat" cmpd="sng" algn="ctr">
-                      <a:solidFill>
-                        <a:srgbClr val="000000"/>
-                      </a:solidFill>
-                      <a:prstDash val="solid"/>
-                      <a:round/>
-                      <a:headEnd type="none" w="med" len="med"/>
-                      <a:tailEnd type="none" w="med" len="med"/>
-                    </a:lnB>
-                    <a:solidFill>
-                      <a:srgbClr val="CDDDAC"/>
+                  <a:tcPr marL="68580" marR="68580" marT="0" marB="0" anchor="ctr">
+                    <a:lnL w="12700" cap="flat" cmpd="sng" algn="ctr">
+                      <a:solidFill>
+                        <a:srgbClr val="000000"/>
+                      </a:solidFill>
+                      <a:prstDash val="solid"/>
+                      <a:round/>
+                      <a:headEnd type="none" w="med" len="med"/>
+                      <a:tailEnd type="none" w="med" len="med"/>
+                    </a:lnL>
+                    <a:lnR w="12700" cap="flat" cmpd="sng" algn="ctr">
+                      <a:solidFill>
+                        <a:srgbClr val="000000"/>
+                      </a:solidFill>
+                      <a:prstDash val="solid"/>
+                      <a:round/>
+                      <a:headEnd type="none" w="med" len="med"/>
+                      <a:tailEnd type="none" w="med" len="med"/>
+                    </a:lnR>
+                    <a:lnT w="12700" cap="flat" cmpd="sng" algn="ctr">
+                      <a:solidFill>
+                        <a:srgbClr val="000000"/>
+                      </a:solidFill>
+                      <a:prstDash val="solid"/>
+                      <a:round/>
+                      <a:headEnd type="none" w="med" len="med"/>
+                      <a:tailEnd type="none" w="med" len="med"/>
+                    </a:lnT>
+                    <a:lnB w="12700" cap="flat" cmpd="sng" algn="ctr">
+                      <a:solidFill>
+                        <a:srgbClr val="000000"/>
+                      </a:solidFill>
+                      <a:prstDash val="solid"/>
+                      <a:round/>
+                      <a:headEnd type="none" w="med" len="med"/>
+                      <a:tailEnd type="none" w="med" len="med"/>
+                    </a:lnB>
+                    <a:solidFill>
+                      <a:srgbClr val="E6EED5"/>
                     </a:solidFill>
                   </a:tcPr>
                 </a:tc>
@@ -39438,12 +39705,12 @@
                         </a:spcAft>
                       </a:pPr>
                       <a:r>
-                        <a:rPr lang="en-US" sz="1200" dirty="0">
+                        <a:rPr lang="sv-SE" sz="1200" dirty="0">
                           <a:latin typeface="Calibri"/>
                           <a:ea typeface="Calibri"/>
                           <a:cs typeface="Times New Roman"/>
                         </a:rPr>
-                        <a:t>2012-05-20</a:t>
+                        <a:t>2</a:t>
                       </a:r>
                       <a:endParaRPr lang="sv-SE" sz="1100" dirty="0">
                         <a:latin typeface="Calibri"/>
@@ -39490,7 +39757,7 @@
                       <a:tailEnd type="none" w="med" len="med"/>
                     </a:lnB>
                     <a:solidFill>
-                      <a:srgbClr val="CDDDAC"/>
+                      <a:srgbClr val="E6EED5"/>
                     </a:solidFill>
                   </a:tcPr>
                 </a:tc>
@@ -39508,12 +39775,12 @@
                         </a:spcAft>
                       </a:pPr>
                       <a:r>
-                        <a:rPr lang="en-US" sz="1200" dirty="0">
+                        <a:rPr lang="sv-SE" sz="1200" dirty="0">
                           <a:latin typeface="Calibri"/>
                           <a:ea typeface="Calibri"/>
                           <a:cs typeface="Times New Roman"/>
                         </a:rPr>
-                        <a:t>0rw4b5ye.png</a:t>
+                        <a:t>2011-03-15</a:t>
                       </a:r>
                       <a:endParaRPr lang="sv-SE" sz="1100" dirty="0">
                         <a:latin typeface="Calibri"/>
@@ -39560,12 +39827,10 @@
                       <a:tailEnd type="none" w="med" len="med"/>
                     </a:lnB>
                     <a:solidFill>
-                      <a:srgbClr val="CDDDAC"/>
-                    </a:solidFill>
-                  </a:tcPr>
-                </a:tc>
-              </a:tr>
-              <a:tr h="300038">
+                      <a:srgbClr val="E6EED5"/>
+                    </a:solidFill>
+                  </a:tcPr>
+                </a:tc>
                 <a:tc>
                   <a:txBody>
                     <a:bodyPr/>
@@ -39580,12 +39845,12 @@
                         </a:spcAft>
                       </a:pPr>
                       <a:r>
-                        <a:rPr lang="en-US" sz="1200" dirty="0">
+                        <a:rPr lang="sv-SE" sz="1200" dirty="0">
                           <a:latin typeface="Calibri"/>
                           <a:ea typeface="Calibri"/>
                           <a:cs typeface="Times New Roman"/>
                         </a:rPr>
-                        <a:t>4</a:t>
+                        <a:t>Hstaexkb.jpg</a:t>
                       </a:r>
                       <a:endParaRPr lang="sv-SE" sz="1100" dirty="0">
                         <a:latin typeface="Calibri"/>
@@ -39594,7 +39859,7 @@
                       </a:endParaRPr>
                     </a:p>
                   </a:txBody>
-                  <a:tcPr marL="68580" marR="68580" marT="0" marB="0" anchor="ctr">
+                  <a:tcPr marL="68580" marR="68580" marT="0" marB="0">
                     <a:lnL w="12700" cap="flat" cmpd="sng" algn="ctr">
                       <a:solidFill>
                         <a:srgbClr val="000000"/>
@@ -39636,6 +39901,8 @@
                     </a:solidFill>
                   </a:tcPr>
                 </a:tc>
+              </a:tr>
+              <a:tr h="318655">
                 <a:tc>
                   <a:txBody>
                     <a:bodyPr/>
@@ -39655,429 +39922,7 @@
                           <a:ea typeface="Calibri"/>
                           <a:cs typeface="Times New Roman"/>
                         </a:rPr>
-                        <a:t>2000-11-13.Png</a:t>
-                      </a:r>
-                      <a:endParaRPr lang="sv-SE" sz="1100" dirty="0">
-                        <a:latin typeface="Calibri"/>
-                        <a:ea typeface="Calibri"/>
-                        <a:cs typeface="Times New Roman"/>
-                      </a:endParaRPr>
-                    </a:p>
-                  </a:txBody>
-                  <a:tcPr marL="68580" marR="68580" marT="0" marB="0" anchor="ctr">
-                    <a:lnL w="12700" cap="flat" cmpd="sng" algn="ctr">
-                      <a:solidFill>
-                        <a:srgbClr val="000000"/>
-                      </a:solidFill>
-                      <a:prstDash val="solid"/>
-                      <a:round/>
-                      <a:headEnd type="none" w="med" len="med"/>
-                      <a:tailEnd type="none" w="med" len="med"/>
-                    </a:lnL>
-                    <a:lnR w="12700" cap="flat" cmpd="sng" algn="ctr">
-                      <a:solidFill>
-                        <a:srgbClr val="000000"/>
-                      </a:solidFill>
-                      <a:prstDash val="solid"/>
-                      <a:round/>
-                      <a:headEnd type="none" w="med" len="med"/>
-                      <a:tailEnd type="none" w="med" len="med"/>
-                    </a:lnR>
-                    <a:lnT w="12700" cap="flat" cmpd="sng" algn="ctr">
-                      <a:solidFill>
-                        <a:srgbClr val="000000"/>
-                      </a:solidFill>
-                      <a:prstDash val="solid"/>
-                      <a:round/>
-                      <a:headEnd type="none" w="med" len="med"/>
-                      <a:tailEnd type="none" w="med" len="med"/>
-                    </a:lnT>
-                    <a:lnB w="12700" cap="flat" cmpd="sng" algn="ctr">
-                      <a:solidFill>
-                        <a:srgbClr val="000000"/>
-                      </a:solidFill>
-                      <a:prstDash val="solid"/>
-                      <a:round/>
-                      <a:headEnd type="none" w="med" len="med"/>
-                      <a:tailEnd type="none" w="med" len="med"/>
-                    </a:lnB>
-                    <a:solidFill>
-                      <a:srgbClr val="E6EED5"/>
-                    </a:solidFill>
-                  </a:tcPr>
-                </a:tc>
-                <a:tc>
-                  <a:txBody>
-                    <a:bodyPr/>
-                    <a:lstStyle/>
-                    <a:p>
-                      <a:pPr algn="ctr">
-                        <a:lnSpc>
-                          <a:spcPct val="115000"/>
-                        </a:lnSpc>
-                        <a:spcAft>
-                          <a:spcPts val="0"/>
-                        </a:spcAft>
-                      </a:pPr>
-                      <a:r>
-                        <a:rPr lang="en-US" sz="1200" dirty="0">
-                          <a:latin typeface="Calibri"/>
-                          <a:ea typeface="Calibri"/>
-                          <a:cs typeface="Times New Roman"/>
-                        </a:rPr>
-                        <a:t>2013-10-01:22:20</a:t>
-                      </a:r>
-                      <a:endParaRPr lang="sv-SE" sz="1100" dirty="0">
-                        <a:latin typeface="Calibri"/>
-                        <a:ea typeface="Calibri"/>
-                        <a:cs typeface="Times New Roman"/>
-                      </a:endParaRPr>
-                    </a:p>
-                  </a:txBody>
-                  <a:tcPr marL="68580" marR="68580" marT="0" marB="0" anchor="ctr">
-                    <a:lnL w="12700" cap="flat" cmpd="sng" algn="ctr">
-                      <a:solidFill>
-                        <a:srgbClr val="000000"/>
-                      </a:solidFill>
-                      <a:prstDash val="solid"/>
-                      <a:round/>
-                      <a:headEnd type="none" w="med" len="med"/>
-                      <a:tailEnd type="none" w="med" len="med"/>
-                    </a:lnL>
-                    <a:lnR w="12700" cap="flat" cmpd="sng" algn="ctr">
-                      <a:solidFill>
-                        <a:srgbClr val="000000"/>
-                      </a:solidFill>
-                      <a:prstDash val="solid"/>
-                      <a:round/>
-                      <a:headEnd type="none" w="med" len="med"/>
-                      <a:tailEnd type="none" w="med" len="med"/>
-                    </a:lnR>
-                    <a:lnT w="12700" cap="flat" cmpd="sng" algn="ctr">
-                      <a:solidFill>
-                        <a:srgbClr val="000000"/>
-                      </a:solidFill>
-                      <a:prstDash val="solid"/>
-                      <a:round/>
-                      <a:headEnd type="none" w="med" len="med"/>
-                      <a:tailEnd type="none" w="med" len="med"/>
-                    </a:lnT>
-                    <a:lnB w="12700" cap="flat" cmpd="sng" algn="ctr">
-                      <a:solidFill>
-                        <a:srgbClr val="000000"/>
-                      </a:solidFill>
-                      <a:prstDash val="solid"/>
-                      <a:round/>
-                      <a:headEnd type="none" w="med" len="med"/>
-                      <a:tailEnd type="none" w="med" len="med"/>
-                    </a:lnB>
-                    <a:solidFill>
-                      <a:srgbClr val="E6EED5"/>
-                    </a:solidFill>
-                  </a:tcPr>
-                </a:tc>
-                <a:tc>
-                  <a:txBody>
-                    <a:bodyPr/>
-                    <a:lstStyle/>
-                    <a:p>
-                      <a:pPr algn="ctr">
-                        <a:lnSpc>
-                          <a:spcPct val="115000"/>
-                        </a:lnSpc>
-                        <a:spcAft>
-                          <a:spcPts val="0"/>
-                        </a:spcAft>
-                      </a:pPr>
-                      <a:r>
-                        <a:rPr lang="sv-SE" sz="1200" dirty="0">
-                          <a:latin typeface="Calibri"/>
-                          <a:ea typeface="Calibri"/>
-                          <a:cs typeface="Times New Roman"/>
-                        </a:rPr>
-                        <a:t>2</a:t>
-                      </a:r>
-                      <a:endParaRPr lang="sv-SE" sz="1100" dirty="0">
-                        <a:latin typeface="Calibri"/>
-                        <a:ea typeface="Calibri"/>
-                        <a:cs typeface="Times New Roman"/>
-                      </a:endParaRPr>
-                    </a:p>
-                  </a:txBody>
-                  <a:tcPr marL="68580" marR="68580" marT="0" marB="0">
-                    <a:lnL w="12700" cap="flat" cmpd="sng" algn="ctr">
-                      <a:solidFill>
-                        <a:srgbClr val="000000"/>
-                      </a:solidFill>
-                      <a:prstDash val="solid"/>
-                      <a:round/>
-                      <a:headEnd type="none" w="med" len="med"/>
-                      <a:tailEnd type="none" w="med" len="med"/>
-                    </a:lnL>
-                    <a:lnR w="12700" cap="flat" cmpd="sng" algn="ctr">
-                      <a:solidFill>
-                        <a:srgbClr val="000000"/>
-                      </a:solidFill>
-                      <a:prstDash val="solid"/>
-                      <a:round/>
-                      <a:headEnd type="none" w="med" len="med"/>
-                      <a:tailEnd type="none" w="med" len="med"/>
-                    </a:lnR>
-                    <a:lnT w="12700" cap="flat" cmpd="sng" algn="ctr">
-                      <a:solidFill>
-                        <a:srgbClr val="000000"/>
-                      </a:solidFill>
-                      <a:prstDash val="solid"/>
-                      <a:round/>
-                      <a:headEnd type="none" w="med" len="med"/>
-                      <a:tailEnd type="none" w="med" len="med"/>
-                    </a:lnT>
-                    <a:lnB w="12700" cap="flat" cmpd="sng" algn="ctr">
-                      <a:solidFill>
-                        <a:srgbClr val="000000"/>
-                      </a:solidFill>
-                      <a:prstDash val="solid"/>
-                      <a:round/>
-                      <a:headEnd type="none" w="med" len="med"/>
-                      <a:tailEnd type="none" w="med" len="med"/>
-                    </a:lnB>
-                    <a:solidFill>
-                      <a:srgbClr val="E6EED5"/>
-                    </a:solidFill>
-                  </a:tcPr>
-                </a:tc>
-                <a:tc>
-                  <a:txBody>
-                    <a:bodyPr/>
-                    <a:lstStyle/>
-                    <a:p>
-                      <a:pPr algn="ctr">
-                        <a:lnSpc>
-                          <a:spcPct val="115000"/>
-                        </a:lnSpc>
-                        <a:spcAft>
-                          <a:spcPts val="0"/>
-                        </a:spcAft>
-                      </a:pPr>
-                      <a:r>
-                        <a:rPr lang="sv-SE" sz="1200" dirty="0">
-                          <a:latin typeface="Calibri"/>
-                          <a:ea typeface="Calibri"/>
-                          <a:cs typeface="Times New Roman"/>
-                        </a:rPr>
-                        <a:t>2011-03-15</a:t>
-                      </a:r>
-                      <a:endParaRPr lang="sv-SE" sz="1100" dirty="0">
-                        <a:latin typeface="Calibri"/>
-                        <a:ea typeface="Calibri"/>
-                        <a:cs typeface="Times New Roman"/>
-                      </a:endParaRPr>
-                    </a:p>
-                  </a:txBody>
-                  <a:tcPr marL="68580" marR="68580" marT="0" marB="0">
-                    <a:lnL w="12700" cap="flat" cmpd="sng" algn="ctr">
-                      <a:solidFill>
-                        <a:srgbClr val="000000"/>
-                      </a:solidFill>
-                      <a:prstDash val="solid"/>
-                      <a:round/>
-                      <a:headEnd type="none" w="med" len="med"/>
-                      <a:tailEnd type="none" w="med" len="med"/>
-                    </a:lnL>
-                    <a:lnR w="12700" cap="flat" cmpd="sng" algn="ctr">
-                      <a:solidFill>
-                        <a:srgbClr val="000000"/>
-                      </a:solidFill>
-                      <a:prstDash val="solid"/>
-                      <a:round/>
-                      <a:headEnd type="none" w="med" len="med"/>
-                      <a:tailEnd type="none" w="med" len="med"/>
-                    </a:lnR>
-                    <a:lnT w="12700" cap="flat" cmpd="sng" algn="ctr">
-                      <a:solidFill>
-                        <a:srgbClr val="000000"/>
-                      </a:solidFill>
-                      <a:prstDash val="solid"/>
-                      <a:round/>
-                      <a:headEnd type="none" w="med" len="med"/>
-                      <a:tailEnd type="none" w="med" len="med"/>
-                    </a:lnT>
-                    <a:lnB w="12700" cap="flat" cmpd="sng" algn="ctr">
-                      <a:solidFill>
-                        <a:srgbClr val="000000"/>
-                      </a:solidFill>
-                      <a:prstDash val="solid"/>
-                      <a:round/>
-                      <a:headEnd type="none" w="med" len="med"/>
-                      <a:tailEnd type="none" w="med" len="med"/>
-                    </a:lnB>
-                    <a:solidFill>
-                      <a:srgbClr val="E6EED5"/>
-                    </a:solidFill>
-                  </a:tcPr>
-                </a:tc>
-                <a:tc>
-                  <a:txBody>
-                    <a:bodyPr/>
-                    <a:lstStyle/>
-                    <a:p>
-                      <a:pPr algn="ctr">
-                        <a:lnSpc>
-                          <a:spcPct val="115000"/>
-                        </a:lnSpc>
-                        <a:spcAft>
-                          <a:spcPts val="0"/>
-                        </a:spcAft>
-                      </a:pPr>
-                      <a:r>
-                        <a:rPr lang="sv-SE" sz="1200" dirty="0">
-                          <a:latin typeface="Calibri"/>
-                          <a:ea typeface="Calibri"/>
-                          <a:cs typeface="Times New Roman"/>
-                        </a:rPr>
-                        <a:t>Hstaexkb.jpg</a:t>
-                      </a:r>
-                      <a:endParaRPr lang="sv-SE" sz="1100" dirty="0">
-                        <a:latin typeface="Calibri"/>
-                        <a:ea typeface="Calibri"/>
-                        <a:cs typeface="Times New Roman"/>
-                      </a:endParaRPr>
-                    </a:p>
-                  </a:txBody>
-                  <a:tcPr marL="68580" marR="68580" marT="0" marB="0">
-                    <a:lnL w="12700" cap="flat" cmpd="sng" algn="ctr">
-                      <a:solidFill>
-                        <a:srgbClr val="000000"/>
-                      </a:solidFill>
-                      <a:prstDash val="solid"/>
-                      <a:round/>
-                      <a:headEnd type="none" w="med" len="med"/>
-                      <a:tailEnd type="none" w="med" len="med"/>
-                    </a:lnL>
-                    <a:lnR w="12700" cap="flat" cmpd="sng" algn="ctr">
-                      <a:solidFill>
-                        <a:srgbClr val="000000"/>
-                      </a:solidFill>
-                      <a:prstDash val="solid"/>
-                      <a:round/>
-                      <a:headEnd type="none" w="med" len="med"/>
-                      <a:tailEnd type="none" w="med" len="med"/>
-                    </a:lnR>
-                    <a:lnT w="12700" cap="flat" cmpd="sng" algn="ctr">
-                      <a:solidFill>
-                        <a:srgbClr val="000000"/>
-                      </a:solidFill>
-                      <a:prstDash val="solid"/>
-                      <a:round/>
-                      <a:headEnd type="none" w="med" len="med"/>
-                      <a:tailEnd type="none" w="med" len="med"/>
-                    </a:lnT>
-                    <a:lnB w="12700" cap="flat" cmpd="sng" algn="ctr">
-                      <a:solidFill>
-                        <a:srgbClr val="000000"/>
-                      </a:solidFill>
-                      <a:prstDash val="solid"/>
-                      <a:round/>
-                      <a:headEnd type="none" w="med" len="med"/>
-                      <a:tailEnd type="none" w="med" len="med"/>
-                    </a:lnB>
-                    <a:solidFill>
-                      <a:srgbClr val="E6EED5"/>
-                    </a:solidFill>
-                  </a:tcPr>
-                </a:tc>
-              </a:tr>
-              <a:tr h="300038">
-                <a:tc>
-                  <a:txBody>
-                    <a:bodyPr/>
-                    <a:lstStyle/>
-                    <a:p>
-                      <a:pPr algn="ctr">
-                        <a:lnSpc>
-                          <a:spcPct val="115000"/>
-                        </a:lnSpc>
-                        <a:spcAft>
-                          <a:spcPts val="0"/>
-                        </a:spcAft>
-                      </a:pPr>
-                      <a:r>
-                        <a:rPr lang="sv-SE" sz="1200" dirty="0">
-                          <a:latin typeface="Calibri"/>
-                          <a:ea typeface="Calibri"/>
-                          <a:cs typeface="Times New Roman"/>
-                        </a:rPr>
                         <a:t>5</a:t>
-                      </a:r>
-                      <a:endParaRPr lang="sv-SE" sz="1100" dirty="0">
-                        <a:latin typeface="Calibri"/>
-                        <a:ea typeface="Calibri"/>
-                        <a:cs typeface="Times New Roman"/>
-                      </a:endParaRPr>
-                    </a:p>
-                  </a:txBody>
-                  <a:tcPr marL="68580" marR="68580" marT="0" marB="0" anchor="ctr">
-                    <a:lnL w="12700" cap="flat" cmpd="sng" algn="ctr">
-                      <a:solidFill>
-                        <a:srgbClr val="000000"/>
-                      </a:solidFill>
-                      <a:prstDash val="solid"/>
-                      <a:round/>
-                      <a:headEnd type="none" w="med" len="med"/>
-                      <a:tailEnd type="none" w="med" len="med"/>
-                    </a:lnL>
-                    <a:lnR w="12700" cap="flat" cmpd="sng" algn="ctr">
-                      <a:solidFill>
-                        <a:srgbClr val="000000"/>
-                      </a:solidFill>
-                      <a:prstDash val="solid"/>
-                      <a:round/>
-                      <a:headEnd type="none" w="med" len="med"/>
-                      <a:tailEnd type="none" w="med" len="med"/>
-                    </a:lnR>
-                    <a:lnT w="12700" cap="flat" cmpd="sng" algn="ctr">
-                      <a:solidFill>
-                        <a:srgbClr val="000000"/>
-                      </a:solidFill>
-                      <a:prstDash val="solid"/>
-                      <a:round/>
-                      <a:headEnd type="none" w="med" len="med"/>
-                      <a:tailEnd type="none" w="med" len="med"/>
-                    </a:lnT>
-                    <a:lnB w="12700" cap="flat" cmpd="sng" algn="ctr">
-                      <a:solidFill>
-                        <a:srgbClr val="000000"/>
-                      </a:solidFill>
-                      <a:prstDash val="solid"/>
-                      <a:round/>
-                      <a:headEnd type="none" w="med" len="med"/>
-                      <a:tailEnd type="none" w="med" len="med"/>
-                    </a:lnB>
-                    <a:solidFill>
-                      <a:srgbClr val="CDDDAC"/>
-                    </a:solidFill>
-                  </a:tcPr>
-                </a:tc>
-                <a:tc>
-                  <a:txBody>
-                    <a:bodyPr/>
-                    <a:lstStyle/>
-                    <a:p>
-                      <a:pPr algn="ctr">
-                        <a:lnSpc>
-                          <a:spcPct val="115000"/>
-                        </a:lnSpc>
-                        <a:spcAft>
-                          <a:spcPts val="0"/>
-                        </a:spcAft>
-                      </a:pPr>
-                      <a:r>
-                        <a:rPr lang="en-US" sz="1200" dirty="0">
-                          <a:latin typeface="Calibri"/>
-                          <a:ea typeface="Calibri"/>
-                          <a:cs typeface="Times New Roman"/>
-                        </a:rPr>
-                        <a:t>Oleeee.Gif</a:t>
                       </a:r>
                       <a:endParaRPr lang="sv-SE" sz="1100" dirty="0">
                         <a:latin typeface="Calibri"/>
@@ -40421,7 +40266,7 @@
         </p:nvSpPr>
         <p:spPr>
           <a:xfrm>
-            <a:off x="2667000" y="0"/>
+            <a:off x="2057400" y="0"/>
             <a:ext cx="1981200" cy="246221"/>
           </a:xfrm>
           <a:prstGeom prst="rect">
@@ -42307,11 +42152,7 @@
           <a:p>
             <a:r>
               <a:rPr lang="sv-SE" sz="1200" dirty="0" smtClean="0"/>
-              <a:t>0</a:t>
-            </a:r>
-            <a:r>
-              <a:rPr lang="sv-SE" sz="1200" dirty="0" smtClean="0"/>
-              <a:t>/2/20</a:t>
+              <a:t>0/2/20</a:t>
             </a:r>
             <a:endParaRPr lang="sv-SE" sz="1200" dirty="0"/>
           </a:p>
@@ -42341,11 +42182,7 @@
           <a:p>
             <a:r>
               <a:rPr lang="sv-SE" sz="1200" dirty="0" smtClean="0"/>
-              <a:t>0</a:t>
-            </a:r>
-            <a:r>
-              <a:rPr lang="sv-SE" sz="1200" dirty="0" smtClean="0"/>
-              <a:t>/10/50</a:t>
+              <a:t>0/10/50</a:t>
             </a:r>
             <a:endParaRPr lang="sv-SE" sz="1200" dirty="0"/>
           </a:p>
@@ -42408,11 +42245,7 @@
           <a:p>
             <a:r>
               <a:rPr lang="sv-SE" sz="1200" dirty="0" smtClean="0"/>
-              <a:t>0</a:t>
-            </a:r>
-            <a:r>
-              <a:rPr lang="sv-SE" sz="1200" dirty="0" smtClean="0"/>
-              <a:t>/1/20</a:t>
+              <a:t>0/1/20</a:t>
             </a:r>
             <a:endParaRPr lang="sv-SE" sz="1200" dirty="0"/>
           </a:p>
@@ -42475,11 +42308,7 @@
           <a:p>
             <a:r>
               <a:rPr lang="sv-SE" sz="1200" dirty="0" smtClean="0"/>
-              <a:t>0</a:t>
-            </a:r>
-            <a:r>
-              <a:rPr lang="sv-SE" sz="1200" dirty="0" smtClean="0"/>
-              <a:t>/13/50</a:t>
+              <a:t>0/13/50</a:t>
             </a:r>
             <a:endParaRPr lang="sv-SE" sz="1200" dirty="0"/>
           </a:p>

--- a/Databasteknik AKS/projektet.pptx
+++ b/Databasteknik AKS/projektet.pptx
@@ -3563,8 +3563,8 @@
         </p:nvCxnSpPr>
         <p:spPr>
           <a:xfrm>
-            <a:off x="1219200" y="685800"/>
-            <a:ext cx="609600" cy="0"/>
+            <a:off x="1371600" y="685800"/>
+            <a:ext cx="457200" cy="0"/>
           </a:xfrm>
           <a:prstGeom prst="line">
             <a:avLst/>
@@ -4159,7 +4159,7 @@
         </p:nvSpPr>
         <p:spPr>
           <a:xfrm>
-            <a:off x="1752600" y="3352800"/>
+            <a:off x="1295400" y="2895600"/>
             <a:ext cx="153725" cy="153955"/>
           </a:xfrm>
           <a:prstGeom prst="ellipse">
@@ -4820,61 +4820,6 @@
           </p:style>
         </p:cxnSp>
       </p:grpSp>
-      <p:sp>
-        <p:nvSpPr>
-          <p:cNvPr id="72" name="Rectangle 71"/>
-          <p:cNvSpPr/>
-          <p:nvPr/>
-        </p:nvSpPr>
-        <p:spPr>
-          <a:xfrm>
-            <a:off x="457199" y="2438400"/>
-            <a:ext cx="1752601" cy="1066800"/>
-          </a:xfrm>
-          <a:prstGeom prst="rect">
-            <a:avLst/>
-          </a:prstGeom>
-          <a:solidFill>
-            <a:schemeClr val="bg1"/>
-          </a:solidFill>
-          <a:ln>
-            <a:solidFill>
-              <a:schemeClr val="tx1"/>
-            </a:solidFill>
-          </a:ln>
-        </p:spPr>
-        <p:style>
-          <a:lnRef idx="2">
-            <a:schemeClr val="accent1">
-              <a:shade val="50000"/>
-            </a:schemeClr>
-          </a:lnRef>
-          <a:fillRef idx="1">
-            <a:schemeClr val="accent1"/>
-          </a:fillRef>
-          <a:effectRef idx="0">
-            <a:schemeClr val="accent1"/>
-          </a:effectRef>
-          <a:fontRef idx="minor">
-            <a:schemeClr val="lt1"/>
-          </a:fontRef>
-        </p:style>
-        <p:txBody>
-          <a:bodyPr rtlCol="0" anchor="ctr"/>
-          <a:lstStyle/>
-          <a:p>
-            <a:pPr algn="ctr"/>
-            <a:r>
-              <a:rPr lang="sv-SE" sz="1600" dirty="0" smtClean="0">
-                <a:solidFill>
-                  <a:schemeClr val="tx1"/>
-                </a:solidFill>
-              </a:rPr>
-              <a:t>Comment</a:t>
-            </a:r>
-          </a:p>
-        </p:txBody>
-      </p:sp>
       <p:grpSp>
         <p:nvGrpSpPr>
           <p:cNvPr id="75" name="Group 74"/>
@@ -4973,7 +4918,7 @@
         <p:spPr>
           <a:xfrm>
             <a:off x="685800" y="5486400"/>
-            <a:ext cx="1524000" cy="276999"/>
+            <a:ext cx="1524000" cy="338554"/>
           </a:xfrm>
           <a:prstGeom prst="rect">
             <a:avLst/>
@@ -4987,10 +4932,10 @@
           <a:lstStyle/>
           <a:p>
             <a:r>
-              <a:rPr lang="sv-SE" sz="1200" dirty="0" smtClean="0"/>
-              <a:t>Bildkategori</a:t>
+              <a:rPr lang="sv-SE" sz="1600" dirty="0" smtClean="0"/>
+              <a:t>Comment</a:t>
             </a:r>
-            <a:endParaRPr lang="sv-SE" sz="1200" dirty="0"/>
+            <a:endParaRPr lang="sv-SE" sz="1600" dirty="0"/>
           </a:p>
         </p:txBody>
       </p:sp>
@@ -5057,8 +5002,8 @@
         </p:nvCxnSpPr>
         <p:spPr>
           <a:xfrm flipV="1">
-            <a:off x="1219200" y="685800"/>
-            <a:ext cx="0" cy="1752600"/>
+            <a:off x="1371600" y="685800"/>
+            <a:ext cx="0" cy="2286778"/>
           </a:xfrm>
           <a:prstGeom prst="line">
             <a:avLst/>
@@ -5114,108 +5059,18 @@
           </a:p>
         </p:txBody>
       </p:sp>
-      <p:grpSp>
-        <p:nvGrpSpPr>
-          <p:cNvPr id="64" name="Group 63"/>
-          <p:cNvGrpSpPr/>
-          <p:nvPr/>
-        </p:nvGrpSpPr>
-        <p:grpSpPr>
-          <a:xfrm rot="5400000" flipH="1" flipV="1">
-            <a:off x="1142885" y="2286115"/>
-            <a:ext cx="153955" cy="153725"/>
-            <a:chOff x="3581400" y="3429000"/>
-            <a:chExt cx="152400" cy="152400"/>
-          </a:xfrm>
-        </p:grpSpPr>
-        <p:cxnSp>
-          <p:nvCxnSpPr>
-            <p:cNvPr id="65" name="Elbow Connector 64"/>
-            <p:cNvCxnSpPr/>
-            <p:nvPr/>
-          </p:nvCxnSpPr>
-          <p:spPr>
-            <a:xfrm rot="10800000">
-              <a:off x="3581400" y="3429000"/>
-              <a:ext cx="152400" cy="76200"/>
-            </a:xfrm>
-            <a:prstGeom prst="bentConnector3">
-              <a:avLst>
-                <a:gd name="adj1" fmla="val 50000"/>
-              </a:avLst>
-            </a:prstGeom>
-            <a:ln w="28575">
-              <a:solidFill>
-                <a:schemeClr val="tx1"/>
-              </a:solidFill>
-            </a:ln>
-          </p:spPr>
-          <p:style>
-            <a:lnRef idx="1">
-              <a:schemeClr val="accent1"/>
-            </a:lnRef>
-            <a:fillRef idx="0">
-              <a:schemeClr val="accent1"/>
-            </a:fillRef>
-            <a:effectRef idx="0">
-              <a:schemeClr val="accent1"/>
-            </a:effectRef>
-            <a:fontRef idx="minor">
-              <a:schemeClr val="tx1"/>
-            </a:fontRef>
-          </p:style>
-        </p:cxnSp>
-        <p:cxnSp>
-          <p:nvCxnSpPr>
-            <p:cNvPr id="66" name="Elbow Connector 65"/>
-            <p:cNvCxnSpPr/>
-            <p:nvPr/>
-          </p:nvCxnSpPr>
-          <p:spPr>
-            <a:xfrm rot="10800000" flipH="1">
-              <a:off x="3581400" y="3505200"/>
-              <a:ext cx="152400" cy="76200"/>
-            </a:xfrm>
-            <a:prstGeom prst="bentConnector3">
-              <a:avLst>
-                <a:gd name="adj1" fmla="val 50000"/>
-              </a:avLst>
-            </a:prstGeom>
-            <a:ln w="28575">
-              <a:solidFill>
-                <a:schemeClr val="tx1"/>
-              </a:solidFill>
-            </a:ln>
-          </p:spPr>
-          <p:style>
-            <a:lnRef idx="1">
-              <a:schemeClr val="accent1"/>
-            </a:lnRef>
-            <a:fillRef idx="0">
-              <a:schemeClr val="accent1"/>
-            </a:fillRef>
-            <a:effectRef idx="0">
-              <a:schemeClr val="accent1"/>
-            </a:effectRef>
-            <a:fontRef idx="minor">
-              <a:schemeClr val="tx1"/>
-            </a:fontRef>
-          </p:style>
-        </p:cxnSp>
-      </p:grpSp>
       <p:cxnSp>
         <p:nvCxnSpPr>
           <p:cNvPr id="71" name="Straight Connector 70"/>
           <p:cNvCxnSpPr>
-            <a:stCxn id="72" idx="3"/>
             <a:endCxn id="105" idx="1"/>
           </p:cNvCxnSpPr>
           <p:nvPr/>
         </p:nvCxnSpPr>
         <p:spPr>
           <a:xfrm>
-            <a:off x="2209800" y="2971800"/>
-            <a:ext cx="1219200" cy="0"/>
+            <a:off x="1371600" y="2971800"/>
+            <a:ext cx="2057400" cy="0"/>
           </a:xfrm>
           <a:prstGeom prst="line">
             <a:avLst/>
@@ -5241,95 +5096,6 @@
           </a:fontRef>
         </p:style>
       </p:cxnSp>
-      <p:grpSp>
-        <p:nvGrpSpPr>
-          <p:cNvPr id="79" name="Group 78"/>
-          <p:cNvGrpSpPr/>
-          <p:nvPr/>
-        </p:nvGrpSpPr>
-        <p:grpSpPr>
-          <a:xfrm flipV="1">
-            <a:off x="2209800" y="2895600"/>
-            <a:ext cx="153725" cy="153955"/>
-            <a:chOff x="3581400" y="3429000"/>
-            <a:chExt cx="152400" cy="152400"/>
-          </a:xfrm>
-        </p:grpSpPr>
-        <p:cxnSp>
-          <p:nvCxnSpPr>
-            <p:cNvPr id="80" name="Elbow Connector 79"/>
-            <p:cNvCxnSpPr/>
-            <p:nvPr/>
-          </p:nvCxnSpPr>
-          <p:spPr>
-            <a:xfrm rot="10800000">
-              <a:off x="3581400" y="3429000"/>
-              <a:ext cx="152400" cy="76200"/>
-            </a:xfrm>
-            <a:prstGeom prst="bentConnector3">
-              <a:avLst>
-                <a:gd name="adj1" fmla="val 50000"/>
-              </a:avLst>
-            </a:prstGeom>
-            <a:ln w="28575">
-              <a:solidFill>
-                <a:schemeClr val="tx1"/>
-              </a:solidFill>
-            </a:ln>
-          </p:spPr>
-          <p:style>
-            <a:lnRef idx="1">
-              <a:schemeClr val="accent1"/>
-            </a:lnRef>
-            <a:fillRef idx="0">
-              <a:schemeClr val="accent1"/>
-            </a:fillRef>
-            <a:effectRef idx="0">
-              <a:schemeClr val="accent1"/>
-            </a:effectRef>
-            <a:fontRef idx="minor">
-              <a:schemeClr val="tx1"/>
-            </a:fontRef>
-          </p:style>
-        </p:cxnSp>
-        <p:cxnSp>
-          <p:nvCxnSpPr>
-            <p:cNvPr id="81" name="Elbow Connector 80"/>
-            <p:cNvCxnSpPr/>
-            <p:nvPr/>
-          </p:nvCxnSpPr>
-          <p:spPr>
-            <a:xfrm rot="10800000" flipH="1">
-              <a:off x="3581400" y="3505200"/>
-              <a:ext cx="152400" cy="76200"/>
-            </a:xfrm>
-            <a:prstGeom prst="bentConnector3">
-              <a:avLst>
-                <a:gd name="adj1" fmla="val 50000"/>
-              </a:avLst>
-            </a:prstGeom>
-            <a:ln w="28575">
-              <a:solidFill>
-                <a:schemeClr val="tx1"/>
-              </a:solidFill>
-            </a:ln>
-          </p:spPr>
-          <p:style>
-            <a:lnRef idx="1">
-              <a:schemeClr val="accent1"/>
-            </a:lnRef>
-            <a:fillRef idx="0">
-              <a:schemeClr val="accent1"/>
-            </a:fillRef>
-            <a:effectRef idx="0">
-              <a:schemeClr val="accent1"/>
-            </a:effectRef>
-            <a:fontRef idx="minor">
-              <a:schemeClr val="tx1"/>
-            </a:fontRef>
-          </p:style>
-        </p:cxnSp>
-      </p:grpSp>
       <p:cxnSp>
         <p:nvCxnSpPr>
           <p:cNvPr id="58" name="Straight Connector 57"/>
@@ -5732,6 +5498,54 @@
           </p:style>
         </p:cxnSp>
       </p:grpSp>
+      <p:sp>
+        <p:nvSpPr>
+          <p:cNvPr id="68" name="Oval 67"/>
+          <p:cNvSpPr/>
+          <p:nvPr/>
+        </p:nvSpPr>
+        <p:spPr>
+          <a:xfrm>
+            <a:off x="685800" y="4114800"/>
+            <a:ext cx="153725" cy="153955"/>
+          </a:xfrm>
+          <a:prstGeom prst="ellipse">
+            <a:avLst/>
+          </a:prstGeom>
+          <a:solidFill>
+            <a:schemeClr val="tx1"/>
+          </a:solidFill>
+          <a:ln>
+            <a:solidFill>
+              <a:schemeClr val="tx1"/>
+            </a:solidFill>
+          </a:ln>
+        </p:spPr>
+        <p:style>
+          <a:lnRef idx="2">
+            <a:schemeClr val="accent1">
+              <a:shade val="50000"/>
+            </a:schemeClr>
+          </a:lnRef>
+          <a:fillRef idx="1">
+            <a:schemeClr val="accent1"/>
+          </a:fillRef>
+          <a:effectRef idx="0">
+            <a:schemeClr val="accent1"/>
+          </a:effectRef>
+          <a:fontRef idx="minor">
+            <a:schemeClr val="lt1"/>
+          </a:fontRef>
+        </p:style>
+        <p:txBody>
+          <a:bodyPr rtlCol="0" anchor="ctr"/>
+          <a:lstStyle/>
+          <a:p>
+            <a:pPr algn="ctr"/>
+            <a:endParaRPr lang="sv-SE" dirty="0"/>
+          </a:p>
+        </p:txBody>
+      </p:sp>
     </p:spTree>
   </p:cSld>
   <p:clrMapOvr>
@@ -8466,7 +8280,7 @@
         </p:nvGraphicFramePr>
         <p:xfrm>
           <a:off x="533400" y="457200"/>
-          <a:ext cx="2667000" cy="1206500"/>
+          <a:ext cx="2667000" cy="1447800"/>
         </p:xfrm>
         <a:graphic>
           <a:graphicData uri="http://schemas.openxmlformats.org/drawingml/2006/table">
@@ -8676,12 +8490,12 @@
                     <a:p>
                       <a:pPr algn="ctr"/>
                       <a:r>
-                        <a:rPr lang="en-US" sz="1200" b="1" dirty="0" smtClean="0">
+                        <a:rPr lang="sv-SE" sz="1100" b="1" dirty="0" smtClean="0">
                           <a:latin typeface="Calibri"/>
                           <a:ea typeface="Times New Roman"/>
                           <a:cs typeface="Times New Roman"/>
                         </a:rPr>
-                        <a:t>ImageID</a:t>
+                        <a:t>CommID</a:t>
                       </a:r>
                       <a:endParaRPr lang="sv-SE" sz="1100" b="1" dirty="0">
                         <a:latin typeface="Calibri"/>
@@ -8739,12 +8553,12 @@
                     <a:p>
                       <a:pPr algn="ctr"/>
                       <a:r>
-                        <a:rPr lang="en-US" sz="1200" dirty="0" smtClean="0">
+                        <a:rPr lang="sv-SE" sz="1100" dirty="0" smtClean="0">
                           <a:latin typeface="Calibri"/>
                           <a:ea typeface="Times New Roman"/>
                           <a:cs typeface="Times New Roman"/>
                         </a:rPr>
-                        <a:t>N,FK</a:t>
+                        <a:t>N,PK</a:t>
                       </a:r>
                       <a:endParaRPr lang="sv-SE" sz="1100" dirty="0">
                         <a:latin typeface="Calibri"/>
@@ -8801,14 +8615,6 @@
                     <a:lstStyle/>
                     <a:p>
                       <a:pPr algn="ctr"/>
-                      <a:r>
-                        <a:rPr lang="en-US" sz="1200" dirty="0">
-                          <a:latin typeface="Calibri"/>
-                          <a:ea typeface="Times New Roman"/>
-                          <a:cs typeface="Times New Roman"/>
-                        </a:rPr>
-                        <a:t>-</a:t>
-                      </a:r>
                       <a:endParaRPr lang="sv-SE" sz="1100" dirty="0">
                         <a:latin typeface="Calibri"/>
                         <a:ea typeface="Times New Roman"/>
@@ -8867,14 +8673,205 @@
                     <a:p>
                       <a:pPr algn="ctr"/>
                       <a:r>
-                        <a:rPr lang="en-US" sz="1200" b="1" i="0" dirty="0" smtClean="0">
+                        <a:rPr lang="en-US" sz="1200" b="0" i="1" dirty="0" smtClean="0">
                           <a:latin typeface="Calibri"/>
                           <a:ea typeface="Times New Roman"/>
                           <a:cs typeface="Times New Roman"/>
                         </a:rPr>
+                        <a:t>ImageID</a:t>
+                      </a:r>
+                      <a:endParaRPr lang="sv-SE" sz="1100" b="0" i="1" dirty="0">
+                        <a:latin typeface="Calibri"/>
+                        <a:ea typeface="Times New Roman"/>
+                        <a:cs typeface="Times New Roman"/>
+                      </a:endParaRPr>
+                    </a:p>
+                  </a:txBody>
+                  <a:tcPr marL="68580" marR="68580" marT="0" marB="0" anchor="ctr">
+                    <a:lnL w="12700" cap="flat" cmpd="sng" algn="ctr">
+                      <a:solidFill>
+                        <a:srgbClr val="B3CC82"/>
+                      </a:solidFill>
+                      <a:prstDash val="solid"/>
+                      <a:round/>
+                      <a:headEnd type="none" w="med" len="med"/>
+                      <a:tailEnd type="none" w="med" len="med"/>
+                    </a:lnL>
+                    <a:lnR w="12700" cap="flat" cmpd="sng" algn="ctr">
+                      <a:solidFill>
+                        <a:srgbClr val="B3CC82"/>
+                      </a:solidFill>
+                      <a:prstDash val="solid"/>
+                      <a:round/>
+                      <a:headEnd type="none" w="med" len="med"/>
+                      <a:tailEnd type="none" w="med" len="med"/>
+                    </a:lnR>
+                    <a:lnT w="12700" cap="flat" cmpd="sng" algn="ctr">
+                      <a:solidFill>
+                        <a:srgbClr val="B3CC82"/>
+                      </a:solidFill>
+                      <a:prstDash val="solid"/>
+                      <a:round/>
+                      <a:headEnd type="none" w="med" len="med"/>
+                      <a:tailEnd type="none" w="med" len="med"/>
+                    </a:lnT>
+                    <a:lnB w="12700" cap="flat" cmpd="sng" algn="ctr">
+                      <a:solidFill>
+                        <a:srgbClr val="B3CC82"/>
+                      </a:solidFill>
+                      <a:prstDash val="solid"/>
+                      <a:round/>
+                      <a:headEnd type="none" w="med" len="med"/>
+                      <a:tailEnd type="none" w="med" len="med"/>
+                    </a:lnB>
+                    <a:solidFill>
+                      <a:srgbClr val="E6EED5"/>
+                    </a:solidFill>
+                  </a:tcPr>
+                </a:tc>
+                <a:tc>
+                  <a:txBody>
+                    <a:bodyPr/>
+                    <a:lstStyle/>
+                    <a:p>
+                      <a:pPr algn="ctr"/>
+                      <a:r>
+                        <a:rPr lang="en-US" sz="1200" i="1" dirty="0" smtClean="0">
+                          <a:latin typeface="Calibri"/>
+                          <a:ea typeface="Times New Roman"/>
+                          <a:cs typeface="Times New Roman"/>
+                        </a:rPr>
+                        <a:t>N,FK</a:t>
+                      </a:r>
+                      <a:endParaRPr lang="sv-SE" sz="1100" i="1" dirty="0">
+                        <a:latin typeface="Calibri"/>
+                        <a:ea typeface="Times New Roman"/>
+                        <a:cs typeface="Times New Roman"/>
+                      </a:endParaRPr>
+                    </a:p>
+                  </a:txBody>
+                  <a:tcPr marL="68580" marR="68580" marT="0" marB="0" anchor="ctr">
+                    <a:lnL w="12700" cap="flat" cmpd="sng" algn="ctr">
+                      <a:solidFill>
+                        <a:srgbClr val="B3CC82"/>
+                      </a:solidFill>
+                      <a:prstDash val="solid"/>
+                      <a:round/>
+                      <a:headEnd type="none" w="med" len="med"/>
+                      <a:tailEnd type="none" w="med" len="med"/>
+                    </a:lnL>
+                    <a:lnR w="12700" cap="flat" cmpd="sng" algn="ctr">
+                      <a:solidFill>
+                        <a:srgbClr val="B3CC82"/>
+                      </a:solidFill>
+                      <a:prstDash val="solid"/>
+                      <a:round/>
+                      <a:headEnd type="none" w="med" len="med"/>
+                      <a:tailEnd type="none" w="med" len="med"/>
+                    </a:lnR>
+                    <a:lnT w="12700" cap="flat" cmpd="sng" algn="ctr">
+                      <a:solidFill>
+                        <a:srgbClr val="B3CC82"/>
+                      </a:solidFill>
+                      <a:prstDash val="solid"/>
+                      <a:round/>
+                      <a:headEnd type="none" w="med" len="med"/>
+                      <a:tailEnd type="none" w="med" len="med"/>
+                    </a:lnT>
+                    <a:lnB w="12700" cap="flat" cmpd="sng" algn="ctr">
+                      <a:solidFill>
+                        <a:srgbClr val="B3CC82"/>
+                      </a:solidFill>
+                      <a:prstDash val="solid"/>
+                      <a:round/>
+                      <a:headEnd type="none" w="med" len="med"/>
+                      <a:tailEnd type="none" w="med" len="med"/>
+                    </a:lnB>
+                    <a:solidFill>
+                      <a:srgbClr val="E6EED5"/>
+                    </a:solidFill>
+                  </a:tcPr>
+                </a:tc>
+                <a:tc>
+                  <a:txBody>
+                    <a:bodyPr/>
+                    <a:lstStyle/>
+                    <a:p>
+                      <a:pPr algn="ctr"/>
+                      <a:r>
+                        <a:rPr lang="en-US" sz="1200" dirty="0">
+                          <a:latin typeface="Calibri"/>
+                          <a:ea typeface="Times New Roman"/>
+                          <a:cs typeface="Times New Roman"/>
+                        </a:rPr>
+                        <a:t>-</a:t>
+                      </a:r>
+                      <a:endParaRPr lang="sv-SE" sz="1100" dirty="0">
+                        <a:latin typeface="Calibri"/>
+                        <a:ea typeface="Times New Roman"/>
+                        <a:cs typeface="Times New Roman"/>
+                      </a:endParaRPr>
+                    </a:p>
+                  </a:txBody>
+                  <a:tcPr marL="68580" marR="68580" marT="0" marB="0" anchor="ctr">
+                    <a:lnL w="12700" cap="flat" cmpd="sng" algn="ctr">
+                      <a:solidFill>
+                        <a:srgbClr val="B3CC82"/>
+                      </a:solidFill>
+                      <a:prstDash val="solid"/>
+                      <a:round/>
+                      <a:headEnd type="none" w="med" len="med"/>
+                      <a:tailEnd type="none" w="med" len="med"/>
+                    </a:lnL>
+                    <a:lnR w="12700" cap="flat" cmpd="sng" algn="ctr">
+                      <a:solidFill>
+                        <a:srgbClr val="B3CC82"/>
+                      </a:solidFill>
+                      <a:prstDash val="solid"/>
+                      <a:round/>
+                      <a:headEnd type="none" w="med" len="med"/>
+                      <a:tailEnd type="none" w="med" len="med"/>
+                    </a:lnR>
+                    <a:lnT w="12700" cap="flat" cmpd="sng" algn="ctr">
+                      <a:solidFill>
+                        <a:srgbClr val="B3CC82"/>
+                      </a:solidFill>
+                      <a:prstDash val="solid"/>
+                      <a:round/>
+                      <a:headEnd type="none" w="med" len="med"/>
+                      <a:tailEnd type="none" w="med" len="med"/>
+                    </a:lnT>
+                    <a:lnB w="12700" cap="flat" cmpd="sng" algn="ctr">
+                      <a:solidFill>
+                        <a:srgbClr val="B3CC82"/>
+                      </a:solidFill>
+                      <a:prstDash val="solid"/>
+                      <a:round/>
+                      <a:headEnd type="none" w="med" len="med"/>
+                      <a:tailEnd type="none" w="med" len="med"/>
+                    </a:lnB>
+                    <a:solidFill>
+                      <a:srgbClr val="E6EED5"/>
+                    </a:solidFill>
+                  </a:tcPr>
+                </a:tc>
+              </a:tr>
+              <a:tr h="241300">
+                <a:tc>
+                  <a:txBody>
+                    <a:bodyPr/>
+                    <a:lstStyle/>
+                    <a:p>
+                      <a:pPr algn="ctr"/>
+                      <a:r>
+                        <a:rPr lang="en-US" sz="1200" b="0" i="1" dirty="0" smtClean="0">
+                          <a:latin typeface="Calibri"/>
+                          <a:ea typeface="Times New Roman"/>
+                          <a:cs typeface="Times New Roman"/>
+                        </a:rPr>
                         <a:t>UserID</a:t>
                       </a:r>
-                      <a:endParaRPr lang="sv-SE" sz="1100" b="1" i="0" dirty="0">
+                      <a:endParaRPr lang="sv-SE" sz="1100" b="0" i="1" dirty="0">
                         <a:latin typeface="Calibri"/>
                         <a:ea typeface="Times New Roman"/>
                         <a:cs typeface="Times New Roman"/>
@@ -8930,14 +8927,14 @@
                     <a:p>
                       <a:pPr algn="ctr"/>
                       <a:r>
-                        <a:rPr lang="en-US" sz="1200" dirty="0" smtClean="0">
+                        <a:rPr lang="en-US" sz="1200" i="1" dirty="0" smtClean="0">
                           <a:latin typeface="Calibri"/>
                           <a:ea typeface="Times New Roman"/>
                           <a:cs typeface="Times New Roman"/>
                         </a:rPr>
                         <a:t>N,FK</a:t>
                       </a:r>
-                      <a:endParaRPr lang="sv-SE" sz="1100" dirty="0">
+                      <a:endParaRPr lang="sv-SE" sz="1100" i="1" dirty="0">
                         <a:latin typeface="Calibri"/>
                         <a:ea typeface="Times New Roman"/>
                         <a:cs typeface="Times New Roman"/>
@@ -9445,19 +9442,19 @@
           <p:nvPr/>
         </p:nvGraphicFramePr>
         <p:xfrm>
-          <a:off x="3276600" y="457200"/>
-          <a:ext cx="2681605" cy="843915"/>
+          <a:off x="3276601" y="457201"/>
+          <a:ext cx="2666999" cy="685800"/>
         </p:xfrm>
         <a:graphic>
           <a:graphicData uri="http://schemas.openxmlformats.org/drawingml/2006/table">
             <a:tbl>
               <a:tblPr/>
               <a:tblGrid>
-                <a:gridCol w="1064895"/>
-                <a:gridCol w="808355"/>
-                <a:gridCol w="808355"/>
+                <a:gridCol w="1059095"/>
+                <a:gridCol w="803952"/>
+                <a:gridCol w="803952"/>
               </a:tblGrid>
-              <a:tr h="281305">
+              <a:tr h="228600">
                 <a:tc>
                   <a:txBody>
                     <a:bodyPr/>
@@ -9648,7 +9645,7 @@
                   </a:tcPr>
                 </a:tc>
               </a:tr>
-              <a:tr h="281305">
+              <a:tr h="228600">
                 <a:tc>
                   <a:txBody>
                     <a:bodyPr/>
@@ -9839,7 +9836,7 @@
                   </a:tcPr>
                 </a:tc>
               </a:tr>
-              <a:tr h="281305">
+              <a:tr h="228600">
                 <a:tc>
                   <a:txBody>
                     <a:bodyPr/>
@@ -10043,8 +10040,8 @@
           <p:nvPr/>
         </p:nvGraphicFramePr>
         <p:xfrm>
-          <a:off x="533400" y="1828800"/>
-          <a:ext cx="2667000" cy="1752600"/>
+          <a:off x="533400" y="2057400"/>
+          <a:ext cx="2667000" cy="1524000"/>
         </p:xfrm>
         <a:graphic>
           <a:graphicData uri="http://schemas.openxmlformats.org/drawingml/2006/table">
@@ -10055,7 +10052,7 @@
                 <a:gridCol w="559376"/>
                 <a:gridCol w="673179"/>
               </a:tblGrid>
-              <a:tr h="350520">
+              <a:tr h="304800">
                 <a:tc>
                   <a:txBody>
                     <a:bodyPr/>
@@ -10246,7 +10243,7 @@
                   </a:tcPr>
                 </a:tc>
               </a:tr>
-              <a:tr h="350520">
+              <a:tr h="304800">
                 <a:tc>
                   <a:txBody>
                     <a:bodyPr/>
@@ -10437,7 +10434,7 @@
                   </a:tcPr>
                 </a:tc>
               </a:tr>
-              <a:tr h="350520">
+              <a:tr h="304800">
                 <a:tc>
                   <a:txBody>
                     <a:bodyPr/>
@@ -10628,7 +10625,7 @@
                   </a:tcPr>
                 </a:tc>
               </a:tr>
-              <a:tr h="350520">
+              <a:tr h="304800">
                 <a:tc>
                   <a:txBody>
                     <a:bodyPr/>
@@ -10819,7 +10816,7 @@
                   </a:tcPr>
                 </a:tc>
               </a:tr>
-              <a:tr h="350520">
+              <a:tr h="304800">
                 <a:tc>
                   <a:txBody>
                     <a:bodyPr/>
@@ -11023,7 +11020,7 @@
           <p:nvPr/>
         </p:nvGraphicFramePr>
         <p:xfrm>
-          <a:off x="3276600" y="1371600"/>
+          <a:off x="3276600" y="1295400"/>
           <a:ext cx="2667000" cy="1447799"/>
         </p:xfrm>
         <a:graphic>
@@ -11035,7 +11032,7 @@
                 <a:gridCol w="876601"/>
                 <a:gridCol w="876601"/>
               </a:tblGrid>
-              <a:tr h="263793">
+              <a:tr h="210544">
                 <a:tc>
                   <a:txBody>
                     <a:bodyPr/>
@@ -11226,7 +11223,7 @@
                   </a:tcPr>
                 </a:tc>
               </a:tr>
-              <a:tr h="263793">
+              <a:tr h="210544">
                 <a:tc>
                   <a:txBody>
                     <a:bodyPr/>
@@ -11417,7 +11414,7 @@
                   </a:tcPr>
                 </a:tc>
               </a:tr>
-              <a:tr h="263793">
+              <a:tr h="210544">
                 <a:tc>
                   <a:txBody>
                     <a:bodyPr/>
@@ -11608,7 +11605,7 @@
                   </a:tcPr>
                 </a:tc>
               </a:tr>
-              <a:tr h="276711">
+              <a:tr h="217967">
                 <a:tc>
                   <a:txBody>
                     <a:bodyPr/>
@@ -11799,7 +11796,7 @@
                   </a:tcPr>
                 </a:tc>
               </a:tr>
-              <a:tr h="379709">
+              <a:tr h="299100">
                 <a:tc>
                   <a:txBody>
                     <a:bodyPr/>
@@ -11941,6 +11938,204 @@
                           <a:cs typeface="Times New Roman"/>
                         </a:rPr>
                         <a:t>-</a:t>
+                      </a:r>
+                      <a:endParaRPr lang="sv-SE" sz="1100" dirty="0">
+                        <a:latin typeface="Calibri"/>
+                        <a:ea typeface="Times New Roman"/>
+                        <a:cs typeface="Times New Roman"/>
+                      </a:endParaRPr>
+                    </a:p>
+                  </a:txBody>
+                  <a:tcPr marL="68580" marR="68580" marT="0" marB="0" anchor="ctr">
+                    <a:lnL w="12700" cap="flat" cmpd="sng" algn="ctr">
+                      <a:solidFill>
+                        <a:srgbClr val="B3CC82"/>
+                      </a:solidFill>
+                      <a:prstDash val="solid"/>
+                      <a:round/>
+                      <a:headEnd type="none" w="med" len="med"/>
+                      <a:tailEnd type="none" w="med" len="med"/>
+                    </a:lnL>
+                    <a:lnR w="12700" cap="flat" cmpd="sng" algn="ctr">
+                      <a:solidFill>
+                        <a:srgbClr val="B3CC82"/>
+                      </a:solidFill>
+                      <a:prstDash val="solid"/>
+                      <a:round/>
+                      <a:headEnd type="none" w="med" len="med"/>
+                      <a:tailEnd type="none" w="med" len="med"/>
+                    </a:lnR>
+                    <a:lnT w="12700" cap="flat" cmpd="sng" algn="ctr">
+                      <a:solidFill>
+                        <a:srgbClr val="B3CC82"/>
+                      </a:solidFill>
+                      <a:prstDash val="solid"/>
+                      <a:round/>
+                      <a:headEnd type="none" w="med" len="med"/>
+                      <a:tailEnd type="none" w="med" len="med"/>
+                    </a:lnT>
+                    <a:lnB w="12700" cap="flat" cmpd="sng" algn="ctr">
+                      <a:solidFill>
+                        <a:srgbClr val="B3CC82"/>
+                      </a:solidFill>
+                      <a:prstDash val="solid"/>
+                      <a:round/>
+                      <a:headEnd type="none" w="med" len="med"/>
+                      <a:tailEnd type="none" w="med" len="med"/>
+                    </a:lnB>
+                    <a:solidFill>
+                      <a:srgbClr val="E6EED5"/>
+                    </a:solidFill>
+                  </a:tcPr>
+                </a:tc>
+              </a:tr>
+              <a:tr h="299100">
+                <a:tc>
+                  <a:txBody>
+                    <a:bodyPr/>
+                    <a:lstStyle/>
+                    <a:p>
+                      <a:pPr algn="ctr">
+                        <a:lnSpc>
+                          <a:spcPct val="115000"/>
+                        </a:lnSpc>
+                        <a:spcAft>
+                          <a:spcPts val="0"/>
+                        </a:spcAft>
+                      </a:pPr>
+                      <a:r>
+                        <a:rPr lang="sv-SE" sz="1200" dirty="0" smtClean="0">
+                          <a:latin typeface="+mn-lt"/>
+                          <a:ea typeface="Calibri"/>
+                          <a:cs typeface="Times New Roman"/>
+                        </a:rPr>
+                        <a:t>Password</a:t>
+                      </a:r>
+                      <a:endParaRPr lang="sv-SE" sz="1200" dirty="0" smtClean="0">
+                        <a:latin typeface="+mn-lt"/>
+                        <a:ea typeface="Calibri"/>
+                        <a:cs typeface="Times New Roman"/>
+                      </a:endParaRPr>
+                    </a:p>
+                  </a:txBody>
+                  <a:tcPr marL="68580" marR="68580" marT="0" marB="0" anchor="ctr">
+                    <a:lnL w="12700" cap="flat" cmpd="sng" algn="ctr">
+                      <a:solidFill>
+                        <a:srgbClr val="B3CC82"/>
+                      </a:solidFill>
+                      <a:prstDash val="solid"/>
+                      <a:round/>
+                      <a:headEnd type="none" w="med" len="med"/>
+                      <a:tailEnd type="none" w="med" len="med"/>
+                    </a:lnL>
+                    <a:lnR w="12700" cap="flat" cmpd="sng" algn="ctr">
+                      <a:solidFill>
+                        <a:srgbClr val="B3CC82"/>
+                      </a:solidFill>
+                      <a:prstDash val="solid"/>
+                      <a:round/>
+                      <a:headEnd type="none" w="med" len="med"/>
+                      <a:tailEnd type="none" w="med" len="med"/>
+                    </a:lnR>
+                    <a:lnT w="12700" cap="flat" cmpd="sng" algn="ctr">
+                      <a:solidFill>
+                        <a:srgbClr val="B3CC82"/>
+                      </a:solidFill>
+                      <a:prstDash val="solid"/>
+                      <a:round/>
+                      <a:headEnd type="none" w="med" len="med"/>
+                      <a:tailEnd type="none" w="med" len="med"/>
+                    </a:lnT>
+                    <a:lnB w="12700" cap="flat" cmpd="sng" algn="ctr">
+                      <a:solidFill>
+                        <a:srgbClr val="B3CC82"/>
+                      </a:solidFill>
+                      <a:prstDash val="solid"/>
+                      <a:round/>
+                      <a:headEnd type="none" w="med" len="med"/>
+                      <a:tailEnd type="none" w="med" len="med"/>
+                    </a:lnB>
+                    <a:solidFill>
+                      <a:srgbClr val="E6EED5"/>
+                    </a:solidFill>
+                  </a:tcPr>
+                </a:tc>
+                <a:tc>
+                  <a:txBody>
+                    <a:bodyPr/>
+                    <a:lstStyle/>
+                    <a:p>
+                      <a:pPr algn="ctr"/>
+                      <a:r>
+                        <a:rPr lang="sv-SE" sz="1100" dirty="0" smtClean="0">
+                          <a:latin typeface="Calibri"/>
+                          <a:ea typeface="Times New Roman"/>
+                          <a:cs typeface="Times New Roman"/>
+                        </a:rPr>
+                        <a:t>C</a:t>
+                      </a:r>
+                      <a:endParaRPr lang="sv-SE" sz="1100" dirty="0">
+                        <a:latin typeface="Calibri"/>
+                        <a:ea typeface="Times New Roman"/>
+                        <a:cs typeface="Times New Roman"/>
+                      </a:endParaRPr>
+                    </a:p>
+                  </a:txBody>
+                  <a:tcPr marL="68580" marR="68580" marT="0" marB="0" anchor="ctr">
+                    <a:lnL w="12700" cap="flat" cmpd="sng" algn="ctr">
+                      <a:solidFill>
+                        <a:srgbClr val="B3CC82"/>
+                      </a:solidFill>
+                      <a:prstDash val="solid"/>
+                      <a:round/>
+                      <a:headEnd type="none" w="med" len="med"/>
+                      <a:tailEnd type="none" w="med" len="med"/>
+                    </a:lnL>
+                    <a:lnR w="12700" cap="flat" cmpd="sng" algn="ctr">
+                      <a:solidFill>
+                        <a:srgbClr val="B3CC82"/>
+                      </a:solidFill>
+                      <a:prstDash val="solid"/>
+                      <a:round/>
+                      <a:headEnd type="none" w="med" len="med"/>
+                      <a:tailEnd type="none" w="med" len="med"/>
+                    </a:lnR>
+                    <a:lnT w="12700" cap="flat" cmpd="sng" algn="ctr">
+                      <a:solidFill>
+                        <a:srgbClr val="B3CC82"/>
+                      </a:solidFill>
+                      <a:prstDash val="solid"/>
+                      <a:round/>
+                      <a:headEnd type="none" w="med" len="med"/>
+                      <a:tailEnd type="none" w="med" len="med"/>
+                    </a:lnT>
+                    <a:lnB w="12700" cap="flat" cmpd="sng" algn="ctr">
+                      <a:solidFill>
+                        <a:srgbClr val="B3CC82"/>
+                      </a:solidFill>
+                      <a:prstDash val="solid"/>
+                      <a:round/>
+                      <a:headEnd type="none" w="med" len="med"/>
+                      <a:tailEnd type="none" w="med" len="med"/>
+                    </a:lnB>
+                    <a:solidFill>
+                      <a:srgbClr val="E6EED5"/>
+                    </a:solidFill>
+                  </a:tcPr>
+                </a:tc>
+                <a:tc>
+                  <a:txBody>
+                    <a:bodyPr/>
+                    <a:lstStyle/>
+                    <a:p>
+                      <a:pPr algn="ctr"/>
+                      <a:r>
+                        <a:rPr lang="sv-SE" sz="1100" dirty="0" smtClean="0">
+                          <a:latin typeface="Calibri"/>
+                          <a:ea typeface="Times New Roman"/>
+                          <a:cs typeface="Times New Roman"/>
+                        </a:rPr>
+                        <a:t>20</a:t>
                       </a:r>
                       <a:endParaRPr lang="sv-SE" sz="1100" dirty="0">
                         <a:latin typeface="Calibri"/>
@@ -19066,11 +19261,6 @@
                         </a:rPr>
                         <a:t>ImgName</a:t>
                       </a:r>
-                      <a:endParaRPr lang="sv-SE" sz="1200" dirty="0" smtClean="0">
-                        <a:latin typeface="+mn-lt"/>
-                        <a:ea typeface="Times New Roman"/>
-                        <a:cs typeface="Times New Roman"/>
-                      </a:endParaRPr>
                     </a:p>
                   </a:txBody>
                   <a:tcPr marL="68580" marR="68580" marT="0" marB="0" anchor="ctr">
@@ -19281,7 +19471,7 @@
                 <a:gridCol w="966651"/>
                 <a:gridCol w="644434"/>
               </a:tblGrid>
-              <a:tr h="259080">
+              <a:tr h="215900">
                 <a:tc>
                   <a:txBody>
                     <a:bodyPr/>
@@ -19493,7 +19683,7 @@
                   </a:tcPr>
                 </a:tc>
               </a:tr>
-              <a:tr h="259080">
+              <a:tr h="215900">
                 <a:tc>
                   <a:txBody>
                     <a:bodyPr/>
@@ -19705,7 +19895,7 @@
                   </a:tcPr>
                 </a:tc>
               </a:tr>
-              <a:tr h="259080">
+              <a:tr h="215900">
                 <a:tc>
                   <a:txBody>
                     <a:bodyPr/>
@@ -19917,7 +20107,7 @@
                   </a:tcPr>
                 </a:tc>
               </a:tr>
-              <a:tr h="259080">
+              <a:tr h="215900">
                 <a:tc>
                   <a:txBody>
                     <a:bodyPr/>
@@ -20129,7 +20319,7 @@
                   </a:tcPr>
                 </a:tc>
               </a:tr>
-              <a:tr h="259080">
+              <a:tr h="215900">
                 <a:tc>
                   <a:txBody>
                     <a:bodyPr/>
@@ -20285,6 +20475,218 @@
                           <a:cs typeface="Times New Roman"/>
                         </a:rPr>
                         <a:t>-</a:t>
+                      </a:r>
+                      <a:endParaRPr lang="sv-SE" sz="1100" dirty="0">
+                        <a:latin typeface="Calibri"/>
+                        <a:ea typeface="Calibri"/>
+                        <a:cs typeface="Times New Roman"/>
+                      </a:endParaRPr>
+                    </a:p>
+                  </a:txBody>
+                  <a:tcPr marL="68580" marR="68580" marT="0" marB="0" anchor="ctr">
+                    <a:lnL w="12700" cap="flat" cmpd="sng" algn="ctr">
+                      <a:solidFill>
+                        <a:srgbClr val="B3CC82"/>
+                      </a:solidFill>
+                      <a:prstDash val="solid"/>
+                      <a:round/>
+                      <a:headEnd type="none" w="med" len="med"/>
+                      <a:tailEnd type="none" w="med" len="med"/>
+                    </a:lnL>
+                    <a:lnR w="12700" cap="flat" cmpd="sng" algn="ctr">
+                      <a:solidFill>
+                        <a:srgbClr val="B3CC82"/>
+                      </a:solidFill>
+                      <a:prstDash val="solid"/>
+                      <a:round/>
+                      <a:headEnd type="none" w="med" len="med"/>
+                      <a:tailEnd type="none" w="med" len="med"/>
+                    </a:lnR>
+                    <a:lnT w="12700" cap="flat" cmpd="sng" algn="ctr">
+                      <a:solidFill>
+                        <a:srgbClr val="B3CC82"/>
+                      </a:solidFill>
+                      <a:prstDash val="solid"/>
+                      <a:round/>
+                      <a:headEnd type="none" w="med" len="med"/>
+                      <a:tailEnd type="none" w="med" len="med"/>
+                    </a:lnT>
+                    <a:lnB w="12700" cap="flat" cmpd="sng" algn="ctr">
+                      <a:solidFill>
+                        <a:srgbClr val="B3CC82"/>
+                      </a:solidFill>
+                      <a:prstDash val="solid"/>
+                      <a:round/>
+                      <a:headEnd type="none" w="med" len="med"/>
+                      <a:tailEnd type="none" w="med" len="med"/>
+                    </a:lnB>
+                    <a:solidFill>
+                      <a:srgbClr val="E6EED5"/>
+                    </a:solidFill>
+                  </a:tcPr>
+                </a:tc>
+              </a:tr>
+              <a:tr h="215900">
+                <a:tc>
+                  <a:txBody>
+                    <a:bodyPr/>
+                    <a:lstStyle/>
+                    <a:p>
+                      <a:pPr algn="ctr">
+                        <a:lnSpc>
+                          <a:spcPct val="115000"/>
+                        </a:lnSpc>
+                        <a:spcAft>
+                          <a:spcPts val="0"/>
+                        </a:spcAft>
+                      </a:pPr>
+                      <a:r>
+                        <a:rPr lang="sv-SE" sz="1200" dirty="0" smtClean="0">
+                          <a:latin typeface="Calibri"/>
+                          <a:ea typeface="Calibri"/>
+                          <a:cs typeface="Times New Roman"/>
+                        </a:rPr>
+                        <a:t>Password</a:t>
+                      </a:r>
+                      <a:endParaRPr lang="sv-SE" sz="1200" dirty="0" smtClean="0">
+                        <a:latin typeface="Calibri"/>
+                        <a:ea typeface="Calibri"/>
+                        <a:cs typeface="Times New Roman"/>
+                      </a:endParaRPr>
+                    </a:p>
+                  </a:txBody>
+                  <a:tcPr marL="68580" marR="68580" marT="0" marB="0" anchor="ctr">
+                    <a:lnL w="12700" cap="flat" cmpd="sng" algn="ctr">
+                      <a:solidFill>
+                        <a:srgbClr val="B3CC82"/>
+                      </a:solidFill>
+                      <a:prstDash val="solid"/>
+                      <a:round/>
+                      <a:headEnd type="none" w="med" len="med"/>
+                      <a:tailEnd type="none" w="med" len="med"/>
+                    </a:lnL>
+                    <a:lnR w="12700" cap="flat" cmpd="sng" algn="ctr">
+                      <a:solidFill>
+                        <a:srgbClr val="B3CC82"/>
+                      </a:solidFill>
+                      <a:prstDash val="solid"/>
+                      <a:round/>
+                      <a:headEnd type="none" w="med" len="med"/>
+                      <a:tailEnd type="none" w="med" len="med"/>
+                    </a:lnR>
+                    <a:lnT w="12700" cap="flat" cmpd="sng" algn="ctr">
+                      <a:solidFill>
+                        <a:srgbClr val="B3CC82"/>
+                      </a:solidFill>
+                      <a:prstDash val="solid"/>
+                      <a:round/>
+                      <a:headEnd type="none" w="med" len="med"/>
+                      <a:tailEnd type="none" w="med" len="med"/>
+                    </a:lnT>
+                    <a:lnB w="12700" cap="flat" cmpd="sng" algn="ctr">
+                      <a:solidFill>
+                        <a:srgbClr val="B3CC82"/>
+                      </a:solidFill>
+                      <a:prstDash val="solid"/>
+                      <a:round/>
+                      <a:headEnd type="none" w="med" len="med"/>
+                      <a:tailEnd type="none" w="med" len="med"/>
+                    </a:lnB>
+                    <a:solidFill>
+                      <a:srgbClr val="E6EED5"/>
+                    </a:solidFill>
+                  </a:tcPr>
+                </a:tc>
+                <a:tc>
+                  <a:txBody>
+                    <a:bodyPr/>
+                    <a:lstStyle/>
+                    <a:p>
+                      <a:pPr algn="ctr">
+                        <a:lnSpc>
+                          <a:spcPct val="115000"/>
+                        </a:lnSpc>
+                        <a:spcAft>
+                          <a:spcPts val="0"/>
+                        </a:spcAft>
+                      </a:pPr>
+                      <a:r>
+                        <a:rPr lang="sv-SE" sz="1100" dirty="0" smtClean="0">
+                          <a:latin typeface="Calibri"/>
+                          <a:ea typeface="Calibri"/>
+                          <a:cs typeface="Times New Roman"/>
+                        </a:rPr>
+                        <a:t>VarChar</a:t>
+                      </a:r>
+                      <a:endParaRPr lang="sv-SE" sz="1100" dirty="0">
+                        <a:latin typeface="Calibri"/>
+                        <a:ea typeface="Calibri"/>
+                        <a:cs typeface="Times New Roman"/>
+                      </a:endParaRPr>
+                    </a:p>
+                  </a:txBody>
+                  <a:tcPr marL="68580" marR="68580" marT="0" marB="0" anchor="ctr">
+                    <a:lnL w="12700" cap="flat" cmpd="sng" algn="ctr">
+                      <a:solidFill>
+                        <a:srgbClr val="B3CC82"/>
+                      </a:solidFill>
+                      <a:prstDash val="solid"/>
+                      <a:round/>
+                      <a:headEnd type="none" w="med" len="med"/>
+                      <a:tailEnd type="none" w="med" len="med"/>
+                    </a:lnL>
+                    <a:lnR w="12700" cap="flat" cmpd="sng" algn="ctr">
+                      <a:solidFill>
+                        <a:srgbClr val="B3CC82"/>
+                      </a:solidFill>
+                      <a:prstDash val="solid"/>
+                      <a:round/>
+                      <a:headEnd type="none" w="med" len="med"/>
+                      <a:tailEnd type="none" w="med" len="med"/>
+                    </a:lnR>
+                    <a:lnT w="12700" cap="flat" cmpd="sng" algn="ctr">
+                      <a:solidFill>
+                        <a:srgbClr val="B3CC82"/>
+                      </a:solidFill>
+                      <a:prstDash val="solid"/>
+                      <a:round/>
+                      <a:headEnd type="none" w="med" len="med"/>
+                      <a:tailEnd type="none" w="med" len="med"/>
+                    </a:lnT>
+                    <a:lnB w="12700" cap="flat" cmpd="sng" algn="ctr">
+                      <a:solidFill>
+                        <a:srgbClr val="B3CC82"/>
+                      </a:solidFill>
+                      <a:prstDash val="solid"/>
+                      <a:round/>
+                      <a:headEnd type="none" w="med" len="med"/>
+                      <a:tailEnd type="none" w="med" len="med"/>
+                    </a:lnB>
+                    <a:solidFill>
+                      <a:srgbClr val="E6EED5"/>
+                    </a:solidFill>
+                  </a:tcPr>
+                </a:tc>
+                <a:tc>
+                  <a:txBody>
+                    <a:bodyPr/>
+                    <a:lstStyle/>
+                    <a:p>
+                      <a:pPr algn="ctr">
+                        <a:lnSpc>
+                          <a:spcPct val="115000"/>
+                        </a:lnSpc>
+                        <a:spcAft>
+                          <a:spcPts val="0"/>
+                        </a:spcAft>
+                      </a:pPr>
+                      <a:r>
+                        <a:rPr lang="sv-SE" sz="1100" dirty="0" smtClean="0">
+                          <a:latin typeface="Calibri"/>
+                          <a:ea typeface="Calibri"/>
+                          <a:cs typeface="Times New Roman"/>
+                        </a:rPr>
+                        <a:t>20</a:t>
                       </a:r>
                       <a:endParaRPr lang="sv-SE" sz="1100" dirty="0">
                         <a:latin typeface="Calibri"/>
@@ -21666,18 +22068,19 @@
           <p:nvPr/>
         </p:nvGraphicFramePr>
         <p:xfrm>
-          <a:off x="304799" y="1752600"/>
-          <a:ext cx="5486400" cy="1457513"/>
+          <a:off x="304800" y="1752600"/>
+          <a:ext cx="5486400" cy="1472184"/>
         </p:xfrm>
         <a:graphic>
           <a:graphicData uri="http://schemas.openxmlformats.org/drawingml/2006/table">
             <a:tbl>
               <a:tblPr/>
               <a:tblGrid>
-                <a:gridCol w="772506"/>
-                <a:gridCol w="1256616"/>
-                <a:gridCol w="2352054"/>
-                <a:gridCol w="1105224"/>
+                <a:gridCol w="642979"/>
+                <a:gridCol w="1045918"/>
+                <a:gridCol w="1957683"/>
+                <a:gridCol w="919910"/>
+                <a:gridCol w="919910"/>
               </a:tblGrid>
               <a:tr h="208369">
                 <a:tc>
@@ -21955,8 +22358,6 @@
                     </a:solidFill>
                   </a:tcPr>
                 </a:tc>
-              </a:tr>
-              <a:tr h="208369">
                 <a:tc>
                   <a:txBody>
                     <a:bodyPr/>
@@ -21971,62 +22372,64 @@
                         </a:spcAft>
                       </a:pPr>
                       <a:r>
-                        <a:rPr lang="en-US" sz="1200" dirty="0">
-                          <a:latin typeface="Calibri"/>
+                        <a:rPr lang="sv-SE" sz="1200" dirty="0" smtClean="0">
+                          <a:latin typeface="+mn-lt"/>
                           <a:ea typeface="Calibri"/>
                           <a:cs typeface="Times New Roman"/>
                         </a:rPr>
-                        <a:t>1</a:t>
-                      </a:r>
-                      <a:endParaRPr lang="sv-SE" sz="1100" dirty="0">
-                        <a:latin typeface="Calibri"/>
+                        <a:t>Password</a:t>
+                      </a:r>
+                      <a:endParaRPr lang="sv-SE" sz="1200" dirty="0" smtClean="0">
+                        <a:latin typeface="+mn-lt"/>
                         <a:ea typeface="Calibri"/>
                         <a:cs typeface="Times New Roman"/>
                       </a:endParaRPr>
                     </a:p>
                   </a:txBody>
-                  <a:tcPr marL="68580" marR="68580" marT="0" marB="0" anchor="ctr">
-                    <a:lnL w="12700" cap="flat" cmpd="sng" algn="ctr">
-                      <a:solidFill>
-                        <a:srgbClr val="B3CC82"/>
-                      </a:solidFill>
-                      <a:prstDash val="solid"/>
-                      <a:round/>
-                      <a:headEnd type="none" w="med" len="med"/>
-                      <a:tailEnd type="none" w="med" len="med"/>
-                    </a:lnL>
-                    <a:lnR w="12700" cap="flat" cmpd="sng" algn="ctr">
-                      <a:solidFill>
-                        <a:srgbClr val="B3CC82"/>
-                      </a:solidFill>
-                      <a:prstDash val="solid"/>
-                      <a:round/>
-                      <a:headEnd type="none" w="med" len="med"/>
-                      <a:tailEnd type="none" w="med" len="med"/>
-                    </a:lnR>
-                    <a:lnT w="12700" cap="flat" cmpd="sng" algn="ctr">
-                      <a:solidFill>
-                        <a:srgbClr val="B3CC82"/>
-                      </a:solidFill>
-                      <a:prstDash val="solid"/>
-                      <a:round/>
-                      <a:headEnd type="none" w="med" len="med"/>
-                      <a:tailEnd type="none" w="med" len="med"/>
-                    </a:lnT>
-                    <a:lnB w="12700" cap="flat" cmpd="sng" algn="ctr">
-                      <a:solidFill>
-                        <a:srgbClr val="B3CC82"/>
-                      </a:solidFill>
-                      <a:prstDash val="solid"/>
-                      <a:round/>
-                      <a:headEnd type="none" w="med" len="med"/>
-                      <a:tailEnd type="none" w="med" len="med"/>
-                    </a:lnB>
-                    <a:solidFill>
-                      <a:srgbClr val="CDDDAC"/>
-                    </a:solidFill>
-                  </a:tcPr>
-                </a:tc>
+                  <a:tcPr marL="68580" marR="68580" marT="0" marB="0">
+                    <a:lnL w="12700" cap="flat" cmpd="sng" algn="ctr">
+                      <a:solidFill>
+                        <a:srgbClr val="B3CC82"/>
+                      </a:solidFill>
+                      <a:prstDash val="solid"/>
+                      <a:round/>
+                      <a:headEnd type="none" w="med" len="med"/>
+                      <a:tailEnd type="none" w="med" len="med"/>
+                    </a:lnL>
+                    <a:lnR w="12700" cap="flat" cmpd="sng" algn="ctr">
+                      <a:solidFill>
+                        <a:srgbClr val="B3CC82"/>
+                      </a:solidFill>
+                      <a:prstDash val="solid"/>
+                      <a:round/>
+                      <a:headEnd type="none" w="med" len="med"/>
+                      <a:tailEnd type="none" w="med" len="med"/>
+                    </a:lnR>
+                    <a:lnT w="12700" cap="flat" cmpd="sng" algn="ctr">
+                      <a:solidFill>
+                        <a:srgbClr val="B3CC82"/>
+                      </a:solidFill>
+                      <a:prstDash val="solid"/>
+                      <a:round/>
+                      <a:headEnd type="none" w="med" len="med"/>
+                      <a:tailEnd type="none" w="med" len="med"/>
+                    </a:lnT>
+                    <a:lnB w="12700" cap="flat" cmpd="sng" algn="ctr">
+                      <a:solidFill>
+                        <a:srgbClr val="B3CC82"/>
+                      </a:solidFill>
+                      <a:prstDash val="solid"/>
+                      <a:round/>
+                      <a:headEnd type="none" w="med" len="med"/>
+                      <a:tailEnd type="none" w="med" len="med"/>
+                    </a:lnB>
+                    <a:solidFill>
+                      <a:srgbClr val="E6EED5"/>
+                    </a:solidFill>
+                  </a:tcPr>
+                </a:tc>
+              </a:tr>
+              <a:tr h="208369">
                 <a:tc>
                   <a:txBody>
                     <a:bodyPr/>
@@ -22046,7 +22449,7 @@
                           <a:ea typeface="Calibri"/>
                           <a:cs typeface="Times New Roman"/>
                         </a:rPr>
-                        <a:t>Grenis</a:t>
+                        <a:t>1</a:t>
                       </a:r>
                       <a:endParaRPr lang="sv-SE" sz="1100" dirty="0">
                         <a:latin typeface="Calibri"/>
@@ -22116,7 +22519,7 @@
                           <a:ea typeface="Calibri"/>
                           <a:cs typeface="Times New Roman"/>
                         </a:rPr>
-                        <a:t>David@Hotmail.com</a:t>
+                        <a:t>Grenis</a:t>
                       </a:r>
                       <a:endParaRPr lang="sv-SE" sz="1100" dirty="0">
                         <a:latin typeface="Calibri"/>
@@ -22125,7 +22528,7 @@
                       </a:endParaRPr>
                     </a:p>
                   </a:txBody>
-                  <a:tcPr marL="68580" marR="68580" marT="0" marB="0">
+                  <a:tcPr marL="68580" marR="68580" marT="0" marB="0" anchor="ctr">
                     <a:lnL w="12700" cap="flat" cmpd="sng" algn="ctr">
                       <a:solidFill>
                         <a:srgbClr val="B3CC82"/>
@@ -22186,7 +22589,7 @@
                           <a:ea typeface="Calibri"/>
                           <a:cs typeface="Times New Roman"/>
                         </a:rPr>
-                        <a:t>2013-10-15</a:t>
+                        <a:t>David@Hotmail.com</a:t>
                       </a:r>
                       <a:endParaRPr lang="sv-SE" sz="1100" dirty="0">
                         <a:latin typeface="Calibri"/>
@@ -22237,8 +22640,6 @@
                     </a:solidFill>
                   </a:tcPr>
                 </a:tc>
-              </a:tr>
-              <a:tr h="208369">
                 <a:tc>
                   <a:txBody>
                     <a:bodyPr/>
@@ -22258,7 +22659,7 @@
                           <a:ea typeface="Calibri"/>
                           <a:cs typeface="Times New Roman"/>
                         </a:rPr>
-                        <a:t>2</a:t>
+                        <a:t>2013-10-15</a:t>
                       </a:r>
                       <a:endParaRPr lang="sv-SE" sz="1100" dirty="0">
                         <a:latin typeface="Calibri"/>
@@ -22267,45 +22668,45 @@
                       </a:endParaRPr>
                     </a:p>
                   </a:txBody>
-                  <a:tcPr marL="68580" marR="68580" marT="0" marB="0" anchor="ctr">
-                    <a:lnL w="12700" cap="flat" cmpd="sng" algn="ctr">
-                      <a:solidFill>
-                        <a:srgbClr val="B3CC82"/>
-                      </a:solidFill>
-                      <a:prstDash val="solid"/>
-                      <a:round/>
-                      <a:headEnd type="none" w="med" len="med"/>
-                      <a:tailEnd type="none" w="med" len="med"/>
-                    </a:lnL>
-                    <a:lnR w="12700" cap="flat" cmpd="sng" algn="ctr">
-                      <a:solidFill>
-                        <a:srgbClr val="B3CC82"/>
-                      </a:solidFill>
-                      <a:prstDash val="solid"/>
-                      <a:round/>
-                      <a:headEnd type="none" w="med" len="med"/>
-                      <a:tailEnd type="none" w="med" len="med"/>
-                    </a:lnR>
-                    <a:lnT w="12700" cap="flat" cmpd="sng" algn="ctr">
-                      <a:solidFill>
-                        <a:srgbClr val="B3CC82"/>
-                      </a:solidFill>
-                      <a:prstDash val="solid"/>
-                      <a:round/>
-                      <a:headEnd type="none" w="med" len="med"/>
-                      <a:tailEnd type="none" w="med" len="med"/>
-                    </a:lnT>
-                    <a:lnB w="12700" cap="flat" cmpd="sng" algn="ctr">
-                      <a:solidFill>
-                        <a:srgbClr val="B3CC82"/>
-                      </a:solidFill>
-                      <a:prstDash val="solid"/>
-                      <a:round/>
-                      <a:headEnd type="none" w="med" len="med"/>
-                      <a:tailEnd type="none" w="med" len="med"/>
-                    </a:lnB>
-                    <a:solidFill>
-                      <a:srgbClr val="E6EED5"/>
+                  <a:tcPr marL="68580" marR="68580" marT="0" marB="0">
+                    <a:lnL w="12700" cap="flat" cmpd="sng" algn="ctr">
+                      <a:solidFill>
+                        <a:srgbClr val="B3CC82"/>
+                      </a:solidFill>
+                      <a:prstDash val="solid"/>
+                      <a:round/>
+                      <a:headEnd type="none" w="med" len="med"/>
+                      <a:tailEnd type="none" w="med" len="med"/>
+                    </a:lnL>
+                    <a:lnR w="12700" cap="flat" cmpd="sng" algn="ctr">
+                      <a:solidFill>
+                        <a:srgbClr val="B3CC82"/>
+                      </a:solidFill>
+                      <a:prstDash val="solid"/>
+                      <a:round/>
+                      <a:headEnd type="none" w="med" len="med"/>
+                      <a:tailEnd type="none" w="med" len="med"/>
+                    </a:lnR>
+                    <a:lnT w="12700" cap="flat" cmpd="sng" algn="ctr">
+                      <a:solidFill>
+                        <a:srgbClr val="B3CC82"/>
+                      </a:solidFill>
+                      <a:prstDash val="solid"/>
+                      <a:round/>
+                      <a:headEnd type="none" w="med" len="med"/>
+                      <a:tailEnd type="none" w="med" len="med"/>
+                    </a:lnT>
+                    <a:lnB w="12700" cap="flat" cmpd="sng" algn="ctr">
+                      <a:solidFill>
+                        <a:srgbClr val="B3CC82"/>
+                      </a:solidFill>
+                      <a:prstDash val="solid"/>
+                      <a:round/>
+                      <a:headEnd type="none" w="med" len="med"/>
+                      <a:tailEnd type="none" w="med" len="med"/>
+                    </a:lnB>
+                    <a:solidFill>
+                      <a:srgbClr val="CDDDAC"/>
                     </a:solidFill>
                   </a:tcPr>
                 </a:tc>
@@ -22323,12 +22724,12 @@
                         </a:spcAft>
                       </a:pPr>
                       <a:r>
-                        <a:rPr lang="en-US" sz="1200" dirty="0">
+                        <a:rPr lang="sv-SE" sz="1100" dirty="0" smtClean="0">
                           <a:latin typeface="Calibri"/>
                           <a:ea typeface="Calibri"/>
                           <a:cs typeface="Times New Roman"/>
                         </a:rPr>
-                        <a:t>Gabbe</a:t>
+                        <a:t>jh23l132</a:t>
                       </a:r>
                       <a:endParaRPr lang="sv-SE" sz="1100" dirty="0">
                         <a:latin typeface="Calibri"/>
@@ -22337,48 +22738,50 @@
                       </a:endParaRPr>
                     </a:p>
                   </a:txBody>
-                  <a:tcPr marL="68580" marR="68580" marT="0" marB="0" anchor="ctr">
-                    <a:lnL w="12700" cap="flat" cmpd="sng" algn="ctr">
-                      <a:solidFill>
-                        <a:srgbClr val="B3CC82"/>
-                      </a:solidFill>
-                      <a:prstDash val="solid"/>
-                      <a:round/>
-                      <a:headEnd type="none" w="med" len="med"/>
-                      <a:tailEnd type="none" w="med" len="med"/>
-                    </a:lnL>
-                    <a:lnR w="12700" cap="flat" cmpd="sng" algn="ctr">
-                      <a:solidFill>
-                        <a:srgbClr val="B3CC82"/>
-                      </a:solidFill>
-                      <a:prstDash val="solid"/>
-                      <a:round/>
-                      <a:headEnd type="none" w="med" len="med"/>
-                      <a:tailEnd type="none" w="med" len="med"/>
-                    </a:lnR>
-                    <a:lnT w="12700" cap="flat" cmpd="sng" algn="ctr">
-                      <a:solidFill>
-                        <a:srgbClr val="B3CC82"/>
-                      </a:solidFill>
-                      <a:prstDash val="solid"/>
-                      <a:round/>
-                      <a:headEnd type="none" w="med" len="med"/>
-                      <a:tailEnd type="none" w="med" len="med"/>
-                    </a:lnT>
-                    <a:lnB w="12700" cap="flat" cmpd="sng" algn="ctr">
-                      <a:solidFill>
-                        <a:srgbClr val="B3CC82"/>
-                      </a:solidFill>
-                      <a:prstDash val="solid"/>
-                      <a:round/>
-                      <a:headEnd type="none" w="med" len="med"/>
-                      <a:tailEnd type="none" w="med" len="med"/>
-                    </a:lnB>
-                    <a:solidFill>
-                      <a:srgbClr val="E6EED5"/>
-                    </a:solidFill>
-                  </a:tcPr>
-                </a:tc>
+                  <a:tcPr marL="68580" marR="68580" marT="0" marB="0">
+                    <a:lnL w="12700" cap="flat" cmpd="sng" algn="ctr">
+                      <a:solidFill>
+                        <a:srgbClr val="B3CC82"/>
+                      </a:solidFill>
+                      <a:prstDash val="solid"/>
+                      <a:round/>
+                      <a:headEnd type="none" w="med" len="med"/>
+                      <a:tailEnd type="none" w="med" len="med"/>
+                    </a:lnL>
+                    <a:lnR w="12700" cap="flat" cmpd="sng" algn="ctr">
+                      <a:solidFill>
+                        <a:srgbClr val="B3CC82"/>
+                      </a:solidFill>
+                      <a:prstDash val="solid"/>
+                      <a:round/>
+                      <a:headEnd type="none" w="med" len="med"/>
+                      <a:tailEnd type="none" w="med" len="med"/>
+                    </a:lnR>
+                    <a:lnT w="12700" cap="flat" cmpd="sng" algn="ctr">
+                      <a:solidFill>
+                        <a:srgbClr val="B3CC82"/>
+                      </a:solidFill>
+                      <a:prstDash val="solid"/>
+                      <a:round/>
+                      <a:headEnd type="none" w="med" len="med"/>
+                      <a:tailEnd type="none" w="med" len="med"/>
+                    </a:lnT>
+                    <a:lnB w="12700" cap="flat" cmpd="sng" algn="ctr">
+                      <a:solidFill>
+                        <a:srgbClr val="B3CC82"/>
+                      </a:solidFill>
+                      <a:prstDash val="solid"/>
+                      <a:round/>
+                      <a:headEnd type="none" w="med" len="med"/>
+                      <a:tailEnd type="none" w="med" len="med"/>
+                    </a:lnB>
+                    <a:solidFill>
+                      <a:srgbClr val="CDDDAC"/>
+                    </a:solidFill>
+                  </a:tcPr>
+                </a:tc>
+              </a:tr>
+              <a:tr h="208369">
                 <a:tc>
                   <a:txBody>
                     <a:bodyPr/>
@@ -22393,16 +22796,12 @@
                         </a:spcAft>
                       </a:pPr>
                       <a:r>
-                        <a:rPr lang="en-US" sz="1200" u="sng" dirty="0">
-                          <a:solidFill>
-                            <a:srgbClr val="0000FF"/>
-                          </a:solidFill>
+                        <a:rPr lang="en-US" sz="1200" dirty="0">
                           <a:latin typeface="Calibri"/>
                           <a:ea typeface="Calibri"/>
                           <a:cs typeface="Times New Roman"/>
-                          <a:hlinkClick r:id="rId2"/>
-                        </a:rPr>
-                        <a:t>Txt1@yahoo.com</a:t>
+                        </a:rPr>
+                        <a:t>2</a:t>
                       </a:r>
                       <a:endParaRPr lang="sv-SE" sz="1100" dirty="0">
                         <a:latin typeface="Calibri"/>
@@ -22411,7 +22810,7 @@
                       </a:endParaRPr>
                     </a:p>
                   </a:txBody>
-                  <a:tcPr marL="68580" marR="68580" marT="0" marB="0">
+                  <a:tcPr marL="68580" marR="68580" marT="0" marB="0" anchor="ctr">
                     <a:lnL w="12700" cap="flat" cmpd="sng" algn="ctr">
                       <a:solidFill>
                         <a:srgbClr val="B3CC82"/>
@@ -22472,7 +22871,7 @@
                           <a:ea typeface="Calibri"/>
                           <a:cs typeface="Times New Roman"/>
                         </a:rPr>
-                        <a:t>2013-10-15</a:t>
+                        <a:t>Gabbe</a:t>
                       </a:r>
                       <a:endParaRPr lang="sv-SE" sz="1100" dirty="0">
                         <a:latin typeface="Calibri"/>
@@ -22481,7 +22880,7 @@
                       </a:endParaRPr>
                     </a:p>
                   </a:txBody>
-                  <a:tcPr marL="68580" marR="68580" marT="0" marB="0">
+                  <a:tcPr marL="68580" marR="68580" marT="0" marB="0" anchor="ctr">
                     <a:lnL w="12700" cap="flat" cmpd="sng" algn="ctr">
                       <a:solidFill>
                         <a:srgbClr val="B3CC82"/>
@@ -22523,8 +22922,6 @@
                     </a:solidFill>
                   </a:tcPr>
                 </a:tc>
-              </a:tr>
-              <a:tr h="208369">
                 <a:tc>
                   <a:txBody>
                     <a:bodyPr/>
@@ -22539,12 +22936,16 @@
                         </a:spcAft>
                       </a:pPr>
                       <a:r>
-                        <a:rPr lang="en-US" sz="1200" dirty="0">
+                        <a:rPr lang="en-US" sz="1200" u="sng" dirty="0">
+                          <a:solidFill>
+                            <a:srgbClr val="0000FF"/>
+                          </a:solidFill>
                           <a:latin typeface="Calibri"/>
                           <a:ea typeface="Calibri"/>
                           <a:cs typeface="Times New Roman"/>
-                        </a:rPr>
-                        <a:t>3</a:t>
+                          <a:hlinkClick r:id="rId2"/>
+                        </a:rPr>
+                        <a:t>Txt1@yahoo.com</a:t>
                       </a:r>
                       <a:endParaRPr lang="sv-SE" sz="1100" dirty="0">
                         <a:latin typeface="Calibri"/>
@@ -22553,45 +22954,45 @@
                       </a:endParaRPr>
                     </a:p>
                   </a:txBody>
-                  <a:tcPr marL="68580" marR="68580" marT="0" marB="0" anchor="ctr">
-                    <a:lnL w="12700" cap="flat" cmpd="sng" algn="ctr">
-                      <a:solidFill>
-                        <a:srgbClr val="B3CC82"/>
-                      </a:solidFill>
-                      <a:prstDash val="solid"/>
-                      <a:round/>
-                      <a:headEnd type="none" w="med" len="med"/>
-                      <a:tailEnd type="none" w="med" len="med"/>
-                    </a:lnL>
-                    <a:lnR w="12700" cap="flat" cmpd="sng" algn="ctr">
-                      <a:solidFill>
-                        <a:srgbClr val="B3CC82"/>
-                      </a:solidFill>
-                      <a:prstDash val="solid"/>
-                      <a:round/>
-                      <a:headEnd type="none" w="med" len="med"/>
-                      <a:tailEnd type="none" w="med" len="med"/>
-                    </a:lnR>
-                    <a:lnT w="12700" cap="flat" cmpd="sng" algn="ctr">
-                      <a:solidFill>
-                        <a:srgbClr val="B3CC82"/>
-                      </a:solidFill>
-                      <a:prstDash val="solid"/>
-                      <a:round/>
-                      <a:headEnd type="none" w="med" len="med"/>
-                      <a:tailEnd type="none" w="med" len="med"/>
-                    </a:lnT>
-                    <a:lnB w="12700" cap="flat" cmpd="sng" algn="ctr">
-                      <a:solidFill>
-                        <a:srgbClr val="B3CC82"/>
-                      </a:solidFill>
-                      <a:prstDash val="solid"/>
-                      <a:round/>
-                      <a:headEnd type="none" w="med" len="med"/>
-                      <a:tailEnd type="none" w="med" len="med"/>
-                    </a:lnB>
-                    <a:solidFill>
-                      <a:srgbClr val="CDDDAC"/>
+                  <a:tcPr marL="68580" marR="68580" marT="0" marB="0">
+                    <a:lnL w="12700" cap="flat" cmpd="sng" algn="ctr">
+                      <a:solidFill>
+                        <a:srgbClr val="B3CC82"/>
+                      </a:solidFill>
+                      <a:prstDash val="solid"/>
+                      <a:round/>
+                      <a:headEnd type="none" w="med" len="med"/>
+                      <a:tailEnd type="none" w="med" len="med"/>
+                    </a:lnL>
+                    <a:lnR w="12700" cap="flat" cmpd="sng" algn="ctr">
+                      <a:solidFill>
+                        <a:srgbClr val="B3CC82"/>
+                      </a:solidFill>
+                      <a:prstDash val="solid"/>
+                      <a:round/>
+                      <a:headEnd type="none" w="med" len="med"/>
+                      <a:tailEnd type="none" w="med" len="med"/>
+                    </a:lnR>
+                    <a:lnT w="12700" cap="flat" cmpd="sng" algn="ctr">
+                      <a:solidFill>
+                        <a:srgbClr val="B3CC82"/>
+                      </a:solidFill>
+                      <a:prstDash val="solid"/>
+                      <a:round/>
+                      <a:headEnd type="none" w="med" len="med"/>
+                      <a:tailEnd type="none" w="med" len="med"/>
+                    </a:lnT>
+                    <a:lnB w="12700" cap="flat" cmpd="sng" algn="ctr">
+                      <a:solidFill>
+                        <a:srgbClr val="B3CC82"/>
+                      </a:solidFill>
+                      <a:prstDash val="solid"/>
+                      <a:round/>
+                      <a:headEnd type="none" w="med" len="med"/>
+                      <a:tailEnd type="none" w="med" len="med"/>
+                    </a:lnB>
+                    <a:solidFill>
+                      <a:srgbClr val="E6EED5"/>
                     </a:solidFill>
                   </a:tcPr>
                 </a:tc>
@@ -22614,7 +23015,7 @@
                           <a:ea typeface="Calibri"/>
                           <a:cs typeface="Times New Roman"/>
                         </a:rPr>
-                        <a:t>Amadeus</a:t>
+                        <a:t>2013-10-15</a:t>
                       </a:r>
                       <a:endParaRPr lang="sv-SE" sz="1100" dirty="0">
                         <a:latin typeface="Calibri"/>
@@ -22623,45 +23024,45 @@
                       </a:endParaRPr>
                     </a:p>
                   </a:txBody>
-                  <a:tcPr marL="68580" marR="68580" marT="0" marB="0" anchor="ctr">
-                    <a:lnL w="12700" cap="flat" cmpd="sng" algn="ctr">
-                      <a:solidFill>
-                        <a:srgbClr val="B3CC82"/>
-                      </a:solidFill>
-                      <a:prstDash val="solid"/>
-                      <a:round/>
-                      <a:headEnd type="none" w="med" len="med"/>
-                      <a:tailEnd type="none" w="med" len="med"/>
-                    </a:lnL>
-                    <a:lnR w="12700" cap="flat" cmpd="sng" algn="ctr">
-                      <a:solidFill>
-                        <a:srgbClr val="B3CC82"/>
-                      </a:solidFill>
-                      <a:prstDash val="solid"/>
-                      <a:round/>
-                      <a:headEnd type="none" w="med" len="med"/>
-                      <a:tailEnd type="none" w="med" len="med"/>
-                    </a:lnR>
-                    <a:lnT w="12700" cap="flat" cmpd="sng" algn="ctr">
-                      <a:solidFill>
-                        <a:srgbClr val="B3CC82"/>
-                      </a:solidFill>
-                      <a:prstDash val="solid"/>
-                      <a:round/>
-                      <a:headEnd type="none" w="med" len="med"/>
-                      <a:tailEnd type="none" w="med" len="med"/>
-                    </a:lnT>
-                    <a:lnB w="12700" cap="flat" cmpd="sng" algn="ctr">
-                      <a:solidFill>
-                        <a:srgbClr val="B3CC82"/>
-                      </a:solidFill>
-                      <a:prstDash val="solid"/>
-                      <a:round/>
-                      <a:headEnd type="none" w="med" len="med"/>
-                      <a:tailEnd type="none" w="med" len="med"/>
-                    </a:lnB>
-                    <a:solidFill>
-                      <a:srgbClr val="CDDDAC"/>
+                  <a:tcPr marL="68580" marR="68580" marT="0" marB="0">
+                    <a:lnL w="12700" cap="flat" cmpd="sng" algn="ctr">
+                      <a:solidFill>
+                        <a:srgbClr val="B3CC82"/>
+                      </a:solidFill>
+                      <a:prstDash val="solid"/>
+                      <a:round/>
+                      <a:headEnd type="none" w="med" len="med"/>
+                      <a:tailEnd type="none" w="med" len="med"/>
+                    </a:lnL>
+                    <a:lnR w="12700" cap="flat" cmpd="sng" algn="ctr">
+                      <a:solidFill>
+                        <a:srgbClr val="B3CC82"/>
+                      </a:solidFill>
+                      <a:prstDash val="solid"/>
+                      <a:round/>
+                      <a:headEnd type="none" w="med" len="med"/>
+                      <a:tailEnd type="none" w="med" len="med"/>
+                    </a:lnR>
+                    <a:lnT w="12700" cap="flat" cmpd="sng" algn="ctr">
+                      <a:solidFill>
+                        <a:srgbClr val="B3CC82"/>
+                      </a:solidFill>
+                      <a:prstDash val="solid"/>
+                      <a:round/>
+                      <a:headEnd type="none" w="med" len="med"/>
+                      <a:tailEnd type="none" w="med" len="med"/>
+                    </a:lnT>
+                    <a:lnB w="12700" cap="flat" cmpd="sng" algn="ctr">
+                      <a:solidFill>
+                        <a:srgbClr val="B3CC82"/>
+                      </a:solidFill>
+                      <a:prstDash val="solid"/>
+                      <a:round/>
+                      <a:headEnd type="none" w="med" len="med"/>
+                      <a:tailEnd type="none" w="med" len="med"/>
+                    </a:lnB>
+                    <a:solidFill>
+                      <a:srgbClr val="E6EED5"/>
                     </a:solidFill>
                   </a:tcPr>
                 </a:tc>
@@ -22679,16 +23080,12 @@
                         </a:spcAft>
                       </a:pPr>
                       <a:r>
-                        <a:rPr lang="en-US" sz="1200" u="sng" dirty="0">
-                          <a:solidFill>
-                            <a:srgbClr val="0000FF"/>
-                          </a:solidFill>
+                        <a:rPr lang="sv-SE" sz="1100" dirty="0" smtClean="0">
                           <a:latin typeface="Calibri"/>
                           <a:ea typeface="Calibri"/>
                           <a:cs typeface="Times New Roman"/>
-                          <a:hlinkClick r:id="rId3"/>
-                        </a:rPr>
-                        <a:t>Ama22@Hotmail.com</a:t>
+                        </a:rPr>
+                        <a:t>Ad23fsf</a:t>
                       </a:r>
                       <a:endParaRPr lang="sv-SE" sz="1100" dirty="0">
                         <a:latin typeface="Calibri"/>
@@ -22735,10 +23132,12 @@
                       <a:tailEnd type="none" w="med" len="med"/>
                     </a:lnB>
                     <a:solidFill>
-                      <a:srgbClr val="CDDDAC"/>
-                    </a:solidFill>
-                  </a:tcPr>
-                </a:tc>
+                      <a:srgbClr val="E6EED5"/>
+                    </a:solidFill>
+                  </a:tcPr>
+                </a:tc>
+              </a:tr>
+              <a:tr h="208369">
                 <a:tc>
                   <a:txBody>
                     <a:bodyPr/>
@@ -22758,7 +23157,7 @@
                           <a:ea typeface="Calibri"/>
                           <a:cs typeface="Times New Roman"/>
                         </a:rPr>
-                        <a:t>2013-10-03</a:t>
+                        <a:t>3</a:t>
                       </a:r>
                       <a:endParaRPr lang="sv-SE" sz="1100" dirty="0">
                         <a:latin typeface="Calibri"/>
@@ -22767,7 +23166,7 @@
                       </a:endParaRPr>
                     </a:p>
                   </a:txBody>
-                  <a:tcPr marL="68580" marR="68580" marT="0" marB="0">
+                  <a:tcPr marL="68580" marR="68580" marT="0" marB="0" anchor="ctr">
                     <a:lnL w="12700" cap="flat" cmpd="sng" algn="ctr">
                       <a:solidFill>
                         <a:srgbClr val="B3CC82"/>
@@ -22809,8 +23208,6 @@
                     </a:solidFill>
                   </a:tcPr>
                 </a:tc>
-              </a:tr>
-              <a:tr h="208369">
                 <a:tc>
                   <a:txBody>
                     <a:bodyPr/>
@@ -22830,7 +23227,7 @@
                           <a:ea typeface="Calibri"/>
                           <a:cs typeface="Times New Roman"/>
                         </a:rPr>
-                        <a:t>4</a:t>
+                        <a:t>Amadeus</a:t>
                       </a:r>
                       <a:endParaRPr lang="sv-SE" sz="1100" dirty="0">
                         <a:latin typeface="Calibri"/>
@@ -22877,7 +23274,7 @@
                       <a:tailEnd type="none" w="med" len="med"/>
                     </a:lnB>
                     <a:solidFill>
-                      <a:srgbClr val="E6EED5"/>
+                      <a:srgbClr val="CDDDAC"/>
                     </a:solidFill>
                   </a:tcPr>
                 </a:tc>
@@ -22895,12 +23292,16 @@
                         </a:spcAft>
                       </a:pPr>
                       <a:r>
-                        <a:rPr lang="en-US" sz="1200" dirty="0">
+                        <a:rPr lang="en-US" sz="1200" u="sng" dirty="0">
+                          <a:solidFill>
+                            <a:srgbClr val="0000FF"/>
+                          </a:solidFill>
                           <a:latin typeface="Calibri"/>
                           <a:ea typeface="Calibri"/>
                           <a:cs typeface="Times New Roman"/>
-                        </a:rPr>
-                        <a:t>Calle</a:t>
+                          <a:hlinkClick r:id="rId3"/>
+                        </a:rPr>
+                        <a:t>Ama22@Hotmail.com</a:t>
                       </a:r>
                       <a:endParaRPr lang="sv-SE" sz="1100" dirty="0">
                         <a:latin typeface="Calibri"/>
@@ -22909,45 +23310,45 @@
                       </a:endParaRPr>
                     </a:p>
                   </a:txBody>
-                  <a:tcPr marL="68580" marR="68580" marT="0" marB="0" anchor="ctr">
-                    <a:lnL w="12700" cap="flat" cmpd="sng" algn="ctr">
-                      <a:solidFill>
-                        <a:srgbClr val="B3CC82"/>
-                      </a:solidFill>
-                      <a:prstDash val="solid"/>
-                      <a:round/>
-                      <a:headEnd type="none" w="med" len="med"/>
-                      <a:tailEnd type="none" w="med" len="med"/>
-                    </a:lnL>
-                    <a:lnR w="12700" cap="flat" cmpd="sng" algn="ctr">
-                      <a:solidFill>
-                        <a:srgbClr val="B3CC82"/>
-                      </a:solidFill>
-                      <a:prstDash val="solid"/>
-                      <a:round/>
-                      <a:headEnd type="none" w="med" len="med"/>
-                      <a:tailEnd type="none" w="med" len="med"/>
-                    </a:lnR>
-                    <a:lnT w="12700" cap="flat" cmpd="sng" algn="ctr">
-                      <a:solidFill>
-                        <a:srgbClr val="B3CC82"/>
-                      </a:solidFill>
-                      <a:prstDash val="solid"/>
-                      <a:round/>
-                      <a:headEnd type="none" w="med" len="med"/>
-                      <a:tailEnd type="none" w="med" len="med"/>
-                    </a:lnT>
-                    <a:lnB w="12700" cap="flat" cmpd="sng" algn="ctr">
-                      <a:solidFill>
-                        <a:srgbClr val="B3CC82"/>
-                      </a:solidFill>
-                      <a:prstDash val="solid"/>
-                      <a:round/>
-                      <a:headEnd type="none" w="med" len="med"/>
-                      <a:tailEnd type="none" w="med" len="med"/>
-                    </a:lnB>
-                    <a:solidFill>
-                      <a:srgbClr val="E6EED5"/>
+                  <a:tcPr marL="68580" marR="68580" marT="0" marB="0">
+                    <a:lnL w="12700" cap="flat" cmpd="sng" algn="ctr">
+                      <a:solidFill>
+                        <a:srgbClr val="B3CC82"/>
+                      </a:solidFill>
+                      <a:prstDash val="solid"/>
+                      <a:round/>
+                      <a:headEnd type="none" w="med" len="med"/>
+                      <a:tailEnd type="none" w="med" len="med"/>
+                    </a:lnL>
+                    <a:lnR w="12700" cap="flat" cmpd="sng" algn="ctr">
+                      <a:solidFill>
+                        <a:srgbClr val="B3CC82"/>
+                      </a:solidFill>
+                      <a:prstDash val="solid"/>
+                      <a:round/>
+                      <a:headEnd type="none" w="med" len="med"/>
+                      <a:tailEnd type="none" w="med" len="med"/>
+                    </a:lnR>
+                    <a:lnT w="12700" cap="flat" cmpd="sng" algn="ctr">
+                      <a:solidFill>
+                        <a:srgbClr val="B3CC82"/>
+                      </a:solidFill>
+                      <a:prstDash val="solid"/>
+                      <a:round/>
+                      <a:headEnd type="none" w="med" len="med"/>
+                      <a:tailEnd type="none" w="med" len="med"/>
+                    </a:lnT>
+                    <a:lnB w="12700" cap="flat" cmpd="sng" algn="ctr">
+                      <a:solidFill>
+                        <a:srgbClr val="B3CC82"/>
+                      </a:solidFill>
+                      <a:prstDash val="solid"/>
+                      <a:round/>
+                      <a:headEnd type="none" w="med" len="med"/>
+                      <a:tailEnd type="none" w="med" len="med"/>
+                    </a:lnB>
+                    <a:solidFill>
+                      <a:srgbClr val="CDDDAC"/>
                     </a:solidFill>
                   </a:tcPr>
                 </a:tc>
@@ -22970,7 +23371,7 @@
                           <a:ea typeface="Calibri"/>
                           <a:cs typeface="Times New Roman"/>
                         </a:rPr>
-                        <a:t>CG82@telia.se</a:t>
+                        <a:t>2013-10-03</a:t>
                       </a:r>
                       <a:endParaRPr lang="sv-SE" sz="1100" dirty="0">
                         <a:latin typeface="Calibri"/>
@@ -23017,7 +23418,7 @@
                       <a:tailEnd type="none" w="med" len="med"/>
                     </a:lnB>
                     <a:solidFill>
-                      <a:srgbClr val="E6EED5"/>
+                      <a:srgbClr val="CDDDAC"/>
                     </a:solidFill>
                   </a:tcPr>
                 </a:tc>
@@ -23035,12 +23436,12 @@
                         </a:spcAft>
                       </a:pPr>
                       <a:r>
-                        <a:rPr lang="en-US" sz="1200" dirty="0">
+                        <a:rPr lang="sv-SE" sz="1100" dirty="0" smtClean="0">
                           <a:latin typeface="Calibri"/>
                           <a:ea typeface="Calibri"/>
                           <a:cs typeface="Times New Roman"/>
                         </a:rPr>
-                        <a:t>2013-11-22</a:t>
+                        <a:t>Kalle2</a:t>
                       </a:r>
                       <a:endParaRPr lang="sv-SE" sz="1100" dirty="0">
                         <a:latin typeface="Calibri"/>
@@ -23087,12 +23488,12 @@
                       <a:tailEnd type="none" w="med" len="med"/>
                     </a:lnB>
                     <a:solidFill>
-                      <a:srgbClr val="E6EED5"/>
+                      <a:srgbClr val="CDDDAC"/>
                     </a:solidFill>
                   </a:tcPr>
                 </a:tc>
               </a:tr>
-              <a:tr h="405953">
+              <a:tr h="208369">
                 <a:tc>
                   <a:txBody>
                     <a:bodyPr/>
@@ -23112,7 +23513,7 @@
                           <a:ea typeface="Calibri"/>
                           <a:cs typeface="Times New Roman"/>
                         </a:rPr>
-                        <a:t>5</a:t>
+                        <a:t>4</a:t>
                       </a:r>
                       <a:endParaRPr lang="sv-SE" sz="1100" dirty="0">
                         <a:latin typeface="Calibri"/>
@@ -23159,7 +23560,7 @@
                       <a:tailEnd type="none" w="med" len="med"/>
                     </a:lnB>
                     <a:solidFill>
-                      <a:srgbClr val="CDDDAC"/>
+                      <a:srgbClr val="E6EED5"/>
                     </a:solidFill>
                   </a:tcPr>
                 </a:tc>
@@ -23182,7 +23583,7 @@
                           <a:ea typeface="Calibri"/>
                           <a:cs typeface="Times New Roman"/>
                         </a:rPr>
-                        <a:t>Dea</a:t>
+                        <a:t>Calle</a:t>
                       </a:r>
                       <a:endParaRPr lang="sv-SE" sz="1100" dirty="0">
                         <a:latin typeface="Calibri"/>
@@ -23229,7 +23630,7 @@
                       <a:tailEnd type="none" w="med" len="med"/>
                     </a:lnB>
                     <a:solidFill>
-                      <a:srgbClr val="CDDDAC"/>
+                      <a:srgbClr val="E6EED5"/>
                     </a:solidFill>
                   </a:tcPr>
                 </a:tc>
@@ -23252,7 +23653,7 @@
                           <a:ea typeface="Calibri"/>
                           <a:cs typeface="Times New Roman"/>
                         </a:rPr>
-                        <a:t>Andreas.Danielsson@hotmail.com</a:t>
+                        <a:t>CG82@telia.se</a:t>
                       </a:r>
                       <a:endParaRPr lang="sv-SE" sz="1100" dirty="0">
                         <a:latin typeface="Calibri"/>
@@ -23299,7 +23700,7 @@
                       <a:tailEnd type="none" w="med" len="med"/>
                     </a:lnB>
                     <a:solidFill>
-                      <a:srgbClr val="CDDDAC"/>
+                      <a:srgbClr val="E6EED5"/>
                     </a:solidFill>
                   </a:tcPr>
                 </a:tc>
@@ -23322,7 +23723,429 @@
                           <a:ea typeface="Calibri"/>
                           <a:cs typeface="Times New Roman"/>
                         </a:rPr>
+                        <a:t>2013-11-22</a:t>
+                      </a:r>
+                      <a:endParaRPr lang="sv-SE" sz="1100" dirty="0">
+                        <a:latin typeface="Calibri"/>
+                        <a:ea typeface="Calibri"/>
+                        <a:cs typeface="Times New Roman"/>
+                      </a:endParaRPr>
+                    </a:p>
+                  </a:txBody>
+                  <a:tcPr marL="68580" marR="68580" marT="0" marB="0">
+                    <a:lnL w="12700" cap="flat" cmpd="sng" algn="ctr">
+                      <a:solidFill>
+                        <a:srgbClr val="B3CC82"/>
+                      </a:solidFill>
+                      <a:prstDash val="solid"/>
+                      <a:round/>
+                      <a:headEnd type="none" w="med" len="med"/>
+                      <a:tailEnd type="none" w="med" len="med"/>
+                    </a:lnL>
+                    <a:lnR w="12700" cap="flat" cmpd="sng" algn="ctr">
+                      <a:solidFill>
+                        <a:srgbClr val="B3CC82"/>
+                      </a:solidFill>
+                      <a:prstDash val="solid"/>
+                      <a:round/>
+                      <a:headEnd type="none" w="med" len="med"/>
+                      <a:tailEnd type="none" w="med" len="med"/>
+                    </a:lnR>
+                    <a:lnT w="12700" cap="flat" cmpd="sng" algn="ctr">
+                      <a:solidFill>
+                        <a:srgbClr val="B3CC82"/>
+                      </a:solidFill>
+                      <a:prstDash val="solid"/>
+                      <a:round/>
+                      <a:headEnd type="none" w="med" len="med"/>
+                      <a:tailEnd type="none" w="med" len="med"/>
+                    </a:lnT>
+                    <a:lnB w="12700" cap="flat" cmpd="sng" algn="ctr">
+                      <a:solidFill>
+                        <a:srgbClr val="B3CC82"/>
+                      </a:solidFill>
+                      <a:prstDash val="solid"/>
+                      <a:round/>
+                      <a:headEnd type="none" w="med" len="med"/>
+                      <a:tailEnd type="none" w="med" len="med"/>
+                    </a:lnB>
+                    <a:solidFill>
+                      <a:srgbClr val="E6EED5"/>
+                    </a:solidFill>
+                  </a:tcPr>
+                </a:tc>
+                <a:tc>
+                  <a:txBody>
+                    <a:bodyPr/>
+                    <a:lstStyle/>
+                    <a:p>
+                      <a:pPr algn="ctr">
+                        <a:lnSpc>
+                          <a:spcPct val="115000"/>
+                        </a:lnSpc>
+                        <a:spcAft>
+                          <a:spcPts val="0"/>
+                        </a:spcAft>
+                      </a:pPr>
+                      <a:r>
+                        <a:rPr lang="sv-SE" sz="1100" dirty="0" smtClean="0">
+                          <a:latin typeface="Calibri"/>
+                          <a:ea typeface="Calibri"/>
+                          <a:cs typeface="Times New Roman"/>
+                        </a:rPr>
+                        <a:t>339291</a:t>
+                      </a:r>
+                      <a:endParaRPr lang="sv-SE" sz="1100" dirty="0">
+                        <a:latin typeface="Calibri"/>
+                        <a:ea typeface="Calibri"/>
+                        <a:cs typeface="Times New Roman"/>
+                      </a:endParaRPr>
+                    </a:p>
+                  </a:txBody>
+                  <a:tcPr marL="68580" marR="68580" marT="0" marB="0">
+                    <a:lnL w="12700" cap="flat" cmpd="sng" algn="ctr">
+                      <a:solidFill>
+                        <a:srgbClr val="B3CC82"/>
+                      </a:solidFill>
+                      <a:prstDash val="solid"/>
+                      <a:round/>
+                      <a:headEnd type="none" w="med" len="med"/>
+                      <a:tailEnd type="none" w="med" len="med"/>
+                    </a:lnL>
+                    <a:lnR w="12700" cap="flat" cmpd="sng" algn="ctr">
+                      <a:solidFill>
+                        <a:srgbClr val="B3CC82"/>
+                      </a:solidFill>
+                      <a:prstDash val="solid"/>
+                      <a:round/>
+                      <a:headEnd type="none" w="med" len="med"/>
+                      <a:tailEnd type="none" w="med" len="med"/>
+                    </a:lnR>
+                    <a:lnT w="12700" cap="flat" cmpd="sng" algn="ctr">
+                      <a:solidFill>
+                        <a:srgbClr val="B3CC82"/>
+                      </a:solidFill>
+                      <a:prstDash val="solid"/>
+                      <a:round/>
+                      <a:headEnd type="none" w="med" len="med"/>
+                      <a:tailEnd type="none" w="med" len="med"/>
+                    </a:lnT>
+                    <a:lnB w="12700" cap="flat" cmpd="sng" algn="ctr">
+                      <a:solidFill>
+                        <a:srgbClr val="B3CC82"/>
+                      </a:solidFill>
+                      <a:prstDash val="solid"/>
+                      <a:round/>
+                      <a:headEnd type="none" w="med" len="med"/>
+                      <a:tailEnd type="none" w="med" len="med"/>
+                    </a:lnB>
+                    <a:solidFill>
+                      <a:srgbClr val="E6EED5"/>
+                    </a:solidFill>
+                  </a:tcPr>
+                </a:tc>
+              </a:tr>
+              <a:tr h="405953">
+                <a:tc>
+                  <a:txBody>
+                    <a:bodyPr/>
+                    <a:lstStyle/>
+                    <a:p>
+                      <a:pPr algn="ctr">
+                        <a:lnSpc>
+                          <a:spcPct val="115000"/>
+                        </a:lnSpc>
+                        <a:spcAft>
+                          <a:spcPts val="0"/>
+                        </a:spcAft>
+                      </a:pPr>
+                      <a:r>
+                        <a:rPr lang="en-US" sz="1200" dirty="0">
+                          <a:latin typeface="Calibri"/>
+                          <a:ea typeface="Calibri"/>
+                          <a:cs typeface="Times New Roman"/>
+                        </a:rPr>
+                        <a:t>5</a:t>
+                      </a:r>
+                      <a:endParaRPr lang="sv-SE" sz="1100" dirty="0">
+                        <a:latin typeface="Calibri"/>
+                        <a:ea typeface="Calibri"/>
+                        <a:cs typeface="Times New Roman"/>
+                      </a:endParaRPr>
+                    </a:p>
+                  </a:txBody>
+                  <a:tcPr marL="68580" marR="68580" marT="0" marB="0" anchor="ctr">
+                    <a:lnL w="12700" cap="flat" cmpd="sng" algn="ctr">
+                      <a:solidFill>
+                        <a:srgbClr val="B3CC82"/>
+                      </a:solidFill>
+                      <a:prstDash val="solid"/>
+                      <a:round/>
+                      <a:headEnd type="none" w="med" len="med"/>
+                      <a:tailEnd type="none" w="med" len="med"/>
+                    </a:lnL>
+                    <a:lnR w="12700" cap="flat" cmpd="sng" algn="ctr">
+                      <a:solidFill>
+                        <a:srgbClr val="B3CC82"/>
+                      </a:solidFill>
+                      <a:prstDash val="solid"/>
+                      <a:round/>
+                      <a:headEnd type="none" w="med" len="med"/>
+                      <a:tailEnd type="none" w="med" len="med"/>
+                    </a:lnR>
+                    <a:lnT w="12700" cap="flat" cmpd="sng" algn="ctr">
+                      <a:solidFill>
+                        <a:srgbClr val="B3CC82"/>
+                      </a:solidFill>
+                      <a:prstDash val="solid"/>
+                      <a:round/>
+                      <a:headEnd type="none" w="med" len="med"/>
+                      <a:tailEnd type="none" w="med" len="med"/>
+                    </a:lnT>
+                    <a:lnB w="12700" cap="flat" cmpd="sng" algn="ctr">
+                      <a:solidFill>
+                        <a:srgbClr val="B3CC82"/>
+                      </a:solidFill>
+                      <a:prstDash val="solid"/>
+                      <a:round/>
+                      <a:headEnd type="none" w="med" len="med"/>
+                      <a:tailEnd type="none" w="med" len="med"/>
+                    </a:lnB>
+                    <a:solidFill>
+                      <a:srgbClr val="CDDDAC"/>
+                    </a:solidFill>
+                  </a:tcPr>
+                </a:tc>
+                <a:tc>
+                  <a:txBody>
+                    <a:bodyPr/>
+                    <a:lstStyle/>
+                    <a:p>
+                      <a:pPr algn="ctr">
+                        <a:lnSpc>
+                          <a:spcPct val="115000"/>
+                        </a:lnSpc>
+                        <a:spcAft>
+                          <a:spcPts val="0"/>
+                        </a:spcAft>
+                      </a:pPr>
+                      <a:r>
+                        <a:rPr lang="en-US" sz="1200" dirty="0">
+                          <a:latin typeface="Calibri"/>
+                          <a:ea typeface="Calibri"/>
+                          <a:cs typeface="Times New Roman"/>
+                        </a:rPr>
+                        <a:t>Dea</a:t>
+                      </a:r>
+                      <a:endParaRPr lang="sv-SE" sz="1100" dirty="0">
+                        <a:latin typeface="Calibri"/>
+                        <a:ea typeface="Calibri"/>
+                        <a:cs typeface="Times New Roman"/>
+                      </a:endParaRPr>
+                    </a:p>
+                  </a:txBody>
+                  <a:tcPr marL="68580" marR="68580" marT="0" marB="0" anchor="ctr">
+                    <a:lnL w="12700" cap="flat" cmpd="sng" algn="ctr">
+                      <a:solidFill>
+                        <a:srgbClr val="B3CC82"/>
+                      </a:solidFill>
+                      <a:prstDash val="solid"/>
+                      <a:round/>
+                      <a:headEnd type="none" w="med" len="med"/>
+                      <a:tailEnd type="none" w="med" len="med"/>
+                    </a:lnL>
+                    <a:lnR w="12700" cap="flat" cmpd="sng" algn="ctr">
+                      <a:solidFill>
+                        <a:srgbClr val="B3CC82"/>
+                      </a:solidFill>
+                      <a:prstDash val="solid"/>
+                      <a:round/>
+                      <a:headEnd type="none" w="med" len="med"/>
+                      <a:tailEnd type="none" w="med" len="med"/>
+                    </a:lnR>
+                    <a:lnT w="12700" cap="flat" cmpd="sng" algn="ctr">
+                      <a:solidFill>
+                        <a:srgbClr val="B3CC82"/>
+                      </a:solidFill>
+                      <a:prstDash val="solid"/>
+                      <a:round/>
+                      <a:headEnd type="none" w="med" len="med"/>
+                      <a:tailEnd type="none" w="med" len="med"/>
+                    </a:lnT>
+                    <a:lnB w="12700" cap="flat" cmpd="sng" algn="ctr">
+                      <a:solidFill>
+                        <a:srgbClr val="B3CC82"/>
+                      </a:solidFill>
+                      <a:prstDash val="solid"/>
+                      <a:round/>
+                      <a:headEnd type="none" w="med" len="med"/>
+                      <a:tailEnd type="none" w="med" len="med"/>
+                    </a:lnB>
+                    <a:solidFill>
+                      <a:srgbClr val="CDDDAC"/>
+                    </a:solidFill>
+                  </a:tcPr>
+                </a:tc>
+                <a:tc>
+                  <a:txBody>
+                    <a:bodyPr/>
+                    <a:lstStyle/>
+                    <a:p>
+                      <a:pPr algn="ctr">
+                        <a:lnSpc>
+                          <a:spcPct val="115000"/>
+                        </a:lnSpc>
+                        <a:spcAft>
+                          <a:spcPts val="0"/>
+                        </a:spcAft>
+                      </a:pPr>
+                      <a:r>
+                        <a:rPr lang="en-US" sz="1200" dirty="0">
+                          <a:latin typeface="Calibri"/>
+                          <a:ea typeface="Calibri"/>
+                          <a:cs typeface="Times New Roman"/>
+                        </a:rPr>
+                        <a:t>Andreas.Danielsson@hotmail.com</a:t>
+                      </a:r>
+                      <a:endParaRPr lang="sv-SE" sz="1100" dirty="0">
+                        <a:latin typeface="Calibri"/>
+                        <a:ea typeface="Calibri"/>
+                        <a:cs typeface="Times New Roman"/>
+                      </a:endParaRPr>
+                    </a:p>
+                  </a:txBody>
+                  <a:tcPr marL="68580" marR="68580" marT="0" marB="0">
+                    <a:lnL w="12700" cap="flat" cmpd="sng" algn="ctr">
+                      <a:solidFill>
+                        <a:srgbClr val="B3CC82"/>
+                      </a:solidFill>
+                      <a:prstDash val="solid"/>
+                      <a:round/>
+                      <a:headEnd type="none" w="med" len="med"/>
+                      <a:tailEnd type="none" w="med" len="med"/>
+                    </a:lnL>
+                    <a:lnR w="12700" cap="flat" cmpd="sng" algn="ctr">
+                      <a:solidFill>
+                        <a:srgbClr val="B3CC82"/>
+                      </a:solidFill>
+                      <a:prstDash val="solid"/>
+                      <a:round/>
+                      <a:headEnd type="none" w="med" len="med"/>
+                      <a:tailEnd type="none" w="med" len="med"/>
+                    </a:lnR>
+                    <a:lnT w="12700" cap="flat" cmpd="sng" algn="ctr">
+                      <a:solidFill>
+                        <a:srgbClr val="B3CC82"/>
+                      </a:solidFill>
+                      <a:prstDash val="solid"/>
+                      <a:round/>
+                      <a:headEnd type="none" w="med" len="med"/>
+                      <a:tailEnd type="none" w="med" len="med"/>
+                    </a:lnT>
+                    <a:lnB w="12700" cap="flat" cmpd="sng" algn="ctr">
+                      <a:solidFill>
+                        <a:srgbClr val="B3CC82"/>
+                      </a:solidFill>
+                      <a:prstDash val="solid"/>
+                      <a:round/>
+                      <a:headEnd type="none" w="med" len="med"/>
+                      <a:tailEnd type="none" w="med" len="med"/>
+                    </a:lnB>
+                    <a:solidFill>
+                      <a:srgbClr val="CDDDAC"/>
+                    </a:solidFill>
+                  </a:tcPr>
+                </a:tc>
+                <a:tc>
+                  <a:txBody>
+                    <a:bodyPr/>
+                    <a:lstStyle/>
+                    <a:p>
+                      <a:pPr algn="ctr">
+                        <a:lnSpc>
+                          <a:spcPct val="115000"/>
+                        </a:lnSpc>
+                        <a:spcAft>
+                          <a:spcPts val="0"/>
+                        </a:spcAft>
+                      </a:pPr>
+                      <a:r>
+                        <a:rPr lang="en-US" sz="1200" dirty="0">
+                          <a:latin typeface="Calibri"/>
+                          <a:ea typeface="Calibri"/>
+                          <a:cs typeface="Times New Roman"/>
+                        </a:rPr>
                         <a:t>2013-08-06</a:t>
+                      </a:r>
+                      <a:endParaRPr lang="sv-SE" sz="1100" dirty="0">
+                        <a:latin typeface="Calibri"/>
+                        <a:ea typeface="Calibri"/>
+                        <a:cs typeface="Times New Roman"/>
+                      </a:endParaRPr>
+                    </a:p>
+                  </a:txBody>
+                  <a:tcPr marL="68580" marR="68580" marT="0" marB="0">
+                    <a:lnL w="12700" cap="flat" cmpd="sng" algn="ctr">
+                      <a:solidFill>
+                        <a:srgbClr val="B3CC82"/>
+                      </a:solidFill>
+                      <a:prstDash val="solid"/>
+                      <a:round/>
+                      <a:headEnd type="none" w="med" len="med"/>
+                      <a:tailEnd type="none" w="med" len="med"/>
+                    </a:lnL>
+                    <a:lnR w="12700" cap="flat" cmpd="sng" algn="ctr">
+                      <a:solidFill>
+                        <a:srgbClr val="B3CC82"/>
+                      </a:solidFill>
+                      <a:prstDash val="solid"/>
+                      <a:round/>
+                      <a:headEnd type="none" w="med" len="med"/>
+                      <a:tailEnd type="none" w="med" len="med"/>
+                    </a:lnR>
+                    <a:lnT w="12700" cap="flat" cmpd="sng" algn="ctr">
+                      <a:solidFill>
+                        <a:srgbClr val="B3CC82"/>
+                      </a:solidFill>
+                      <a:prstDash val="solid"/>
+                      <a:round/>
+                      <a:headEnd type="none" w="med" len="med"/>
+                      <a:tailEnd type="none" w="med" len="med"/>
+                    </a:lnT>
+                    <a:lnB w="12700" cap="flat" cmpd="sng" algn="ctr">
+                      <a:solidFill>
+                        <a:srgbClr val="B3CC82"/>
+                      </a:solidFill>
+                      <a:prstDash val="solid"/>
+                      <a:round/>
+                      <a:headEnd type="none" w="med" len="med"/>
+                      <a:tailEnd type="none" w="med" len="med"/>
+                    </a:lnB>
+                    <a:solidFill>
+                      <a:srgbClr val="CDDDAC"/>
+                    </a:solidFill>
+                  </a:tcPr>
+                </a:tc>
+                <a:tc>
+                  <a:txBody>
+                    <a:bodyPr/>
+                    <a:lstStyle/>
+                    <a:p>
+                      <a:pPr algn="ctr">
+                        <a:lnSpc>
+                          <a:spcPct val="115000"/>
+                        </a:lnSpc>
+                        <a:spcAft>
+                          <a:spcPts val="0"/>
+                        </a:spcAft>
+                      </a:pPr>
+                      <a:r>
+                        <a:rPr lang="sv-SE" sz="1100" dirty="0" smtClean="0">
+                          <a:latin typeface="Calibri"/>
+                          <a:ea typeface="Calibri"/>
+                          <a:cs typeface="Times New Roman"/>
+                        </a:rPr>
+                        <a:t>BosseBatong</a:t>
                       </a:r>
                       <a:endParaRPr lang="sv-SE" sz="1100" dirty="0">
                         <a:latin typeface="Calibri"/>
@@ -23387,18 +24210,18 @@
           <p:nvPr/>
         </p:nvGraphicFramePr>
         <p:xfrm>
-          <a:off x="5867400" y="1752600"/>
-          <a:ext cx="3048000" cy="1447800"/>
+          <a:off x="6096000" y="3276600"/>
+          <a:ext cx="2590800" cy="1295400"/>
         </p:xfrm>
         <a:graphic>
           <a:graphicData uri="http://schemas.openxmlformats.org/drawingml/2006/table">
             <a:tbl>
               <a:tblPr/>
               <a:tblGrid>
-                <a:gridCol w="1024123"/>
-                <a:gridCol w="2023877"/>
+                <a:gridCol w="870505"/>
+                <a:gridCol w="1720295"/>
               </a:tblGrid>
-              <a:tr h="241300">
+              <a:tr h="215900">
                 <a:tc>
                   <a:txBody>
                     <a:bodyPr/>
@@ -23540,7 +24363,7 @@
                   </a:tcPr>
                 </a:tc>
               </a:tr>
-              <a:tr h="241300">
+              <a:tr h="215900">
                 <a:tc>
                   <a:txBody>
                     <a:bodyPr/>
@@ -23682,7 +24505,7 @@
                   </a:tcPr>
                 </a:tc>
               </a:tr>
-              <a:tr h="241300">
+              <a:tr h="215900">
                 <a:tc>
                   <a:txBody>
                     <a:bodyPr/>
@@ -23824,7 +24647,7 @@
                   </a:tcPr>
                 </a:tc>
               </a:tr>
-              <a:tr h="241300">
+              <a:tr h="215900">
                 <a:tc>
                   <a:txBody>
                     <a:bodyPr/>
@@ -23966,7 +24789,7 @@
                   </a:tcPr>
                 </a:tc>
               </a:tr>
-              <a:tr h="241300">
+              <a:tr h="215900">
                 <a:tc>
                   <a:txBody>
                     <a:bodyPr/>
@@ -24108,7 +24931,7 @@
                   </a:tcPr>
                 </a:tc>
               </a:tr>
-              <a:tr h="241300">
+              <a:tr h="215900">
                 <a:tc>
                   <a:txBody>
                     <a:bodyPr/>
@@ -36256,17 +37079,18 @@
         </p:nvGraphicFramePr>
         <p:xfrm>
           <a:off x="152401" y="4953000"/>
-          <a:ext cx="6096000" cy="1447799"/>
+          <a:ext cx="6096000" cy="1463035"/>
         </p:xfrm>
         <a:graphic>
           <a:graphicData uri="http://schemas.openxmlformats.org/drawingml/2006/table">
             <a:tbl>
               <a:tblPr/>
               <a:tblGrid>
-                <a:gridCol w="858340"/>
-                <a:gridCol w="1396240"/>
-                <a:gridCol w="2613394"/>
-                <a:gridCol w="1228026"/>
+                <a:gridCol w="714421"/>
+                <a:gridCol w="1162131"/>
+                <a:gridCol w="2175204"/>
+                <a:gridCol w="1022122"/>
+                <a:gridCol w="1022122"/>
               </a:tblGrid>
               <a:tr h="210946">
                 <a:tc>
@@ -36531,8 +37355,6 @@
                     </a:solidFill>
                   </a:tcPr>
                 </a:tc>
-              </a:tr>
-              <a:tr h="210946">
                 <a:tc>
                   <a:txBody>
                     <a:bodyPr/>
@@ -36547,12 +37369,12 @@
                         </a:spcAft>
                       </a:pPr>
                       <a:r>
-                        <a:rPr lang="en-US" sz="1200" dirty="0">
+                        <a:rPr lang="sv-SE" sz="1100" dirty="0" smtClean="0">
                           <a:latin typeface="Calibri"/>
                           <a:ea typeface="Calibri"/>
                           <a:cs typeface="Times New Roman"/>
                         </a:rPr>
-                        <a:t>1</a:t>
+                        <a:t>Password</a:t>
                       </a:r>
                       <a:endParaRPr lang="sv-SE" sz="1100" dirty="0">
                         <a:latin typeface="Calibri"/>
@@ -36561,48 +37383,44 @@
                       </a:endParaRPr>
                     </a:p>
                   </a:txBody>
-                  <a:tcPr marL="68580" marR="68580" marT="0" marB="0" anchor="ctr">
-                    <a:lnL w="12700" cap="flat" cmpd="sng" algn="ctr">
-                      <a:solidFill>
-                        <a:srgbClr val="000000"/>
-                      </a:solidFill>
-                      <a:prstDash val="solid"/>
-                      <a:round/>
-                      <a:headEnd type="none" w="med" len="med"/>
-                      <a:tailEnd type="none" w="med" len="med"/>
-                    </a:lnL>
-                    <a:lnR w="12700" cap="flat" cmpd="sng" algn="ctr">
-                      <a:solidFill>
-                        <a:srgbClr val="000000"/>
-                      </a:solidFill>
-                      <a:prstDash val="solid"/>
-                      <a:round/>
-                      <a:headEnd type="none" w="med" len="med"/>
-                      <a:tailEnd type="none" w="med" len="med"/>
-                    </a:lnR>
-                    <a:lnT w="12700" cap="flat" cmpd="sng" algn="ctr">
-                      <a:solidFill>
-                        <a:srgbClr val="000000"/>
-                      </a:solidFill>
-                      <a:prstDash val="solid"/>
-                      <a:round/>
-                      <a:headEnd type="none" w="med" len="med"/>
-                      <a:tailEnd type="none" w="med" len="med"/>
-                    </a:lnT>
-                    <a:lnB w="12700" cap="flat" cmpd="sng" algn="ctr">
-                      <a:solidFill>
-                        <a:srgbClr val="000000"/>
-                      </a:solidFill>
-                      <a:prstDash val="solid"/>
-                      <a:round/>
-                      <a:headEnd type="none" w="med" len="med"/>
-                      <a:tailEnd type="none" w="med" len="med"/>
-                    </a:lnB>
-                    <a:solidFill>
-                      <a:srgbClr val="CDDDAC"/>
-                    </a:solidFill>
-                  </a:tcPr>
-                </a:tc>
+                  <a:tcPr marL="68580" marR="68580" marT="0" marB="0">
+                    <a:lnL w="12700" cap="flat" cmpd="sng" algn="ctr">
+                      <a:solidFill>
+                        <a:srgbClr val="000000"/>
+                      </a:solidFill>
+                      <a:prstDash val="solid"/>
+                      <a:round/>
+                      <a:headEnd type="none" w="med" len="med"/>
+                      <a:tailEnd type="none" w="med" len="med"/>
+                    </a:lnL>
+                    <a:lnR w="12700" cap="flat" cmpd="sng" algn="ctr">
+                      <a:solidFill>
+                        <a:srgbClr val="000000"/>
+                      </a:solidFill>
+                      <a:prstDash val="solid"/>
+                      <a:round/>
+                      <a:headEnd type="none" w="med" len="med"/>
+                      <a:tailEnd type="none" w="med" len="med"/>
+                    </a:lnR>
+                    <a:lnT>
+                      <a:noFill/>
+                    </a:lnT>
+                    <a:lnB w="12700" cap="flat" cmpd="sng" algn="ctr">
+                      <a:solidFill>
+                        <a:srgbClr val="000000"/>
+                      </a:solidFill>
+                      <a:prstDash val="solid"/>
+                      <a:round/>
+                      <a:headEnd type="none" w="med" len="med"/>
+                      <a:tailEnd type="none" w="med" len="med"/>
+                    </a:lnB>
+                    <a:solidFill>
+                      <a:srgbClr val="E6EED5"/>
+                    </a:solidFill>
+                  </a:tcPr>
+                </a:tc>
+              </a:tr>
+              <a:tr h="210946">
                 <a:tc>
                   <a:txBody>
                     <a:bodyPr/>
@@ -36622,7 +37440,7 @@
                           <a:ea typeface="Calibri"/>
                           <a:cs typeface="Times New Roman"/>
                         </a:rPr>
-                        <a:t>Grenis</a:t>
+                        <a:t>1</a:t>
                       </a:r>
                       <a:endParaRPr lang="sv-SE" sz="1100" dirty="0">
                         <a:latin typeface="Calibri"/>
@@ -36692,7 +37510,7 @@
                           <a:ea typeface="Calibri"/>
                           <a:cs typeface="Times New Roman"/>
                         </a:rPr>
-                        <a:t>David@Hotmail.com</a:t>
+                        <a:t>Grenis</a:t>
                       </a:r>
                       <a:endParaRPr lang="sv-SE" sz="1100" dirty="0">
                         <a:latin typeface="Calibri"/>
@@ -36701,7 +37519,7 @@
                       </a:endParaRPr>
                     </a:p>
                   </a:txBody>
-                  <a:tcPr marL="68580" marR="68580" marT="0" marB="0">
+                  <a:tcPr marL="68580" marR="68580" marT="0" marB="0" anchor="ctr">
                     <a:lnL w="12700" cap="flat" cmpd="sng" algn="ctr">
                       <a:solidFill>
                         <a:srgbClr val="000000"/>
@@ -36762,7 +37580,7 @@
                           <a:ea typeface="Calibri"/>
                           <a:cs typeface="Times New Roman"/>
                         </a:rPr>
-                        <a:t>2013-10-15</a:t>
+                        <a:t>David@Hotmail.com</a:t>
                       </a:r>
                       <a:endParaRPr lang="sv-SE" sz="1100" dirty="0">
                         <a:latin typeface="Calibri"/>
@@ -36813,8 +37631,6 @@
                     </a:solidFill>
                   </a:tcPr>
                 </a:tc>
-              </a:tr>
-              <a:tr h="210946">
                 <a:tc>
                   <a:txBody>
                     <a:bodyPr/>
@@ -36834,7 +37650,7 @@
                           <a:ea typeface="Calibri"/>
                           <a:cs typeface="Times New Roman"/>
                         </a:rPr>
-                        <a:t>2</a:t>
+                        <a:t>2013-10-15</a:t>
                       </a:r>
                       <a:endParaRPr lang="sv-SE" sz="1100" dirty="0">
                         <a:latin typeface="Calibri"/>
@@ -36843,45 +37659,45 @@
                       </a:endParaRPr>
                     </a:p>
                   </a:txBody>
-                  <a:tcPr marL="68580" marR="68580" marT="0" marB="0" anchor="ctr">
-                    <a:lnL w="12700" cap="flat" cmpd="sng" algn="ctr">
-                      <a:solidFill>
-                        <a:srgbClr val="000000"/>
-                      </a:solidFill>
-                      <a:prstDash val="solid"/>
-                      <a:round/>
-                      <a:headEnd type="none" w="med" len="med"/>
-                      <a:tailEnd type="none" w="med" len="med"/>
-                    </a:lnL>
-                    <a:lnR w="12700" cap="flat" cmpd="sng" algn="ctr">
-                      <a:solidFill>
-                        <a:srgbClr val="000000"/>
-                      </a:solidFill>
-                      <a:prstDash val="solid"/>
-                      <a:round/>
-                      <a:headEnd type="none" w="med" len="med"/>
-                      <a:tailEnd type="none" w="med" len="med"/>
-                    </a:lnR>
-                    <a:lnT w="12700" cap="flat" cmpd="sng" algn="ctr">
-                      <a:solidFill>
-                        <a:srgbClr val="000000"/>
-                      </a:solidFill>
-                      <a:prstDash val="solid"/>
-                      <a:round/>
-                      <a:headEnd type="none" w="med" len="med"/>
-                      <a:tailEnd type="none" w="med" len="med"/>
-                    </a:lnT>
-                    <a:lnB w="12700" cap="flat" cmpd="sng" algn="ctr">
-                      <a:solidFill>
-                        <a:srgbClr val="000000"/>
-                      </a:solidFill>
-                      <a:prstDash val="solid"/>
-                      <a:round/>
-                      <a:headEnd type="none" w="med" len="med"/>
-                      <a:tailEnd type="none" w="med" len="med"/>
-                    </a:lnB>
-                    <a:solidFill>
-                      <a:srgbClr val="E6EED5"/>
+                  <a:tcPr marL="68580" marR="68580" marT="0" marB="0">
+                    <a:lnL w="12700" cap="flat" cmpd="sng" algn="ctr">
+                      <a:solidFill>
+                        <a:srgbClr val="000000"/>
+                      </a:solidFill>
+                      <a:prstDash val="solid"/>
+                      <a:round/>
+                      <a:headEnd type="none" w="med" len="med"/>
+                      <a:tailEnd type="none" w="med" len="med"/>
+                    </a:lnL>
+                    <a:lnR w="12700" cap="flat" cmpd="sng" algn="ctr">
+                      <a:solidFill>
+                        <a:srgbClr val="000000"/>
+                      </a:solidFill>
+                      <a:prstDash val="solid"/>
+                      <a:round/>
+                      <a:headEnd type="none" w="med" len="med"/>
+                      <a:tailEnd type="none" w="med" len="med"/>
+                    </a:lnR>
+                    <a:lnT w="12700" cap="flat" cmpd="sng" algn="ctr">
+                      <a:solidFill>
+                        <a:srgbClr val="000000"/>
+                      </a:solidFill>
+                      <a:prstDash val="solid"/>
+                      <a:round/>
+                      <a:headEnd type="none" w="med" len="med"/>
+                      <a:tailEnd type="none" w="med" len="med"/>
+                    </a:lnT>
+                    <a:lnB w="12700" cap="flat" cmpd="sng" algn="ctr">
+                      <a:solidFill>
+                        <a:srgbClr val="000000"/>
+                      </a:solidFill>
+                      <a:prstDash val="solid"/>
+                      <a:round/>
+                      <a:headEnd type="none" w="med" len="med"/>
+                      <a:tailEnd type="none" w="med" len="med"/>
+                    </a:lnB>
+                    <a:solidFill>
+                      <a:srgbClr val="CDDDAC"/>
                     </a:solidFill>
                   </a:tcPr>
                 </a:tc>
@@ -36899,12 +37715,12 @@
                         </a:spcAft>
                       </a:pPr>
                       <a:r>
-                        <a:rPr lang="en-US" sz="1200" dirty="0">
+                        <a:rPr lang="sv-SE" sz="1100" dirty="0" smtClean="0">
                           <a:latin typeface="Calibri"/>
                           <a:ea typeface="Calibri"/>
                           <a:cs typeface="Times New Roman"/>
                         </a:rPr>
-                        <a:t>Gabbe</a:t>
+                        <a:t>jh23l132</a:t>
                       </a:r>
                       <a:endParaRPr lang="sv-SE" sz="1100" dirty="0">
                         <a:latin typeface="Calibri"/>
@@ -36913,48 +37729,50 @@
                       </a:endParaRPr>
                     </a:p>
                   </a:txBody>
-                  <a:tcPr marL="68580" marR="68580" marT="0" marB="0" anchor="ctr">
-                    <a:lnL w="12700" cap="flat" cmpd="sng" algn="ctr">
-                      <a:solidFill>
-                        <a:srgbClr val="000000"/>
-                      </a:solidFill>
-                      <a:prstDash val="solid"/>
-                      <a:round/>
-                      <a:headEnd type="none" w="med" len="med"/>
-                      <a:tailEnd type="none" w="med" len="med"/>
-                    </a:lnL>
-                    <a:lnR w="12700" cap="flat" cmpd="sng" algn="ctr">
-                      <a:solidFill>
-                        <a:srgbClr val="000000"/>
-                      </a:solidFill>
-                      <a:prstDash val="solid"/>
-                      <a:round/>
-                      <a:headEnd type="none" w="med" len="med"/>
-                      <a:tailEnd type="none" w="med" len="med"/>
-                    </a:lnR>
-                    <a:lnT w="12700" cap="flat" cmpd="sng" algn="ctr">
-                      <a:solidFill>
-                        <a:srgbClr val="000000"/>
-                      </a:solidFill>
-                      <a:prstDash val="solid"/>
-                      <a:round/>
-                      <a:headEnd type="none" w="med" len="med"/>
-                      <a:tailEnd type="none" w="med" len="med"/>
-                    </a:lnT>
-                    <a:lnB w="12700" cap="flat" cmpd="sng" algn="ctr">
-                      <a:solidFill>
-                        <a:srgbClr val="000000"/>
-                      </a:solidFill>
-                      <a:prstDash val="solid"/>
-                      <a:round/>
-                      <a:headEnd type="none" w="med" len="med"/>
-                      <a:tailEnd type="none" w="med" len="med"/>
-                    </a:lnB>
-                    <a:solidFill>
-                      <a:srgbClr val="E6EED5"/>
-                    </a:solidFill>
-                  </a:tcPr>
-                </a:tc>
+                  <a:tcPr marL="68580" marR="68580" marT="0" marB="0">
+                    <a:lnL w="12700" cap="flat" cmpd="sng" algn="ctr">
+                      <a:solidFill>
+                        <a:srgbClr val="000000"/>
+                      </a:solidFill>
+                      <a:prstDash val="solid"/>
+                      <a:round/>
+                      <a:headEnd type="none" w="med" len="med"/>
+                      <a:tailEnd type="none" w="med" len="med"/>
+                    </a:lnL>
+                    <a:lnR w="12700" cap="flat" cmpd="sng" algn="ctr">
+                      <a:solidFill>
+                        <a:srgbClr val="000000"/>
+                      </a:solidFill>
+                      <a:prstDash val="solid"/>
+                      <a:round/>
+                      <a:headEnd type="none" w="med" len="med"/>
+                      <a:tailEnd type="none" w="med" len="med"/>
+                    </a:lnR>
+                    <a:lnT w="12700" cap="flat" cmpd="sng" algn="ctr">
+                      <a:solidFill>
+                        <a:srgbClr val="000000"/>
+                      </a:solidFill>
+                      <a:prstDash val="solid"/>
+                      <a:round/>
+                      <a:headEnd type="none" w="med" len="med"/>
+                      <a:tailEnd type="none" w="med" len="med"/>
+                    </a:lnT>
+                    <a:lnB w="12700" cap="flat" cmpd="sng" algn="ctr">
+                      <a:solidFill>
+                        <a:srgbClr val="000000"/>
+                      </a:solidFill>
+                      <a:prstDash val="solid"/>
+                      <a:round/>
+                      <a:headEnd type="none" w="med" len="med"/>
+                      <a:tailEnd type="none" w="med" len="med"/>
+                    </a:lnB>
+                    <a:solidFill>
+                      <a:srgbClr val="CDDDAC"/>
+                    </a:solidFill>
+                  </a:tcPr>
+                </a:tc>
+              </a:tr>
+              <a:tr h="210946">
                 <a:tc>
                   <a:txBody>
                     <a:bodyPr/>
@@ -36969,16 +37787,12 @@
                         </a:spcAft>
                       </a:pPr>
                       <a:r>
-                        <a:rPr lang="en-US" sz="1200" u="sng" dirty="0">
-                          <a:solidFill>
-                            <a:srgbClr val="0000FF"/>
-                          </a:solidFill>
+                        <a:rPr lang="en-US" sz="1200" dirty="0">
                           <a:latin typeface="Calibri"/>
                           <a:ea typeface="Calibri"/>
                           <a:cs typeface="Times New Roman"/>
-                          <a:hlinkClick r:id="rId2"/>
-                        </a:rPr>
-                        <a:t>Txt1@yahoo.com</a:t>
+                        </a:rPr>
+                        <a:t>2</a:t>
                       </a:r>
                       <a:endParaRPr lang="sv-SE" sz="1100" dirty="0">
                         <a:latin typeface="Calibri"/>
@@ -36987,7 +37801,7 @@
                       </a:endParaRPr>
                     </a:p>
                   </a:txBody>
-                  <a:tcPr marL="68580" marR="68580" marT="0" marB="0">
+                  <a:tcPr marL="68580" marR="68580" marT="0" marB="0" anchor="ctr">
                     <a:lnL w="12700" cap="flat" cmpd="sng" algn="ctr">
                       <a:solidFill>
                         <a:srgbClr val="000000"/>
@@ -37048,7 +37862,7 @@
                           <a:ea typeface="Calibri"/>
                           <a:cs typeface="Times New Roman"/>
                         </a:rPr>
-                        <a:t>2013-10-15</a:t>
+                        <a:t>Gabbe</a:t>
                       </a:r>
                       <a:endParaRPr lang="sv-SE" sz="1100" dirty="0">
                         <a:latin typeface="Calibri"/>
@@ -37057,7 +37871,7 @@
                       </a:endParaRPr>
                     </a:p>
                   </a:txBody>
-                  <a:tcPr marL="68580" marR="68580" marT="0" marB="0">
+                  <a:tcPr marL="68580" marR="68580" marT="0" marB="0" anchor="ctr">
                     <a:lnL w="12700" cap="flat" cmpd="sng" algn="ctr">
                       <a:solidFill>
                         <a:srgbClr val="000000"/>
@@ -37099,8 +37913,6 @@
                     </a:solidFill>
                   </a:tcPr>
                 </a:tc>
-              </a:tr>
-              <a:tr h="210946">
                 <a:tc>
                   <a:txBody>
                     <a:bodyPr/>
@@ -37115,12 +37927,16 @@
                         </a:spcAft>
                       </a:pPr>
                       <a:r>
-                        <a:rPr lang="en-US" sz="1200" dirty="0">
+                        <a:rPr lang="en-US" sz="1200" u="sng" dirty="0">
+                          <a:solidFill>
+                            <a:srgbClr val="0000FF"/>
+                          </a:solidFill>
                           <a:latin typeface="Calibri"/>
                           <a:ea typeface="Calibri"/>
                           <a:cs typeface="Times New Roman"/>
-                        </a:rPr>
-                        <a:t>3</a:t>
+                          <a:hlinkClick r:id="rId2"/>
+                        </a:rPr>
+                        <a:t>Txt1@yahoo.com</a:t>
                       </a:r>
                       <a:endParaRPr lang="sv-SE" sz="1100" dirty="0">
                         <a:latin typeface="Calibri"/>
@@ -37129,45 +37945,45 @@
                       </a:endParaRPr>
                     </a:p>
                   </a:txBody>
-                  <a:tcPr marL="68580" marR="68580" marT="0" marB="0" anchor="ctr">
-                    <a:lnL w="12700" cap="flat" cmpd="sng" algn="ctr">
-                      <a:solidFill>
-                        <a:srgbClr val="000000"/>
-                      </a:solidFill>
-                      <a:prstDash val="solid"/>
-                      <a:round/>
-                      <a:headEnd type="none" w="med" len="med"/>
-                      <a:tailEnd type="none" w="med" len="med"/>
-                    </a:lnL>
-                    <a:lnR w="12700" cap="flat" cmpd="sng" algn="ctr">
-                      <a:solidFill>
-                        <a:srgbClr val="000000"/>
-                      </a:solidFill>
-                      <a:prstDash val="solid"/>
-                      <a:round/>
-                      <a:headEnd type="none" w="med" len="med"/>
-                      <a:tailEnd type="none" w="med" len="med"/>
-                    </a:lnR>
-                    <a:lnT w="12700" cap="flat" cmpd="sng" algn="ctr">
-                      <a:solidFill>
-                        <a:srgbClr val="000000"/>
-                      </a:solidFill>
-                      <a:prstDash val="solid"/>
-                      <a:round/>
-                      <a:headEnd type="none" w="med" len="med"/>
-                      <a:tailEnd type="none" w="med" len="med"/>
-                    </a:lnT>
-                    <a:lnB w="12700" cap="flat" cmpd="sng" algn="ctr">
-                      <a:solidFill>
-                        <a:srgbClr val="000000"/>
-                      </a:solidFill>
-                      <a:prstDash val="solid"/>
-                      <a:round/>
-                      <a:headEnd type="none" w="med" len="med"/>
-                      <a:tailEnd type="none" w="med" len="med"/>
-                    </a:lnB>
-                    <a:solidFill>
-                      <a:srgbClr val="CDDDAC"/>
+                  <a:tcPr marL="68580" marR="68580" marT="0" marB="0">
+                    <a:lnL w="12700" cap="flat" cmpd="sng" algn="ctr">
+                      <a:solidFill>
+                        <a:srgbClr val="000000"/>
+                      </a:solidFill>
+                      <a:prstDash val="solid"/>
+                      <a:round/>
+                      <a:headEnd type="none" w="med" len="med"/>
+                      <a:tailEnd type="none" w="med" len="med"/>
+                    </a:lnL>
+                    <a:lnR w="12700" cap="flat" cmpd="sng" algn="ctr">
+                      <a:solidFill>
+                        <a:srgbClr val="000000"/>
+                      </a:solidFill>
+                      <a:prstDash val="solid"/>
+                      <a:round/>
+                      <a:headEnd type="none" w="med" len="med"/>
+                      <a:tailEnd type="none" w="med" len="med"/>
+                    </a:lnR>
+                    <a:lnT w="12700" cap="flat" cmpd="sng" algn="ctr">
+                      <a:solidFill>
+                        <a:srgbClr val="000000"/>
+                      </a:solidFill>
+                      <a:prstDash val="solid"/>
+                      <a:round/>
+                      <a:headEnd type="none" w="med" len="med"/>
+                      <a:tailEnd type="none" w="med" len="med"/>
+                    </a:lnT>
+                    <a:lnB w="12700" cap="flat" cmpd="sng" algn="ctr">
+                      <a:solidFill>
+                        <a:srgbClr val="000000"/>
+                      </a:solidFill>
+                      <a:prstDash val="solid"/>
+                      <a:round/>
+                      <a:headEnd type="none" w="med" len="med"/>
+                      <a:tailEnd type="none" w="med" len="med"/>
+                    </a:lnB>
+                    <a:solidFill>
+                      <a:srgbClr val="E6EED5"/>
                     </a:solidFill>
                   </a:tcPr>
                 </a:tc>
@@ -37190,7 +38006,7 @@
                           <a:ea typeface="Calibri"/>
                           <a:cs typeface="Times New Roman"/>
                         </a:rPr>
-                        <a:t>Amadeus</a:t>
+                        <a:t>2013-10-15</a:t>
                       </a:r>
                       <a:endParaRPr lang="sv-SE" sz="1100" dirty="0">
                         <a:latin typeface="Calibri"/>
@@ -37199,45 +38015,45 @@
                       </a:endParaRPr>
                     </a:p>
                   </a:txBody>
-                  <a:tcPr marL="68580" marR="68580" marT="0" marB="0" anchor="ctr">
-                    <a:lnL w="12700" cap="flat" cmpd="sng" algn="ctr">
-                      <a:solidFill>
-                        <a:srgbClr val="000000"/>
-                      </a:solidFill>
-                      <a:prstDash val="solid"/>
-                      <a:round/>
-                      <a:headEnd type="none" w="med" len="med"/>
-                      <a:tailEnd type="none" w="med" len="med"/>
-                    </a:lnL>
-                    <a:lnR w="12700" cap="flat" cmpd="sng" algn="ctr">
-                      <a:solidFill>
-                        <a:srgbClr val="000000"/>
-                      </a:solidFill>
-                      <a:prstDash val="solid"/>
-                      <a:round/>
-                      <a:headEnd type="none" w="med" len="med"/>
-                      <a:tailEnd type="none" w="med" len="med"/>
-                    </a:lnR>
-                    <a:lnT w="12700" cap="flat" cmpd="sng" algn="ctr">
-                      <a:solidFill>
-                        <a:srgbClr val="000000"/>
-                      </a:solidFill>
-                      <a:prstDash val="solid"/>
-                      <a:round/>
-                      <a:headEnd type="none" w="med" len="med"/>
-                      <a:tailEnd type="none" w="med" len="med"/>
-                    </a:lnT>
-                    <a:lnB w="12700" cap="flat" cmpd="sng" algn="ctr">
-                      <a:solidFill>
-                        <a:srgbClr val="000000"/>
-                      </a:solidFill>
-                      <a:prstDash val="solid"/>
-                      <a:round/>
-                      <a:headEnd type="none" w="med" len="med"/>
-                      <a:tailEnd type="none" w="med" len="med"/>
-                    </a:lnB>
-                    <a:solidFill>
-                      <a:srgbClr val="CDDDAC"/>
+                  <a:tcPr marL="68580" marR="68580" marT="0" marB="0">
+                    <a:lnL w="12700" cap="flat" cmpd="sng" algn="ctr">
+                      <a:solidFill>
+                        <a:srgbClr val="000000"/>
+                      </a:solidFill>
+                      <a:prstDash val="solid"/>
+                      <a:round/>
+                      <a:headEnd type="none" w="med" len="med"/>
+                      <a:tailEnd type="none" w="med" len="med"/>
+                    </a:lnL>
+                    <a:lnR w="12700" cap="flat" cmpd="sng" algn="ctr">
+                      <a:solidFill>
+                        <a:srgbClr val="000000"/>
+                      </a:solidFill>
+                      <a:prstDash val="solid"/>
+                      <a:round/>
+                      <a:headEnd type="none" w="med" len="med"/>
+                      <a:tailEnd type="none" w="med" len="med"/>
+                    </a:lnR>
+                    <a:lnT w="12700" cap="flat" cmpd="sng" algn="ctr">
+                      <a:solidFill>
+                        <a:srgbClr val="000000"/>
+                      </a:solidFill>
+                      <a:prstDash val="solid"/>
+                      <a:round/>
+                      <a:headEnd type="none" w="med" len="med"/>
+                      <a:tailEnd type="none" w="med" len="med"/>
+                    </a:lnT>
+                    <a:lnB w="12700" cap="flat" cmpd="sng" algn="ctr">
+                      <a:solidFill>
+                        <a:srgbClr val="000000"/>
+                      </a:solidFill>
+                      <a:prstDash val="solid"/>
+                      <a:round/>
+                      <a:headEnd type="none" w="med" len="med"/>
+                      <a:tailEnd type="none" w="med" len="med"/>
+                    </a:lnB>
+                    <a:solidFill>
+                      <a:srgbClr val="E6EED5"/>
                     </a:solidFill>
                   </a:tcPr>
                 </a:tc>
@@ -37255,16 +38071,12 @@
                         </a:spcAft>
                       </a:pPr>
                       <a:r>
-                        <a:rPr lang="en-US" sz="1200" u="sng" dirty="0">
-                          <a:solidFill>
-                            <a:srgbClr val="0000FF"/>
-                          </a:solidFill>
+                        <a:rPr lang="sv-SE" sz="1100" dirty="0" smtClean="0">
                           <a:latin typeface="Calibri"/>
                           <a:ea typeface="Calibri"/>
                           <a:cs typeface="Times New Roman"/>
-                          <a:hlinkClick r:id="rId3"/>
-                        </a:rPr>
-                        <a:t>Ama22@Hotmail.com</a:t>
+                        </a:rPr>
+                        <a:t>Ad23fsf</a:t>
                       </a:r>
                       <a:endParaRPr lang="sv-SE" sz="1100" dirty="0">
                         <a:latin typeface="Calibri"/>
@@ -37311,10 +38123,12 @@
                       <a:tailEnd type="none" w="med" len="med"/>
                     </a:lnB>
                     <a:solidFill>
-                      <a:srgbClr val="CDDDAC"/>
-                    </a:solidFill>
-                  </a:tcPr>
-                </a:tc>
+                      <a:srgbClr val="E6EED5"/>
+                    </a:solidFill>
+                  </a:tcPr>
+                </a:tc>
+              </a:tr>
+              <a:tr h="210946">
                 <a:tc>
                   <a:txBody>
                     <a:bodyPr/>
@@ -37334,7 +38148,7 @@
                           <a:ea typeface="Calibri"/>
                           <a:cs typeface="Times New Roman"/>
                         </a:rPr>
-                        <a:t>2013-10-03</a:t>
+                        <a:t>3</a:t>
                       </a:r>
                       <a:endParaRPr lang="sv-SE" sz="1100" dirty="0">
                         <a:latin typeface="Calibri"/>
@@ -37343,7 +38157,7 @@
                       </a:endParaRPr>
                     </a:p>
                   </a:txBody>
-                  <a:tcPr marL="68580" marR="68580" marT="0" marB="0">
+                  <a:tcPr marL="68580" marR="68580" marT="0" marB="0" anchor="ctr">
                     <a:lnL w="12700" cap="flat" cmpd="sng" algn="ctr">
                       <a:solidFill>
                         <a:srgbClr val="000000"/>
@@ -37385,8 +38199,6 @@
                     </a:solidFill>
                   </a:tcPr>
                 </a:tc>
-              </a:tr>
-              <a:tr h="210946">
                 <a:tc>
                   <a:txBody>
                     <a:bodyPr/>
@@ -37406,7 +38218,7 @@
                           <a:ea typeface="Calibri"/>
                           <a:cs typeface="Times New Roman"/>
                         </a:rPr>
-                        <a:t>4</a:t>
+                        <a:t>Amadeus</a:t>
                       </a:r>
                       <a:endParaRPr lang="sv-SE" sz="1100" dirty="0">
                         <a:latin typeface="Calibri"/>
@@ -37453,7 +38265,7 @@
                       <a:tailEnd type="none" w="med" len="med"/>
                     </a:lnB>
                     <a:solidFill>
-                      <a:srgbClr val="E6EED5"/>
+                      <a:srgbClr val="CDDDAC"/>
                     </a:solidFill>
                   </a:tcPr>
                 </a:tc>
@@ -37471,12 +38283,16 @@
                         </a:spcAft>
                       </a:pPr>
                       <a:r>
-                        <a:rPr lang="en-US" sz="1200" dirty="0">
+                        <a:rPr lang="en-US" sz="1200" u="sng" dirty="0">
+                          <a:solidFill>
+                            <a:srgbClr val="0000FF"/>
+                          </a:solidFill>
                           <a:latin typeface="Calibri"/>
                           <a:ea typeface="Calibri"/>
                           <a:cs typeface="Times New Roman"/>
-                        </a:rPr>
-                        <a:t>Calle</a:t>
+                          <a:hlinkClick r:id="rId3"/>
+                        </a:rPr>
+                        <a:t>Ama22@Hotmail.com</a:t>
                       </a:r>
                       <a:endParaRPr lang="sv-SE" sz="1100" dirty="0">
                         <a:latin typeface="Calibri"/>
@@ -37485,45 +38301,45 @@
                       </a:endParaRPr>
                     </a:p>
                   </a:txBody>
-                  <a:tcPr marL="68580" marR="68580" marT="0" marB="0" anchor="ctr">
-                    <a:lnL w="12700" cap="flat" cmpd="sng" algn="ctr">
-                      <a:solidFill>
-                        <a:srgbClr val="000000"/>
-                      </a:solidFill>
-                      <a:prstDash val="solid"/>
-                      <a:round/>
-                      <a:headEnd type="none" w="med" len="med"/>
-                      <a:tailEnd type="none" w="med" len="med"/>
-                    </a:lnL>
-                    <a:lnR w="12700" cap="flat" cmpd="sng" algn="ctr">
-                      <a:solidFill>
-                        <a:srgbClr val="000000"/>
-                      </a:solidFill>
-                      <a:prstDash val="solid"/>
-                      <a:round/>
-                      <a:headEnd type="none" w="med" len="med"/>
-                      <a:tailEnd type="none" w="med" len="med"/>
-                    </a:lnR>
-                    <a:lnT w="12700" cap="flat" cmpd="sng" algn="ctr">
-                      <a:solidFill>
-                        <a:srgbClr val="000000"/>
-                      </a:solidFill>
-                      <a:prstDash val="solid"/>
-                      <a:round/>
-                      <a:headEnd type="none" w="med" len="med"/>
-                      <a:tailEnd type="none" w="med" len="med"/>
-                    </a:lnT>
-                    <a:lnB w="12700" cap="flat" cmpd="sng" algn="ctr">
-                      <a:solidFill>
-                        <a:srgbClr val="000000"/>
-                      </a:solidFill>
-                      <a:prstDash val="solid"/>
-                      <a:round/>
-                      <a:headEnd type="none" w="med" len="med"/>
-                      <a:tailEnd type="none" w="med" len="med"/>
-                    </a:lnB>
-                    <a:solidFill>
-                      <a:srgbClr val="E6EED5"/>
+                  <a:tcPr marL="68580" marR="68580" marT="0" marB="0">
+                    <a:lnL w="12700" cap="flat" cmpd="sng" algn="ctr">
+                      <a:solidFill>
+                        <a:srgbClr val="000000"/>
+                      </a:solidFill>
+                      <a:prstDash val="solid"/>
+                      <a:round/>
+                      <a:headEnd type="none" w="med" len="med"/>
+                      <a:tailEnd type="none" w="med" len="med"/>
+                    </a:lnL>
+                    <a:lnR w="12700" cap="flat" cmpd="sng" algn="ctr">
+                      <a:solidFill>
+                        <a:srgbClr val="000000"/>
+                      </a:solidFill>
+                      <a:prstDash val="solid"/>
+                      <a:round/>
+                      <a:headEnd type="none" w="med" len="med"/>
+                      <a:tailEnd type="none" w="med" len="med"/>
+                    </a:lnR>
+                    <a:lnT w="12700" cap="flat" cmpd="sng" algn="ctr">
+                      <a:solidFill>
+                        <a:srgbClr val="000000"/>
+                      </a:solidFill>
+                      <a:prstDash val="solid"/>
+                      <a:round/>
+                      <a:headEnd type="none" w="med" len="med"/>
+                      <a:tailEnd type="none" w="med" len="med"/>
+                    </a:lnT>
+                    <a:lnB w="12700" cap="flat" cmpd="sng" algn="ctr">
+                      <a:solidFill>
+                        <a:srgbClr val="000000"/>
+                      </a:solidFill>
+                      <a:prstDash val="solid"/>
+                      <a:round/>
+                      <a:headEnd type="none" w="med" len="med"/>
+                      <a:tailEnd type="none" w="med" len="med"/>
+                    </a:lnB>
+                    <a:solidFill>
+                      <a:srgbClr val="CDDDAC"/>
                     </a:solidFill>
                   </a:tcPr>
                 </a:tc>
@@ -37546,7 +38362,7 @@
                           <a:ea typeface="Calibri"/>
                           <a:cs typeface="Times New Roman"/>
                         </a:rPr>
-                        <a:t>CG82@telia.se</a:t>
+                        <a:t>2013-10-03</a:t>
                       </a:r>
                       <a:endParaRPr lang="sv-SE" sz="1100" dirty="0">
                         <a:latin typeface="Calibri"/>
@@ -37593,7 +38409,7 @@
                       <a:tailEnd type="none" w="med" len="med"/>
                     </a:lnB>
                     <a:solidFill>
-                      <a:srgbClr val="E6EED5"/>
+                      <a:srgbClr val="CDDDAC"/>
                     </a:solidFill>
                   </a:tcPr>
                 </a:tc>
@@ -37611,12 +38427,12 @@
                         </a:spcAft>
                       </a:pPr>
                       <a:r>
-                        <a:rPr lang="en-US" sz="1200" dirty="0">
+                        <a:rPr lang="sv-SE" sz="1100" dirty="0" smtClean="0">
                           <a:latin typeface="Calibri"/>
                           <a:ea typeface="Calibri"/>
                           <a:cs typeface="Times New Roman"/>
                         </a:rPr>
-                        <a:t>2013-11-22</a:t>
+                        <a:t>Kalle2</a:t>
                       </a:r>
                       <a:endParaRPr lang="sv-SE" sz="1100" dirty="0">
                         <a:latin typeface="Calibri"/>
@@ -37663,12 +38479,12 @@
                       <a:tailEnd type="none" w="med" len="med"/>
                     </a:lnB>
                     <a:solidFill>
-                      <a:srgbClr val="E6EED5"/>
+                      <a:srgbClr val="CDDDAC"/>
                     </a:solidFill>
                   </a:tcPr>
                 </a:tc>
               </a:tr>
-              <a:tr h="393069">
+              <a:tr h="210946">
                 <a:tc>
                   <a:txBody>
                     <a:bodyPr/>
@@ -37688,7 +38504,7 @@
                           <a:ea typeface="Calibri"/>
                           <a:cs typeface="Times New Roman"/>
                         </a:rPr>
-                        <a:t>5</a:t>
+                        <a:t>4</a:t>
                       </a:r>
                       <a:endParaRPr lang="sv-SE" sz="1100" dirty="0">
                         <a:latin typeface="Calibri"/>
@@ -37735,7 +38551,7 @@
                       <a:tailEnd type="none" w="med" len="med"/>
                     </a:lnB>
                     <a:solidFill>
-                      <a:srgbClr val="CDDDAC"/>
+                      <a:srgbClr val="E6EED5"/>
                     </a:solidFill>
                   </a:tcPr>
                 </a:tc>
@@ -37758,7 +38574,7 @@
                           <a:ea typeface="Calibri"/>
                           <a:cs typeface="Times New Roman"/>
                         </a:rPr>
-                        <a:t>Dea</a:t>
+                        <a:t>Calle</a:t>
                       </a:r>
                       <a:endParaRPr lang="sv-SE" sz="1100" dirty="0">
                         <a:latin typeface="Calibri"/>
@@ -37805,7 +38621,7 @@
                       <a:tailEnd type="none" w="med" len="med"/>
                     </a:lnB>
                     <a:solidFill>
-                      <a:srgbClr val="CDDDAC"/>
+                      <a:srgbClr val="E6EED5"/>
                     </a:solidFill>
                   </a:tcPr>
                 </a:tc>
@@ -37828,7 +38644,7 @@
                           <a:ea typeface="Calibri"/>
                           <a:cs typeface="Times New Roman"/>
                         </a:rPr>
-                        <a:t>Andreas.Danielsson@hotmail.com</a:t>
+                        <a:t>CG82@telia.se</a:t>
                       </a:r>
                       <a:endParaRPr lang="sv-SE" sz="1100" dirty="0">
                         <a:latin typeface="Calibri"/>
@@ -37875,7 +38691,7 @@
                       <a:tailEnd type="none" w="med" len="med"/>
                     </a:lnB>
                     <a:solidFill>
-                      <a:srgbClr val="CDDDAC"/>
+                      <a:srgbClr val="E6EED5"/>
                     </a:solidFill>
                   </a:tcPr>
                 </a:tc>
@@ -37898,7 +38714,429 @@
                           <a:ea typeface="Calibri"/>
                           <a:cs typeface="Times New Roman"/>
                         </a:rPr>
+                        <a:t>2013-11-22</a:t>
+                      </a:r>
+                      <a:endParaRPr lang="sv-SE" sz="1100" dirty="0">
+                        <a:latin typeface="Calibri"/>
+                        <a:ea typeface="Calibri"/>
+                        <a:cs typeface="Times New Roman"/>
+                      </a:endParaRPr>
+                    </a:p>
+                  </a:txBody>
+                  <a:tcPr marL="68580" marR="68580" marT="0" marB="0">
+                    <a:lnL w="12700" cap="flat" cmpd="sng" algn="ctr">
+                      <a:solidFill>
+                        <a:srgbClr val="000000"/>
+                      </a:solidFill>
+                      <a:prstDash val="solid"/>
+                      <a:round/>
+                      <a:headEnd type="none" w="med" len="med"/>
+                      <a:tailEnd type="none" w="med" len="med"/>
+                    </a:lnL>
+                    <a:lnR w="12700" cap="flat" cmpd="sng" algn="ctr">
+                      <a:solidFill>
+                        <a:srgbClr val="000000"/>
+                      </a:solidFill>
+                      <a:prstDash val="solid"/>
+                      <a:round/>
+                      <a:headEnd type="none" w="med" len="med"/>
+                      <a:tailEnd type="none" w="med" len="med"/>
+                    </a:lnR>
+                    <a:lnT w="12700" cap="flat" cmpd="sng" algn="ctr">
+                      <a:solidFill>
+                        <a:srgbClr val="000000"/>
+                      </a:solidFill>
+                      <a:prstDash val="solid"/>
+                      <a:round/>
+                      <a:headEnd type="none" w="med" len="med"/>
+                      <a:tailEnd type="none" w="med" len="med"/>
+                    </a:lnT>
+                    <a:lnB w="12700" cap="flat" cmpd="sng" algn="ctr">
+                      <a:solidFill>
+                        <a:srgbClr val="000000"/>
+                      </a:solidFill>
+                      <a:prstDash val="solid"/>
+                      <a:round/>
+                      <a:headEnd type="none" w="med" len="med"/>
+                      <a:tailEnd type="none" w="med" len="med"/>
+                    </a:lnB>
+                    <a:solidFill>
+                      <a:srgbClr val="E6EED5"/>
+                    </a:solidFill>
+                  </a:tcPr>
+                </a:tc>
+                <a:tc>
+                  <a:txBody>
+                    <a:bodyPr/>
+                    <a:lstStyle/>
+                    <a:p>
+                      <a:pPr algn="ctr">
+                        <a:lnSpc>
+                          <a:spcPct val="115000"/>
+                        </a:lnSpc>
+                        <a:spcAft>
+                          <a:spcPts val="0"/>
+                        </a:spcAft>
+                      </a:pPr>
+                      <a:r>
+                        <a:rPr lang="sv-SE" sz="1100" dirty="0" smtClean="0">
+                          <a:latin typeface="Calibri"/>
+                          <a:ea typeface="Calibri"/>
+                          <a:cs typeface="Times New Roman"/>
+                        </a:rPr>
+                        <a:t>339291</a:t>
+                      </a:r>
+                      <a:endParaRPr lang="sv-SE" sz="1100" dirty="0">
+                        <a:latin typeface="Calibri"/>
+                        <a:ea typeface="Calibri"/>
+                        <a:cs typeface="Times New Roman"/>
+                      </a:endParaRPr>
+                    </a:p>
+                  </a:txBody>
+                  <a:tcPr marL="68580" marR="68580" marT="0" marB="0">
+                    <a:lnL w="12700" cap="flat" cmpd="sng" algn="ctr">
+                      <a:solidFill>
+                        <a:srgbClr val="000000"/>
+                      </a:solidFill>
+                      <a:prstDash val="solid"/>
+                      <a:round/>
+                      <a:headEnd type="none" w="med" len="med"/>
+                      <a:tailEnd type="none" w="med" len="med"/>
+                    </a:lnL>
+                    <a:lnR w="12700" cap="flat" cmpd="sng" algn="ctr">
+                      <a:solidFill>
+                        <a:srgbClr val="000000"/>
+                      </a:solidFill>
+                      <a:prstDash val="solid"/>
+                      <a:round/>
+                      <a:headEnd type="none" w="med" len="med"/>
+                      <a:tailEnd type="none" w="med" len="med"/>
+                    </a:lnR>
+                    <a:lnT w="12700" cap="flat" cmpd="sng" algn="ctr">
+                      <a:solidFill>
+                        <a:srgbClr val="000000"/>
+                      </a:solidFill>
+                      <a:prstDash val="solid"/>
+                      <a:round/>
+                      <a:headEnd type="none" w="med" len="med"/>
+                      <a:tailEnd type="none" w="med" len="med"/>
+                    </a:lnT>
+                    <a:lnB w="12700" cap="flat" cmpd="sng" algn="ctr">
+                      <a:solidFill>
+                        <a:srgbClr val="000000"/>
+                      </a:solidFill>
+                      <a:prstDash val="solid"/>
+                      <a:round/>
+                      <a:headEnd type="none" w="med" len="med"/>
+                      <a:tailEnd type="none" w="med" len="med"/>
+                    </a:lnB>
+                    <a:solidFill>
+                      <a:srgbClr val="E6EED5"/>
+                    </a:solidFill>
+                  </a:tcPr>
+                </a:tc>
+              </a:tr>
+              <a:tr h="393069">
+                <a:tc>
+                  <a:txBody>
+                    <a:bodyPr/>
+                    <a:lstStyle/>
+                    <a:p>
+                      <a:pPr algn="ctr">
+                        <a:lnSpc>
+                          <a:spcPct val="115000"/>
+                        </a:lnSpc>
+                        <a:spcAft>
+                          <a:spcPts val="0"/>
+                        </a:spcAft>
+                      </a:pPr>
+                      <a:r>
+                        <a:rPr lang="en-US" sz="1200" dirty="0">
+                          <a:latin typeface="Calibri"/>
+                          <a:ea typeface="Calibri"/>
+                          <a:cs typeface="Times New Roman"/>
+                        </a:rPr>
+                        <a:t>5</a:t>
+                      </a:r>
+                      <a:endParaRPr lang="sv-SE" sz="1100" dirty="0">
+                        <a:latin typeface="Calibri"/>
+                        <a:ea typeface="Calibri"/>
+                        <a:cs typeface="Times New Roman"/>
+                      </a:endParaRPr>
+                    </a:p>
+                  </a:txBody>
+                  <a:tcPr marL="68580" marR="68580" marT="0" marB="0" anchor="ctr">
+                    <a:lnL w="12700" cap="flat" cmpd="sng" algn="ctr">
+                      <a:solidFill>
+                        <a:srgbClr val="000000"/>
+                      </a:solidFill>
+                      <a:prstDash val="solid"/>
+                      <a:round/>
+                      <a:headEnd type="none" w="med" len="med"/>
+                      <a:tailEnd type="none" w="med" len="med"/>
+                    </a:lnL>
+                    <a:lnR w="12700" cap="flat" cmpd="sng" algn="ctr">
+                      <a:solidFill>
+                        <a:srgbClr val="000000"/>
+                      </a:solidFill>
+                      <a:prstDash val="solid"/>
+                      <a:round/>
+                      <a:headEnd type="none" w="med" len="med"/>
+                      <a:tailEnd type="none" w="med" len="med"/>
+                    </a:lnR>
+                    <a:lnT w="12700" cap="flat" cmpd="sng" algn="ctr">
+                      <a:solidFill>
+                        <a:srgbClr val="000000"/>
+                      </a:solidFill>
+                      <a:prstDash val="solid"/>
+                      <a:round/>
+                      <a:headEnd type="none" w="med" len="med"/>
+                      <a:tailEnd type="none" w="med" len="med"/>
+                    </a:lnT>
+                    <a:lnB w="12700" cap="flat" cmpd="sng" algn="ctr">
+                      <a:solidFill>
+                        <a:srgbClr val="000000"/>
+                      </a:solidFill>
+                      <a:prstDash val="solid"/>
+                      <a:round/>
+                      <a:headEnd type="none" w="med" len="med"/>
+                      <a:tailEnd type="none" w="med" len="med"/>
+                    </a:lnB>
+                    <a:solidFill>
+                      <a:srgbClr val="CDDDAC"/>
+                    </a:solidFill>
+                  </a:tcPr>
+                </a:tc>
+                <a:tc>
+                  <a:txBody>
+                    <a:bodyPr/>
+                    <a:lstStyle/>
+                    <a:p>
+                      <a:pPr algn="ctr">
+                        <a:lnSpc>
+                          <a:spcPct val="115000"/>
+                        </a:lnSpc>
+                        <a:spcAft>
+                          <a:spcPts val="0"/>
+                        </a:spcAft>
+                      </a:pPr>
+                      <a:r>
+                        <a:rPr lang="en-US" sz="1200" dirty="0">
+                          <a:latin typeface="Calibri"/>
+                          <a:ea typeface="Calibri"/>
+                          <a:cs typeface="Times New Roman"/>
+                        </a:rPr>
+                        <a:t>Dea</a:t>
+                      </a:r>
+                      <a:endParaRPr lang="sv-SE" sz="1100" dirty="0">
+                        <a:latin typeface="Calibri"/>
+                        <a:ea typeface="Calibri"/>
+                        <a:cs typeface="Times New Roman"/>
+                      </a:endParaRPr>
+                    </a:p>
+                  </a:txBody>
+                  <a:tcPr marL="68580" marR="68580" marT="0" marB="0" anchor="ctr">
+                    <a:lnL w="12700" cap="flat" cmpd="sng" algn="ctr">
+                      <a:solidFill>
+                        <a:srgbClr val="000000"/>
+                      </a:solidFill>
+                      <a:prstDash val="solid"/>
+                      <a:round/>
+                      <a:headEnd type="none" w="med" len="med"/>
+                      <a:tailEnd type="none" w="med" len="med"/>
+                    </a:lnL>
+                    <a:lnR w="12700" cap="flat" cmpd="sng" algn="ctr">
+                      <a:solidFill>
+                        <a:srgbClr val="000000"/>
+                      </a:solidFill>
+                      <a:prstDash val="solid"/>
+                      <a:round/>
+                      <a:headEnd type="none" w="med" len="med"/>
+                      <a:tailEnd type="none" w="med" len="med"/>
+                    </a:lnR>
+                    <a:lnT w="12700" cap="flat" cmpd="sng" algn="ctr">
+                      <a:solidFill>
+                        <a:srgbClr val="000000"/>
+                      </a:solidFill>
+                      <a:prstDash val="solid"/>
+                      <a:round/>
+                      <a:headEnd type="none" w="med" len="med"/>
+                      <a:tailEnd type="none" w="med" len="med"/>
+                    </a:lnT>
+                    <a:lnB w="12700" cap="flat" cmpd="sng" algn="ctr">
+                      <a:solidFill>
+                        <a:srgbClr val="000000"/>
+                      </a:solidFill>
+                      <a:prstDash val="solid"/>
+                      <a:round/>
+                      <a:headEnd type="none" w="med" len="med"/>
+                      <a:tailEnd type="none" w="med" len="med"/>
+                    </a:lnB>
+                    <a:solidFill>
+                      <a:srgbClr val="CDDDAC"/>
+                    </a:solidFill>
+                  </a:tcPr>
+                </a:tc>
+                <a:tc>
+                  <a:txBody>
+                    <a:bodyPr/>
+                    <a:lstStyle/>
+                    <a:p>
+                      <a:pPr algn="ctr">
+                        <a:lnSpc>
+                          <a:spcPct val="115000"/>
+                        </a:lnSpc>
+                        <a:spcAft>
+                          <a:spcPts val="0"/>
+                        </a:spcAft>
+                      </a:pPr>
+                      <a:r>
+                        <a:rPr lang="en-US" sz="1200" dirty="0">
+                          <a:latin typeface="Calibri"/>
+                          <a:ea typeface="Calibri"/>
+                          <a:cs typeface="Times New Roman"/>
+                        </a:rPr>
+                        <a:t>Andreas.Danielsson@hotmail.com</a:t>
+                      </a:r>
+                      <a:endParaRPr lang="sv-SE" sz="1100" dirty="0">
+                        <a:latin typeface="Calibri"/>
+                        <a:ea typeface="Calibri"/>
+                        <a:cs typeface="Times New Roman"/>
+                      </a:endParaRPr>
+                    </a:p>
+                  </a:txBody>
+                  <a:tcPr marL="68580" marR="68580" marT="0" marB="0">
+                    <a:lnL w="12700" cap="flat" cmpd="sng" algn="ctr">
+                      <a:solidFill>
+                        <a:srgbClr val="000000"/>
+                      </a:solidFill>
+                      <a:prstDash val="solid"/>
+                      <a:round/>
+                      <a:headEnd type="none" w="med" len="med"/>
+                      <a:tailEnd type="none" w="med" len="med"/>
+                    </a:lnL>
+                    <a:lnR w="12700" cap="flat" cmpd="sng" algn="ctr">
+                      <a:solidFill>
+                        <a:srgbClr val="000000"/>
+                      </a:solidFill>
+                      <a:prstDash val="solid"/>
+                      <a:round/>
+                      <a:headEnd type="none" w="med" len="med"/>
+                      <a:tailEnd type="none" w="med" len="med"/>
+                    </a:lnR>
+                    <a:lnT w="12700" cap="flat" cmpd="sng" algn="ctr">
+                      <a:solidFill>
+                        <a:srgbClr val="000000"/>
+                      </a:solidFill>
+                      <a:prstDash val="solid"/>
+                      <a:round/>
+                      <a:headEnd type="none" w="med" len="med"/>
+                      <a:tailEnd type="none" w="med" len="med"/>
+                    </a:lnT>
+                    <a:lnB w="12700" cap="flat" cmpd="sng" algn="ctr">
+                      <a:solidFill>
+                        <a:srgbClr val="000000"/>
+                      </a:solidFill>
+                      <a:prstDash val="solid"/>
+                      <a:round/>
+                      <a:headEnd type="none" w="med" len="med"/>
+                      <a:tailEnd type="none" w="med" len="med"/>
+                    </a:lnB>
+                    <a:solidFill>
+                      <a:srgbClr val="CDDDAC"/>
+                    </a:solidFill>
+                  </a:tcPr>
+                </a:tc>
+                <a:tc>
+                  <a:txBody>
+                    <a:bodyPr/>
+                    <a:lstStyle/>
+                    <a:p>
+                      <a:pPr algn="ctr">
+                        <a:lnSpc>
+                          <a:spcPct val="115000"/>
+                        </a:lnSpc>
+                        <a:spcAft>
+                          <a:spcPts val="0"/>
+                        </a:spcAft>
+                      </a:pPr>
+                      <a:r>
+                        <a:rPr lang="en-US" sz="1200" dirty="0">
+                          <a:latin typeface="Calibri"/>
+                          <a:ea typeface="Calibri"/>
+                          <a:cs typeface="Times New Roman"/>
+                        </a:rPr>
                         <a:t>2013-08-06</a:t>
+                      </a:r>
+                      <a:endParaRPr lang="sv-SE" sz="1100" dirty="0">
+                        <a:latin typeface="Calibri"/>
+                        <a:ea typeface="Calibri"/>
+                        <a:cs typeface="Times New Roman"/>
+                      </a:endParaRPr>
+                    </a:p>
+                  </a:txBody>
+                  <a:tcPr marL="68580" marR="68580" marT="0" marB="0">
+                    <a:lnL w="12700" cap="flat" cmpd="sng" algn="ctr">
+                      <a:solidFill>
+                        <a:srgbClr val="000000"/>
+                      </a:solidFill>
+                      <a:prstDash val="solid"/>
+                      <a:round/>
+                      <a:headEnd type="none" w="med" len="med"/>
+                      <a:tailEnd type="none" w="med" len="med"/>
+                    </a:lnL>
+                    <a:lnR w="12700" cap="flat" cmpd="sng" algn="ctr">
+                      <a:solidFill>
+                        <a:srgbClr val="000000"/>
+                      </a:solidFill>
+                      <a:prstDash val="solid"/>
+                      <a:round/>
+                      <a:headEnd type="none" w="med" len="med"/>
+                      <a:tailEnd type="none" w="med" len="med"/>
+                    </a:lnR>
+                    <a:lnT w="12700" cap="flat" cmpd="sng" algn="ctr">
+                      <a:solidFill>
+                        <a:srgbClr val="000000"/>
+                      </a:solidFill>
+                      <a:prstDash val="solid"/>
+                      <a:round/>
+                      <a:headEnd type="none" w="med" len="med"/>
+                      <a:tailEnd type="none" w="med" len="med"/>
+                    </a:lnT>
+                    <a:lnB w="12700" cap="flat" cmpd="sng" algn="ctr">
+                      <a:solidFill>
+                        <a:srgbClr val="000000"/>
+                      </a:solidFill>
+                      <a:prstDash val="solid"/>
+                      <a:round/>
+                      <a:headEnd type="none" w="med" len="med"/>
+                      <a:tailEnd type="none" w="med" len="med"/>
+                    </a:lnB>
+                    <a:solidFill>
+                      <a:srgbClr val="CDDDAC"/>
+                    </a:solidFill>
+                  </a:tcPr>
+                </a:tc>
+                <a:tc>
+                  <a:txBody>
+                    <a:bodyPr/>
+                    <a:lstStyle/>
+                    <a:p>
+                      <a:pPr algn="ctr">
+                        <a:lnSpc>
+                          <a:spcPct val="115000"/>
+                        </a:lnSpc>
+                        <a:spcAft>
+                          <a:spcPts val="0"/>
+                        </a:spcAft>
+                      </a:pPr>
+                      <a:r>
+                        <a:rPr lang="sv-SE" sz="1100" dirty="0" smtClean="0">
+                          <a:latin typeface="Calibri"/>
+                          <a:ea typeface="Calibri"/>
+                          <a:cs typeface="Times New Roman"/>
+                        </a:rPr>
+                        <a:t>BosseBatong</a:t>
                       </a:r>
                       <a:endParaRPr lang="sv-SE" sz="1100" dirty="0">
                         <a:latin typeface="Calibri"/>
@@ -37978,11 +39216,7 @@
           <a:p>
             <a:r>
               <a:rPr lang="sv-SE" sz="1000" b="1" dirty="0" smtClean="0"/>
-              <a:t>               User </a:t>
-            </a:r>
-            <a:r>
-              <a:rPr lang="sv-SE" sz="1000" b="1" dirty="0" smtClean="0"/>
-              <a:t>Tabell.</a:t>
+              <a:t>               User Tabell.</a:t>
             </a:r>
             <a:endParaRPr lang="sv-SE" sz="1000" b="1" dirty="0"/>
           </a:p>
@@ -38012,11 +39246,7 @@
           <a:p>
             <a:r>
               <a:rPr lang="sv-SE" sz="1000" b="1" dirty="0" smtClean="0"/>
-              <a:t>     ImageDesc </a:t>
-            </a:r>
-            <a:r>
-              <a:rPr lang="sv-SE" sz="1000" b="1" dirty="0" smtClean="0"/>
-              <a:t>tabell.</a:t>
+              <a:t>     ImageDesc tabell.</a:t>
             </a:r>
           </a:p>
           <a:p>
@@ -38048,11 +39278,7 @@
           <a:p>
             <a:r>
               <a:rPr lang="sv-SE" sz="1000" b="1" dirty="0" smtClean="0"/>
-              <a:t>     Category </a:t>
-            </a:r>
-            <a:r>
-              <a:rPr lang="sv-SE" sz="1000" b="1" dirty="0" smtClean="0"/>
-              <a:t>tabell.</a:t>
+              <a:t>     Category tabell.</a:t>
             </a:r>
             <a:endParaRPr lang="sv-SE" sz="1000" b="1" dirty="0"/>
           </a:p>
@@ -41969,39 +43195,6 @@
           </a:fontRef>
         </p:style>
       </p:cxnSp>
-      <p:cxnSp>
-        <p:nvCxnSpPr>
-          <p:cNvPr id="55" name="Straight Arrow Connector 54"/>
-          <p:cNvCxnSpPr/>
-          <p:nvPr/>
-        </p:nvCxnSpPr>
-        <p:spPr>
-          <a:xfrm>
-            <a:off x="3505200" y="304800"/>
-            <a:ext cx="838200" cy="0"/>
-          </a:xfrm>
-          <a:prstGeom prst="straightConnector1">
-            <a:avLst/>
-          </a:prstGeom>
-          <a:ln>
-            <a:tailEnd type="arrow"/>
-          </a:ln>
-        </p:spPr>
-        <p:style>
-          <a:lnRef idx="2">
-            <a:schemeClr val="dk1"/>
-          </a:lnRef>
-          <a:fillRef idx="0">
-            <a:schemeClr val="dk1"/>
-          </a:fillRef>
-          <a:effectRef idx="1">
-            <a:schemeClr val="dk1"/>
-          </a:effectRef>
-          <a:fontRef idx="minor">
-            <a:schemeClr val="tx1"/>
-          </a:fontRef>
-        </p:style>
-      </p:cxnSp>
       <p:sp>
         <p:nvSpPr>
           <p:cNvPr id="56" name="TextBox 55"/>
@@ -42027,69 +43220,6 @@
             <a:r>
               <a:rPr lang="sv-SE" sz="1200" dirty="0" smtClean="0"/>
               <a:t>1/2/5</a:t>
-            </a:r>
-            <a:endParaRPr lang="sv-SE" sz="1200" dirty="0"/>
-          </a:p>
-        </p:txBody>
-      </p:sp>
-      <p:cxnSp>
-        <p:nvCxnSpPr>
-          <p:cNvPr id="57" name="Straight Arrow Connector 56"/>
-          <p:cNvCxnSpPr/>
-          <p:nvPr/>
-        </p:nvCxnSpPr>
-        <p:spPr>
-          <a:xfrm flipH="1">
-            <a:off x="6553200" y="2438400"/>
-            <a:ext cx="838200" cy="0"/>
-          </a:xfrm>
-          <a:prstGeom prst="straightConnector1">
-            <a:avLst/>
-          </a:prstGeom>
-          <a:ln>
-            <a:tailEnd type="arrow"/>
-          </a:ln>
-        </p:spPr>
-        <p:style>
-          <a:lnRef idx="2">
-            <a:schemeClr val="dk1"/>
-          </a:lnRef>
-          <a:fillRef idx="0">
-            <a:schemeClr val="dk1"/>
-          </a:fillRef>
-          <a:effectRef idx="1">
-            <a:schemeClr val="dk1"/>
-          </a:effectRef>
-          <a:fontRef idx="minor">
-            <a:schemeClr val="tx1"/>
-          </a:fontRef>
-        </p:style>
-      </p:cxnSp>
-      <p:sp>
-        <p:nvSpPr>
-          <p:cNvPr id="58" name="TextBox 57"/>
-          <p:cNvSpPr txBox="1"/>
-          <p:nvPr/>
-        </p:nvSpPr>
-        <p:spPr>
-          <a:xfrm>
-            <a:off x="6629400" y="2133601"/>
-            <a:ext cx="914400" cy="276999"/>
-          </a:xfrm>
-          <a:prstGeom prst="rect">
-            <a:avLst/>
-          </a:prstGeom>
-          <a:noFill/>
-        </p:spPr>
-        <p:txBody>
-          <a:bodyPr wrap="square" rtlCol="0">
-            <a:spAutoFit/>
-          </a:bodyPr>
-          <a:lstStyle/>
-          <a:p>
-            <a:r>
-              <a:rPr lang="sv-SE" sz="1200" dirty="0" smtClean="0"/>
-              <a:t>1/75/200</a:t>
             </a:r>
             <a:endParaRPr lang="sv-SE" sz="1200" dirty="0"/>
           </a:p>
@@ -42153,36 +43283,6 @@
             <a:r>
               <a:rPr lang="sv-SE" sz="1200" dirty="0" smtClean="0"/>
               <a:t>0/2/20</a:t>
-            </a:r>
-            <a:endParaRPr lang="sv-SE" sz="1200" dirty="0"/>
-          </a:p>
-        </p:txBody>
-      </p:sp>
-      <p:sp>
-        <p:nvSpPr>
-          <p:cNvPr id="61" name="TextBox 60"/>
-          <p:cNvSpPr txBox="1"/>
-          <p:nvPr/>
-        </p:nvSpPr>
-        <p:spPr>
-          <a:xfrm>
-            <a:off x="3505200" y="0"/>
-            <a:ext cx="914400" cy="276999"/>
-          </a:xfrm>
-          <a:prstGeom prst="rect">
-            <a:avLst/>
-          </a:prstGeom>
-          <a:noFill/>
-        </p:spPr>
-        <p:txBody>
-          <a:bodyPr wrap="square" rtlCol="0">
-            <a:spAutoFit/>
-          </a:bodyPr>
-          <a:lstStyle/>
-          <a:p>
-            <a:r>
-              <a:rPr lang="sv-SE" sz="1200" dirty="0" smtClean="0"/>
-              <a:t>0/10/50</a:t>
             </a:r>
             <a:endParaRPr lang="sv-SE" sz="1200" dirty="0"/>
           </a:p>
@@ -42253,69 +43353,6 @@
       </p:sp>
       <p:cxnSp>
         <p:nvCxnSpPr>
-          <p:cNvPr id="64" name="Straight Arrow Connector 63"/>
-          <p:cNvCxnSpPr/>
-          <p:nvPr/>
-        </p:nvCxnSpPr>
-        <p:spPr>
-          <a:xfrm flipH="1">
-            <a:off x="762000" y="762000"/>
-            <a:ext cx="838200" cy="0"/>
-          </a:xfrm>
-          <a:prstGeom prst="straightConnector1">
-            <a:avLst/>
-          </a:prstGeom>
-          <a:ln>
-            <a:tailEnd type="arrow"/>
-          </a:ln>
-        </p:spPr>
-        <p:style>
-          <a:lnRef idx="2">
-            <a:schemeClr val="dk1"/>
-          </a:lnRef>
-          <a:fillRef idx="0">
-            <a:schemeClr val="dk1"/>
-          </a:fillRef>
-          <a:effectRef idx="1">
-            <a:schemeClr val="dk1"/>
-          </a:effectRef>
-          <a:fontRef idx="minor">
-            <a:schemeClr val="tx1"/>
-          </a:fontRef>
-        </p:style>
-      </p:cxnSp>
-      <p:sp>
-        <p:nvSpPr>
-          <p:cNvPr id="65" name="TextBox 64"/>
-          <p:cNvSpPr txBox="1"/>
-          <p:nvPr/>
-        </p:nvSpPr>
-        <p:spPr>
-          <a:xfrm>
-            <a:off x="762000" y="457200"/>
-            <a:ext cx="914400" cy="276999"/>
-          </a:xfrm>
-          <a:prstGeom prst="rect">
-            <a:avLst/>
-          </a:prstGeom>
-          <a:noFill/>
-        </p:spPr>
-        <p:txBody>
-          <a:bodyPr wrap="square" rtlCol="0">
-            <a:spAutoFit/>
-          </a:bodyPr>
-          <a:lstStyle/>
-          <a:p>
-            <a:r>
-              <a:rPr lang="sv-SE" sz="1200" dirty="0" smtClean="0"/>
-              <a:t>0/13/50</a:t>
-            </a:r>
-            <a:endParaRPr lang="sv-SE" sz="1200" dirty="0"/>
-          </a:p>
-        </p:txBody>
-      </p:sp>
-      <p:cxnSp>
-        <p:nvCxnSpPr>
           <p:cNvPr id="66" name="Straight Arrow Connector 65"/>
           <p:cNvCxnSpPr/>
           <p:nvPr/>
@@ -42355,8 +43392,8 @@
         </p:nvSpPr>
         <p:spPr>
           <a:xfrm>
-            <a:off x="3200400" y="1676400"/>
-            <a:ext cx="381000" cy="646331"/>
+            <a:off x="3200400" y="1676401"/>
+            <a:ext cx="457200" cy="646331"/>
           </a:xfrm>
           <a:prstGeom prst="rect">
             <a:avLst/>
@@ -42371,7 +43408,401 @@
           <a:p>
             <a:r>
               <a:rPr lang="sv-SE" sz="1200" dirty="0" smtClean="0"/>
-              <a:t>1/7/50</a:t>
+              <a:t>1</a:t>
+            </a:r>
+          </a:p>
+          <a:p>
+            <a:r>
+              <a:rPr lang="sv-SE" sz="1200" dirty="0" smtClean="0"/>
+              <a:t>/5</a:t>
+            </a:r>
+            <a:endParaRPr lang="sv-SE" sz="1200" dirty="0" smtClean="0"/>
+          </a:p>
+          <a:p>
+            <a:r>
+              <a:rPr lang="sv-SE" sz="1200" dirty="0" smtClean="0"/>
+              <a:t>/50</a:t>
+            </a:r>
+            <a:endParaRPr lang="sv-SE" sz="1200" dirty="0"/>
+          </a:p>
+        </p:txBody>
+      </p:sp>
+      <p:sp>
+        <p:nvSpPr>
+          <p:cNvPr id="68" name="TextBox 67"/>
+          <p:cNvSpPr txBox="1"/>
+          <p:nvPr/>
+        </p:nvSpPr>
+        <p:spPr>
+          <a:xfrm>
+            <a:off x="685800" y="3276600"/>
+            <a:ext cx="685800" cy="276999"/>
+          </a:xfrm>
+          <a:prstGeom prst="rect">
+            <a:avLst/>
+          </a:prstGeom>
+          <a:noFill/>
+        </p:spPr>
+        <p:txBody>
+          <a:bodyPr wrap="square" rtlCol="0">
+            <a:spAutoFit/>
+          </a:bodyPr>
+          <a:lstStyle/>
+          <a:p>
+            <a:r>
+              <a:rPr lang="sv-SE" sz="1200" dirty="0" smtClean="0"/>
+              <a:t>[1000]</a:t>
+            </a:r>
+            <a:endParaRPr lang="sv-SE" sz="1200" dirty="0"/>
+          </a:p>
+        </p:txBody>
+      </p:sp>
+      <p:sp>
+        <p:nvSpPr>
+          <p:cNvPr id="69" name="TextBox 68"/>
+          <p:cNvSpPr txBox="1"/>
+          <p:nvPr/>
+        </p:nvSpPr>
+        <p:spPr>
+          <a:xfrm>
+            <a:off x="3124200" y="3276600"/>
+            <a:ext cx="685800" cy="276999"/>
+          </a:xfrm>
+          <a:prstGeom prst="rect">
+            <a:avLst/>
+          </a:prstGeom>
+          <a:noFill/>
+        </p:spPr>
+        <p:txBody>
+          <a:bodyPr wrap="square" rtlCol="0">
+            <a:spAutoFit/>
+          </a:bodyPr>
+          <a:lstStyle/>
+          <a:p>
+            <a:r>
+              <a:rPr lang="sv-SE" sz="1200" dirty="0" smtClean="0"/>
+              <a:t>[500]</a:t>
+            </a:r>
+            <a:endParaRPr lang="sv-SE" sz="1200" dirty="0"/>
+          </a:p>
+        </p:txBody>
+      </p:sp>
+      <p:sp>
+        <p:nvSpPr>
+          <p:cNvPr id="70" name="TextBox 69"/>
+          <p:cNvSpPr txBox="1"/>
+          <p:nvPr/>
+        </p:nvSpPr>
+        <p:spPr>
+          <a:xfrm>
+            <a:off x="5410200" y="3276600"/>
+            <a:ext cx="685800" cy="276999"/>
+          </a:xfrm>
+          <a:prstGeom prst="rect">
+            <a:avLst/>
+          </a:prstGeom>
+          <a:noFill/>
+        </p:spPr>
+        <p:txBody>
+          <a:bodyPr wrap="square" rtlCol="0">
+            <a:spAutoFit/>
+          </a:bodyPr>
+          <a:lstStyle/>
+          <a:p>
+            <a:r>
+              <a:rPr lang="sv-SE" sz="1200" dirty="0" smtClean="0"/>
+              <a:t>[1000]</a:t>
+            </a:r>
+            <a:endParaRPr lang="sv-SE" sz="1200" dirty="0"/>
+          </a:p>
+        </p:txBody>
+      </p:sp>
+      <p:sp>
+        <p:nvSpPr>
+          <p:cNvPr id="71" name="TextBox 70"/>
+          <p:cNvSpPr txBox="1"/>
+          <p:nvPr/>
+        </p:nvSpPr>
+        <p:spPr>
+          <a:xfrm>
+            <a:off x="7924800" y="3276600"/>
+            <a:ext cx="685800" cy="276999"/>
+          </a:xfrm>
+          <a:prstGeom prst="rect">
+            <a:avLst/>
+          </a:prstGeom>
+          <a:noFill/>
+        </p:spPr>
+        <p:txBody>
+          <a:bodyPr wrap="square" rtlCol="0">
+            <a:spAutoFit/>
+          </a:bodyPr>
+          <a:lstStyle/>
+          <a:p>
+            <a:r>
+              <a:rPr lang="sv-SE" sz="1200" dirty="0" smtClean="0"/>
+              <a:t>[50]</a:t>
+            </a:r>
+            <a:endParaRPr lang="sv-SE" sz="1200" dirty="0"/>
+          </a:p>
+        </p:txBody>
+      </p:sp>
+      <p:sp>
+        <p:nvSpPr>
+          <p:cNvPr id="72" name="TextBox 71"/>
+          <p:cNvSpPr txBox="1"/>
+          <p:nvPr/>
+        </p:nvSpPr>
+        <p:spPr>
+          <a:xfrm>
+            <a:off x="4724400" y="1066800"/>
+            <a:ext cx="685800" cy="276999"/>
+          </a:xfrm>
+          <a:prstGeom prst="rect">
+            <a:avLst/>
+          </a:prstGeom>
+          <a:noFill/>
+        </p:spPr>
+        <p:txBody>
+          <a:bodyPr wrap="square" rtlCol="0">
+            <a:spAutoFit/>
+          </a:bodyPr>
+          <a:lstStyle/>
+          <a:p>
+            <a:r>
+              <a:rPr lang="sv-SE" sz="1200" dirty="0" smtClean="0"/>
+              <a:t>[500]</a:t>
+            </a:r>
+            <a:endParaRPr lang="sv-SE" sz="1200" dirty="0"/>
+          </a:p>
+        </p:txBody>
+      </p:sp>
+      <p:sp>
+        <p:nvSpPr>
+          <p:cNvPr id="73" name="TextBox 72"/>
+          <p:cNvSpPr txBox="1"/>
+          <p:nvPr/>
+        </p:nvSpPr>
+        <p:spPr>
+          <a:xfrm>
+            <a:off x="2362200" y="1066800"/>
+            <a:ext cx="685800" cy="276999"/>
+          </a:xfrm>
+          <a:prstGeom prst="rect">
+            <a:avLst/>
+          </a:prstGeom>
+          <a:noFill/>
+        </p:spPr>
+        <p:txBody>
+          <a:bodyPr wrap="square" rtlCol="0">
+            <a:spAutoFit/>
+          </a:bodyPr>
+          <a:lstStyle/>
+          <a:p>
+            <a:r>
+              <a:rPr lang="sv-SE" sz="1200" dirty="0" smtClean="0"/>
+              <a:t>[100]</a:t>
+            </a:r>
+            <a:endParaRPr lang="sv-SE" sz="1200" dirty="0"/>
+          </a:p>
+        </p:txBody>
+      </p:sp>
+      <p:cxnSp>
+        <p:nvCxnSpPr>
+          <p:cNvPr id="74" name="Straight Arrow Connector 73"/>
+          <p:cNvCxnSpPr/>
+          <p:nvPr/>
+        </p:nvCxnSpPr>
+        <p:spPr>
+          <a:xfrm flipH="1">
+            <a:off x="762000" y="838200"/>
+            <a:ext cx="838200" cy="0"/>
+          </a:xfrm>
+          <a:prstGeom prst="straightConnector1">
+            <a:avLst/>
+          </a:prstGeom>
+          <a:ln>
+            <a:tailEnd type="arrow"/>
+          </a:ln>
+        </p:spPr>
+        <p:style>
+          <a:lnRef idx="2">
+            <a:schemeClr val="dk1"/>
+          </a:lnRef>
+          <a:fillRef idx="0">
+            <a:schemeClr val="dk1"/>
+          </a:fillRef>
+          <a:effectRef idx="1">
+            <a:schemeClr val="dk1"/>
+          </a:effectRef>
+          <a:fontRef idx="minor">
+            <a:schemeClr val="tx1"/>
+          </a:fontRef>
+        </p:style>
+      </p:cxnSp>
+      <p:sp>
+        <p:nvSpPr>
+          <p:cNvPr id="75" name="TextBox 74"/>
+          <p:cNvSpPr txBox="1"/>
+          <p:nvPr/>
+        </p:nvSpPr>
+        <p:spPr>
+          <a:xfrm>
+            <a:off x="762000" y="533400"/>
+            <a:ext cx="762000" cy="276999"/>
+          </a:xfrm>
+          <a:prstGeom prst="rect">
+            <a:avLst/>
+          </a:prstGeom>
+          <a:noFill/>
+        </p:spPr>
+        <p:txBody>
+          <a:bodyPr wrap="square" rtlCol="0">
+            <a:spAutoFit/>
+          </a:bodyPr>
+          <a:lstStyle/>
+          <a:p>
+            <a:r>
+              <a:rPr lang="sv-SE" sz="1200" dirty="0" smtClean="0"/>
+              <a:t>0</a:t>
+            </a:r>
+            <a:r>
+              <a:rPr lang="sv-SE" sz="1200" dirty="0" smtClean="0"/>
+              <a:t>/10/50</a:t>
+            </a:r>
+            <a:endParaRPr lang="sv-SE" sz="1200" dirty="0"/>
+          </a:p>
+        </p:txBody>
+      </p:sp>
+      <p:sp>
+        <p:nvSpPr>
+          <p:cNvPr id="76" name="TextBox 75"/>
+          <p:cNvSpPr txBox="1"/>
+          <p:nvPr/>
+        </p:nvSpPr>
+        <p:spPr>
+          <a:xfrm>
+            <a:off x="3505200" y="0"/>
+            <a:ext cx="914400" cy="276999"/>
+          </a:xfrm>
+          <a:prstGeom prst="rect">
+            <a:avLst/>
+          </a:prstGeom>
+          <a:noFill/>
+        </p:spPr>
+        <p:txBody>
+          <a:bodyPr wrap="square" rtlCol="0">
+            <a:spAutoFit/>
+          </a:bodyPr>
+          <a:lstStyle/>
+          <a:p>
+            <a:r>
+              <a:rPr lang="sv-SE" sz="1200" dirty="0" smtClean="0"/>
+              <a:t>0</a:t>
+            </a:r>
+            <a:r>
+              <a:rPr lang="sv-SE" sz="1200" dirty="0" smtClean="0"/>
+              <a:t>/5/20</a:t>
+            </a:r>
+            <a:endParaRPr lang="sv-SE" sz="1200" dirty="0"/>
+          </a:p>
+        </p:txBody>
+      </p:sp>
+      <p:cxnSp>
+        <p:nvCxnSpPr>
+          <p:cNvPr id="78" name="Straight Arrow Connector 77"/>
+          <p:cNvCxnSpPr/>
+          <p:nvPr/>
+        </p:nvCxnSpPr>
+        <p:spPr>
+          <a:xfrm>
+            <a:off x="3505200" y="304800"/>
+            <a:ext cx="838200" cy="0"/>
+          </a:xfrm>
+          <a:prstGeom prst="straightConnector1">
+            <a:avLst/>
+          </a:prstGeom>
+          <a:ln>
+            <a:tailEnd type="arrow"/>
+          </a:ln>
+        </p:spPr>
+        <p:style>
+          <a:lnRef idx="2">
+            <a:schemeClr val="dk1"/>
+          </a:lnRef>
+          <a:fillRef idx="0">
+            <a:schemeClr val="dk1"/>
+          </a:fillRef>
+          <a:effectRef idx="1">
+            <a:schemeClr val="dk1"/>
+          </a:effectRef>
+          <a:fontRef idx="minor">
+            <a:schemeClr val="tx1"/>
+          </a:fontRef>
+        </p:style>
+      </p:cxnSp>
+      <p:cxnSp>
+        <p:nvCxnSpPr>
+          <p:cNvPr id="79" name="Straight Arrow Connector 78"/>
+          <p:cNvCxnSpPr/>
+          <p:nvPr/>
+        </p:nvCxnSpPr>
+        <p:spPr>
+          <a:xfrm flipH="1">
+            <a:off x="6400800" y="2438400"/>
+            <a:ext cx="838200" cy="0"/>
+          </a:xfrm>
+          <a:prstGeom prst="straightConnector1">
+            <a:avLst/>
+          </a:prstGeom>
+          <a:ln>
+            <a:tailEnd type="arrow"/>
+          </a:ln>
+        </p:spPr>
+        <p:style>
+          <a:lnRef idx="2">
+            <a:schemeClr val="dk1"/>
+          </a:lnRef>
+          <a:fillRef idx="0">
+            <a:schemeClr val="dk1"/>
+          </a:fillRef>
+          <a:effectRef idx="1">
+            <a:schemeClr val="dk1"/>
+          </a:effectRef>
+          <a:fontRef idx="minor">
+            <a:schemeClr val="tx1"/>
+          </a:fontRef>
+        </p:style>
+      </p:cxnSp>
+      <p:sp>
+        <p:nvSpPr>
+          <p:cNvPr id="80" name="TextBox 79"/>
+          <p:cNvSpPr txBox="1"/>
+          <p:nvPr/>
+        </p:nvSpPr>
+        <p:spPr>
+          <a:xfrm>
+            <a:off x="6477000" y="2057401"/>
+            <a:ext cx="990600" cy="276999"/>
+          </a:xfrm>
+          <a:prstGeom prst="rect">
+            <a:avLst/>
+          </a:prstGeom>
+          <a:noFill/>
+        </p:spPr>
+        <p:txBody>
+          <a:bodyPr wrap="square" rtlCol="0">
+            <a:spAutoFit/>
+          </a:bodyPr>
+          <a:lstStyle/>
+          <a:p>
+            <a:r>
+              <a:rPr lang="sv-SE" sz="1200" dirty="0" smtClean="0"/>
+              <a:t>0</a:t>
+            </a:r>
+            <a:r>
+              <a:rPr lang="sv-SE" sz="1200" dirty="0" smtClean="0"/>
+              <a:t>/20/100</a:t>
             </a:r>
             <a:endParaRPr lang="sv-SE" sz="1200" dirty="0"/>
           </a:p>
